--- a/presentations/Bài 14_Dòng vào ra.pptx
+++ b/presentations/Bài 14_Dòng vào ra.pptx
@@ -5,7 +5,7 @@
     <p:sldMasterId id="2147483659" r:id="rId1"/>
   </p:sldMasterIdLst>
   <p:notesMasterIdLst>
-    <p:notesMasterId r:id="rId55"/>
+    <p:notesMasterId r:id="rId56"/>
   </p:notesMasterIdLst>
   <p:sldIdLst>
     <p:sldId id="256" r:id="rId2"/>
@@ -61,6 +61,7 @@
     <p:sldId id="463" r:id="rId52"/>
     <p:sldId id="465" r:id="rId53"/>
     <p:sldId id="282" r:id="rId54"/>
+    <p:sldId id="346" r:id="rId55"/>
   </p:sldIdLst>
   <p:sldSz cx="9144000" cy="5143500" type="screen16x9"/>
   <p:notesSz cx="6858000" cy="9144000"/>
@@ -2382,7 +2383,7 @@
           <a:lstStyle/>
           <a:p>
             <a:r>
-              <a:rPr lang="en-US" smtClean="0"/>
+              <a:rPr lang="en-US"/>
               <a:t>Click to edit Master title style</a:t>
             </a:r>
             <a:endParaRPr lang="en-US" dirty="0"/>
@@ -2406,35 +2407,35 @@
           <a:p>
             <a:pPr lvl="0"/>
             <a:r>
-              <a:rPr lang="en-US" smtClean="0"/>
+              <a:rPr lang="en-US"/>
               <a:t>Edit Master text styles</a:t>
             </a:r>
           </a:p>
           <a:p>
             <a:pPr lvl="1"/>
             <a:r>
-              <a:rPr lang="en-US" smtClean="0"/>
+              <a:rPr lang="en-US"/>
               <a:t>Second level</a:t>
             </a:r>
           </a:p>
           <a:p>
             <a:pPr lvl="2"/>
             <a:r>
-              <a:rPr lang="en-US" smtClean="0"/>
+              <a:rPr lang="en-US"/>
               <a:t>Third level</a:t>
             </a:r>
           </a:p>
           <a:p>
             <a:pPr lvl="3"/>
             <a:r>
-              <a:rPr lang="en-US" smtClean="0"/>
+              <a:rPr lang="en-US"/>
               <a:t>Fourth level</a:t>
             </a:r>
           </a:p>
           <a:p>
             <a:pPr lvl="4"/>
             <a:r>
-              <a:rPr lang="en-US" smtClean="0"/>
+              <a:rPr lang="en-US"/>
               <a:t>Fifth level</a:t>
             </a:r>
             <a:endParaRPr lang="en-US" dirty="0"/>
@@ -2482,7 +2483,7 @@
               <a:pPr>
                 <a:defRPr/>
               </a:pPr>
-              <a:t>19/03/2023</a:t>
+              <a:t>4/12/2023</a:t>
             </a:fld>
             <a:endParaRPr lang="en-US">
               <a:solidFill>
@@ -2630,10 +2631,9 @@
           <a:lstStyle/>
           <a:p>
             <a:r>
-              <a:rPr lang="en-US" smtClean="0"/>
+              <a:rPr lang="en-US"/>
               <a:t>Click to edit Master title style</a:t>
             </a:r>
-            <a:endParaRPr lang="en-US"/>
           </a:p>
         </p:txBody>
       </p:sp>
@@ -2659,38 +2659,37 @@
           <a:p>
             <a:pPr lvl="0"/>
             <a:r>
-              <a:rPr lang="en-US" smtClean="0"/>
+              <a:rPr lang="en-US"/>
               <a:t>Click to edit Master text styles</a:t>
             </a:r>
           </a:p>
           <a:p>
             <a:pPr lvl="1"/>
             <a:r>
-              <a:rPr lang="en-US" smtClean="0"/>
+              <a:rPr lang="en-US"/>
               <a:t>Second level</a:t>
             </a:r>
           </a:p>
           <a:p>
             <a:pPr lvl="2"/>
             <a:r>
-              <a:rPr lang="en-US" smtClean="0"/>
+              <a:rPr lang="en-US"/>
               <a:t>Third level</a:t>
             </a:r>
           </a:p>
           <a:p>
             <a:pPr lvl="3"/>
             <a:r>
-              <a:rPr lang="en-US" smtClean="0"/>
+              <a:rPr lang="en-US"/>
               <a:t>Fourth level</a:t>
             </a:r>
           </a:p>
           <a:p>
             <a:pPr lvl="4"/>
             <a:r>
-              <a:rPr lang="en-US" smtClean="0"/>
+              <a:rPr lang="en-US"/>
               <a:t>Fifth level</a:t>
             </a:r>
-            <a:endParaRPr lang="en-US"/>
           </a:p>
         </p:txBody>
       </p:sp>
@@ -2716,38 +2715,37 @@
           <a:p>
             <a:pPr lvl="0"/>
             <a:r>
-              <a:rPr lang="en-US" smtClean="0"/>
+              <a:rPr lang="en-US"/>
               <a:t>Click to edit Master text styles</a:t>
             </a:r>
           </a:p>
           <a:p>
             <a:pPr lvl="1"/>
             <a:r>
-              <a:rPr lang="en-US" smtClean="0"/>
+              <a:rPr lang="en-US"/>
               <a:t>Second level</a:t>
             </a:r>
           </a:p>
           <a:p>
             <a:pPr lvl="2"/>
             <a:r>
-              <a:rPr lang="en-US" smtClean="0"/>
+              <a:rPr lang="en-US"/>
               <a:t>Third level</a:t>
             </a:r>
           </a:p>
           <a:p>
             <a:pPr lvl="3"/>
             <a:r>
-              <a:rPr lang="en-US" smtClean="0"/>
+              <a:rPr lang="en-US"/>
               <a:t>Fourth level</a:t>
             </a:r>
           </a:p>
           <a:p>
             <a:pPr lvl="4"/>
             <a:r>
-              <a:rPr lang="en-US" smtClean="0"/>
+              <a:rPr lang="en-US"/>
               <a:t>Fifth level</a:t>
             </a:r>
-            <a:endParaRPr lang="en-US"/>
           </a:p>
         </p:txBody>
       </p:sp>
@@ -2931,10 +2929,9 @@
           <a:lstStyle/>
           <a:p>
             <a:r>
-              <a:rPr lang="en-US" smtClean="0"/>
+              <a:rPr lang="en-US"/>
               <a:t>Click to edit Master title style</a:t>
             </a:r>
-            <a:endParaRPr lang="en-US"/>
           </a:p>
         </p:txBody>
       </p:sp>
@@ -2960,38 +2957,37 @@
           <a:p>
             <a:pPr lvl="0"/>
             <a:r>
-              <a:rPr lang="en-US" smtClean="0"/>
+              <a:rPr lang="en-US"/>
               <a:t>Click to edit Master text styles</a:t>
             </a:r>
           </a:p>
           <a:p>
             <a:pPr lvl="1"/>
             <a:r>
-              <a:rPr lang="en-US" smtClean="0"/>
+              <a:rPr lang="en-US"/>
               <a:t>Second level</a:t>
             </a:r>
           </a:p>
           <a:p>
             <a:pPr lvl="2"/>
             <a:r>
-              <a:rPr lang="en-US" smtClean="0"/>
+              <a:rPr lang="en-US"/>
               <a:t>Third level</a:t>
             </a:r>
           </a:p>
           <a:p>
             <a:pPr lvl="3"/>
             <a:r>
-              <a:rPr lang="en-US" smtClean="0"/>
+              <a:rPr lang="en-US"/>
               <a:t>Fourth level</a:t>
             </a:r>
           </a:p>
           <a:p>
             <a:pPr lvl="4"/>
             <a:r>
-              <a:rPr lang="en-US" smtClean="0"/>
+              <a:rPr lang="en-US"/>
               <a:t>Fifth level</a:t>
             </a:r>
-            <a:endParaRPr lang="en-US"/>
           </a:p>
         </p:txBody>
       </p:sp>
@@ -3017,38 +3013,37 @@
           <a:p>
             <a:pPr lvl="0"/>
             <a:r>
-              <a:rPr lang="en-US" smtClean="0"/>
+              <a:rPr lang="en-US"/>
               <a:t>Click to edit Master text styles</a:t>
             </a:r>
           </a:p>
           <a:p>
             <a:pPr lvl="1"/>
             <a:r>
-              <a:rPr lang="en-US" smtClean="0"/>
+              <a:rPr lang="en-US"/>
               <a:t>Second level</a:t>
             </a:r>
           </a:p>
           <a:p>
             <a:pPr lvl="2"/>
             <a:r>
-              <a:rPr lang="en-US" smtClean="0"/>
+              <a:rPr lang="en-US"/>
               <a:t>Third level</a:t>
             </a:r>
           </a:p>
           <a:p>
             <a:pPr lvl="3"/>
             <a:r>
-              <a:rPr lang="en-US" smtClean="0"/>
+              <a:rPr lang="en-US"/>
               <a:t>Fourth level</a:t>
             </a:r>
           </a:p>
           <a:p>
             <a:pPr lvl="4"/>
             <a:r>
-              <a:rPr lang="en-US" smtClean="0"/>
+              <a:rPr lang="en-US"/>
               <a:t>Fifth level</a:t>
             </a:r>
-            <a:endParaRPr lang="en-US"/>
           </a:p>
         </p:txBody>
       </p:sp>
@@ -3074,38 +3069,37 @@
           <a:p>
             <a:pPr lvl="0"/>
             <a:r>
-              <a:rPr lang="en-US" smtClean="0"/>
+              <a:rPr lang="en-US"/>
               <a:t>Click to edit Master text styles</a:t>
             </a:r>
           </a:p>
           <a:p>
             <a:pPr lvl="1"/>
             <a:r>
-              <a:rPr lang="en-US" smtClean="0"/>
+              <a:rPr lang="en-US"/>
               <a:t>Second level</a:t>
             </a:r>
           </a:p>
           <a:p>
             <a:pPr lvl="2"/>
             <a:r>
-              <a:rPr lang="en-US" smtClean="0"/>
+              <a:rPr lang="en-US"/>
               <a:t>Third level</a:t>
             </a:r>
           </a:p>
           <a:p>
             <a:pPr lvl="3"/>
             <a:r>
-              <a:rPr lang="en-US" smtClean="0"/>
+              <a:rPr lang="en-US"/>
               <a:t>Fourth level</a:t>
             </a:r>
           </a:p>
           <a:p>
             <a:pPr lvl="4"/>
             <a:r>
-              <a:rPr lang="en-US" smtClean="0"/>
+              <a:rPr lang="en-US"/>
               <a:t>Fifth level</a:t>
             </a:r>
-            <a:endParaRPr lang="en-US"/>
           </a:p>
         </p:txBody>
       </p:sp>
@@ -7869,22 +7863,21 @@
           <a:p>
             <a:pPr lvl="0"/>
             <a:r>
-              <a:rPr lang="en-US" sz="4800" dirty="0" err="1" smtClean="0"/>
+              <a:rPr lang="en-US" sz="4800" dirty="0" err="1"/>
               <a:t>DÒNG</a:t>
             </a:r>
             <a:r>
-              <a:rPr lang="en-US" sz="4800" dirty="0" smtClean="0"/>
+              <a:rPr lang="en-US" sz="4800" dirty="0"/>
               <a:t> </a:t>
             </a:r>
             <a:r>
-              <a:rPr lang="en-US" sz="4800" dirty="0" err="1" smtClean="0"/>
+              <a:rPr lang="en-US" sz="4800" dirty="0" err="1"/>
               <a:t>VÀO</a:t>
             </a:r>
             <a:r>
-              <a:rPr lang="en-US" sz="4800" dirty="0" smtClean="0"/>
+              <a:rPr lang="en-US" sz="4800" dirty="0"/>
               <a:t> RA</a:t>
             </a:r>
-            <a:endParaRPr lang="en-US" sz="4800" dirty="0"/>
           </a:p>
         </p:txBody>
       </p:sp>
@@ -7924,11 +7917,7 @@
             </a:pPr>
             <a:r>
               <a:rPr lang="en" dirty="0"/>
-              <a:t>Khóa học </a:t>
-            </a:r>
-            <a:r>
-              <a:rPr lang="en" dirty="0" smtClean="0"/>
-              <a:t>Java</a:t>
+              <a:t>Khóa học Java</a:t>
             </a:r>
             <a:endParaRPr dirty="0"/>
           </a:p>
@@ -7972,7 +7961,7 @@
         <p:spPr>
           <a:extLst>
             <a:ext uri="{FAA26D3D-D897-4be2-8F04-BA451C77F1D7}">
-              <ma14:placeholderFlag xmlns="" xmlns:ma14="http://schemas.microsoft.com/office/mac/drawingml/2011/main" val="1"/>
+              <ma14:placeholderFlag xmlns:ma14="http://schemas.microsoft.com/office/mac/drawingml/2011/main" xmlns="" val="1"/>
             </a:ext>
           </a:extLst>
         </p:spPr>
@@ -7983,18 +7972,17 @@
           <a:lstStyle/>
           <a:p>
             <a:r>
-              <a:rPr lang="en-US" altLang="en-US" sz="2000" dirty="0" smtClean="0"/>
+              <a:rPr lang="en-US" altLang="en-US" sz="2000" dirty="0"/>
               <a:t>SO </a:t>
             </a:r>
             <a:r>
-              <a:rPr lang="en-US" altLang="en-US" sz="2000" dirty="0" err="1" smtClean="0"/>
+              <a:rPr lang="en-US" altLang="en-US" sz="2000" dirty="0" err="1"/>
               <a:t>SÁNH</a:t>
             </a:r>
             <a:r>
-              <a:rPr lang="en-US" altLang="en-US" sz="2000" dirty="0" smtClean="0"/>
+              <a:rPr lang="en-US" altLang="en-US" sz="2000" dirty="0"/>
               <a:t> BYTE STREAM VÀ CHARACTER STREAM </a:t>
             </a:r>
-            <a:endParaRPr lang="en-US" altLang="en-US" sz="2000" dirty="0"/>
           </a:p>
         </p:txBody>
       </p:sp>
@@ -8023,8 +8011,20 @@
                 <a:tableStyleId>{0660B408-B3CF-4A94-85FC-2B1E0A45F4A2}</a:tableStyleId>
               </a:tblPr>
               <a:tblGrid>
-                <a:gridCol w="4242562"/>
-                <a:gridCol w="4378833"/>
+                <a:gridCol w="4242562">
+                  <a:extLst>
+                    <a:ext uri="{9D8B030D-6E8A-4147-A177-3AD203B41FA5}">
+                      <a16:colId xmlns:a16="http://schemas.microsoft.com/office/drawing/2014/main" val="20000"/>
+                    </a:ext>
+                  </a:extLst>
+                </a:gridCol>
+                <a:gridCol w="4378833">
+                  <a:extLst>
+                    <a:ext uri="{9D8B030D-6E8A-4147-A177-3AD203B41FA5}">
+                      <a16:colId xmlns:a16="http://schemas.microsoft.com/office/drawing/2014/main" val="20001"/>
+                    </a:ext>
+                  </a:extLst>
+                </a:gridCol>
               </a:tblGrid>
               <a:tr h="528332">
                 <a:tc>
@@ -8085,6 +8085,11 @@
                   </a:txBody>
                   <a:tcPr marL="76200" marR="76200" marT="76200" marB="76200" anchor="ctr"/>
                 </a:tc>
+                <a:extLst>
+                  <a:ext uri="{0D108BD9-81ED-4DB2-BD59-A6C34878D82A}">
+                    <a16:rowId xmlns:a16="http://schemas.microsoft.com/office/drawing/2014/main" val="10000"/>
+                  </a:ext>
+                </a:extLst>
               </a:tr>
               <a:tr h="504132">
                 <a:tc>
@@ -8253,6 +8258,11 @@
                   </a:txBody>
                   <a:tcPr marL="76200" marR="76200" marT="76200" marB="76200" anchor="ctr"/>
                 </a:tc>
+                <a:extLst>
+                  <a:ext uri="{0D108BD9-81ED-4DB2-BD59-A6C34878D82A}">
+                    <a16:rowId xmlns:a16="http://schemas.microsoft.com/office/drawing/2014/main" val="10001"/>
+                  </a:ext>
+                </a:extLst>
               </a:tr>
               <a:tr h="784314">
                 <a:tc>
@@ -8740,6 +8750,11 @@
                   </a:txBody>
                   <a:tcPr marL="76200" marR="76200" marT="76200" marB="76200" anchor="ctr"/>
                 </a:tc>
+                <a:extLst>
+                  <a:ext uri="{0D108BD9-81ED-4DB2-BD59-A6C34878D82A}">
+                    <a16:rowId xmlns:a16="http://schemas.microsoft.com/office/drawing/2014/main" val="10002"/>
+                  </a:ext>
+                </a:extLst>
               </a:tr>
               <a:tr h="504132">
                 <a:tc>
@@ -9238,6 +9253,11 @@
                   </a:txBody>
                   <a:tcPr marL="76200" marR="76200" marT="76200" marB="76200" anchor="ctr"/>
                 </a:tc>
+                <a:extLst>
+                  <a:ext uri="{0D108BD9-81ED-4DB2-BD59-A6C34878D82A}">
+                    <a16:rowId xmlns:a16="http://schemas.microsoft.com/office/drawing/2014/main" val="10003"/>
+                  </a:ext>
+                </a:extLst>
               </a:tr>
               <a:tr h="1064498">
                 <a:tc>
@@ -9868,6 +9888,11 @@
                   </a:txBody>
                   <a:tcPr marL="76200" marR="76200" marT="76200" marB="76200" anchor="ctr"/>
                 </a:tc>
+                <a:extLst>
+                  <a:ext uri="{0D108BD9-81ED-4DB2-BD59-A6C34878D82A}">
+                    <a16:rowId xmlns:a16="http://schemas.microsoft.com/office/drawing/2014/main" val="10004"/>
+                  </a:ext>
+                </a:extLst>
               </a:tr>
             </a:tbl>
           </a:graphicData>
@@ -9883,13 +9908,6 @@
   <p:clrMapOvr>
     <a:masterClrMapping/>
   </p:clrMapOvr>
-  <p:timing>
-    <p:tnLst>
-      <p:par>
-        <p:cTn id="1" dur="indefinite" restart="never" nodeType="tmRoot"/>
-      </p:par>
-    </p:tnLst>
-  </p:timing>
 </p:sld>
 </file>
 
@@ -9923,7 +9941,7 @@
         <p:spPr>
           <a:extLst>
             <a:ext uri="{FAA26D3D-D897-4be2-8F04-BA451C77F1D7}">
-              <ma14:placeholderFlag xmlns="" xmlns:ma14="http://schemas.microsoft.com/office/mac/drawingml/2011/main" val="1"/>
+              <ma14:placeholderFlag xmlns:ma14="http://schemas.microsoft.com/office/mac/drawingml/2011/main" xmlns="" val="1"/>
             </a:ext>
           </a:extLst>
         </p:spPr>
@@ -9934,22 +9952,21 @@
           <a:lstStyle/>
           <a:p>
             <a:r>
-              <a:rPr lang="en-US" altLang="en-US" sz="2000" dirty="0" err="1" smtClean="0"/>
+              <a:rPr lang="en-US" altLang="en-US" sz="2000" dirty="0" err="1"/>
               <a:t>MỘT</a:t>
             </a:r>
             <a:r>
-              <a:rPr lang="en-US" altLang="en-US" sz="2000" dirty="0" smtClean="0"/>
+              <a:rPr lang="en-US" altLang="en-US" sz="2000" dirty="0"/>
               <a:t> </a:t>
             </a:r>
             <a:r>
-              <a:rPr lang="en-US" altLang="en-US" sz="2000" dirty="0" err="1" smtClean="0"/>
+              <a:rPr lang="en-US" altLang="en-US" sz="2000" dirty="0" err="1"/>
               <a:t>SỐ</a:t>
             </a:r>
             <a:r>
-              <a:rPr lang="en-US" altLang="en-US" sz="2000" dirty="0" smtClean="0"/>
+              <a:rPr lang="en-US" altLang="en-US" sz="2000" dirty="0"/>
               <a:t> LỚP BYTE STREAM VÀ CHARACTER STREAM</a:t>
             </a:r>
-            <a:endParaRPr lang="en-US" altLang="en-US" sz="2000" dirty="0"/>
           </a:p>
         </p:txBody>
       </p:sp>
@@ -9996,13 +10013,6 @@
   <p:clrMapOvr>
     <a:masterClrMapping/>
   </p:clrMapOvr>
-  <p:timing>
-    <p:tnLst>
-      <p:par>
-        <p:cTn id="1" dur="indefinite" restart="never" nodeType="tmRoot"/>
-      </p:par>
-    </p:tnLst>
-  </p:timing>
 </p:sld>
 </file>
 
@@ -10036,7 +10046,7 @@
         <p:spPr>
           <a:extLst>
             <a:ext uri="{FAA26D3D-D897-4be2-8F04-BA451C77F1D7}">
-              <ma14:placeholderFlag xmlns="" xmlns:ma14="http://schemas.microsoft.com/office/mac/drawingml/2011/main" val="1"/>
+              <ma14:placeholderFlag xmlns:ma14="http://schemas.microsoft.com/office/mac/drawingml/2011/main" xmlns="" val="1"/>
             </a:ext>
           </a:extLst>
         </p:spPr>
@@ -10047,22 +10057,21 @@
           <a:lstStyle/>
           <a:p>
             <a:r>
-              <a:rPr lang="en-US" altLang="en-US" sz="2000" dirty="0" err="1" smtClean="0"/>
+              <a:rPr lang="en-US" altLang="en-US" sz="2000" dirty="0" err="1"/>
               <a:t>MỘT</a:t>
             </a:r>
             <a:r>
-              <a:rPr lang="en-US" altLang="en-US" sz="2000" dirty="0" smtClean="0"/>
+              <a:rPr lang="en-US" altLang="en-US" sz="2000" dirty="0"/>
               <a:t> </a:t>
             </a:r>
             <a:r>
-              <a:rPr lang="en-US" altLang="en-US" sz="2000" dirty="0" err="1" smtClean="0"/>
+              <a:rPr lang="en-US" altLang="en-US" sz="2000" dirty="0" err="1"/>
               <a:t>SỐ</a:t>
             </a:r>
             <a:r>
-              <a:rPr lang="en-US" altLang="en-US" sz="2000" dirty="0" smtClean="0"/>
+              <a:rPr lang="en-US" altLang="en-US" sz="2000" dirty="0"/>
               <a:t> LỚP BYTE STREAM VÀ CHARACTER STREAM</a:t>
             </a:r>
-            <a:endParaRPr lang="en-US" altLang="en-US" sz="2000" dirty="0"/>
           </a:p>
         </p:txBody>
       </p:sp>
@@ -10128,7 +10137,1280 @@
               </a:rPr>
               <a:t> </a:t>
             </a:r>
-            <a:endParaRPr lang="en-US" sz="1800" b="1" dirty="0" smtClean="0">
+          </a:p>
+          <a:p>
+            <a:pPr algn="just">
+              <a:lnSpc>
+                <a:spcPct val="107000"/>
+              </a:lnSpc>
+              <a:spcAft>
+                <a:spcPts val="800"/>
+              </a:spcAft>
+            </a:pPr>
+            <a:r>
+              <a:rPr lang="en-US" sz="1800" dirty="0">
+                <a:solidFill>
+                  <a:srgbClr val="343A40"/>
+                </a:solidFill>
+                <a:latin typeface="Segoe UI" panose="020B0502040204020203" pitchFamily="34" charset="0"/>
+                <a:ea typeface="Times New Roman" panose="02020603050405020304" pitchFamily="18" charset="0"/>
+                <a:cs typeface="Times New Roman" panose="02020603050405020304" pitchFamily="18" charset="0"/>
+              </a:rPr>
+              <a:t>- </a:t>
+            </a:r>
+            <a:r>
+              <a:rPr lang="en-US" sz="1800" dirty="0" err="1">
+                <a:solidFill>
+                  <a:srgbClr val="343A40"/>
+                </a:solidFill>
+                <a:latin typeface="Segoe UI" panose="020B0502040204020203" pitchFamily="34" charset="0"/>
+                <a:ea typeface="Times New Roman" panose="02020603050405020304" pitchFamily="18" charset="0"/>
+                <a:cs typeface="Times New Roman" panose="02020603050405020304" pitchFamily="18" charset="0"/>
+              </a:rPr>
+              <a:t>Là</a:t>
+            </a:r>
+            <a:r>
+              <a:rPr lang="en-US" sz="1800" dirty="0">
+                <a:solidFill>
+                  <a:srgbClr val="343A40"/>
+                </a:solidFill>
+                <a:latin typeface="Segoe UI" panose="020B0502040204020203" pitchFamily="34" charset="0"/>
+                <a:ea typeface="Times New Roman" panose="02020603050405020304" pitchFamily="18" charset="0"/>
+                <a:cs typeface="Times New Roman" panose="02020603050405020304" pitchFamily="18" charset="0"/>
+              </a:rPr>
+              <a:t> </a:t>
+            </a:r>
+            <a:r>
+              <a:rPr lang="en-US" sz="1800" dirty="0" err="1">
+                <a:solidFill>
+                  <a:srgbClr val="343A40"/>
+                </a:solidFill>
+                <a:latin typeface="Segoe UI" panose="020B0502040204020203" pitchFamily="34" charset="0"/>
+                <a:ea typeface="Times New Roman" panose="02020603050405020304" pitchFamily="18" charset="0"/>
+                <a:cs typeface="Times New Roman" panose="02020603050405020304" pitchFamily="18" charset="0"/>
+              </a:rPr>
+              <a:t>một</a:t>
+            </a:r>
+            <a:r>
+              <a:rPr lang="en-US" sz="1800" dirty="0">
+                <a:solidFill>
+                  <a:srgbClr val="343A40"/>
+                </a:solidFill>
+                <a:latin typeface="Segoe UI" panose="020B0502040204020203" pitchFamily="34" charset="0"/>
+                <a:ea typeface="Times New Roman" panose="02020603050405020304" pitchFamily="18" charset="0"/>
+                <a:cs typeface="Times New Roman" panose="02020603050405020304" pitchFamily="18" charset="0"/>
+              </a:rPr>
+              <a:t> </a:t>
+            </a:r>
+            <a:r>
+              <a:rPr lang="en-US" sz="1800" dirty="0" err="1">
+                <a:solidFill>
+                  <a:srgbClr val="343A40"/>
+                </a:solidFill>
+                <a:latin typeface="Segoe UI" panose="020B0502040204020203" pitchFamily="34" charset="0"/>
+                <a:ea typeface="Times New Roman" panose="02020603050405020304" pitchFamily="18" charset="0"/>
+                <a:cs typeface="Times New Roman" panose="02020603050405020304" pitchFamily="18" charset="0"/>
+              </a:rPr>
+              <a:t>lớp</a:t>
+            </a:r>
+            <a:r>
+              <a:rPr lang="en-US" sz="1800" dirty="0">
+                <a:solidFill>
+                  <a:srgbClr val="343A40"/>
+                </a:solidFill>
+                <a:latin typeface="Segoe UI" panose="020B0502040204020203" pitchFamily="34" charset="0"/>
+                <a:ea typeface="Times New Roman" panose="02020603050405020304" pitchFamily="18" charset="0"/>
+                <a:cs typeface="Times New Roman" panose="02020603050405020304" pitchFamily="18" charset="0"/>
+              </a:rPr>
+              <a:t> cha </a:t>
+            </a:r>
+            <a:r>
+              <a:rPr lang="en-US" sz="1800" dirty="0" err="1">
+                <a:solidFill>
+                  <a:srgbClr val="343A40"/>
+                </a:solidFill>
+                <a:latin typeface="Segoe UI" panose="020B0502040204020203" pitchFamily="34" charset="0"/>
+                <a:ea typeface="Times New Roman" panose="02020603050405020304" pitchFamily="18" charset="0"/>
+                <a:cs typeface="Times New Roman" panose="02020603050405020304" pitchFamily="18" charset="0"/>
+              </a:rPr>
+              <a:t>trừu</a:t>
+            </a:r>
+            <a:r>
+              <a:rPr lang="en-US" sz="1800" dirty="0">
+                <a:solidFill>
+                  <a:srgbClr val="343A40"/>
+                </a:solidFill>
+                <a:latin typeface="Segoe UI" panose="020B0502040204020203" pitchFamily="34" charset="0"/>
+                <a:ea typeface="Times New Roman" panose="02020603050405020304" pitchFamily="18" charset="0"/>
+                <a:cs typeface="Times New Roman" panose="02020603050405020304" pitchFamily="18" charset="0"/>
+              </a:rPr>
+              <a:t> </a:t>
+            </a:r>
+            <a:r>
+              <a:rPr lang="en-US" sz="1800" dirty="0" err="1">
+                <a:solidFill>
+                  <a:srgbClr val="343A40"/>
+                </a:solidFill>
+                <a:latin typeface="Segoe UI" panose="020B0502040204020203" pitchFamily="34" charset="0"/>
+                <a:ea typeface="Times New Roman" panose="02020603050405020304" pitchFamily="18" charset="0"/>
+                <a:cs typeface="Times New Roman" panose="02020603050405020304" pitchFamily="18" charset="0"/>
+              </a:rPr>
+              <a:t>tượng</a:t>
+            </a:r>
+            <a:r>
+              <a:rPr lang="en-US" sz="1800" dirty="0">
+                <a:solidFill>
+                  <a:srgbClr val="343A40"/>
+                </a:solidFill>
+                <a:latin typeface="Segoe UI" panose="020B0502040204020203" pitchFamily="34" charset="0"/>
+                <a:ea typeface="Times New Roman" panose="02020603050405020304" pitchFamily="18" charset="0"/>
+                <a:cs typeface="Times New Roman" panose="02020603050405020304" pitchFamily="18" charset="0"/>
+              </a:rPr>
+              <a:t> </a:t>
+            </a:r>
+            <a:r>
+              <a:rPr lang="en-US" sz="1800" dirty="0" err="1">
+                <a:solidFill>
+                  <a:srgbClr val="343A40"/>
+                </a:solidFill>
+                <a:latin typeface="Segoe UI" panose="020B0502040204020203" pitchFamily="34" charset="0"/>
+                <a:ea typeface="Times New Roman" panose="02020603050405020304" pitchFamily="18" charset="0"/>
+                <a:cs typeface="Times New Roman" panose="02020603050405020304" pitchFamily="18" charset="0"/>
+              </a:rPr>
+              <a:t>cung</a:t>
+            </a:r>
+            <a:r>
+              <a:rPr lang="en-US" sz="1800" dirty="0">
+                <a:solidFill>
+                  <a:srgbClr val="343A40"/>
+                </a:solidFill>
+                <a:latin typeface="Segoe UI" panose="020B0502040204020203" pitchFamily="34" charset="0"/>
+                <a:ea typeface="Times New Roman" panose="02020603050405020304" pitchFamily="18" charset="0"/>
+                <a:cs typeface="Times New Roman" panose="02020603050405020304" pitchFamily="18" charset="0"/>
+              </a:rPr>
+              <a:t> </a:t>
+            </a:r>
+            <a:r>
+              <a:rPr lang="en-US" sz="1800" dirty="0" err="1">
+                <a:solidFill>
+                  <a:srgbClr val="343A40"/>
+                </a:solidFill>
+                <a:latin typeface="Segoe UI" panose="020B0502040204020203" pitchFamily="34" charset="0"/>
+                <a:ea typeface="Times New Roman" panose="02020603050405020304" pitchFamily="18" charset="0"/>
+                <a:cs typeface="Times New Roman" panose="02020603050405020304" pitchFamily="18" charset="0"/>
+              </a:rPr>
+              <a:t>cấp</a:t>
+            </a:r>
+            <a:r>
+              <a:rPr lang="en-US" sz="1800" dirty="0">
+                <a:solidFill>
+                  <a:srgbClr val="343A40"/>
+                </a:solidFill>
+                <a:latin typeface="Segoe UI" panose="020B0502040204020203" pitchFamily="34" charset="0"/>
+                <a:ea typeface="Times New Roman" panose="02020603050405020304" pitchFamily="18" charset="0"/>
+                <a:cs typeface="Times New Roman" panose="02020603050405020304" pitchFamily="18" charset="0"/>
+              </a:rPr>
+              <a:t> </a:t>
+            </a:r>
+            <a:r>
+              <a:rPr lang="en-US" sz="1800" dirty="0" err="1">
+                <a:solidFill>
+                  <a:srgbClr val="343A40"/>
+                </a:solidFill>
+                <a:latin typeface="Segoe UI" panose="020B0502040204020203" pitchFamily="34" charset="0"/>
+                <a:ea typeface="Times New Roman" panose="02020603050405020304" pitchFamily="18" charset="0"/>
+                <a:cs typeface="Times New Roman" panose="02020603050405020304" pitchFamily="18" charset="0"/>
+              </a:rPr>
+              <a:t>một</a:t>
+            </a:r>
+            <a:r>
+              <a:rPr lang="en-US" sz="1800" dirty="0">
+                <a:solidFill>
+                  <a:srgbClr val="343A40"/>
+                </a:solidFill>
+                <a:latin typeface="Segoe UI" panose="020B0502040204020203" pitchFamily="34" charset="0"/>
+                <a:ea typeface="Times New Roman" panose="02020603050405020304" pitchFamily="18" charset="0"/>
+                <a:cs typeface="Times New Roman" panose="02020603050405020304" pitchFamily="18" charset="0"/>
+              </a:rPr>
+              <a:t> </a:t>
+            </a:r>
+            <a:r>
+              <a:rPr lang="en-US" sz="1800" dirty="0" err="1">
+                <a:solidFill>
+                  <a:srgbClr val="343A40"/>
+                </a:solidFill>
+                <a:latin typeface="Segoe UI" panose="020B0502040204020203" pitchFamily="34" charset="0"/>
+                <a:ea typeface="Times New Roman" panose="02020603050405020304" pitchFamily="18" charset="0"/>
+                <a:cs typeface="Times New Roman" panose="02020603050405020304" pitchFamily="18" charset="0"/>
+              </a:rPr>
+              <a:t>giao</a:t>
+            </a:r>
+            <a:r>
+              <a:rPr lang="en-US" sz="1800" dirty="0">
+                <a:solidFill>
+                  <a:srgbClr val="343A40"/>
+                </a:solidFill>
+                <a:latin typeface="Segoe UI" panose="020B0502040204020203" pitchFamily="34" charset="0"/>
+                <a:ea typeface="Times New Roman" panose="02020603050405020304" pitchFamily="18" charset="0"/>
+                <a:cs typeface="Times New Roman" panose="02020603050405020304" pitchFamily="18" charset="0"/>
+              </a:rPr>
+              <a:t> </a:t>
+            </a:r>
+            <a:r>
+              <a:rPr lang="en-US" sz="1800" dirty="0" err="1">
+                <a:solidFill>
+                  <a:srgbClr val="343A40"/>
+                </a:solidFill>
+                <a:latin typeface="Segoe UI" panose="020B0502040204020203" pitchFamily="34" charset="0"/>
+                <a:ea typeface="Times New Roman" panose="02020603050405020304" pitchFamily="18" charset="0"/>
+                <a:cs typeface="Times New Roman" panose="02020603050405020304" pitchFamily="18" charset="0"/>
+              </a:rPr>
+              <a:t>diện</a:t>
+            </a:r>
+            <a:r>
+              <a:rPr lang="en-US" sz="1800" dirty="0">
+                <a:solidFill>
+                  <a:srgbClr val="343A40"/>
+                </a:solidFill>
+                <a:latin typeface="Segoe UI" panose="020B0502040204020203" pitchFamily="34" charset="0"/>
+                <a:ea typeface="Times New Roman" panose="02020603050405020304" pitchFamily="18" charset="0"/>
+                <a:cs typeface="Times New Roman" panose="02020603050405020304" pitchFamily="18" charset="0"/>
+              </a:rPr>
+              <a:t> </a:t>
+            </a:r>
+            <a:r>
+              <a:rPr lang="en-US" sz="1800" dirty="0" err="1">
+                <a:solidFill>
+                  <a:srgbClr val="343A40"/>
+                </a:solidFill>
+                <a:latin typeface="Segoe UI" panose="020B0502040204020203" pitchFamily="34" charset="0"/>
+                <a:ea typeface="Times New Roman" panose="02020603050405020304" pitchFamily="18" charset="0"/>
+                <a:cs typeface="Times New Roman" panose="02020603050405020304" pitchFamily="18" charset="0"/>
+              </a:rPr>
+              <a:t>lập</a:t>
+            </a:r>
+            <a:r>
+              <a:rPr lang="en-US" sz="1800" dirty="0">
+                <a:solidFill>
+                  <a:srgbClr val="343A40"/>
+                </a:solidFill>
+                <a:latin typeface="Segoe UI" panose="020B0502040204020203" pitchFamily="34" charset="0"/>
+                <a:ea typeface="Times New Roman" panose="02020603050405020304" pitchFamily="18" charset="0"/>
+                <a:cs typeface="Times New Roman" panose="02020603050405020304" pitchFamily="18" charset="0"/>
+              </a:rPr>
+              <a:t> </a:t>
+            </a:r>
+            <a:r>
+              <a:rPr lang="en-US" sz="1800" dirty="0" err="1">
+                <a:solidFill>
+                  <a:srgbClr val="343A40"/>
+                </a:solidFill>
+                <a:latin typeface="Segoe UI" panose="020B0502040204020203" pitchFamily="34" charset="0"/>
+                <a:ea typeface="Times New Roman" panose="02020603050405020304" pitchFamily="18" charset="0"/>
+                <a:cs typeface="Times New Roman" panose="02020603050405020304" pitchFamily="18" charset="0"/>
+              </a:rPr>
+              <a:t>trình</a:t>
+            </a:r>
+            <a:r>
+              <a:rPr lang="en-US" sz="1800" dirty="0">
+                <a:solidFill>
+                  <a:srgbClr val="343A40"/>
+                </a:solidFill>
+                <a:latin typeface="Segoe UI" panose="020B0502040204020203" pitchFamily="34" charset="0"/>
+                <a:ea typeface="Times New Roman" panose="02020603050405020304" pitchFamily="18" charset="0"/>
+                <a:cs typeface="Times New Roman" panose="02020603050405020304" pitchFamily="18" charset="0"/>
+              </a:rPr>
+              <a:t> </a:t>
+            </a:r>
+            <a:r>
+              <a:rPr lang="en-US" sz="1800" dirty="0" err="1">
+                <a:solidFill>
+                  <a:srgbClr val="343A40"/>
+                </a:solidFill>
+                <a:latin typeface="Segoe UI" panose="020B0502040204020203" pitchFamily="34" charset="0"/>
+                <a:ea typeface="Times New Roman" panose="02020603050405020304" pitchFamily="18" charset="0"/>
+                <a:cs typeface="Times New Roman" panose="02020603050405020304" pitchFamily="18" charset="0"/>
+              </a:rPr>
+              <a:t>tối</a:t>
+            </a:r>
+            <a:r>
+              <a:rPr lang="en-US" sz="1800" dirty="0">
+                <a:solidFill>
+                  <a:srgbClr val="343A40"/>
+                </a:solidFill>
+                <a:latin typeface="Segoe UI" panose="020B0502040204020203" pitchFamily="34" charset="0"/>
+                <a:ea typeface="Times New Roman" panose="02020603050405020304" pitchFamily="18" charset="0"/>
+                <a:cs typeface="Times New Roman" panose="02020603050405020304" pitchFamily="18" charset="0"/>
+              </a:rPr>
+              <a:t> </a:t>
+            </a:r>
+            <a:r>
+              <a:rPr lang="en-US" sz="1800" dirty="0" err="1">
+                <a:solidFill>
+                  <a:srgbClr val="343A40"/>
+                </a:solidFill>
+                <a:latin typeface="Segoe UI" panose="020B0502040204020203" pitchFamily="34" charset="0"/>
+                <a:ea typeface="Times New Roman" panose="02020603050405020304" pitchFamily="18" charset="0"/>
+                <a:cs typeface="Times New Roman" panose="02020603050405020304" pitchFamily="18" charset="0"/>
+              </a:rPr>
+              <a:t>thiểu</a:t>
+            </a:r>
+            <a:r>
+              <a:rPr lang="en-US" sz="1800" dirty="0">
+                <a:solidFill>
+                  <a:srgbClr val="343A40"/>
+                </a:solidFill>
+                <a:latin typeface="Segoe UI" panose="020B0502040204020203" pitchFamily="34" charset="0"/>
+                <a:ea typeface="Times New Roman" panose="02020603050405020304" pitchFamily="18" charset="0"/>
+                <a:cs typeface="Times New Roman" panose="02020603050405020304" pitchFamily="18" charset="0"/>
+              </a:rPr>
+              <a:t> và </a:t>
+            </a:r>
+            <a:r>
+              <a:rPr lang="en-US" sz="1800" dirty="0" err="1">
+                <a:solidFill>
+                  <a:srgbClr val="343A40"/>
+                </a:solidFill>
+                <a:latin typeface="Segoe UI" panose="020B0502040204020203" pitchFamily="34" charset="0"/>
+                <a:ea typeface="Times New Roman" panose="02020603050405020304" pitchFamily="18" charset="0"/>
+                <a:cs typeface="Times New Roman" panose="02020603050405020304" pitchFamily="18" charset="0"/>
+              </a:rPr>
+              <a:t>triển</a:t>
+            </a:r>
+            <a:r>
+              <a:rPr lang="en-US" sz="1800" dirty="0">
+                <a:solidFill>
+                  <a:srgbClr val="343A40"/>
+                </a:solidFill>
+                <a:latin typeface="Segoe UI" panose="020B0502040204020203" pitchFamily="34" charset="0"/>
+                <a:ea typeface="Times New Roman" panose="02020603050405020304" pitchFamily="18" charset="0"/>
+                <a:cs typeface="Times New Roman" panose="02020603050405020304" pitchFamily="18" charset="0"/>
+              </a:rPr>
+              <a:t> </a:t>
+            </a:r>
+            <a:r>
+              <a:rPr lang="en-US" sz="1800" dirty="0" err="1">
+                <a:solidFill>
+                  <a:srgbClr val="343A40"/>
+                </a:solidFill>
+                <a:latin typeface="Segoe UI" panose="020B0502040204020203" pitchFamily="34" charset="0"/>
+                <a:ea typeface="Times New Roman" panose="02020603050405020304" pitchFamily="18" charset="0"/>
+                <a:cs typeface="Times New Roman" panose="02020603050405020304" pitchFamily="18" charset="0"/>
+              </a:rPr>
+              <a:t>khai</a:t>
+            </a:r>
+            <a:r>
+              <a:rPr lang="en-US" sz="1800" dirty="0">
+                <a:solidFill>
+                  <a:srgbClr val="343A40"/>
+                </a:solidFill>
+                <a:latin typeface="Segoe UI" panose="020B0502040204020203" pitchFamily="34" charset="0"/>
+                <a:ea typeface="Times New Roman" panose="02020603050405020304" pitchFamily="18" charset="0"/>
+                <a:cs typeface="Times New Roman" panose="02020603050405020304" pitchFamily="18" charset="0"/>
+              </a:rPr>
+              <a:t> </a:t>
+            </a:r>
+            <a:r>
+              <a:rPr lang="en-US" sz="1800" dirty="0" err="1">
+                <a:solidFill>
+                  <a:srgbClr val="343A40"/>
+                </a:solidFill>
+                <a:latin typeface="Segoe UI" panose="020B0502040204020203" pitchFamily="34" charset="0"/>
+                <a:ea typeface="Times New Roman" panose="02020603050405020304" pitchFamily="18" charset="0"/>
+                <a:cs typeface="Times New Roman" panose="02020603050405020304" pitchFamily="18" charset="0"/>
+              </a:rPr>
+              <a:t>một</a:t>
+            </a:r>
+            <a:r>
+              <a:rPr lang="en-US" sz="1800" dirty="0">
+                <a:solidFill>
+                  <a:srgbClr val="343A40"/>
+                </a:solidFill>
+                <a:latin typeface="Segoe UI" panose="020B0502040204020203" pitchFamily="34" charset="0"/>
+                <a:ea typeface="Times New Roman" panose="02020603050405020304" pitchFamily="18" charset="0"/>
+                <a:cs typeface="Times New Roman" panose="02020603050405020304" pitchFamily="18" charset="0"/>
+              </a:rPr>
+              <a:t> </a:t>
+            </a:r>
+            <a:r>
+              <a:rPr lang="en-US" sz="1800" dirty="0" err="1">
+                <a:solidFill>
+                  <a:srgbClr val="343A40"/>
+                </a:solidFill>
+                <a:latin typeface="Segoe UI" panose="020B0502040204020203" pitchFamily="34" charset="0"/>
+                <a:ea typeface="Times New Roman" panose="02020603050405020304" pitchFamily="18" charset="0"/>
+                <a:cs typeface="Times New Roman" panose="02020603050405020304" pitchFamily="18" charset="0"/>
+              </a:rPr>
+              <a:t>phần</a:t>
+            </a:r>
+            <a:r>
+              <a:rPr lang="en-US" sz="1800" dirty="0">
+                <a:solidFill>
+                  <a:srgbClr val="343A40"/>
+                </a:solidFill>
+                <a:latin typeface="Segoe UI" panose="020B0502040204020203" pitchFamily="34" charset="0"/>
+                <a:ea typeface="Times New Roman" panose="02020603050405020304" pitchFamily="18" charset="0"/>
+                <a:cs typeface="Times New Roman" panose="02020603050405020304" pitchFamily="18" charset="0"/>
+              </a:rPr>
+              <a:t> </a:t>
+            </a:r>
+            <a:r>
+              <a:rPr lang="en-US" sz="1800" dirty="0" err="1">
+                <a:solidFill>
+                  <a:srgbClr val="343A40"/>
+                </a:solidFill>
+                <a:latin typeface="Segoe UI" panose="020B0502040204020203" pitchFamily="34" charset="0"/>
+                <a:ea typeface="Times New Roman" panose="02020603050405020304" pitchFamily="18" charset="0"/>
+                <a:cs typeface="Times New Roman" panose="02020603050405020304" pitchFamily="18" charset="0"/>
+              </a:rPr>
+              <a:t>các</a:t>
+            </a:r>
+            <a:r>
+              <a:rPr lang="en-US" sz="1800" dirty="0">
+                <a:solidFill>
+                  <a:srgbClr val="343A40"/>
+                </a:solidFill>
+                <a:latin typeface="Segoe UI" panose="020B0502040204020203" pitchFamily="34" charset="0"/>
+                <a:ea typeface="Times New Roman" panose="02020603050405020304" pitchFamily="18" charset="0"/>
+                <a:cs typeface="Times New Roman" panose="02020603050405020304" pitchFamily="18" charset="0"/>
+              </a:rPr>
+              <a:t> </a:t>
+            </a:r>
+            <a:r>
+              <a:rPr lang="en-US" sz="1800" dirty="0" err="1">
+                <a:solidFill>
+                  <a:srgbClr val="343A40"/>
+                </a:solidFill>
+                <a:latin typeface="Segoe UI" panose="020B0502040204020203" pitchFamily="34" charset="0"/>
+                <a:ea typeface="Times New Roman" panose="02020603050405020304" pitchFamily="18" charset="0"/>
+                <a:cs typeface="Times New Roman" panose="02020603050405020304" pitchFamily="18" charset="0"/>
+              </a:rPr>
+              <a:t>luồng</a:t>
+            </a:r>
+            <a:r>
+              <a:rPr lang="en-US" sz="1800" dirty="0">
+                <a:solidFill>
+                  <a:srgbClr val="343A40"/>
+                </a:solidFill>
+                <a:latin typeface="Segoe UI" panose="020B0502040204020203" pitchFamily="34" charset="0"/>
+                <a:ea typeface="Times New Roman" panose="02020603050405020304" pitchFamily="18" charset="0"/>
+                <a:cs typeface="Times New Roman" panose="02020603050405020304" pitchFamily="18" charset="0"/>
+              </a:rPr>
+              <a:t> </a:t>
+            </a:r>
+            <a:r>
+              <a:rPr lang="en-US" sz="1800" dirty="0" err="1">
+                <a:solidFill>
+                  <a:srgbClr val="343A40"/>
+                </a:solidFill>
+                <a:latin typeface="Segoe UI" panose="020B0502040204020203" pitchFamily="34" charset="0"/>
+                <a:ea typeface="Times New Roman" panose="02020603050405020304" pitchFamily="18" charset="0"/>
+                <a:cs typeface="Times New Roman" panose="02020603050405020304" pitchFamily="18" charset="0"/>
+              </a:rPr>
+              <a:t>đầu</a:t>
+            </a:r>
+            <a:r>
+              <a:rPr lang="en-US" sz="1800" dirty="0">
+                <a:solidFill>
+                  <a:srgbClr val="343A40"/>
+                </a:solidFill>
+                <a:latin typeface="Segoe UI" panose="020B0502040204020203" pitchFamily="34" charset="0"/>
+                <a:ea typeface="Times New Roman" panose="02020603050405020304" pitchFamily="18" charset="0"/>
+                <a:cs typeface="Times New Roman" panose="02020603050405020304" pitchFamily="18" charset="0"/>
+              </a:rPr>
+              <a:t> </a:t>
+            </a:r>
+            <a:r>
+              <a:rPr lang="en-US" sz="1800" dirty="0" err="1">
+                <a:solidFill>
+                  <a:srgbClr val="343A40"/>
+                </a:solidFill>
+                <a:latin typeface="Segoe UI" panose="020B0502040204020203" pitchFamily="34" charset="0"/>
+                <a:ea typeface="Times New Roman" panose="02020603050405020304" pitchFamily="18" charset="0"/>
+                <a:cs typeface="Times New Roman" panose="02020603050405020304" pitchFamily="18" charset="0"/>
+              </a:rPr>
+              <a:t>vào</a:t>
+            </a:r>
+            <a:r>
+              <a:rPr lang="en-US" sz="1800" dirty="0">
+                <a:solidFill>
+                  <a:srgbClr val="343A40"/>
+                </a:solidFill>
+                <a:latin typeface="Segoe UI" panose="020B0502040204020203" pitchFamily="34" charset="0"/>
+                <a:ea typeface="Times New Roman" panose="02020603050405020304" pitchFamily="18" charset="0"/>
+                <a:cs typeface="Times New Roman" panose="02020603050405020304" pitchFamily="18" charset="0"/>
+              </a:rPr>
+              <a:t>. </a:t>
+            </a:r>
+          </a:p>
+          <a:p>
+            <a:pPr algn="just">
+              <a:lnSpc>
+                <a:spcPct val="107000"/>
+              </a:lnSpc>
+              <a:spcAft>
+                <a:spcPts val="800"/>
+              </a:spcAft>
+            </a:pPr>
+            <a:r>
+              <a:rPr lang="en-US" sz="1800" dirty="0">
+                <a:solidFill>
+                  <a:srgbClr val="343A40"/>
+                </a:solidFill>
+                <a:latin typeface="Segoe UI" panose="020B0502040204020203" pitchFamily="34" charset="0"/>
+                <a:ea typeface="Times New Roman" panose="02020603050405020304" pitchFamily="18" charset="0"/>
+                <a:cs typeface="Times New Roman" panose="02020603050405020304" pitchFamily="18" charset="0"/>
+              </a:rPr>
+              <a:t>- </a:t>
+            </a:r>
+            <a:r>
+              <a:rPr lang="en-US" sz="1800" dirty="0" err="1">
+                <a:solidFill>
+                  <a:srgbClr val="343A40"/>
+                </a:solidFill>
+                <a:latin typeface="Segoe UI" panose="020B0502040204020203" pitchFamily="34" charset="0"/>
+                <a:ea typeface="Times New Roman" panose="02020603050405020304" pitchFamily="18" charset="0"/>
+                <a:cs typeface="Times New Roman" panose="02020603050405020304" pitchFamily="18" charset="0"/>
+              </a:rPr>
+              <a:t>Xác</a:t>
+            </a:r>
+            <a:r>
+              <a:rPr lang="en-US" sz="1800" dirty="0">
+                <a:solidFill>
+                  <a:srgbClr val="343A40"/>
+                </a:solidFill>
+                <a:latin typeface="Segoe UI" panose="020B0502040204020203" pitchFamily="34" charset="0"/>
+                <a:ea typeface="Times New Roman" panose="02020603050405020304" pitchFamily="18" charset="0"/>
+                <a:cs typeface="Times New Roman" panose="02020603050405020304" pitchFamily="18" charset="0"/>
+              </a:rPr>
+              <a:t> </a:t>
+            </a:r>
+            <a:r>
+              <a:rPr lang="en-US" sz="1800" dirty="0" err="1">
+                <a:solidFill>
+                  <a:srgbClr val="343A40"/>
+                </a:solidFill>
+                <a:latin typeface="Segoe UI" panose="020B0502040204020203" pitchFamily="34" charset="0"/>
+                <a:ea typeface="Times New Roman" panose="02020603050405020304" pitchFamily="18" charset="0"/>
+                <a:cs typeface="Times New Roman" panose="02020603050405020304" pitchFamily="18" charset="0"/>
+              </a:rPr>
+              <a:t>định</a:t>
+            </a:r>
+            <a:r>
+              <a:rPr lang="en-US" sz="1800" dirty="0">
+                <a:solidFill>
+                  <a:srgbClr val="343A40"/>
+                </a:solidFill>
+                <a:latin typeface="Segoe UI" panose="020B0502040204020203" pitchFamily="34" charset="0"/>
+                <a:ea typeface="Times New Roman" panose="02020603050405020304" pitchFamily="18" charset="0"/>
+                <a:cs typeface="Times New Roman" panose="02020603050405020304" pitchFamily="18" charset="0"/>
+              </a:rPr>
+              <a:t> </a:t>
+            </a:r>
+            <a:r>
+              <a:rPr lang="en-US" sz="1800" dirty="0" err="1">
+                <a:solidFill>
+                  <a:srgbClr val="343A40"/>
+                </a:solidFill>
+                <a:latin typeface="Segoe UI" panose="020B0502040204020203" pitchFamily="34" charset="0"/>
+                <a:ea typeface="Times New Roman" panose="02020603050405020304" pitchFamily="18" charset="0"/>
+                <a:cs typeface="Times New Roman" panose="02020603050405020304" pitchFamily="18" charset="0"/>
+              </a:rPr>
+              <a:t>các</a:t>
+            </a:r>
+            <a:r>
+              <a:rPr lang="en-US" sz="1800" dirty="0">
+                <a:solidFill>
+                  <a:srgbClr val="343A40"/>
+                </a:solidFill>
+                <a:latin typeface="Segoe UI" panose="020B0502040204020203" pitchFamily="34" charset="0"/>
+                <a:ea typeface="Times New Roman" panose="02020603050405020304" pitchFamily="18" charset="0"/>
+                <a:cs typeface="Times New Roman" panose="02020603050405020304" pitchFamily="18" charset="0"/>
+              </a:rPr>
+              <a:t> </a:t>
+            </a:r>
+            <a:r>
+              <a:rPr lang="en-US" sz="1800" dirty="0" err="1">
+                <a:solidFill>
+                  <a:srgbClr val="343A40"/>
+                </a:solidFill>
+                <a:latin typeface="Segoe UI" panose="020B0502040204020203" pitchFamily="34" charset="0"/>
+                <a:ea typeface="Times New Roman" panose="02020603050405020304" pitchFamily="18" charset="0"/>
+                <a:cs typeface="Times New Roman" panose="02020603050405020304" pitchFamily="18" charset="0"/>
+              </a:rPr>
+              <a:t>phương</a:t>
+            </a:r>
+            <a:r>
+              <a:rPr lang="en-US" sz="1800" dirty="0">
+                <a:solidFill>
+                  <a:srgbClr val="343A40"/>
+                </a:solidFill>
+                <a:latin typeface="Segoe UI" panose="020B0502040204020203" pitchFamily="34" charset="0"/>
+                <a:ea typeface="Times New Roman" panose="02020603050405020304" pitchFamily="18" charset="0"/>
+                <a:cs typeface="Times New Roman" panose="02020603050405020304" pitchFamily="18" charset="0"/>
+              </a:rPr>
+              <a:t> </a:t>
+            </a:r>
+            <a:r>
+              <a:rPr lang="en-US" sz="1800" dirty="0" err="1">
+                <a:solidFill>
+                  <a:srgbClr val="343A40"/>
+                </a:solidFill>
+                <a:latin typeface="Segoe UI" panose="020B0502040204020203" pitchFamily="34" charset="0"/>
+                <a:ea typeface="Times New Roman" panose="02020603050405020304" pitchFamily="18" charset="0"/>
+                <a:cs typeface="Times New Roman" panose="02020603050405020304" pitchFamily="18" charset="0"/>
+              </a:rPr>
+              <a:t>thức</a:t>
+            </a:r>
+            <a:r>
+              <a:rPr lang="en-US" sz="1800" dirty="0">
+                <a:solidFill>
+                  <a:srgbClr val="343A40"/>
+                </a:solidFill>
+                <a:latin typeface="Segoe UI" panose="020B0502040204020203" pitchFamily="34" charset="0"/>
+                <a:ea typeface="Times New Roman" panose="02020603050405020304" pitchFamily="18" charset="0"/>
+                <a:cs typeface="Times New Roman" panose="02020603050405020304" pitchFamily="18" charset="0"/>
+              </a:rPr>
+              <a:t> </a:t>
+            </a:r>
+            <a:r>
+              <a:rPr lang="en-US" sz="1800" dirty="0" err="1">
+                <a:solidFill>
+                  <a:srgbClr val="343A40"/>
+                </a:solidFill>
+                <a:latin typeface="Segoe UI" panose="020B0502040204020203" pitchFamily="34" charset="0"/>
+                <a:ea typeface="Times New Roman" panose="02020603050405020304" pitchFamily="18" charset="0"/>
+                <a:cs typeface="Times New Roman" panose="02020603050405020304" pitchFamily="18" charset="0"/>
+              </a:rPr>
+              <a:t>để</a:t>
+            </a:r>
+            <a:r>
+              <a:rPr lang="en-US" sz="1800" dirty="0">
+                <a:solidFill>
+                  <a:srgbClr val="343A40"/>
+                </a:solidFill>
+                <a:latin typeface="Segoe UI" panose="020B0502040204020203" pitchFamily="34" charset="0"/>
+                <a:ea typeface="Times New Roman" panose="02020603050405020304" pitchFamily="18" charset="0"/>
+                <a:cs typeface="Times New Roman" panose="02020603050405020304" pitchFamily="18" charset="0"/>
+              </a:rPr>
+              <a:t> </a:t>
+            </a:r>
+            <a:r>
+              <a:rPr lang="en-US" sz="1800" dirty="0" err="1">
+                <a:solidFill>
+                  <a:srgbClr val="343A40"/>
+                </a:solidFill>
+                <a:latin typeface="Segoe UI" panose="020B0502040204020203" pitchFamily="34" charset="0"/>
+                <a:ea typeface="Times New Roman" panose="02020603050405020304" pitchFamily="18" charset="0"/>
+                <a:cs typeface="Times New Roman" panose="02020603050405020304" pitchFamily="18" charset="0"/>
+              </a:rPr>
+              <a:t>đọc</a:t>
+            </a:r>
+            <a:r>
+              <a:rPr lang="en-US" sz="1800" dirty="0">
+                <a:solidFill>
+                  <a:srgbClr val="343A40"/>
+                </a:solidFill>
+                <a:latin typeface="Segoe UI" panose="020B0502040204020203" pitchFamily="34" charset="0"/>
+                <a:ea typeface="Times New Roman" panose="02020603050405020304" pitchFamily="18" charset="0"/>
+                <a:cs typeface="Times New Roman" panose="02020603050405020304" pitchFamily="18" charset="0"/>
+              </a:rPr>
+              <a:t> byte </a:t>
+            </a:r>
+            <a:r>
+              <a:rPr lang="en-US" sz="1800" dirty="0" err="1">
+                <a:solidFill>
+                  <a:srgbClr val="343A40"/>
+                </a:solidFill>
+                <a:latin typeface="Segoe UI" panose="020B0502040204020203" pitchFamily="34" charset="0"/>
+                <a:ea typeface="Times New Roman" panose="02020603050405020304" pitchFamily="18" charset="0"/>
+                <a:cs typeface="Times New Roman" panose="02020603050405020304" pitchFamily="18" charset="0"/>
+              </a:rPr>
+              <a:t>hoặc</a:t>
+            </a:r>
+            <a:r>
+              <a:rPr lang="en-US" sz="1800" dirty="0">
+                <a:solidFill>
+                  <a:srgbClr val="343A40"/>
+                </a:solidFill>
+                <a:latin typeface="Segoe UI" panose="020B0502040204020203" pitchFamily="34" charset="0"/>
+                <a:ea typeface="Times New Roman" panose="02020603050405020304" pitchFamily="18" charset="0"/>
+                <a:cs typeface="Times New Roman" panose="02020603050405020304" pitchFamily="18" charset="0"/>
+              </a:rPr>
+              <a:t> </a:t>
+            </a:r>
+            <a:r>
+              <a:rPr lang="en-US" sz="1800" dirty="0" err="1">
+                <a:solidFill>
+                  <a:srgbClr val="343A40"/>
+                </a:solidFill>
+                <a:latin typeface="Segoe UI" panose="020B0502040204020203" pitchFamily="34" charset="0"/>
+                <a:ea typeface="Times New Roman" panose="02020603050405020304" pitchFamily="18" charset="0"/>
+                <a:cs typeface="Times New Roman" panose="02020603050405020304" pitchFamily="18" charset="0"/>
+              </a:rPr>
+              <a:t>mảng</a:t>
+            </a:r>
+            <a:r>
+              <a:rPr lang="en-US" sz="1800" dirty="0">
+                <a:solidFill>
+                  <a:srgbClr val="343A40"/>
+                </a:solidFill>
+                <a:latin typeface="Segoe UI" panose="020B0502040204020203" pitchFamily="34" charset="0"/>
+                <a:ea typeface="Times New Roman" panose="02020603050405020304" pitchFamily="18" charset="0"/>
+                <a:cs typeface="Times New Roman" panose="02020603050405020304" pitchFamily="18" charset="0"/>
+              </a:rPr>
+              <a:t> byte, </a:t>
+            </a:r>
+            <a:r>
+              <a:rPr lang="en-US" sz="1800" dirty="0" err="1">
+                <a:solidFill>
+                  <a:srgbClr val="343A40"/>
+                </a:solidFill>
+                <a:latin typeface="Segoe UI" panose="020B0502040204020203" pitchFamily="34" charset="0"/>
+                <a:ea typeface="Times New Roman" panose="02020603050405020304" pitchFamily="18" charset="0"/>
+                <a:cs typeface="Times New Roman" panose="02020603050405020304" pitchFamily="18" charset="0"/>
+              </a:rPr>
+              <a:t>đánh</a:t>
+            </a:r>
+            <a:r>
+              <a:rPr lang="en-US" sz="1800" dirty="0">
+                <a:solidFill>
+                  <a:srgbClr val="343A40"/>
+                </a:solidFill>
+                <a:latin typeface="Segoe UI" panose="020B0502040204020203" pitchFamily="34" charset="0"/>
+                <a:ea typeface="Times New Roman" panose="02020603050405020304" pitchFamily="18" charset="0"/>
+                <a:cs typeface="Times New Roman" panose="02020603050405020304" pitchFamily="18" charset="0"/>
+              </a:rPr>
+              <a:t> </a:t>
+            </a:r>
+            <a:r>
+              <a:rPr lang="en-US" sz="1800" dirty="0" err="1">
+                <a:solidFill>
+                  <a:srgbClr val="343A40"/>
+                </a:solidFill>
+                <a:latin typeface="Segoe UI" panose="020B0502040204020203" pitchFamily="34" charset="0"/>
+                <a:ea typeface="Times New Roman" panose="02020603050405020304" pitchFamily="18" charset="0"/>
+                <a:cs typeface="Times New Roman" panose="02020603050405020304" pitchFamily="18" charset="0"/>
+              </a:rPr>
+              <a:t>dấu</a:t>
+            </a:r>
+            <a:r>
+              <a:rPr lang="en-US" sz="1800" dirty="0">
+                <a:solidFill>
+                  <a:srgbClr val="343A40"/>
+                </a:solidFill>
+                <a:latin typeface="Segoe UI" panose="020B0502040204020203" pitchFamily="34" charset="0"/>
+                <a:ea typeface="Times New Roman" panose="02020603050405020304" pitchFamily="18" charset="0"/>
+                <a:cs typeface="Times New Roman" panose="02020603050405020304" pitchFamily="18" charset="0"/>
+              </a:rPr>
+              <a:t> </a:t>
+            </a:r>
+            <a:r>
+              <a:rPr lang="en-US" sz="1800" dirty="0" err="1">
+                <a:solidFill>
+                  <a:srgbClr val="343A40"/>
+                </a:solidFill>
+                <a:latin typeface="Segoe UI" panose="020B0502040204020203" pitchFamily="34" charset="0"/>
+                <a:ea typeface="Times New Roman" panose="02020603050405020304" pitchFamily="18" charset="0"/>
+                <a:cs typeface="Times New Roman" panose="02020603050405020304" pitchFamily="18" charset="0"/>
+              </a:rPr>
+              <a:t>vị</a:t>
+            </a:r>
+            <a:r>
+              <a:rPr lang="en-US" sz="1800" dirty="0">
+                <a:solidFill>
+                  <a:srgbClr val="343A40"/>
+                </a:solidFill>
+                <a:latin typeface="Segoe UI" panose="020B0502040204020203" pitchFamily="34" charset="0"/>
+                <a:ea typeface="Times New Roman" panose="02020603050405020304" pitchFamily="18" charset="0"/>
+                <a:cs typeface="Times New Roman" panose="02020603050405020304" pitchFamily="18" charset="0"/>
+              </a:rPr>
+              <a:t> </a:t>
+            </a:r>
+            <a:r>
+              <a:rPr lang="en-US" sz="1800" dirty="0" err="1">
+                <a:solidFill>
+                  <a:srgbClr val="343A40"/>
+                </a:solidFill>
+                <a:latin typeface="Segoe UI" panose="020B0502040204020203" pitchFamily="34" charset="0"/>
+                <a:ea typeface="Times New Roman" panose="02020603050405020304" pitchFamily="18" charset="0"/>
+                <a:cs typeface="Times New Roman" panose="02020603050405020304" pitchFamily="18" charset="0"/>
+              </a:rPr>
+              <a:t>trí</a:t>
+            </a:r>
+            <a:r>
+              <a:rPr lang="en-US" sz="1800" dirty="0">
+                <a:solidFill>
+                  <a:srgbClr val="343A40"/>
+                </a:solidFill>
+                <a:latin typeface="Segoe UI" panose="020B0502040204020203" pitchFamily="34" charset="0"/>
+                <a:ea typeface="Times New Roman" panose="02020603050405020304" pitchFamily="18" charset="0"/>
+                <a:cs typeface="Times New Roman" panose="02020603050405020304" pitchFamily="18" charset="0"/>
+              </a:rPr>
+              <a:t> </a:t>
+            </a:r>
+            <a:r>
+              <a:rPr lang="en-US" sz="1800" dirty="0" err="1">
+                <a:solidFill>
+                  <a:srgbClr val="343A40"/>
+                </a:solidFill>
+                <a:latin typeface="Segoe UI" panose="020B0502040204020203" pitchFamily="34" charset="0"/>
+                <a:ea typeface="Times New Roman" panose="02020603050405020304" pitchFamily="18" charset="0"/>
+                <a:cs typeface="Times New Roman" panose="02020603050405020304" pitchFamily="18" charset="0"/>
+              </a:rPr>
+              <a:t>trong</a:t>
+            </a:r>
+            <a:r>
+              <a:rPr lang="en-US" sz="1800" dirty="0">
+                <a:solidFill>
+                  <a:srgbClr val="343A40"/>
+                </a:solidFill>
+                <a:latin typeface="Segoe UI" panose="020B0502040204020203" pitchFamily="34" charset="0"/>
+                <a:ea typeface="Times New Roman" panose="02020603050405020304" pitchFamily="18" charset="0"/>
+                <a:cs typeface="Times New Roman" panose="02020603050405020304" pitchFamily="18" charset="0"/>
+              </a:rPr>
+              <a:t> </a:t>
+            </a:r>
+            <a:r>
+              <a:rPr lang="en-US" sz="1800" dirty="0" err="1">
+                <a:solidFill>
+                  <a:srgbClr val="343A40"/>
+                </a:solidFill>
+                <a:latin typeface="Segoe UI" panose="020B0502040204020203" pitchFamily="34" charset="0"/>
+                <a:ea typeface="Times New Roman" panose="02020603050405020304" pitchFamily="18" charset="0"/>
+                <a:cs typeface="Times New Roman" panose="02020603050405020304" pitchFamily="18" charset="0"/>
+              </a:rPr>
+              <a:t>luồng</a:t>
+            </a:r>
+            <a:r>
+              <a:rPr lang="en-US" sz="1800" dirty="0">
+                <a:solidFill>
+                  <a:srgbClr val="343A40"/>
+                </a:solidFill>
+                <a:latin typeface="Segoe UI" panose="020B0502040204020203" pitchFamily="34" charset="0"/>
+                <a:ea typeface="Times New Roman" panose="02020603050405020304" pitchFamily="18" charset="0"/>
+                <a:cs typeface="Times New Roman" panose="02020603050405020304" pitchFamily="18" charset="0"/>
+              </a:rPr>
+              <a:t>, </a:t>
+            </a:r>
+            <a:r>
+              <a:rPr lang="en-US" sz="1800" dirty="0" err="1">
+                <a:solidFill>
+                  <a:srgbClr val="343A40"/>
+                </a:solidFill>
+                <a:latin typeface="Segoe UI" panose="020B0502040204020203" pitchFamily="34" charset="0"/>
+                <a:ea typeface="Times New Roman" panose="02020603050405020304" pitchFamily="18" charset="0"/>
+                <a:cs typeface="Times New Roman" panose="02020603050405020304" pitchFamily="18" charset="0"/>
+              </a:rPr>
+              <a:t>bỏ</a:t>
+            </a:r>
+            <a:r>
+              <a:rPr lang="en-US" sz="1800" dirty="0">
+                <a:solidFill>
+                  <a:srgbClr val="343A40"/>
+                </a:solidFill>
+                <a:latin typeface="Segoe UI" panose="020B0502040204020203" pitchFamily="34" charset="0"/>
+                <a:ea typeface="Times New Roman" panose="02020603050405020304" pitchFamily="18" charset="0"/>
+                <a:cs typeface="Times New Roman" panose="02020603050405020304" pitchFamily="18" charset="0"/>
+              </a:rPr>
+              <a:t> qua byte </a:t>
+            </a:r>
+            <a:r>
+              <a:rPr lang="en-US" sz="1800" dirty="0" err="1">
+                <a:solidFill>
+                  <a:srgbClr val="343A40"/>
+                </a:solidFill>
+                <a:latin typeface="Segoe UI" panose="020B0502040204020203" pitchFamily="34" charset="0"/>
+                <a:ea typeface="Times New Roman" panose="02020603050405020304" pitchFamily="18" charset="0"/>
+                <a:cs typeface="Times New Roman" panose="02020603050405020304" pitchFamily="18" charset="0"/>
+              </a:rPr>
+              <a:t>đầu</a:t>
+            </a:r>
+            <a:r>
+              <a:rPr lang="en-US" sz="1800" dirty="0">
+                <a:solidFill>
+                  <a:srgbClr val="343A40"/>
+                </a:solidFill>
+                <a:latin typeface="Segoe UI" panose="020B0502040204020203" pitchFamily="34" charset="0"/>
+                <a:ea typeface="Times New Roman" panose="02020603050405020304" pitchFamily="18" charset="0"/>
+                <a:cs typeface="Times New Roman" panose="02020603050405020304" pitchFamily="18" charset="0"/>
+              </a:rPr>
+              <a:t> </a:t>
+            </a:r>
+            <a:r>
+              <a:rPr lang="en-US" sz="1800" dirty="0" err="1">
+                <a:solidFill>
+                  <a:srgbClr val="343A40"/>
+                </a:solidFill>
+                <a:latin typeface="Segoe UI" panose="020B0502040204020203" pitchFamily="34" charset="0"/>
+                <a:ea typeface="Times New Roman" panose="02020603050405020304" pitchFamily="18" charset="0"/>
+                <a:cs typeface="Times New Roman" panose="02020603050405020304" pitchFamily="18" charset="0"/>
+              </a:rPr>
+              <a:t>vào</a:t>
+            </a:r>
+            <a:r>
+              <a:rPr lang="en-US" sz="1800" dirty="0">
+                <a:solidFill>
+                  <a:srgbClr val="343A40"/>
+                </a:solidFill>
+                <a:latin typeface="Segoe UI" panose="020B0502040204020203" pitchFamily="34" charset="0"/>
+                <a:ea typeface="Times New Roman" panose="02020603050405020304" pitchFamily="18" charset="0"/>
+                <a:cs typeface="Times New Roman" panose="02020603050405020304" pitchFamily="18" charset="0"/>
+              </a:rPr>
+              <a:t>,  </a:t>
+            </a:r>
+            <a:r>
+              <a:rPr lang="en-US" sz="1800" dirty="0" err="1">
+                <a:solidFill>
+                  <a:srgbClr val="343A40"/>
+                </a:solidFill>
+                <a:latin typeface="Segoe UI" panose="020B0502040204020203" pitchFamily="34" charset="0"/>
+                <a:ea typeface="Times New Roman" panose="02020603050405020304" pitchFamily="18" charset="0"/>
+                <a:cs typeface="Times New Roman" panose="02020603050405020304" pitchFamily="18" charset="0"/>
+              </a:rPr>
+              <a:t>tìm</a:t>
+            </a:r>
+            <a:r>
+              <a:rPr lang="en-US" sz="1800" dirty="0">
+                <a:solidFill>
+                  <a:srgbClr val="343A40"/>
+                </a:solidFill>
+                <a:latin typeface="Segoe UI" panose="020B0502040204020203" pitchFamily="34" charset="0"/>
+                <a:ea typeface="Times New Roman" panose="02020603050405020304" pitchFamily="18" charset="0"/>
+                <a:cs typeface="Times New Roman" panose="02020603050405020304" pitchFamily="18" charset="0"/>
+              </a:rPr>
+              <a:t> </a:t>
+            </a:r>
+            <a:r>
+              <a:rPr lang="en-US" sz="1800" dirty="0" err="1">
+                <a:solidFill>
+                  <a:srgbClr val="343A40"/>
+                </a:solidFill>
+                <a:latin typeface="Segoe UI" panose="020B0502040204020203" pitchFamily="34" charset="0"/>
+                <a:ea typeface="Times New Roman" panose="02020603050405020304" pitchFamily="18" charset="0"/>
+                <a:cs typeface="Times New Roman" panose="02020603050405020304" pitchFamily="18" charset="0"/>
+              </a:rPr>
+              <a:t>ra</a:t>
+            </a:r>
+            <a:r>
+              <a:rPr lang="en-US" sz="1800" dirty="0">
+                <a:solidFill>
+                  <a:srgbClr val="343A40"/>
+                </a:solidFill>
+                <a:latin typeface="Segoe UI" panose="020B0502040204020203" pitchFamily="34" charset="0"/>
+                <a:ea typeface="Times New Roman" panose="02020603050405020304" pitchFamily="18" charset="0"/>
+                <a:cs typeface="Times New Roman" panose="02020603050405020304" pitchFamily="18" charset="0"/>
+              </a:rPr>
+              <a:t> </a:t>
+            </a:r>
+            <a:r>
+              <a:rPr lang="en-US" sz="1800" dirty="0" err="1">
+                <a:solidFill>
+                  <a:srgbClr val="343A40"/>
+                </a:solidFill>
+                <a:latin typeface="Segoe UI" panose="020B0502040204020203" pitchFamily="34" charset="0"/>
+                <a:ea typeface="Times New Roman" panose="02020603050405020304" pitchFamily="18" charset="0"/>
+                <a:cs typeface="Times New Roman" panose="02020603050405020304" pitchFamily="18" charset="0"/>
+              </a:rPr>
+              <a:t>số</a:t>
+            </a:r>
+            <a:r>
+              <a:rPr lang="en-US" sz="1800" dirty="0">
+                <a:solidFill>
+                  <a:srgbClr val="343A40"/>
+                </a:solidFill>
+                <a:latin typeface="Segoe UI" panose="020B0502040204020203" pitchFamily="34" charset="0"/>
+                <a:ea typeface="Times New Roman" panose="02020603050405020304" pitchFamily="18" charset="0"/>
+                <a:cs typeface="Times New Roman" panose="02020603050405020304" pitchFamily="18" charset="0"/>
+              </a:rPr>
+              <a:t> byte </a:t>
+            </a:r>
+            <a:r>
+              <a:rPr lang="en-US" sz="1800" dirty="0" err="1">
+                <a:solidFill>
+                  <a:srgbClr val="343A40"/>
+                </a:solidFill>
+                <a:latin typeface="Segoe UI" panose="020B0502040204020203" pitchFamily="34" charset="0"/>
+                <a:ea typeface="Times New Roman" panose="02020603050405020304" pitchFamily="18" charset="0"/>
+                <a:cs typeface="Times New Roman" panose="02020603050405020304" pitchFamily="18" charset="0"/>
+              </a:rPr>
+              <a:t>có</a:t>
+            </a:r>
+            <a:r>
+              <a:rPr lang="en-US" sz="1800" dirty="0">
+                <a:solidFill>
+                  <a:srgbClr val="343A40"/>
+                </a:solidFill>
+                <a:latin typeface="Segoe UI" panose="020B0502040204020203" pitchFamily="34" charset="0"/>
+                <a:ea typeface="Times New Roman" panose="02020603050405020304" pitchFamily="18" charset="0"/>
+                <a:cs typeface="Times New Roman" panose="02020603050405020304" pitchFamily="18" charset="0"/>
+              </a:rPr>
+              <a:t> </a:t>
+            </a:r>
+            <a:r>
+              <a:rPr lang="en-US" sz="1800" dirty="0" err="1">
+                <a:solidFill>
+                  <a:srgbClr val="343A40"/>
+                </a:solidFill>
+                <a:latin typeface="Segoe UI" panose="020B0502040204020203" pitchFamily="34" charset="0"/>
+                <a:ea typeface="Times New Roman" panose="02020603050405020304" pitchFamily="18" charset="0"/>
+                <a:cs typeface="Times New Roman" panose="02020603050405020304" pitchFamily="18" charset="0"/>
+              </a:rPr>
+              <a:t>sẵn</a:t>
+            </a:r>
+            <a:r>
+              <a:rPr lang="en-US" sz="1800" dirty="0">
+                <a:solidFill>
+                  <a:srgbClr val="343A40"/>
+                </a:solidFill>
+                <a:latin typeface="Segoe UI" panose="020B0502040204020203" pitchFamily="34" charset="0"/>
+                <a:ea typeface="Times New Roman" panose="02020603050405020304" pitchFamily="18" charset="0"/>
+                <a:cs typeface="Times New Roman" panose="02020603050405020304" pitchFamily="18" charset="0"/>
+              </a:rPr>
+              <a:t> </a:t>
+            </a:r>
+            <a:r>
+              <a:rPr lang="en-US" sz="1800" dirty="0" err="1">
+                <a:solidFill>
+                  <a:srgbClr val="343A40"/>
+                </a:solidFill>
+                <a:latin typeface="Segoe UI" panose="020B0502040204020203" pitchFamily="34" charset="0"/>
+                <a:ea typeface="Times New Roman" panose="02020603050405020304" pitchFamily="18" charset="0"/>
+                <a:cs typeface="Times New Roman" panose="02020603050405020304" pitchFamily="18" charset="0"/>
+              </a:rPr>
+              <a:t>để</a:t>
+            </a:r>
+            <a:r>
+              <a:rPr lang="en-US" sz="1800" dirty="0">
+                <a:solidFill>
+                  <a:srgbClr val="343A40"/>
+                </a:solidFill>
+                <a:latin typeface="Segoe UI" panose="020B0502040204020203" pitchFamily="34" charset="0"/>
+                <a:ea typeface="Times New Roman" panose="02020603050405020304" pitchFamily="18" charset="0"/>
+                <a:cs typeface="Times New Roman" panose="02020603050405020304" pitchFamily="18" charset="0"/>
+              </a:rPr>
+              <a:t> </a:t>
+            </a:r>
+            <a:r>
+              <a:rPr lang="en-US" sz="1800" dirty="0" err="1">
+                <a:solidFill>
+                  <a:srgbClr val="343A40"/>
+                </a:solidFill>
+                <a:latin typeface="Segoe UI" panose="020B0502040204020203" pitchFamily="34" charset="0"/>
+                <a:ea typeface="Times New Roman" panose="02020603050405020304" pitchFamily="18" charset="0"/>
+                <a:cs typeface="Times New Roman" panose="02020603050405020304" pitchFamily="18" charset="0"/>
+              </a:rPr>
+              <a:t>đọc</a:t>
+            </a:r>
+            <a:r>
+              <a:rPr lang="en-US" sz="1800" dirty="0">
+                <a:solidFill>
+                  <a:srgbClr val="343A40"/>
+                </a:solidFill>
+                <a:latin typeface="Segoe UI" panose="020B0502040204020203" pitchFamily="34" charset="0"/>
+                <a:ea typeface="Times New Roman" panose="02020603050405020304" pitchFamily="18" charset="0"/>
+                <a:cs typeface="Times New Roman" panose="02020603050405020304" pitchFamily="18" charset="0"/>
+              </a:rPr>
+              <a:t> và </a:t>
+            </a:r>
+            <a:r>
+              <a:rPr lang="en-US" sz="1800" dirty="0" err="1">
+                <a:solidFill>
+                  <a:srgbClr val="343A40"/>
+                </a:solidFill>
+                <a:latin typeface="Segoe UI" panose="020B0502040204020203" pitchFamily="34" charset="0"/>
+                <a:ea typeface="Times New Roman" panose="02020603050405020304" pitchFamily="18" charset="0"/>
+                <a:cs typeface="Times New Roman" panose="02020603050405020304" pitchFamily="18" charset="0"/>
+              </a:rPr>
+              <a:t>đặt</a:t>
+            </a:r>
+            <a:r>
+              <a:rPr lang="en-US" sz="1800" dirty="0">
+                <a:solidFill>
+                  <a:srgbClr val="343A40"/>
+                </a:solidFill>
+                <a:latin typeface="Segoe UI" panose="020B0502040204020203" pitchFamily="34" charset="0"/>
+                <a:ea typeface="Times New Roman" panose="02020603050405020304" pitchFamily="18" charset="0"/>
+                <a:cs typeface="Times New Roman" panose="02020603050405020304" pitchFamily="18" charset="0"/>
+              </a:rPr>
+              <a:t> </a:t>
+            </a:r>
+            <a:r>
+              <a:rPr lang="en-US" sz="1800" dirty="0" err="1">
+                <a:solidFill>
+                  <a:srgbClr val="343A40"/>
+                </a:solidFill>
+                <a:latin typeface="Segoe UI" panose="020B0502040204020203" pitchFamily="34" charset="0"/>
+                <a:ea typeface="Times New Roman" panose="02020603050405020304" pitchFamily="18" charset="0"/>
+                <a:cs typeface="Times New Roman" panose="02020603050405020304" pitchFamily="18" charset="0"/>
+              </a:rPr>
+              <a:t>lại</a:t>
+            </a:r>
+            <a:r>
+              <a:rPr lang="en-US" sz="1800" dirty="0">
+                <a:solidFill>
+                  <a:srgbClr val="343A40"/>
+                </a:solidFill>
+                <a:latin typeface="Segoe UI" panose="020B0502040204020203" pitchFamily="34" charset="0"/>
+                <a:ea typeface="Times New Roman" panose="02020603050405020304" pitchFamily="18" charset="0"/>
+                <a:cs typeface="Times New Roman" panose="02020603050405020304" pitchFamily="18" charset="0"/>
+              </a:rPr>
+              <a:t> </a:t>
+            </a:r>
+            <a:r>
+              <a:rPr lang="en-US" sz="1800" dirty="0" err="1">
+                <a:solidFill>
+                  <a:srgbClr val="343A40"/>
+                </a:solidFill>
+                <a:latin typeface="Segoe UI" panose="020B0502040204020203" pitchFamily="34" charset="0"/>
+                <a:ea typeface="Times New Roman" panose="02020603050405020304" pitchFamily="18" charset="0"/>
+                <a:cs typeface="Times New Roman" panose="02020603050405020304" pitchFamily="18" charset="0"/>
+              </a:rPr>
+              <a:t>vị</a:t>
+            </a:r>
+            <a:r>
+              <a:rPr lang="en-US" sz="1800" dirty="0">
+                <a:solidFill>
+                  <a:srgbClr val="343A40"/>
+                </a:solidFill>
+                <a:latin typeface="Segoe UI" panose="020B0502040204020203" pitchFamily="34" charset="0"/>
+                <a:ea typeface="Times New Roman" panose="02020603050405020304" pitchFamily="18" charset="0"/>
+                <a:cs typeface="Times New Roman" panose="02020603050405020304" pitchFamily="18" charset="0"/>
+              </a:rPr>
+              <a:t> </a:t>
+            </a:r>
+            <a:r>
+              <a:rPr lang="en-US" sz="1800" dirty="0" err="1">
+                <a:solidFill>
+                  <a:srgbClr val="343A40"/>
+                </a:solidFill>
+                <a:latin typeface="Segoe UI" panose="020B0502040204020203" pitchFamily="34" charset="0"/>
+                <a:ea typeface="Times New Roman" panose="02020603050405020304" pitchFamily="18" charset="0"/>
+                <a:cs typeface="Times New Roman" panose="02020603050405020304" pitchFamily="18" charset="0"/>
+              </a:rPr>
+              <a:t>trí</a:t>
+            </a:r>
+            <a:r>
+              <a:rPr lang="en-US" sz="1800" dirty="0">
+                <a:solidFill>
+                  <a:srgbClr val="343A40"/>
+                </a:solidFill>
+                <a:latin typeface="Segoe UI" panose="020B0502040204020203" pitchFamily="34" charset="0"/>
+                <a:ea typeface="Times New Roman" panose="02020603050405020304" pitchFamily="18" charset="0"/>
+                <a:cs typeface="Times New Roman" panose="02020603050405020304" pitchFamily="18" charset="0"/>
+              </a:rPr>
+              <a:t> </a:t>
+            </a:r>
+            <a:r>
+              <a:rPr lang="en-US" sz="1800" dirty="0" err="1">
+                <a:solidFill>
+                  <a:srgbClr val="343A40"/>
+                </a:solidFill>
+                <a:latin typeface="Segoe UI" panose="020B0502040204020203" pitchFamily="34" charset="0"/>
+                <a:ea typeface="Times New Roman" panose="02020603050405020304" pitchFamily="18" charset="0"/>
+                <a:cs typeface="Times New Roman" panose="02020603050405020304" pitchFamily="18" charset="0"/>
+              </a:rPr>
+              <a:t>hiện</a:t>
+            </a:r>
+            <a:r>
+              <a:rPr lang="en-US" sz="1800" dirty="0">
+                <a:solidFill>
+                  <a:srgbClr val="343A40"/>
+                </a:solidFill>
+                <a:latin typeface="Segoe UI" panose="020B0502040204020203" pitchFamily="34" charset="0"/>
+                <a:ea typeface="Times New Roman" panose="02020603050405020304" pitchFamily="18" charset="0"/>
+                <a:cs typeface="Times New Roman" panose="02020603050405020304" pitchFamily="18" charset="0"/>
+              </a:rPr>
+              <a:t> </a:t>
+            </a:r>
+            <a:r>
+              <a:rPr lang="en-US" sz="1800" dirty="0" err="1">
+                <a:solidFill>
+                  <a:srgbClr val="343A40"/>
+                </a:solidFill>
+                <a:latin typeface="Segoe UI" panose="020B0502040204020203" pitchFamily="34" charset="0"/>
+                <a:ea typeface="Times New Roman" panose="02020603050405020304" pitchFamily="18" charset="0"/>
+                <a:cs typeface="Times New Roman" panose="02020603050405020304" pitchFamily="18" charset="0"/>
+              </a:rPr>
+              <a:t>tại</a:t>
+            </a:r>
+            <a:r>
+              <a:rPr lang="en-US" sz="1800" dirty="0">
+                <a:solidFill>
+                  <a:srgbClr val="343A40"/>
+                </a:solidFill>
+                <a:latin typeface="Segoe UI" panose="020B0502040204020203" pitchFamily="34" charset="0"/>
+                <a:ea typeface="Times New Roman" panose="02020603050405020304" pitchFamily="18" charset="0"/>
+                <a:cs typeface="Times New Roman" panose="02020603050405020304" pitchFamily="18" charset="0"/>
+              </a:rPr>
+              <a:t> </a:t>
+            </a:r>
+            <a:r>
+              <a:rPr lang="en-US" sz="1800" dirty="0" err="1">
+                <a:solidFill>
+                  <a:srgbClr val="343A40"/>
+                </a:solidFill>
+                <a:latin typeface="Segoe UI" panose="020B0502040204020203" pitchFamily="34" charset="0"/>
+                <a:ea typeface="Times New Roman" panose="02020603050405020304" pitchFamily="18" charset="0"/>
+                <a:cs typeface="Times New Roman" panose="02020603050405020304" pitchFamily="18" charset="0"/>
+              </a:rPr>
+              <a:t>trong</a:t>
+            </a:r>
+            <a:r>
+              <a:rPr lang="en-US" sz="1800" dirty="0">
+                <a:solidFill>
+                  <a:srgbClr val="343A40"/>
+                </a:solidFill>
+                <a:latin typeface="Segoe UI" panose="020B0502040204020203" pitchFamily="34" charset="0"/>
+                <a:ea typeface="Times New Roman" panose="02020603050405020304" pitchFamily="18" charset="0"/>
+                <a:cs typeface="Times New Roman" panose="02020603050405020304" pitchFamily="18" charset="0"/>
+              </a:rPr>
+              <a:t> </a:t>
+            </a:r>
+            <a:r>
+              <a:rPr lang="en-US" sz="1800" dirty="0" err="1">
+                <a:solidFill>
+                  <a:srgbClr val="343A40"/>
+                </a:solidFill>
+                <a:latin typeface="Segoe UI" panose="020B0502040204020203" pitchFamily="34" charset="0"/>
+                <a:ea typeface="Times New Roman" panose="02020603050405020304" pitchFamily="18" charset="0"/>
+                <a:cs typeface="Times New Roman" panose="02020603050405020304" pitchFamily="18" charset="0"/>
+              </a:rPr>
+              <a:t>luồng</a:t>
+            </a:r>
+            <a:r>
+              <a:rPr lang="en-US" sz="1800" dirty="0">
+                <a:solidFill>
+                  <a:srgbClr val="343A40"/>
+                </a:solidFill>
+                <a:latin typeface="Segoe UI" panose="020B0502040204020203" pitchFamily="34" charset="0"/>
+                <a:ea typeface="Times New Roman" panose="02020603050405020304" pitchFamily="18" charset="0"/>
+                <a:cs typeface="Times New Roman" panose="02020603050405020304" pitchFamily="18" charset="0"/>
+              </a:rPr>
+              <a:t>. </a:t>
+            </a:r>
+          </a:p>
+          <a:p>
+            <a:pPr algn="just">
+              <a:lnSpc>
+                <a:spcPct val="107000"/>
+              </a:lnSpc>
+              <a:spcAft>
+                <a:spcPts val="800"/>
+              </a:spcAft>
+            </a:pPr>
+            <a:r>
+              <a:rPr lang="vi-VN" sz="1800" b="1" dirty="0">
+                <a:solidFill>
+                  <a:srgbClr val="343A40"/>
+                </a:solidFill>
+                <a:latin typeface="Segoe UI" panose="020B0502040204020203" pitchFamily="34" charset="0"/>
+                <a:ea typeface="Times New Roman" panose="02020603050405020304" pitchFamily="18" charset="0"/>
+                <a:cs typeface="Times New Roman" panose="02020603050405020304" pitchFamily="18" charset="0"/>
+              </a:rPr>
+              <a:t>Lớp OutputStream </a:t>
+            </a:r>
+            <a:endParaRPr lang="en-US" sz="1800" b="1" dirty="0">
               <a:solidFill>
                 <a:srgbClr val="343A40"/>
               </a:solidFill>
@@ -10147,50 +11429,6 @@
               </a:spcAft>
             </a:pPr>
             <a:r>
-              <a:rPr lang="en-US" sz="1800" dirty="0" smtClean="0">
-                <a:solidFill>
-                  <a:srgbClr val="343A40"/>
-                </a:solidFill>
-                <a:latin typeface="Segoe UI" panose="020B0502040204020203" pitchFamily="34" charset="0"/>
-                <a:ea typeface="Times New Roman" panose="02020603050405020304" pitchFamily="18" charset="0"/>
-                <a:cs typeface="Times New Roman" panose="02020603050405020304" pitchFamily="18" charset="0"/>
-              </a:rPr>
-              <a:t>- </a:t>
-            </a:r>
-            <a:r>
-              <a:rPr lang="en-US" sz="1800" dirty="0" err="1" smtClean="0">
-                <a:solidFill>
-                  <a:srgbClr val="343A40"/>
-                </a:solidFill>
-                <a:latin typeface="Segoe UI" panose="020B0502040204020203" pitchFamily="34" charset="0"/>
-                <a:ea typeface="Times New Roman" panose="02020603050405020304" pitchFamily="18" charset="0"/>
-                <a:cs typeface="Times New Roman" panose="02020603050405020304" pitchFamily="18" charset="0"/>
-              </a:rPr>
-              <a:t>Là</a:t>
-            </a:r>
-            <a:r>
-              <a:rPr lang="en-US" sz="1800" dirty="0" smtClean="0">
-                <a:solidFill>
-                  <a:srgbClr val="343A40"/>
-                </a:solidFill>
-                <a:latin typeface="Segoe UI" panose="020B0502040204020203" pitchFamily="34" charset="0"/>
-                <a:ea typeface="Times New Roman" panose="02020603050405020304" pitchFamily="18" charset="0"/>
-                <a:cs typeface="Times New Roman" panose="02020603050405020304" pitchFamily="18" charset="0"/>
-              </a:rPr>
-              <a:t> </a:t>
-            </a:r>
-            <a:r>
-              <a:rPr lang="en-US" sz="1800" dirty="0" err="1">
-                <a:solidFill>
-                  <a:srgbClr val="343A40"/>
-                </a:solidFill>
-                <a:latin typeface="Segoe UI" panose="020B0502040204020203" pitchFamily="34" charset="0"/>
-                <a:ea typeface="Times New Roman" panose="02020603050405020304" pitchFamily="18" charset="0"/>
-                <a:cs typeface="Times New Roman" panose="02020603050405020304" pitchFamily="18" charset="0"/>
-              </a:rPr>
-              <a:t>một</a:t>
-            </a:r>
-            <a:r>
               <a:rPr lang="en-US" sz="1800" dirty="0">
                 <a:solidFill>
                   <a:srgbClr val="343A40"/>
@@ -10199,449 +11437,20 @@
                 <a:ea typeface="Times New Roman" panose="02020603050405020304" pitchFamily="18" charset="0"/>
                 <a:cs typeface="Times New Roman" panose="02020603050405020304" pitchFamily="18" charset="0"/>
               </a:rPr>
-              <a:t> </a:t>
-            </a:r>
-            <a:r>
-              <a:rPr lang="en-US" sz="1800" dirty="0" err="1">
-                <a:solidFill>
-                  <a:srgbClr val="343A40"/>
-                </a:solidFill>
-                <a:latin typeface="Segoe UI" panose="020B0502040204020203" pitchFamily="34" charset="0"/>
-                <a:ea typeface="Times New Roman" panose="02020603050405020304" pitchFamily="18" charset="0"/>
-                <a:cs typeface="Times New Roman" panose="02020603050405020304" pitchFamily="18" charset="0"/>
-              </a:rPr>
-              <a:t>lớp</a:t>
-            </a:r>
-            <a:r>
-              <a:rPr lang="en-US" sz="1800" dirty="0">
-                <a:solidFill>
-                  <a:srgbClr val="343A40"/>
-                </a:solidFill>
-                <a:latin typeface="Segoe UI" panose="020B0502040204020203" pitchFamily="34" charset="0"/>
-                <a:ea typeface="Times New Roman" panose="02020603050405020304" pitchFamily="18" charset="0"/>
-                <a:cs typeface="Times New Roman" panose="02020603050405020304" pitchFamily="18" charset="0"/>
-              </a:rPr>
-              <a:t> cha </a:t>
-            </a:r>
-            <a:r>
-              <a:rPr lang="en-US" sz="1800" dirty="0" err="1">
-                <a:solidFill>
-                  <a:srgbClr val="343A40"/>
-                </a:solidFill>
-                <a:latin typeface="Segoe UI" panose="020B0502040204020203" pitchFamily="34" charset="0"/>
-                <a:ea typeface="Times New Roman" panose="02020603050405020304" pitchFamily="18" charset="0"/>
-                <a:cs typeface="Times New Roman" panose="02020603050405020304" pitchFamily="18" charset="0"/>
-              </a:rPr>
-              <a:t>trừu</a:t>
-            </a:r>
-            <a:r>
-              <a:rPr lang="en-US" sz="1800" dirty="0">
-                <a:solidFill>
-                  <a:srgbClr val="343A40"/>
-                </a:solidFill>
-                <a:latin typeface="Segoe UI" panose="020B0502040204020203" pitchFamily="34" charset="0"/>
-                <a:ea typeface="Times New Roman" panose="02020603050405020304" pitchFamily="18" charset="0"/>
-                <a:cs typeface="Times New Roman" panose="02020603050405020304" pitchFamily="18" charset="0"/>
-              </a:rPr>
-              <a:t> </a:t>
-            </a:r>
-            <a:r>
-              <a:rPr lang="en-US" sz="1800" dirty="0" err="1">
-                <a:solidFill>
-                  <a:srgbClr val="343A40"/>
-                </a:solidFill>
-                <a:latin typeface="Segoe UI" panose="020B0502040204020203" pitchFamily="34" charset="0"/>
-                <a:ea typeface="Times New Roman" panose="02020603050405020304" pitchFamily="18" charset="0"/>
-                <a:cs typeface="Times New Roman" panose="02020603050405020304" pitchFamily="18" charset="0"/>
-              </a:rPr>
-              <a:t>tượng</a:t>
-            </a:r>
-            <a:r>
-              <a:rPr lang="en-US" sz="1800" dirty="0">
-                <a:solidFill>
-                  <a:srgbClr val="343A40"/>
-                </a:solidFill>
-                <a:latin typeface="Segoe UI" panose="020B0502040204020203" pitchFamily="34" charset="0"/>
-                <a:ea typeface="Times New Roman" panose="02020603050405020304" pitchFamily="18" charset="0"/>
-                <a:cs typeface="Times New Roman" panose="02020603050405020304" pitchFamily="18" charset="0"/>
-              </a:rPr>
-              <a:t> </a:t>
-            </a:r>
-            <a:r>
-              <a:rPr lang="en-US" sz="1800" dirty="0" err="1">
-                <a:solidFill>
-                  <a:srgbClr val="343A40"/>
-                </a:solidFill>
-                <a:latin typeface="Segoe UI" panose="020B0502040204020203" pitchFamily="34" charset="0"/>
-                <a:ea typeface="Times New Roman" panose="02020603050405020304" pitchFamily="18" charset="0"/>
-                <a:cs typeface="Times New Roman" panose="02020603050405020304" pitchFamily="18" charset="0"/>
-              </a:rPr>
-              <a:t>cung</a:t>
-            </a:r>
-            <a:r>
-              <a:rPr lang="en-US" sz="1800" dirty="0">
-                <a:solidFill>
-                  <a:srgbClr val="343A40"/>
-                </a:solidFill>
-                <a:latin typeface="Segoe UI" panose="020B0502040204020203" pitchFamily="34" charset="0"/>
-                <a:ea typeface="Times New Roman" panose="02020603050405020304" pitchFamily="18" charset="0"/>
-                <a:cs typeface="Times New Roman" panose="02020603050405020304" pitchFamily="18" charset="0"/>
-              </a:rPr>
-              <a:t> </a:t>
-            </a:r>
-            <a:r>
-              <a:rPr lang="en-US" sz="1800" dirty="0" err="1">
-                <a:solidFill>
-                  <a:srgbClr val="343A40"/>
-                </a:solidFill>
-                <a:latin typeface="Segoe UI" panose="020B0502040204020203" pitchFamily="34" charset="0"/>
-                <a:ea typeface="Times New Roman" panose="02020603050405020304" pitchFamily="18" charset="0"/>
-                <a:cs typeface="Times New Roman" panose="02020603050405020304" pitchFamily="18" charset="0"/>
-              </a:rPr>
-              <a:t>cấp</a:t>
-            </a:r>
-            <a:r>
-              <a:rPr lang="en-US" sz="1800" dirty="0">
-                <a:solidFill>
-                  <a:srgbClr val="343A40"/>
-                </a:solidFill>
-                <a:latin typeface="Segoe UI" panose="020B0502040204020203" pitchFamily="34" charset="0"/>
-                <a:ea typeface="Times New Roman" panose="02020603050405020304" pitchFamily="18" charset="0"/>
-                <a:cs typeface="Times New Roman" panose="02020603050405020304" pitchFamily="18" charset="0"/>
-              </a:rPr>
-              <a:t> </a:t>
-            </a:r>
-            <a:r>
-              <a:rPr lang="en-US" sz="1800" dirty="0" err="1">
-                <a:solidFill>
-                  <a:srgbClr val="343A40"/>
-                </a:solidFill>
-                <a:latin typeface="Segoe UI" panose="020B0502040204020203" pitchFamily="34" charset="0"/>
-                <a:ea typeface="Times New Roman" panose="02020603050405020304" pitchFamily="18" charset="0"/>
-                <a:cs typeface="Times New Roman" panose="02020603050405020304" pitchFamily="18" charset="0"/>
-              </a:rPr>
-              <a:t>một</a:t>
-            </a:r>
-            <a:r>
-              <a:rPr lang="en-US" sz="1800" dirty="0">
-                <a:solidFill>
-                  <a:srgbClr val="343A40"/>
-                </a:solidFill>
-                <a:latin typeface="Segoe UI" panose="020B0502040204020203" pitchFamily="34" charset="0"/>
-                <a:ea typeface="Times New Roman" panose="02020603050405020304" pitchFamily="18" charset="0"/>
-                <a:cs typeface="Times New Roman" panose="02020603050405020304" pitchFamily="18" charset="0"/>
-              </a:rPr>
-              <a:t> </a:t>
-            </a:r>
-            <a:r>
-              <a:rPr lang="en-US" sz="1800" dirty="0" err="1">
-                <a:solidFill>
-                  <a:srgbClr val="343A40"/>
-                </a:solidFill>
-                <a:latin typeface="Segoe UI" panose="020B0502040204020203" pitchFamily="34" charset="0"/>
-                <a:ea typeface="Times New Roman" panose="02020603050405020304" pitchFamily="18" charset="0"/>
-                <a:cs typeface="Times New Roman" panose="02020603050405020304" pitchFamily="18" charset="0"/>
-              </a:rPr>
-              <a:t>giao</a:t>
-            </a:r>
-            <a:r>
-              <a:rPr lang="en-US" sz="1800" dirty="0">
-                <a:solidFill>
-                  <a:srgbClr val="343A40"/>
-                </a:solidFill>
-                <a:latin typeface="Segoe UI" panose="020B0502040204020203" pitchFamily="34" charset="0"/>
-                <a:ea typeface="Times New Roman" panose="02020603050405020304" pitchFamily="18" charset="0"/>
-                <a:cs typeface="Times New Roman" panose="02020603050405020304" pitchFamily="18" charset="0"/>
-              </a:rPr>
-              <a:t> </a:t>
-            </a:r>
-            <a:r>
-              <a:rPr lang="en-US" sz="1800" dirty="0" err="1">
-                <a:solidFill>
-                  <a:srgbClr val="343A40"/>
-                </a:solidFill>
-                <a:latin typeface="Segoe UI" panose="020B0502040204020203" pitchFamily="34" charset="0"/>
-                <a:ea typeface="Times New Roman" panose="02020603050405020304" pitchFamily="18" charset="0"/>
-                <a:cs typeface="Times New Roman" panose="02020603050405020304" pitchFamily="18" charset="0"/>
-              </a:rPr>
-              <a:t>diện</a:t>
-            </a:r>
-            <a:r>
-              <a:rPr lang="en-US" sz="1800" dirty="0">
-                <a:solidFill>
-                  <a:srgbClr val="343A40"/>
-                </a:solidFill>
-                <a:latin typeface="Segoe UI" panose="020B0502040204020203" pitchFamily="34" charset="0"/>
-                <a:ea typeface="Times New Roman" panose="02020603050405020304" pitchFamily="18" charset="0"/>
-                <a:cs typeface="Times New Roman" panose="02020603050405020304" pitchFamily="18" charset="0"/>
-              </a:rPr>
-              <a:t> </a:t>
-            </a:r>
-            <a:r>
-              <a:rPr lang="en-US" sz="1800" dirty="0" err="1">
-                <a:solidFill>
-                  <a:srgbClr val="343A40"/>
-                </a:solidFill>
-                <a:latin typeface="Segoe UI" panose="020B0502040204020203" pitchFamily="34" charset="0"/>
-                <a:ea typeface="Times New Roman" panose="02020603050405020304" pitchFamily="18" charset="0"/>
-                <a:cs typeface="Times New Roman" panose="02020603050405020304" pitchFamily="18" charset="0"/>
-              </a:rPr>
-              <a:t>lập</a:t>
-            </a:r>
-            <a:r>
-              <a:rPr lang="en-US" sz="1800" dirty="0">
-                <a:solidFill>
-                  <a:srgbClr val="343A40"/>
-                </a:solidFill>
-                <a:latin typeface="Segoe UI" panose="020B0502040204020203" pitchFamily="34" charset="0"/>
-                <a:ea typeface="Times New Roman" panose="02020603050405020304" pitchFamily="18" charset="0"/>
-                <a:cs typeface="Times New Roman" panose="02020603050405020304" pitchFamily="18" charset="0"/>
-              </a:rPr>
-              <a:t> </a:t>
-            </a:r>
-            <a:r>
-              <a:rPr lang="en-US" sz="1800" dirty="0" err="1">
-                <a:solidFill>
-                  <a:srgbClr val="343A40"/>
-                </a:solidFill>
-                <a:latin typeface="Segoe UI" panose="020B0502040204020203" pitchFamily="34" charset="0"/>
-                <a:ea typeface="Times New Roman" panose="02020603050405020304" pitchFamily="18" charset="0"/>
-                <a:cs typeface="Times New Roman" panose="02020603050405020304" pitchFamily="18" charset="0"/>
-              </a:rPr>
-              <a:t>trình</a:t>
-            </a:r>
-            <a:r>
-              <a:rPr lang="en-US" sz="1800" dirty="0">
-                <a:solidFill>
-                  <a:srgbClr val="343A40"/>
-                </a:solidFill>
-                <a:latin typeface="Segoe UI" panose="020B0502040204020203" pitchFamily="34" charset="0"/>
-                <a:ea typeface="Times New Roman" panose="02020603050405020304" pitchFamily="18" charset="0"/>
-                <a:cs typeface="Times New Roman" panose="02020603050405020304" pitchFamily="18" charset="0"/>
-              </a:rPr>
-              <a:t> </a:t>
-            </a:r>
-            <a:r>
-              <a:rPr lang="en-US" sz="1800" dirty="0" err="1">
-                <a:solidFill>
-                  <a:srgbClr val="343A40"/>
-                </a:solidFill>
-                <a:latin typeface="Segoe UI" panose="020B0502040204020203" pitchFamily="34" charset="0"/>
-                <a:ea typeface="Times New Roman" panose="02020603050405020304" pitchFamily="18" charset="0"/>
-                <a:cs typeface="Times New Roman" panose="02020603050405020304" pitchFamily="18" charset="0"/>
-              </a:rPr>
-              <a:t>tối</a:t>
-            </a:r>
-            <a:r>
-              <a:rPr lang="en-US" sz="1800" dirty="0">
-                <a:solidFill>
-                  <a:srgbClr val="343A40"/>
-                </a:solidFill>
-                <a:latin typeface="Segoe UI" panose="020B0502040204020203" pitchFamily="34" charset="0"/>
-                <a:ea typeface="Times New Roman" panose="02020603050405020304" pitchFamily="18" charset="0"/>
-                <a:cs typeface="Times New Roman" panose="02020603050405020304" pitchFamily="18" charset="0"/>
-              </a:rPr>
-              <a:t> </a:t>
-            </a:r>
-            <a:r>
-              <a:rPr lang="en-US" sz="1800" dirty="0" err="1">
-                <a:solidFill>
-                  <a:srgbClr val="343A40"/>
-                </a:solidFill>
-                <a:latin typeface="Segoe UI" panose="020B0502040204020203" pitchFamily="34" charset="0"/>
-                <a:ea typeface="Times New Roman" panose="02020603050405020304" pitchFamily="18" charset="0"/>
-                <a:cs typeface="Times New Roman" panose="02020603050405020304" pitchFamily="18" charset="0"/>
-              </a:rPr>
-              <a:t>thiểu</a:t>
-            </a:r>
-            <a:r>
-              <a:rPr lang="en-US" sz="1800" dirty="0">
-                <a:solidFill>
-                  <a:srgbClr val="343A40"/>
-                </a:solidFill>
-                <a:latin typeface="Segoe UI" panose="020B0502040204020203" pitchFamily="34" charset="0"/>
-                <a:ea typeface="Times New Roman" panose="02020603050405020304" pitchFamily="18" charset="0"/>
-                <a:cs typeface="Times New Roman" panose="02020603050405020304" pitchFamily="18" charset="0"/>
-              </a:rPr>
-              <a:t> và </a:t>
-            </a:r>
-            <a:r>
-              <a:rPr lang="en-US" sz="1800" dirty="0" err="1">
-                <a:solidFill>
-                  <a:srgbClr val="343A40"/>
-                </a:solidFill>
-                <a:latin typeface="Segoe UI" panose="020B0502040204020203" pitchFamily="34" charset="0"/>
-                <a:ea typeface="Times New Roman" panose="02020603050405020304" pitchFamily="18" charset="0"/>
-                <a:cs typeface="Times New Roman" panose="02020603050405020304" pitchFamily="18" charset="0"/>
-              </a:rPr>
-              <a:t>triển</a:t>
-            </a:r>
-            <a:r>
-              <a:rPr lang="en-US" sz="1800" dirty="0">
-                <a:solidFill>
-                  <a:srgbClr val="343A40"/>
-                </a:solidFill>
-                <a:latin typeface="Segoe UI" panose="020B0502040204020203" pitchFamily="34" charset="0"/>
-                <a:ea typeface="Times New Roman" panose="02020603050405020304" pitchFamily="18" charset="0"/>
-                <a:cs typeface="Times New Roman" panose="02020603050405020304" pitchFamily="18" charset="0"/>
-              </a:rPr>
-              <a:t> </a:t>
-            </a:r>
-            <a:r>
-              <a:rPr lang="en-US" sz="1800" dirty="0" err="1">
-                <a:solidFill>
-                  <a:srgbClr val="343A40"/>
-                </a:solidFill>
-                <a:latin typeface="Segoe UI" panose="020B0502040204020203" pitchFamily="34" charset="0"/>
-                <a:ea typeface="Times New Roman" panose="02020603050405020304" pitchFamily="18" charset="0"/>
-                <a:cs typeface="Times New Roman" panose="02020603050405020304" pitchFamily="18" charset="0"/>
-              </a:rPr>
-              <a:t>khai</a:t>
-            </a:r>
-            <a:r>
-              <a:rPr lang="en-US" sz="1800" dirty="0">
-                <a:solidFill>
-                  <a:srgbClr val="343A40"/>
-                </a:solidFill>
-                <a:latin typeface="Segoe UI" panose="020B0502040204020203" pitchFamily="34" charset="0"/>
-                <a:ea typeface="Times New Roman" panose="02020603050405020304" pitchFamily="18" charset="0"/>
-                <a:cs typeface="Times New Roman" panose="02020603050405020304" pitchFamily="18" charset="0"/>
-              </a:rPr>
-              <a:t> </a:t>
-            </a:r>
-            <a:r>
-              <a:rPr lang="en-US" sz="1800" dirty="0" err="1">
-                <a:solidFill>
-                  <a:srgbClr val="343A40"/>
-                </a:solidFill>
-                <a:latin typeface="Segoe UI" panose="020B0502040204020203" pitchFamily="34" charset="0"/>
-                <a:ea typeface="Times New Roman" panose="02020603050405020304" pitchFamily="18" charset="0"/>
-                <a:cs typeface="Times New Roman" panose="02020603050405020304" pitchFamily="18" charset="0"/>
-              </a:rPr>
-              <a:t>một</a:t>
-            </a:r>
-            <a:r>
-              <a:rPr lang="en-US" sz="1800" dirty="0">
-                <a:solidFill>
-                  <a:srgbClr val="343A40"/>
-                </a:solidFill>
-                <a:latin typeface="Segoe UI" panose="020B0502040204020203" pitchFamily="34" charset="0"/>
-                <a:ea typeface="Times New Roman" panose="02020603050405020304" pitchFamily="18" charset="0"/>
-                <a:cs typeface="Times New Roman" panose="02020603050405020304" pitchFamily="18" charset="0"/>
-              </a:rPr>
-              <a:t> </a:t>
-            </a:r>
-            <a:r>
-              <a:rPr lang="en-US" sz="1800" dirty="0" err="1">
-                <a:solidFill>
-                  <a:srgbClr val="343A40"/>
-                </a:solidFill>
-                <a:latin typeface="Segoe UI" panose="020B0502040204020203" pitchFamily="34" charset="0"/>
-                <a:ea typeface="Times New Roman" panose="02020603050405020304" pitchFamily="18" charset="0"/>
-                <a:cs typeface="Times New Roman" panose="02020603050405020304" pitchFamily="18" charset="0"/>
-              </a:rPr>
-              <a:t>phần</a:t>
-            </a:r>
-            <a:r>
-              <a:rPr lang="en-US" sz="1800" dirty="0">
-                <a:solidFill>
-                  <a:srgbClr val="343A40"/>
-                </a:solidFill>
-                <a:latin typeface="Segoe UI" panose="020B0502040204020203" pitchFamily="34" charset="0"/>
-                <a:ea typeface="Times New Roman" panose="02020603050405020304" pitchFamily="18" charset="0"/>
-                <a:cs typeface="Times New Roman" panose="02020603050405020304" pitchFamily="18" charset="0"/>
-              </a:rPr>
-              <a:t> </a:t>
-            </a:r>
-            <a:r>
-              <a:rPr lang="en-US" sz="1800" dirty="0" err="1">
-                <a:solidFill>
-                  <a:srgbClr val="343A40"/>
-                </a:solidFill>
-                <a:latin typeface="Segoe UI" panose="020B0502040204020203" pitchFamily="34" charset="0"/>
-                <a:ea typeface="Times New Roman" panose="02020603050405020304" pitchFamily="18" charset="0"/>
-                <a:cs typeface="Times New Roman" panose="02020603050405020304" pitchFamily="18" charset="0"/>
-              </a:rPr>
-              <a:t>các</a:t>
-            </a:r>
-            <a:r>
-              <a:rPr lang="en-US" sz="1800" dirty="0">
-                <a:solidFill>
-                  <a:srgbClr val="343A40"/>
-                </a:solidFill>
-                <a:latin typeface="Segoe UI" panose="020B0502040204020203" pitchFamily="34" charset="0"/>
-                <a:ea typeface="Times New Roman" panose="02020603050405020304" pitchFamily="18" charset="0"/>
-                <a:cs typeface="Times New Roman" panose="02020603050405020304" pitchFamily="18" charset="0"/>
-              </a:rPr>
-              <a:t> </a:t>
-            </a:r>
-            <a:r>
-              <a:rPr lang="en-US" sz="1800" dirty="0" err="1">
-                <a:solidFill>
-                  <a:srgbClr val="343A40"/>
-                </a:solidFill>
-                <a:latin typeface="Segoe UI" panose="020B0502040204020203" pitchFamily="34" charset="0"/>
-                <a:ea typeface="Times New Roman" panose="02020603050405020304" pitchFamily="18" charset="0"/>
-                <a:cs typeface="Times New Roman" panose="02020603050405020304" pitchFamily="18" charset="0"/>
-              </a:rPr>
-              <a:t>luồng</a:t>
-            </a:r>
-            <a:r>
-              <a:rPr lang="en-US" sz="1800" dirty="0">
-                <a:solidFill>
-                  <a:srgbClr val="343A40"/>
-                </a:solidFill>
-                <a:latin typeface="Segoe UI" panose="020B0502040204020203" pitchFamily="34" charset="0"/>
-                <a:ea typeface="Times New Roman" panose="02020603050405020304" pitchFamily="18" charset="0"/>
-                <a:cs typeface="Times New Roman" panose="02020603050405020304" pitchFamily="18" charset="0"/>
-              </a:rPr>
-              <a:t> </a:t>
-            </a:r>
-            <a:r>
-              <a:rPr lang="en-US" sz="1800" dirty="0" err="1">
-                <a:solidFill>
-                  <a:srgbClr val="343A40"/>
-                </a:solidFill>
-                <a:latin typeface="Segoe UI" panose="020B0502040204020203" pitchFamily="34" charset="0"/>
-                <a:ea typeface="Times New Roman" panose="02020603050405020304" pitchFamily="18" charset="0"/>
-                <a:cs typeface="Times New Roman" panose="02020603050405020304" pitchFamily="18" charset="0"/>
-              </a:rPr>
-              <a:t>đầu</a:t>
-            </a:r>
-            <a:r>
-              <a:rPr lang="en-US" sz="1800" dirty="0">
-                <a:solidFill>
-                  <a:srgbClr val="343A40"/>
-                </a:solidFill>
-                <a:latin typeface="Segoe UI" panose="020B0502040204020203" pitchFamily="34" charset="0"/>
-                <a:ea typeface="Times New Roman" panose="02020603050405020304" pitchFamily="18" charset="0"/>
-                <a:cs typeface="Times New Roman" panose="02020603050405020304" pitchFamily="18" charset="0"/>
-              </a:rPr>
-              <a:t> </a:t>
-            </a:r>
-            <a:r>
-              <a:rPr lang="en-US" sz="1800" dirty="0" err="1">
-                <a:solidFill>
-                  <a:srgbClr val="343A40"/>
-                </a:solidFill>
-                <a:latin typeface="Segoe UI" panose="020B0502040204020203" pitchFamily="34" charset="0"/>
-                <a:ea typeface="Times New Roman" panose="02020603050405020304" pitchFamily="18" charset="0"/>
-                <a:cs typeface="Times New Roman" panose="02020603050405020304" pitchFamily="18" charset="0"/>
-              </a:rPr>
-              <a:t>vào</a:t>
-            </a:r>
-            <a:r>
-              <a:rPr lang="en-US" sz="1800" dirty="0">
-                <a:solidFill>
-                  <a:srgbClr val="343A40"/>
-                </a:solidFill>
-                <a:latin typeface="Segoe UI" panose="020B0502040204020203" pitchFamily="34" charset="0"/>
-                <a:ea typeface="Times New Roman" panose="02020603050405020304" pitchFamily="18" charset="0"/>
-                <a:cs typeface="Times New Roman" panose="02020603050405020304" pitchFamily="18" charset="0"/>
-              </a:rPr>
-              <a:t>. </a:t>
-            </a:r>
-            <a:endParaRPr lang="en-US" sz="1800" dirty="0" smtClean="0">
+              <a:t>- M</a:t>
+            </a:r>
+            <a:r>
+              <a:rPr lang="vi-VN" sz="1800" dirty="0">
+                <a:solidFill>
+                  <a:srgbClr val="343A40"/>
+                </a:solidFill>
+                <a:latin typeface="Segoe UI" panose="020B0502040204020203" pitchFamily="34" charset="0"/>
+                <a:ea typeface="Times New Roman" panose="02020603050405020304" pitchFamily="18" charset="0"/>
+                <a:cs typeface="Times New Roman" panose="02020603050405020304" pitchFamily="18" charset="0"/>
+              </a:rPr>
+              <a:t>ột lớp cha trừu tượng cung cấp một giao diện lập trình tối thiểu và triển khai một phần các luồng đầu ra. </a:t>
+            </a:r>
+            <a:endParaRPr lang="en-US" sz="1800" dirty="0">
               <a:solidFill>
                 <a:srgbClr val="343A40"/>
               </a:solidFill>
@@ -10660,50 +11469,6 @@
               </a:spcAft>
             </a:pPr>
             <a:r>
-              <a:rPr lang="en-US" sz="1800" dirty="0" smtClean="0">
-                <a:solidFill>
-                  <a:srgbClr val="343A40"/>
-                </a:solidFill>
-                <a:latin typeface="Segoe UI" panose="020B0502040204020203" pitchFamily="34" charset="0"/>
-                <a:ea typeface="Times New Roman" panose="02020603050405020304" pitchFamily="18" charset="0"/>
-                <a:cs typeface="Times New Roman" panose="02020603050405020304" pitchFamily="18" charset="0"/>
-              </a:rPr>
-              <a:t>- </a:t>
-            </a:r>
-            <a:r>
-              <a:rPr lang="en-US" sz="1800" dirty="0" err="1" smtClean="0">
-                <a:solidFill>
-                  <a:srgbClr val="343A40"/>
-                </a:solidFill>
-                <a:latin typeface="Segoe UI" panose="020B0502040204020203" pitchFamily="34" charset="0"/>
-                <a:ea typeface="Times New Roman" panose="02020603050405020304" pitchFamily="18" charset="0"/>
-                <a:cs typeface="Times New Roman" panose="02020603050405020304" pitchFamily="18" charset="0"/>
-              </a:rPr>
-              <a:t>Xác</a:t>
-            </a:r>
-            <a:r>
-              <a:rPr lang="en-US" sz="1800" dirty="0" smtClean="0">
-                <a:solidFill>
-                  <a:srgbClr val="343A40"/>
-                </a:solidFill>
-                <a:latin typeface="Segoe UI" panose="020B0502040204020203" pitchFamily="34" charset="0"/>
-                <a:ea typeface="Times New Roman" panose="02020603050405020304" pitchFamily="18" charset="0"/>
-                <a:cs typeface="Times New Roman" panose="02020603050405020304" pitchFamily="18" charset="0"/>
-              </a:rPr>
-              <a:t> </a:t>
-            </a:r>
-            <a:r>
-              <a:rPr lang="en-US" sz="1800" dirty="0" err="1">
-                <a:solidFill>
-                  <a:srgbClr val="343A40"/>
-                </a:solidFill>
-                <a:latin typeface="Segoe UI" panose="020B0502040204020203" pitchFamily="34" charset="0"/>
-                <a:ea typeface="Times New Roman" panose="02020603050405020304" pitchFamily="18" charset="0"/>
-                <a:cs typeface="Times New Roman" panose="02020603050405020304" pitchFamily="18" charset="0"/>
-              </a:rPr>
-              <a:t>định</a:t>
-            </a:r>
-            <a:r>
               <a:rPr lang="en-US" sz="1800" dirty="0">
                 <a:solidFill>
                   <a:srgbClr val="343A40"/>
@@ -10712,758 +11477,7 @@
                 <a:ea typeface="Times New Roman" panose="02020603050405020304" pitchFamily="18" charset="0"/>
                 <a:cs typeface="Times New Roman" panose="02020603050405020304" pitchFamily="18" charset="0"/>
               </a:rPr>
-              <a:t> </a:t>
-            </a:r>
-            <a:r>
-              <a:rPr lang="en-US" sz="1800" dirty="0" err="1">
-                <a:solidFill>
-                  <a:srgbClr val="343A40"/>
-                </a:solidFill>
-                <a:latin typeface="Segoe UI" panose="020B0502040204020203" pitchFamily="34" charset="0"/>
-                <a:ea typeface="Times New Roman" panose="02020603050405020304" pitchFamily="18" charset="0"/>
-                <a:cs typeface="Times New Roman" panose="02020603050405020304" pitchFamily="18" charset="0"/>
-              </a:rPr>
-              <a:t>các</a:t>
-            </a:r>
-            <a:r>
-              <a:rPr lang="en-US" sz="1800" dirty="0">
-                <a:solidFill>
-                  <a:srgbClr val="343A40"/>
-                </a:solidFill>
-                <a:latin typeface="Segoe UI" panose="020B0502040204020203" pitchFamily="34" charset="0"/>
-                <a:ea typeface="Times New Roman" panose="02020603050405020304" pitchFamily="18" charset="0"/>
-                <a:cs typeface="Times New Roman" panose="02020603050405020304" pitchFamily="18" charset="0"/>
-              </a:rPr>
-              <a:t> </a:t>
-            </a:r>
-            <a:r>
-              <a:rPr lang="en-US" sz="1800" dirty="0" err="1">
-                <a:solidFill>
-                  <a:srgbClr val="343A40"/>
-                </a:solidFill>
-                <a:latin typeface="Segoe UI" panose="020B0502040204020203" pitchFamily="34" charset="0"/>
-                <a:ea typeface="Times New Roman" panose="02020603050405020304" pitchFamily="18" charset="0"/>
-                <a:cs typeface="Times New Roman" panose="02020603050405020304" pitchFamily="18" charset="0"/>
-              </a:rPr>
-              <a:t>phương</a:t>
-            </a:r>
-            <a:r>
-              <a:rPr lang="en-US" sz="1800" dirty="0">
-                <a:solidFill>
-                  <a:srgbClr val="343A40"/>
-                </a:solidFill>
-                <a:latin typeface="Segoe UI" panose="020B0502040204020203" pitchFamily="34" charset="0"/>
-                <a:ea typeface="Times New Roman" panose="02020603050405020304" pitchFamily="18" charset="0"/>
-                <a:cs typeface="Times New Roman" panose="02020603050405020304" pitchFamily="18" charset="0"/>
-              </a:rPr>
-              <a:t> </a:t>
-            </a:r>
-            <a:r>
-              <a:rPr lang="en-US" sz="1800" dirty="0" err="1">
-                <a:solidFill>
-                  <a:srgbClr val="343A40"/>
-                </a:solidFill>
-                <a:latin typeface="Segoe UI" panose="020B0502040204020203" pitchFamily="34" charset="0"/>
-                <a:ea typeface="Times New Roman" panose="02020603050405020304" pitchFamily="18" charset="0"/>
-                <a:cs typeface="Times New Roman" panose="02020603050405020304" pitchFamily="18" charset="0"/>
-              </a:rPr>
-              <a:t>thức</a:t>
-            </a:r>
-            <a:r>
-              <a:rPr lang="en-US" sz="1800" dirty="0">
-                <a:solidFill>
-                  <a:srgbClr val="343A40"/>
-                </a:solidFill>
-                <a:latin typeface="Segoe UI" panose="020B0502040204020203" pitchFamily="34" charset="0"/>
-                <a:ea typeface="Times New Roman" panose="02020603050405020304" pitchFamily="18" charset="0"/>
-                <a:cs typeface="Times New Roman" panose="02020603050405020304" pitchFamily="18" charset="0"/>
-              </a:rPr>
-              <a:t> </a:t>
-            </a:r>
-            <a:r>
-              <a:rPr lang="en-US" sz="1800" dirty="0" err="1">
-                <a:solidFill>
-                  <a:srgbClr val="343A40"/>
-                </a:solidFill>
-                <a:latin typeface="Segoe UI" panose="020B0502040204020203" pitchFamily="34" charset="0"/>
-                <a:ea typeface="Times New Roman" panose="02020603050405020304" pitchFamily="18" charset="0"/>
-                <a:cs typeface="Times New Roman" panose="02020603050405020304" pitchFamily="18" charset="0"/>
-              </a:rPr>
-              <a:t>để</a:t>
-            </a:r>
-            <a:r>
-              <a:rPr lang="en-US" sz="1800" dirty="0">
-                <a:solidFill>
-                  <a:srgbClr val="343A40"/>
-                </a:solidFill>
-                <a:latin typeface="Segoe UI" panose="020B0502040204020203" pitchFamily="34" charset="0"/>
-                <a:ea typeface="Times New Roman" panose="02020603050405020304" pitchFamily="18" charset="0"/>
-                <a:cs typeface="Times New Roman" panose="02020603050405020304" pitchFamily="18" charset="0"/>
-              </a:rPr>
-              <a:t> </a:t>
-            </a:r>
-            <a:r>
-              <a:rPr lang="en-US" sz="1800" dirty="0" err="1">
-                <a:solidFill>
-                  <a:srgbClr val="343A40"/>
-                </a:solidFill>
-                <a:latin typeface="Segoe UI" panose="020B0502040204020203" pitchFamily="34" charset="0"/>
-                <a:ea typeface="Times New Roman" panose="02020603050405020304" pitchFamily="18" charset="0"/>
-                <a:cs typeface="Times New Roman" panose="02020603050405020304" pitchFamily="18" charset="0"/>
-              </a:rPr>
-              <a:t>đọc</a:t>
-            </a:r>
-            <a:r>
-              <a:rPr lang="en-US" sz="1800" dirty="0">
-                <a:solidFill>
-                  <a:srgbClr val="343A40"/>
-                </a:solidFill>
-                <a:latin typeface="Segoe UI" panose="020B0502040204020203" pitchFamily="34" charset="0"/>
-                <a:ea typeface="Times New Roman" panose="02020603050405020304" pitchFamily="18" charset="0"/>
-                <a:cs typeface="Times New Roman" panose="02020603050405020304" pitchFamily="18" charset="0"/>
-              </a:rPr>
-              <a:t> byte </a:t>
-            </a:r>
-            <a:r>
-              <a:rPr lang="en-US" sz="1800" dirty="0" err="1">
-                <a:solidFill>
-                  <a:srgbClr val="343A40"/>
-                </a:solidFill>
-                <a:latin typeface="Segoe UI" panose="020B0502040204020203" pitchFamily="34" charset="0"/>
-                <a:ea typeface="Times New Roman" panose="02020603050405020304" pitchFamily="18" charset="0"/>
-                <a:cs typeface="Times New Roman" panose="02020603050405020304" pitchFamily="18" charset="0"/>
-              </a:rPr>
-              <a:t>hoặc</a:t>
-            </a:r>
-            <a:r>
-              <a:rPr lang="en-US" sz="1800" dirty="0">
-                <a:solidFill>
-                  <a:srgbClr val="343A40"/>
-                </a:solidFill>
-                <a:latin typeface="Segoe UI" panose="020B0502040204020203" pitchFamily="34" charset="0"/>
-                <a:ea typeface="Times New Roman" panose="02020603050405020304" pitchFamily="18" charset="0"/>
-                <a:cs typeface="Times New Roman" panose="02020603050405020304" pitchFamily="18" charset="0"/>
-              </a:rPr>
-              <a:t> </a:t>
-            </a:r>
-            <a:r>
-              <a:rPr lang="en-US" sz="1800" dirty="0" err="1">
-                <a:solidFill>
-                  <a:srgbClr val="343A40"/>
-                </a:solidFill>
-                <a:latin typeface="Segoe UI" panose="020B0502040204020203" pitchFamily="34" charset="0"/>
-                <a:ea typeface="Times New Roman" panose="02020603050405020304" pitchFamily="18" charset="0"/>
-                <a:cs typeface="Times New Roman" panose="02020603050405020304" pitchFamily="18" charset="0"/>
-              </a:rPr>
-              <a:t>mảng</a:t>
-            </a:r>
-            <a:r>
-              <a:rPr lang="en-US" sz="1800" dirty="0">
-                <a:solidFill>
-                  <a:srgbClr val="343A40"/>
-                </a:solidFill>
-                <a:latin typeface="Segoe UI" panose="020B0502040204020203" pitchFamily="34" charset="0"/>
-                <a:ea typeface="Times New Roman" panose="02020603050405020304" pitchFamily="18" charset="0"/>
-                <a:cs typeface="Times New Roman" panose="02020603050405020304" pitchFamily="18" charset="0"/>
-              </a:rPr>
-              <a:t> byte, </a:t>
-            </a:r>
-            <a:r>
-              <a:rPr lang="en-US" sz="1800" dirty="0" err="1">
-                <a:solidFill>
-                  <a:srgbClr val="343A40"/>
-                </a:solidFill>
-                <a:latin typeface="Segoe UI" panose="020B0502040204020203" pitchFamily="34" charset="0"/>
-                <a:ea typeface="Times New Roman" panose="02020603050405020304" pitchFamily="18" charset="0"/>
-                <a:cs typeface="Times New Roman" panose="02020603050405020304" pitchFamily="18" charset="0"/>
-              </a:rPr>
-              <a:t>đánh</a:t>
-            </a:r>
-            <a:r>
-              <a:rPr lang="en-US" sz="1800" dirty="0">
-                <a:solidFill>
-                  <a:srgbClr val="343A40"/>
-                </a:solidFill>
-                <a:latin typeface="Segoe UI" panose="020B0502040204020203" pitchFamily="34" charset="0"/>
-                <a:ea typeface="Times New Roman" panose="02020603050405020304" pitchFamily="18" charset="0"/>
-                <a:cs typeface="Times New Roman" panose="02020603050405020304" pitchFamily="18" charset="0"/>
-              </a:rPr>
-              <a:t> </a:t>
-            </a:r>
-            <a:r>
-              <a:rPr lang="en-US" sz="1800" dirty="0" err="1">
-                <a:solidFill>
-                  <a:srgbClr val="343A40"/>
-                </a:solidFill>
-                <a:latin typeface="Segoe UI" panose="020B0502040204020203" pitchFamily="34" charset="0"/>
-                <a:ea typeface="Times New Roman" panose="02020603050405020304" pitchFamily="18" charset="0"/>
-                <a:cs typeface="Times New Roman" panose="02020603050405020304" pitchFamily="18" charset="0"/>
-              </a:rPr>
-              <a:t>dấu</a:t>
-            </a:r>
-            <a:r>
-              <a:rPr lang="en-US" sz="1800" dirty="0">
-                <a:solidFill>
-                  <a:srgbClr val="343A40"/>
-                </a:solidFill>
-                <a:latin typeface="Segoe UI" panose="020B0502040204020203" pitchFamily="34" charset="0"/>
-                <a:ea typeface="Times New Roman" panose="02020603050405020304" pitchFamily="18" charset="0"/>
-                <a:cs typeface="Times New Roman" panose="02020603050405020304" pitchFamily="18" charset="0"/>
-              </a:rPr>
-              <a:t> </a:t>
-            </a:r>
-            <a:r>
-              <a:rPr lang="en-US" sz="1800" dirty="0" err="1">
-                <a:solidFill>
-                  <a:srgbClr val="343A40"/>
-                </a:solidFill>
-                <a:latin typeface="Segoe UI" panose="020B0502040204020203" pitchFamily="34" charset="0"/>
-                <a:ea typeface="Times New Roman" panose="02020603050405020304" pitchFamily="18" charset="0"/>
-                <a:cs typeface="Times New Roman" panose="02020603050405020304" pitchFamily="18" charset="0"/>
-              </a:rPr>
-              <a:t>vị</a:t>
-            </a:r>
-            <a:r>
-              <a:rPr lang="en-US" sz="1800" dirty="0">
-                <a:solidFill>
-                  <a:srgbClr val="343A40"/>
-                </a:solidFill>
-                <a:latin typeface="Segoe UI" panose="020B0502040204020203" pitchFamily="34" charset="0"/>
-                <a:ea typeface="Times New Roman" panose="02020603050405020304" pitchFamily="18" charset="0"/>
-                <a:cs typeface="Times New Roman" panose="02020603050405020304" pitchFamily="18" charset="0"/>
-              </a:rPr>
-              <a:t> </a:t>
-            </a:r>
-            <a:r>
-              <a:rPr lang="en-US" sz="1800" dirty="0" err="1">
-                <a:solidFill>
-                  <a:srgbClr val="343A40"/>
-                </a:solidFill>
-                <a:latin typeface="Segoe UI" panose="020B0502040204020203" pitchFamily="34" charset="0"/>
-                <a:ea typeface="Times New Roman" panose="02020603050405020304" pitchFamily="18" charset="0"/>
-                <a:cs typeface="Times New Roman" panose="02020603050405020304" pitchFamily="18" charset="0"/>
-              </a:rPr>
-              <a:t>trí</a:t>
-            </a:r>
-            <a:r>
-              <a:rPr lang="en-US" sz="1800" dirty="0">
-                <a:solidFill>
-                  <a:srgbClr val="343A40"/>
-                </a:solidFill>
-                <a:latin typeface="Segoe UI" panose="020B0502040204020203" pitchFamily="34" charset="0"/>
-                <a:ea typeface="Times New Roman" panose="02020603050405020304" pitchFamily="18" charset="0"/>
-                <a:cs typeface="Times New Roman" panose="02020603050405020304" pitchFamily="18" charset="0"/>
-              </a:rPr>
-              <a:t> </a:t>
-            </a:r>
-            <a:r>
-              <a:rPr lang="en-US" sz="1800" dirty="0" err="1">
-                <a:solidFill>
-                  <a:srgbClr val="343A40"/>
-                </a:solidFill>
-                <a:latin typeface="Segoe UI" panose="020B0502040204020203" pitchFamily="34" charset="0"/>
-                <a:ea typeface="Times New Roman" panose="02020603050405020304" pitchFamily="18" charset="0"/>
-                <a:cs typeface="Times New Roman" panose="02020603050405020304" pitchFamily="18" charset="0"/>
-              </a:rPr>
-              <a:t>trong</a:t>
-            </a:r>
-            <a:r>
-              <a:rPr lang="en-US" sz="1800" dirty="0">
-                <a:solidFill>
-                  <a:srgbClr val="343A40"/>
-                </a:solidFill>
-                <a:latin typeface="Segoe UI" panose="020B0502040204020203" pitchFamily="34" charset="0"/>
-                <a:ea typeface="Times New Roman" panose="02020603050405020304" pitchFamily="18" charset="0"/>
-                <a:cs typeface="Times New Roman" panose="02020603050405020304" pitchFamily="18" charset="0"/>
-              </a:rPr>
-              <a:t> </a:t>
-            </a:r>
-            <a:r>
-              <a:rPr lang="en-US" sz="1800" dirty="0" err="1">
-                <a:solidFill>
-                  <a:srgbClr val="343A40"/>
-                </a:solidFill>
-                <a:latin typeface="Segoe UI" panose="020B0502040204020203" pitchFamily="34" charset="0"/>
-                <a:ea typeface="Times New Roman" panose="02020603050405020304" pitchFamily="18" charset="0"/>
-                <a:cs typeface="Times New Roman" panose="02020603050405020304" pitchFamily="18" charset="0"/>
-              </a:rPr>
-              <a:t>luồng</a:t>
-            </a:r>
-            <a:r>
-              <a:rPr lang="en-US" sz="1800" dirty="0">
-                <a:solidFill>
-                  <a:srgbClr val="343A40"/>
-                </a:solidFill>
-                <a:latin typeface="Segoe UI" panose="020B0502040204020203" pitchFamily="34" charset="0"/>
-                <a:ea typeface="Times New Roman" panose="02020603050405020304" pitchFamily="18" charset="0"/>
-                <a:cs typeface="Times New Roman" panose="02020603050405020304" pitchFamily="18" charset="0"/>
-              </a:rPr>
-              <a:t>, </a:t>
-            </a:r>
-            <a:r>
-              <a:rPr lang="en-US" sz="1800" dirty="0" err="1">
-                <a:solidFill>
-                  <a:srgbClr val="343A40"/>
-                </a:solidFill>
-                <a:latin typeface="Segoe UI" panose="020B0502040204020203" pitchFamily="34" charset="0"/>
-                <a:ea typeface="Times New Roman" panose="02020603050405020304" pitchFamily="18" charset="0"/>
-                <a:cs typeface="Times New Roman" panose="02020603050405020304" pitchFamily="18" charset="0"/>
-              </a:rPr>
-              <a:t>bỏ</a:t>
-            </a:r>
-            <a:r>
-              <a:rPr lang="en-US" sz="1800" dirty="0">
-                <a:solidFill>
-                  <a:srgbClr val="343A40"/>
-                </a:solidFill>
-                <a:latin typeface="Segoe UI" panose="020B0502040204020203" pitchFamily="34" charset="0"/>
-                <a:ea typeface="Times New Roman" panose="02020603050405020304" pitchFamily="18" charset="0"/>
-                <a:cs typeface="Times New Roman" panose="02020603050405020304" pitchFamily="18" charset="0"/>
-              </a:rPr>
-              <a:t> qua byte </a:t>
-            </a:r>
-            <a:r>
-              <a:rPr lang="en-US" sz="1800" dirty="0" err="1">
-                <a:solidFill>
-                  <a:srgbClr val="343A40"/>
-                </a:solidFill>
-                <a:latin typeface="Segoe UI" panose="020B0502040204020203" pitchFamily="34" charset="0"/>
-                <a:ea typeface="Times New Roman" panose="02020603050405020304" pitchFamily="18" charset="0"/>
-                <a:cs typeface="Times New Roman" panose="02020603050405020304" pitchFamily="18" charset="0"/>
-              </a:rPr>
-              <a:t>đầu</a:t>
-            </a:r>
-            <a:r>
-              <a:rPr lang="en-US" sz="1800" dirty="0">
-                <a:solidFill>
-                  <a:srgbClr val="343A40"/>
-                </a:solidFill>
-                <a:latin typeface="Segoe UI" panose="020B0502040204020203" pitchFamily="34" charset="0"/>
-                <a:ea typeface="Times New Roman" panose="02020603050405020304" pitchFamily="18" charset="0"/>
-                <a:cs typeface="Times New Roman" panose="02020603050405020304" pitchFamily="18" charset="0"/>
-              </a:rPr>
-              <a:t> </a:t>
-            </a:r>
-            <a:r>
-              <a:rPr lang="en-US" sz="1800" dirty="0" err="1">
-                <a:solidFill>
-                  <a:srgbClr val="343A40"/>
-                </a:solidFill>
-                <a:latin typeface="Segoe UI" panose="020B0502040204020203" pitchFamily="34" charset="0"/>
-                <a:ea typeface="Times New Roman" panose="02020603050405020304" pitchFamily="18" charset="0"/>
-                <a:cs typeface="Times New Roman" panose="02020603050405020304" pitchFamily="18" charset="0"/>
-              </a:rPr>
-              <a:t>vào</a:t>
-            </a:r>
-            <a:r>
-              <a:rPr lang="en-US" sz="1800" dirty="0">
-                <a:solidFill>
-                  <a:srgbClr val="343A40"/>
-                </a:solidFill>
-                <a:latin typeface="Segoe UI" panose="020B0502040204020203" pitchFamily="34" charset="0"/>
-                <a:ea typeface="Times New Roman" panose="02020603050405020304" pitchFamily="18" charset="0"/>
-                <a:cs typeface="Times New Roman" panose="02020603050405020304" pitchFamily="18" charset="0"/>
-              </a:rPr>
-              <a:t>,  </a:t>
-            </a:r>
-            <a:r>
-              <a:rPr lang="en-US" sz="1800" dirty="0" err="1" smtClean="0">
-                <a:solidFill>
-                  <a:srgbClr val="343A40"/>
-                </a:solidFill>
-                <a:latin typeface="Segoe UI" panose="020B0502040204020203" pitchFamily="34" charset="0"/>
-                <a:ea typeface="Times New Roman" panose="02020603050405020304" pitchFamily="18" charset="0"/>
-                <a:cs typeface="Times New Roman" panose="02020603050405020304" pitchFamily="18" charset="0"/>
-              </a:rPr>
-              <a:t>tìm</a:t>
-            </a:r>
-            <a:r>
-              <a:rPr lang="en-US" sz="1800" dirty="0" smtClean="0">
-                <a:solidFill>
-                  <a:srgbClr val="343A40"/>
-                </a:solidFill>
-                <a:latin typeface="Segoe UI" panose="020B0502040204020203" pitchFamily="34" charset="0"/>
-                <a:ea typeface="Times New Roman" panose="02020603050405020304" pitchFamily="18" charset="0"/>
-                <a:cs typeface="Times New Roman" panose="02020603050405020304" pitchFamily="18" charset="0"/>
-              </a:rPr>
-              <a:t> </a:t>
-            </a:r>
-            <a:r>
-              <a:rPr lang="en-US" sz="1800" dirty="0" err="1">
-                <a:solidFill>
-                  <a:srgbClr val="343A40"/>
-                </a:solidFill>
-                <a:latin typeface="Segoe UI" panose="020B0502040204020203" pitchFamily="34" charset="0"/>
-                <a:ea typeface="Times New Roman" panose="02020603050405020304" pitchFamily="18" charset="0"/>
-                <a:cs typeface="Times New Roman" panose="02020603050405020304" pitchFamily="18" charset="0"/>
-              </a:rPr>
-              <a:t>ra</a:t>
-            </a:r>
-            <a:r>
-              <a:rPr lang="en-US" sz="1800" dirty="0">
-                <a:solidFill>
-                  <a:srgbClr val="343A40"/>
-                </a:solidFill>
-                <a:latin typeface="Segoe UI" panose="020B0502040204020203" pitchFamily="34" charset="0"/>
-                <a:ea typeface="Times New Roman" panose="02020603050405020304" pitchFamily="18" charset="0"/>
-                <a:cs typeface="Times New Roman" panose="02020603050405020304" pitchFamily="18" charset="0"/>
-              </a:rPr>
-              <a:t> </a:t>
-            </a:r>
-            <a:r>
-              <a:rPr lang="en-US" sz="1800" dirty="0" err="1">
-                <a:solidFill>
-                  <a:srgbClr val="343A40"/>
-                </a:solidFill>
-                <a:latin typeface="Segoe UI" panose="020B0502040204020203" pitchFamily="34" charset="0"/>
-                <a:ea typeface="Times New Roman" panose="02020603050405020304" pitchFamily="18" charset="0"/>
-                <a:cs typeface="Times New Roman" panose="02020603050405020304" pitchFamily="18" charset="0"/>
-              </a:rPr>
-              <a:t>số</a:t>
-            </a:r>
-            <a:r>
-              <a:rPr lang="en-US" sz="1800" dirty="0">
-                <a:solidFill>
-                  <a:srgbClr val="343A40"/>
-                </a:solidFill>
-                <a:latin typeface="Segoe UI" panose="020B0502040204020203" pitchFamily="34" charset="0"/>
-                <a:ea typeface="Times New Roman" panose="02020603050405020304" pitchFamily="18" charset="0"/>
-                <a:cs typeface="Times New Roman" panose="02020603050405020304" pitchFamily="18" charset="0"/>
-              </a:rPr>
-              <a:t> byte </a:t>
-            </a:r>
-            <a:r>
-              <a:rPr lang="en-US" sz="1800" dirty="0" err="1">
-                <a:solidFill>
-                  <a:srgbClr val="343A40"/>
-                </a:solidFill>
-                <a:latin typeface="Segoe UI" panose="020B0502040204020203" pitchFamily="34" charset="0"/>
-                <a:ea typeface="Times New Roman" panose="02020603050405020304" pitchFamily="18" charset="0"/>
-                <a:cs typeface="Times New Roman" panose="02020603050405020304" pitchFamily="18" charset="0"/>
-              </a:rPr>
-              <a:t>có</a:t>
-            </a:r>
-            <a:r>
-              <a:rPr lang="en-US" sz="1800" dirty="0">
-                <a:solidFill>
-                  <a:srgbClr val="343A40"/>
-                </a:solidFill>
-                <a:latin typeface="Segoe UI" panose="020B0502040204020203" pitchFamily="34" charset="0"/>
-                <a:ea typeface="Times New Roman" panose="02020603050405020304" pitchFamily="18" charset="0"/>
-                <a:cs typeface="Times New Roman" panose="02020603050405020304" pitchFamily="18" charset="0"/>
-              </a:rPr>
-              <a:t> </a:t>
-            </a:r>
-            <a:r>
-              <a:rPr lang="en-US" sz="1800" dirty="0" err="1">
-                <a:solidFill>
-                  <a:srgbClr val="343A40"/>
-                </a:solidFill>
-                <a:latin typeface="Segoe UI" panose="020B0502040204020203" pitchFamily="34" charset="0"/>
-                <a:ea typeface="Times New Roman" panose="02020603050405020304" pitchFamily="18" charset="0"/>
-                <a:cs typeface="Times New Roman" panose="02020603050405020304" pitchFamily="18" charset="0"/>
-              </a:rPr>
-              <a:t>sẵn</a:t>
-            </a:r>
-            <a:r>
-              <a:rPr lang="en-US" sz="1800" dirty="0">
-                <a:solidFill>
-                  <a:srgbClr val="343A40"/>
-                </a:solidFill>
-                <a:latin typeface="Segoe UI" panose="020B0502040204020203" pitchFamily="34" charset="0"/>
-                <a:ea typeface="Times New Roman" panose="02020603050405020304" pitchFamily="18" charset="0"/>
-                <a:cs typeface="Times New Roman" panose="02020603050405020304" pitchFamily="18" charset="0"/>
-              </a:rPr>
-              <a:t> </a:t>
-            </a:r>
-            <a:r>
-              <a:rPr lang="en-US" sz="1800" dirty="0" err="1">
-                <a:solidFill>
-                  <a:srgbClr val="343A40"/>
-                </a:solidFill>
-                <a:latin typeface="Segoe UI" panose="020B0502040204020203" pitchFamily="34" charset="0"/>
-                <a:ea typeface="Times New Roman" panose="02020603050405020304" pitchFamily="18" charset="0"/>
-                <a:cs typeface="Times New Roman" panose="02020603050405020304" pitchFamily="18" charset="0"/>
-              </a:rPr>
-              <a:t>để</a:t>
-            </a:r>
-            <a:r>
-              <a:rPr lang="en-US" sz="1800" dirty="0">
-                <a:solidFill>
-                  <a:srgbClr val="343A40"/>
-                </a:solidFill>
-                <a:latin typeface="Segoe UI" panose="020B0502040204020203" pitchFamily="34" charset="0"/>
-                <a:ea typeface="Times New Roman" panose="02020603050405020304" pitchFamily="18" charset="0"/>
-                <a:cs typeface="Times New Roman" panose="02020603050405020304" pitchFamily="18" charset="0"/>
-              </a:rPr>
-              <a:t> </a:t>
-            </a:r>
-            <a:r>
-              <a:rPr lang="en-US" sz="1800" dirty="0" err="1">
-                <a:solidFill>
-                  <a:srgbClr val="343A40"/>
-                </a:solidFill>
-                <a:latin typeface="Segoe UI" panose="020B0502040204020203" pitchFamily="34" charset="0"/>
-                <a:ea typeface="Times New Roman" panose="02020603050405020304" pitchFamily="18" charset="0"/>
-                <a:cs typeface="Times New Roman" panose="02020603050405020304" pitchFamily="18" charset="0"/>
-              </a:rPr>
-              <a:t>đọc</a:t>
-            </a:r>
-            <a:r>
-              <a:rPr lang="en-US" sz="1800" dirty="0">
-                <a:solidFill>
-                  <a:srgbClr val="343A40"/>
-                </a:solidFill>
-                <a:latin typeface="Segoe UI" panose="020B0502040204020203" pitchFamily="34" charset="0"/>
-                <a:ea typeface="Times New Roman" panose="02020603050405020304" pitchFamily="18" charset="0"/>
-                <a:cs typeface="Times New Roman" panose="02020603050405020304" pitchFamily="18" charset="0"/>
-              </a:rPr>
-              <a:t> và </a:t>
-            </a:r>
-            <a:r>
-              <a:rPr lang="en-US" sz="1800" dirty="0" err="1">
-                <a:solidFill>
-                  <a:srgbClr val="343A40"/>
-                </a:solidFill>
-                <a:latin typeface="Segoe UI" panose="020B0502040204020203" pitchFamily="34" charset="0"/>
-                <a:ea typeface="Times New Roman" panose="02020603050405020304" pitchFamily="18" charset="0"/>
-                <a:cs typeface="Times New Roman" panose="02020603050405020304" pitchFamily="18" charset="0"/>
-              </a:rPr>
-              <a:t>đặt</a:t>
-            </a:r>
-            <a:r>
-              <a:rPr lang="en-US" sz="1800" dirty="0">
-                <a:solidFill>
-                  <a:srgbClr val="343A40"/>
-                </a:solidFill>
-                <a:latin typeface="Segoe UI" panose="020B0502040204020203" pitchFamily="34" charset="0"/>
-                <a:ea typeface="Times New Roman" panose="02020603050405020304" pitchFamily="18" charset="0"/>
-                <a:cs typeface="Times New Roman" panose="02020603050405020304" pitchFamily="18" charset="0"/>
-              </a:rPr>
-              <a:t> </a:t>
-            </a:r>
-            <a:r>
-              <a:rPr lang="en-US" sz="1800" dirty="0" err="1">
-                <a:solidFill>
-                  <a:srgbClr val="343A40"/>
-                </a:solidFill>
-                <a:latin typeface="Segoe UI" panose="020B0502040204020203" pitchFamily="34" charset="0"/>
-                <a:ea typeface="Times New Roman" panose="02020603050405020304" pitchFamily="18" charset="0"/>
-                <a:cs typeface="Times New Roman" panose="02020603050405020304" pitchFamily="18" charset="0"/>
-              </a:rPr>
-              <a:t>lại</a:t>
-            </a:r>
-            <a:r>
-              <a:rPr lang="en-US" sz="1800" dirty="0">
-                <a:solidFill>
-                  <a:srgbClr val="343A40"/>
-                </a:solidFill>
-                <a:latin typeface="Segoe UI" panose="020B0502040204020203" pitchFamily="34" charset="0"/>
-                <a:ea typeface="Times New Roman" panose="02020603050405020304" pitchFamily="18" charset="0"/>
-                <a:cs typeface="Times New Roman" panose="02020603050405020304" pitchFamily="18" charset="0"/>
-              </a:rPr>
-              <a:t> </a:t>
-            </a:r>
-            <a:r>
-              <a:rPr lang="en-US" sz="1800" dirty="0" err="1">
-                <a:solidFill>
-                  <a:srgbClr val="343A40"/>
-                </a:solidFill>
-                <a:latin typeface="Segoe UI" panose="020B0502040204020203" pitchFamily="34" charset="0"/>
-                <a:ea typeface="Times New Roman" panose="02020603050405020304" pitchFamily="18" charset="0"/>
-                <a:cs typeface="Times New Roman" panose="02020603050405020304" pitchFamily="18" charset="0"/>
-              </a:rPr>
-              <a:t>vị</a:t>
-            </a:r>
-            <a:r>
-              <a:rPr lang="en-US" sz="1800" dirty="0">
-                <a:solidFill>
-                  <a:srgbClr val="343A40"/>
-                </a:solidFill>
-                <a:latin typeface="Segoe UI" panose="020B0502040204020203" pitchFamily="34" charset="0"/>
-                <a:ea typeface="Times New Roman" panose="02020603050405020304" pitchFamily="18" charset="0"/>
-                <a:cs typeface="Times New Roman" panose="02020603050405020304" pitchFamily="18" charset="0"/>
-              </a:rPr>
-              <a:t> </a:t>
-            </a:r>
-            <a:r>
-              <a:rPr lang="en-US" sz="1800" dirty="0" err="1">
-                <a:solidFill>
-                  <a:srgbClr val="343A40"/>
-                </a:solidFill>
-                <a:latin typeface="Segoe UI" panose="020B0502040204020203" pitchFamily="34" charset="0"/>
-                <a:ea typeface="Times New Roman" panose="02020603050405020304" pitchFamily="18" charset="0"/>
-                <a:cs typeface="Times New Roman" panose="02020603050405020304" pitchFamily="18" charset="0"/>
-              </a:rPr>
-              <a:t>trí</a:t>
-            </a:r>
-            <a:r>
-              <a:rPr lang="en-US" sz="1800" dirty="0">
-                <a:solidFill>
-                  <a:srgbClr val="343A40"/>
-                </a:solidFill>
-                <a:latin typeface="Segoe UI" panose="020B0502040204020203" pitchFamily="34" charset="0"/>
-                <a:ea typeface="Times New Roman" panose="02020603050405020304" pitchFamily="18" charset="0"/>
-                <a:cs typeface="Times New Roman" panose="02020603050405020304" pitchFamily="18" charset="0"/>
-              </a:rPr>
-              <a:t> </a:t>
-            </a:r>
-            <a:r>
-              <a:rPr lang="en-US" sz="1800" dirty="0" err="1">
-                <a:solidFill>
-                  <a:srgbClr val="343A40"/>
-                </a:solidFill>
-                <a:latin typeface="Segoe UI" panose="020B0502040204020203" pitchFamily="34" charset="0"/>
-                <a:ea typeface="Times New Roman" panose="02020603050405020304" pitchFamily="18" charset="0"/>
-                <a:cs typeface="Times New Roman" panose="02020603050405020304" pitchFamily="18" charset="0"/>
-              </a:rPr>
-              <a:t>hiện</a:t>
-            </a:r>
-            <a:r>
-              <a:rPr lang="en-US" sz="1800" dirty="0">
-                <a:solidFill>
-                  <a:srgbClr val="343A40"/>
-                </a:solidFill>
-                <a:latin typeface="Segoe UI" panose="020B0502040204020203" pitchFamily="34" charset="0"/>
-                <a:ea typeface="Times New Roman" panose="02020603050405020304" pitchFamily="18" charset="0"/>
-                <a:cs typeface="Times New Roman" panose="02020603050405020304" pitchFamily="18" charset="0"/>
-              </a:rPr>
-              <a:t> </a:t>
-            </a:r>
-            <a:r>
-              <a:rPr lang="en-US" sz="1800" dirty="0" err="1">
-                <a:solidFill>
-                  <a:srgbClr val="343A40"/>
-                </a:solidFill>
-                <a:latin typeface="Segoe UI" panose="020B0502040204020203" pitchFamily="34" charset="0"/>
-                <a:ea typeface="Times New Roman" panose="02020603050405020304" pitchFamily="18" charset="0"/>
-                <a:cs typeface="Times New Roman" panose="02020603050405020304" pitchFamily="18" charset="0"/>
-              </a:rPr>
-              <a:t>tại</a:t>
-            </a:r>
-            <a:r>
-              <a:rPr lang="en-US" sz="1800" dirty="0">
-                <a:solidFill>
-                  <a:srgbClr val="343A40"/>
-                </a:solidFill>
-                <a:latin typeface="Segoe UI" panose="020B0502040204020203" pitchFamily="34" charset="0"/>
-                <a:ea typeface="Times New Roman" panose="02020603050405020304" pitchFamily="18" charset="0"/>
-                <a:cs typeface="Times New Roman" panose="02020603050405020304" pitchFamily="18" charset="0"/>
-              </a:rPr>
-              <a:t> </a:t>
-            </a:r>
-            <a:r>
-              <a:rPr lang="en-US" sz="1800" dirty="0" err="1">
-                <a:solidFill>
-                  <a:srgbClr val="343A40"/>
-                </a:solidFill>
-                <a:latin typeface="Segoe UI" panose="020B0502040204020203" pitchFamily="34" charset="0"/>
-                <a:ea typeface="Times New Roman" panose="02020603050405020304" pitchFamily="18" charset="0"/>
-                <a:cs typeface="Times New Roman" panose="02020603050405020304" pitchFamily="18" charset="0"/>
-              </a:rPr>
-              <a:t>trong</a:t>
-            </a:r>
-            <a:r>
-              <a:rPr lang="en-US" sz="1800" dirty="0">
-                <a:solidFill>
-                  <a:srgbClr val="343A40"/>
-                </a:solidFill>
-                <a:latin typeface="Segoe UI" panose="020B0502040204020203" pitchFamily="34" charset="0"/>
-                <a:ea typeface="Times New Roman" panose="02020603050405020304" pitchFamily="18" charset="0"/>
-                <a:cs typeface="Times New Roman" panose="02020603050405020304" pitchFamily="18" charset="0"/>
-              </a:rPr>
-              <a:t> </a:t>
-            </a:r>
-            <a:r>
-              <a:rPr lang="en-US" sz="1800" dirty="0" err="1">
-                <a:solidFill>
-                  <a:srgbClr val="343A40"/>
-                </a:solidFill>
-                <a:latin typeface="Segoe UI" panose="020B0502040204020203" pitchFamily="34" charset="0"/>
-                <a:ea typeface="Times New Roman" panose="02020603050405020304" pitchFamily="18" charset="0"/>
-                <a:cs typeface="Times New Roman" panose="02020603050405020304" pitchFamily="18" charset="0"/>
-              </a:rPr>
-              <a:t>luồng</a:t>
-            </a:r>
-            <a:r>
-              <a:rPr lang="en-US" sz="1800" dirty="0">
-                <a:solidFill>
-                  <a:srgbClr val="343A40"/>
-                </a:solidFill>
-                <a:latin typeface="Segoe UI" panose="020B0502040204020203" pitchFamily="34" charset="0"/>
-                <a:ea typeface="Times New Roman" panose="02020603050405020304" pitchFamily="18" charset="0"/>
-                <a:cs typeface="Times New Roman" panose="02020603050405020304" pitchFamily="18" charset="0"/>
-              </a:rPr>
-              <a:t>. </a:t>
-            </a:r>
-            <a:endParaRPr lang="en-US" sz="1800" dirty="0" smtClean="0">
-              <a:solidFill>
-                <a:srgbClr val="343A40"/>
-              </a:solidFill>
-              <a:latin typeface="Segoe UI" panose="020B0502040204020203" pitchFamily="34" charset="0"/>
-              <a:ea typeface="Times New Roman" panose="02020603050405020304" pitchFamily="18" charset="0"/>
-              <a:cs typeface="Times New Roman" panose="02020603050405020304" pitchFamily="18" charset="0"/>
-            </a:endParaRPr>
-          </a:p>
-          <a:p>
-            <a:pPr algn="just">
-              <a:lnSpc>
-                <a:spcPct val="107000"/>
-              </a:lnSpc>
-              <a:spcAft>
-                <a:spcPts val="800"/>
-              </a:spcAft>
-            </a:pPr>
-            <a:r>
-              <a:rPr lang="vi-VN" sz="1800" b="1" dirty="0">
-                <a:solidFill>
-                  <a:srgbClr val="343A40"/>
-                </a:solidFill>
-                <a:latin typeface="Segoe UI" panose="020B0502040204020203" pitchFamily="34" charset="0"/>
-                <a:ea typeface="Times New Roman" panose="02020603050405020304" pitchFamily="18" charset="0"/>
-                <a:cs typeface="Times New Roman" panose="02020603050405020304" pitchFamily="18" charset="0"/>
-              </a:rPr>
-              <a:t>Lớp OutputStream </a:t>
-            </a:r>
-            <a:endParaRPr lang="en-US" sz="1800" b="1" dirty="0" smtClean="0">
-              <a:solidFill>
-                <a:srgbClr val="343A40"/>
-              </a:solidFill>
-              <a:latin typeface="Segoe UI" panose="020B0502040204020203" pitchFamily="34" charset="0"/>
-              <a:ea typeface="Times New Roman" panose="02020603050405020304" pitchFamily="18" charset="0"/>
-              <a:cs typeface="Times New Roman" panose="02020603050405020304" pitchFamily="18" charset="0"/>
-            </a:endParaRPr>
-          </a:p>
-          <a:p>
-            <a:pPr algn="just">
-              <a:lnSpc>
-                <a:spcPct val="107000"/>
-              </a:lnSpc>
-              <a:spcAft>
-                <a:spcPts val="800"/>
-              </a:spcAft>
-            </a:pPr>
-            <a:r>
-              <a:rPr lang="en-US" sz="1800" dirty="0" smtClean="0">
-                <a:solidFill>
-                  <a:srgbClr val="343A40"/>
-                </a:solidFill>
-                <a:latin typeface="Segoe UI" panose="020B0502040204020203" pitchFamily="34" charset="0"/>
-                <a:ea typeface="Times New Roman" panose="02020603050405020304" pitchFamily="18" charset="0"/>
-                <a:cs typeface="Times New Roman" panose="02020603050405020304" pitchFamily="18" charset="0"/>
-              </a:rPr>
-              <a:t>- M</a:t>
-            </a:r>
-            <a:r>
-              <a:rPr lang="vi-VN" sz="1800" dirty="0" smtClean="0">
-                <a:solidFill>
-                  <a:srgbClr val="343A40"/>
-                </a:solidFill>
-                <a:latin typeface="Segoe UI" panose="020B0502040204020203" pitchFamily="34" charset="0"/>
-                <a:ea typeface="Times New Roman" panose="02020603050405020304" pitchFamily="18" charset="0"/>
-                <a:cs typeface="Times New Roman" panose="02020603050405020304" pitchFamily="18" charset="0"/>
-              </a:rPr>
-              <a:t>ột </a:t>
+              <a:t>- Đ</a:t>
             </a:r>
             <a:r>
               <a:rPr lang="vi-VN" sz="1800" dirty="0">
@@ -11474,60 +11488,9 @@
                 <a:ea typeface="Times New Roman" panose="02020603050405020304" pitchFamily="18" charset="0"/>
                 <a:cs typeface="Times New Roman" panose="02020603050405020304" pitchFamily="18" charset="0"/>
               </a:rPr>
-              <a:t>lớp cha trừu tượng cung cấp một giao diện lập trình tối thiểu và triển khai một phần các luồng đầu ra. </a:t>
-            </a:r>
-            <a:endParaRPr lang="en-US" sz="1800" dirty="0" smtClean="0">
-              <a:solidFill>
-                <a:srgbClr val="343A40"/>
-              </a:solidFill>
-              <a:latin typeface="Segoe UI" panose="020B0502040204020203" pitchFamily="34" charset="0"/>
-              <a:ea typeface="Times New Roman" panose="02020603050405020304" pitchFamily="18" charset="0"/>
-              <a:cs typeface="Times New Roman" panose="02020603050405020304" pitchFamily="18" charset="0"/>
-            </a:endParaRPr>
-          </a:p>
-          <a:p>
-            <a:pPr algn="just">
-              <a:lnSpc>
-                <a:spcPct val="107000"/>
-              </a:lnSpc>
-              <a:spcAft>
-                <a:spcPts val="800"/>
-              </a:spcAft>
-            </a:pPr>
-            <a:r>
-              <a:rPr lang="en-US" sz="1800" dirty="0" smtClean="0">
-                <a:solidFill>
-                  <a:srgbClr val="343A40"/>
-                </a:solidFill>
-                <a:latin typeface="Segoe UI" panose="020B0502040204020203" pitchFamily="34" charset="0"/>
-                <a:ea typeface="Times New Roman" panose="02020603050405020304" pitchFamily="18" charset="0"/>
-                <a:cs typeface="Times New Roman" panose="02020603050405020304" pitchFamily="18" charset="0"/>
-              </a:rPr>
-              <a:t>- Đ</a:t>
-            </a:r>
-            <a:r>
-              <a:rPr lang="vi-VN" sz="1800" dirty="0" smtClean="0">
-                <a:solidFill>
-                  <a:srgbClr val="343A40"/>
-                </a:solidFill>
-                <a:latin typeface="Segoe UI" panose="020B0502040204020203" pitchFamily="34" charset="0"/>
-                <a:ea typeface="Times New Roman" panose="02020603050405020304" pitchFamily="18" charset="0"/>
-                <a:cs typeface="Times New Roman" panose="02020603050405020304" pitchFamily="18" charset="0"/>
-              </a:rPr>
-              <a:t>ịnh </a:t>
-            </a:r>
-            <a:r>
-              <a:rPr lang="vi-VN" sz="1800" dirty="0">
-                <a:solidFill>
-                  <a:srgbClr val="343A40"/>
-                </a:solidFill>
-                <a:latin typeface="Segoe UI" panose="020B0502040204020203" pitchFamily="34" charset="0"/>
-                <a:ea typeface="Times New Roman" panose="02020603050405020304" pitchFamily="18" charset="0"/>
-                <a:cs typeface="Times New Roman" panose="02020603050405020304" pitchFamily="18" charset="0"/>
-              </a:rPr>
-              <a:t>nghĩa các phương thức ghi byte hoặc mảng byte vào luồng. </a:t>
-            </a:r>
-            <a:endParaRPr lang="en-US" sz="1800" dirty="0" smtClean="0">
+              <a:t>ịnh nghĩa các phương thức ghi byte hoặc mảng byte vào luồng. </a:t>
+            </a:r>
+            <a:endParaRPr lang="en-US" sz="1800" dirty="0">
               <a:solidFill>
                 <a:srgbClr val="343A40"/>
               </a:solidFill>
@@ -11548,13 +11511,6 @@
   <p:clrMapOvr>
     <a:masterClrMapping/>
   </p:clrMapOvr>
-  <p:timing>
-    <p:tnLst>
-      <p:par>
-        <p:cTn id="1" dur="indefinite" restart="never" nodeType="tmRoot"/>
-      </p:par>
-    </p:tnLst>
-  </p:timing>
 </p:sld>
 </file>
 
@@ -11622,13 +11578,6 @@
   <p:clrMapOvr>
     <a:masterClrMapping/>
   </p:clrMapOvr>
-  <p:timing>
-    <p:tnLst>
-      <p:par>
-        <p:cTn id="1" dur="indefinite" restart="never" nodeType="tmRoot"/>
-      </p:par>
-    </p:tnLst>
-  </p:timing>
 </p:sld>
 </file>
 
@@ -11662,7 +11611,7 @@
         <p:spPr>
           <a:extLst>
             <a:ext uri="{FAA26D3D-D897-4be2-8F04-BA451C77F1D7}">
-              <ma14:placeholderFlag xmlns="" xmlns:ma14="http://schemas.microsoft.com/office/mac/drawingml/2011/main" val="1"/>
+              <ma14:placeholderFlag xmlns:ma14="http://schemas.microsoft.com/office/mac/drawingml/2011/main" xmlns="" val="1"/>
             </a:ext>
           </a:extLst>
         </p:spPr>
@@ -11673,11 +11622,11 @@
           <a:lstStyle/>
           <a:p>
             <a:r>
-              <a:rPr lang="en-US" altLang="en-US" sz="2700" dirty="0" smtClean="0"/>
+              <a:rPr lang="en-US" altLang="en-US" sz="2700" dirty="0"/>
               <a:t>GIỚI </a:t>
             </a:r>
             <a:r>
-              <a:rPr lang="en-US" altLang="en-US" sz="2700" dirty="0" err="1" smtClean="0"/>
+              <a:rPr lang="en-US" altLang="en-US" sz="2700" dirty="0" err="1"/>
               <a:t>THIỆU</a:t>
             </a:r>
             <a:endParaRPr lang="en-US" altLang="en-US" sz="2700" dirty="0"/>
@@ -11717,7 +11666,7 @@
               </a:spcAft>
             </a:pPr>
             <a:r>
-              <a:rPr lang="en-US" sz="1800" dirty="0" smtClean="0">
+              <a:rPr lang="en-US" sz="1800" dirty="0">
                 <a:latin typeface="Segoe UI" panose="020B0502040204020203" pitchFamily="34" charset="0"/>
                 <a:ea typeface="Times New Roman" panose="02020603050405020304" pitchFamily="18" charset="0"/>
                 <a:cs typeface="Times New Roman" panose="02020603050405020304" pitchFamily="18" charset="0"/>
@@ -11725,30 +11674,14 @@
               <a:t>- </a:t>
             </a:r>
             <a:r>
-              <a:rPr lang="vi-VN" sz="1800" dirty="0" smtClean="0">
-                <a:latin typeface="Segoe UI" panose="020B0502040204020203" pitchFamily="34" charset="0"/>
-                <a:ea typeface="Times New Roman" panose="02020603050405020304" pitchFamily="18" charset="0"/>
-                <a:cs typeface="Times New Roman" panose="02020603050405020304" pitchFamily="18" charset="0"/>
-              </a:rPr>
-              <a:t>Các </a:t>
-            </a:r>
-            <a:r>
               <a:rPr lang="vi-VN" sz="1800" dirty="0">
                 <a:latin typeface="Segoe UI" panose="020B0502040204020203" pitchFamily="34" charset="0"/>
                 <a:ea typeface="Times New Roman" panose="02020603050405020304" pitchFamily="18" charset="0"/>
                 <a:cs typeface="Times New Roman" panose="02020603050405020304" pitchFamily="18" charset="0"/>
               </a:rPr>
-              <a:t>chương trình sử dụng Byte Streams để thực hiện nhập và xuất các byte 8 bit</a:t>
-            </a:r>
-            <a:r>
-              <a:rPr lang="vi-VN" sz="1800" dirty="0" smtClean="0">
-                <a:latin typeface="Segoe UI" panose="020B0502040204020203" pitchFamily="34" charset="0"/>
-                <a:ea typeface="Times New Roman" panose="02020603050405020304" pitchFamily="18" charset="0"/>
-                <a:cs typeface="Times New Roman" panose="02020603050405020304" pitchFamily="18" charset="0"/>
-              </a:rPr>
-              <a:t>.</a:t>
-            </a:r>
-            <a:endParaRPr lang="en-US" sz="1800" dirty="0" smtClean="0">
+              <a:t>Các chương trình sử dụng Byte Streams để thực hiện nhập và xuất các byte 8 bit.</a:t>
+            </a:r>
+            <a:endParaRPr lang="en-US" sz="1800" dirty="0">
               <a:latin typeface="Segoe UI" panose="020B0502040204020203" pitchFamily="34" charset="0"/>
               <a:ea typeface="Times New Roman" panose="02020603050405020304" pitchFamily="18" charset="0"/>
               <a:cs typeface="Times New Roman" panose="02020603050405020304" pitchFamily="18" charset="0"/>
@@ -11767,7 +11700,7 @@
               </a:spcAft>
             </a:pPr>
             <a:r>
-              <a:rPr lang="en-US" sz="1800" dirty="0" smtClean="0">
+              <a:rPr lang="en-US" sz="1800" dirty="0">
                 <a:latin typeface="Segoe UI" panose="020B0502040204020203" pitchFamily="34" charset="0"/>
                 <a:ea typeface="Times New Roman" panose="02020603050405020304" pitchFamily="18" charset="0"/>
                 <a:cs typeface="Times New Roman" panose="02020603050405020304" pitchFamily="18" charset="0"/>
@@ -11775,30 +11708,14 @@
               <a:t>- </a:t>
             </a:r>
             <a:r>
-              <a:rPr lang="vi-VN" sz="1800" dirty="0" smtClean="0">
-                <a:latin typeface="Segoe UI" panose="020B0502040204020203" pitchFamily="34" charset="0"/>
-                <a:ea typeface="Times New Roman" panose="02020603050405020304" pitchFamily="18" charset="0"/>
-                <a:cs typeface="Times New Roman" panose="02020603050405020304" pitchFamily="18" charset="0"/>
-              </a:rPr>
-              <a:t>Tất </a:t>
-            </a:r>
-            <a:r>
               <a:rPr lang="vi-VN" sz="1800" dirty="0">
                 <a:latin typeface="Segoe UI" panose="020B0502040204020203" pitchFamily="34" charset="0"/>
                 <a:ea typeface="Times New Roman" panose="02020603050405020304" pitchFamily="18" charset="0"/>
                 <a:cs typeface="Times New Roman" panose="02020603050405020304" pitchFamily="18" charset="0"/>
               </a:rPr>
-              <a:t>cả các lớp Byte Streams đều có nguồn gốc từ InputStream và OutputStream</a:t>
-            </a:r>
-            <a:r>
-              <a:rPr lang="vi-VN" sz="1800" dirty="0" smtClean="0">
-                <a:latin typeface="Segoe UI" panose="020B0502040204020203" pitchFamily="34" charset="0"/>
-                <a:ea typeface="Times New Roman" panose="02020603050405020304" pitchFamily="18" charset="0"/>
-                <a:cs typeface="Times New Roman" panose="02020603050405020304" pitchFamily="18" charset="0"/>
-              </a:rPr>
-              <a:t>.</a:t>
-            </a:r>
-            <a:endParaRPr lang="en-US" sz="1800" dirty="0" smtClean="0">
+              <a:t>Tất cả các lớp Byte Streams đều có nguồn gốc từ InputStream và OutputStream.</a:t>
+            </a:r>
+            <a:endParaRPr lang="en-US" sz="1800" dirty="0">
               <a:latin typeface="Segoe UI" panose="020B0502040204020203" pitchFamily="34" charset="0"/>
               <a:ea typeface="Times New Roman" panose="02020603050405020304" pitchFamily="18" charset="0"/>
               <a:cs typeface="Times New Roman" panose="02020603050405020304" pitchFamily="18" charset="0"/>
@@ -11839,13 +11756,6 @@
   <p:clrMapOvr>
     <a:masterClrMapping/>
   </p:clrMapOvr>
-  <p:timing>
-    <p:tnLst>
-      <p:par>
-        <p:cTn id="1" dur="indefinite" restart="never" nodeType="tmRoot"/>
-      </p:par>
-    </p:tnLst>
-  </p:timing>
 </p:sld>
 </file>
 
@@ -11921,7 +11831,7 @@
           <a:lstStyle/>
           <a:p>
             <a:r>
-              <a:rPr lang="en-US" sz="2700" dirty="0" smtClean="0">
+              <a:rPr lang="en-US" sz="2700" dirty="0">
                 <a:solidFill>
                   <a:srgbClr val="0361AE"/>
                 </a:solidFill>
@@ -11932,15 +11842,6 @@
               </a:rPr>
               <a:t>LỚP INPUTSTREAM</a:t>
             </a:r>
-            <a:endParaRPr lang="en-US" sz="2700" dirty="0">
-              <a:solidFill>
-                <a:srgbClr val="0361AE"/>
-              </a:solidFill>
-              <a:latin typeface="Alfa Slab One"/>
-              <a:ea typeface="Alfa Slab One"/>
-              <a:cs typeface="Alfa Slab One"/>
-              <a:sym typeface="Alfa Slab One"/>
-            </a:endParaRPr>
           </a:p>
         </p:txBody>
       </p:sp>
@@ -11954,13 +11855,6 @@
   <p:clrMapOvr>
     <a:masterClrMapping/>
   </p:clrMapOvr>
-  <p:timing>
-    <p:tnLst>
-      <p:par>
-        <p:cTn id="1" dur="indefinite" restart="never" nodeType="tmRoot"/>
-      </p:par>
-    </p:tnLst>
-  </p:timing>
 </p:sld>
 </file>
 
@@ -12003,7 +11897,7 @@
           <a:lstStyle/>
           <a:p>
             <a:r>
-              <a:rPr lang="en-US" sz="2700" dirty="0" smtClean="0">
+              <a:rPr lang="en-US" sz="2700" dirty="0">
                 <a:solidFill>
                   <a:srgbClr val="0361AE"/>
                 </a:solidFill>
@@ -12014,15 +11908,6 @@
               </a:rPr>
               <a:t>LỚP INPUTSTREAM</a:t>
             </a:r>
-            <a:endParaRPr lang="en-US" sz="2700" dirty="0">
-              <a:solidFill>
-                <a:srgbClr val="0361AE"/>
-              </a:solidFill>
-              <a:latin typeface="Alfa Slab One"/>
-              <a:ea typeface="Alfa Slab One"/>
-              <a:cs typeface="Alfa Slab One"/>
-              <a:sym typeface="Alfa Slab One"/>
-            </a:endParaRPr>
           </a:p>
         </p:txBody>
       </p:sp>
@@ -12059,7 +11944,7 @@
               </a:spcAft>
             </a:pPr>
             <a:r>
-              <a:rPr lang="en-US" sz="1800" dirty="0" smtClean="0">
+              <a:rPr lang="en-US" sz="1800" dirty="0">
                 <a:latin typeface="Segoe UI" panose="020B0502040204020203" pitchFamily="34" charset="0"/>
                 <a:ea typeface="Times New Roman" panose="02020603050405020304" pitchFamily="18" charset="0"/>
                 <a:cs typeface="Times New Roman" panose="02020603050405020304" pitchFamily="18" charset="0"/>
@@ -12067,22 +11952,14 @@
               <a:t>- </a:t>
             </a:r>
             <a:r>
-              <a:rPr lang="vi-VN" sz="1800" dirty="0" smtClean="0">
-                <a:latin typeface="Segoe UI" panose="020B0502040204020203" pitchFamily="34" charset="0"/>
-                <a:ea typeface="Times New Roman" panose="02020603050405020304" pitchFamily="18" charset="0"/>
-                <a:cs typeface="Times New Roman" panose="02020603050405020304" pitchFamily="18" charset="0"/>
-              </a:rPr>
-              <a:t>InputStream </a:t>
-            </a:r>
-            <a:r>
               <a:rPr lang="vi-VN" sz="1800" dirty="0">
                 <a:latin typeface="Segoe UI" panose="020B0502040204020203" pitchFamily="34" charset="0"/>
                 <a:ea typeface="Times New Roman" panose="02020603050405020304" pitchFamily="18" charset="0"/>
                 <a:cs typeface="Times New Roman" panose="02020603050405020304" pitchFamily="18" charset="0"/>
               </a:rPr>
-              <a:t>cung cấp một số phương thức cho nhu cầu nhập liệu cơ bản. </a:t>
-            </a:r>
-            <a:endParaRPr lang="en-US" sz="1800" dirty="0" smtClean="0">
+              <a:t>InputStream cung cấp một số phương thức cho nhu cầu nhập liệu cơ bản. </a:t>
+            </a:r>
+            <a:endParaRPr lang="en-US" sz="1800" dirty="0">
               <a:latin typeface="Segoe UI" panose="020B0502040204020203" pitchFamily="34" charset="0"/>
               <a:ea typeface="Times New Roman" panose="02020603050405020304" pitchFamily="18" charset="0"/>
               <a:cs typeface="Times New Roman" panose="02020603050405020304" pitchFamily="18" charset="0"/>
@@ -12101,7 +11978,7 @@
               </a:spcAft>
             </a:pPr>
             <a:r>
-              <a:rPr lang="en-US" sz="1800" dirty="0" smtClean="0">
+              <a:rPr lang="en-US" sz="1800" dirty="0">
                 <a:latin typeface="Segoe UI" panose="020B0502040204020203" pitchFamily="34" charset="0"/>
                 <a:ea typeface="Times New Roman" panose="02020603050405020304" pitchFamily="18" charset="0"/>
                 <a:cs typeface="Times New Roman" panose="02020603050405020304" pitchFamily="18" charset="0"/>
@@ -12109,20 +11986,12 @@
               <a:t>- </a:t>
             </a:r>
             <a:r>
-              <a:rPr lang="vi-VN" sz="1800" dirty="0" smtClean="0">
-                <a:latin typeface="Segoe UI" panose="020B0502040204020203" pitchFamily="34" charset="0"/>
-                <a:ea typeface="Times New Roman" panose="02020603050405020304" pitchFamily="18" charset="0"/>
-                <a:cs typeface="Times New Roman" panose="02020603050405020304" pitchFamily="18" charset="0"/>
-              </a:rPr>
-              <a:t>Đầu </a:t>
-            </a:r>
-            <a:r>
               <a:rPr lang="vi-VN" sz="1800" dirty="0">
                 <a:latin typeface="Segoe UI" panose="020B0502040204020203" pitchFamily="34" charset="0"/>
                 <a:ea typeface="Times New Roman" panose="02020603050405020304" pitchFamily="18" charset="0"/>
                 <a:cs typeface="Times New Roman" panose="02020603050405020304" pitchFamily="18" charset="0"/>
               </a:rPr>
-              <a:t>vào có thể được nhận từ nhiều nguồn khác nhau như:</a:t>
+              <a:t>Đầu vào có thể được nhận từ nhiều nguồn khác nhau như:</a:t>
             </a:r>
           </a:p>
           <a:p>
@@ -12138,7 +12007,7 @@
               </a:spcAft>
             </a:pPr>
             <a:r>
-              <a:rPr lang="en-US" sz="1800" dirty="0" smtClean="0">
+              <a:rPr lang="en-US" sz="1800" dirty="0">
                 <a:latin typeface="Segoe UI" panose="020B0502040204020203" pitchFamily="34" charset="0"/>
                 <a:ea typeface="Times New Roman" panose="02020603050405020304" pitchFamily="18" charset="0"/>
                 <a:cs typeface="Times New Roman" panose="02020603050405020304" pitchFamily="18" charset="0"/>
@@ -12146,20 +12015,12 @@
               <a:t>1</a:t>
             </a:r>
             <a:r>
-              <a:rPr lang="vi-VN" sz="1800" dirty="0" smtClean="0">
-                <a:latin typeface="Segoe UI" panose="020B0502040204020203" pitchFamily="34" charset="0"/>
-                <a:ea typeface="Times New Roman" panose="02020603050405020304" pitchFamily="18" charset="0"/>
-                <a:cs typeface="Times New Roman" panose="02020603050405020304" pitchFamily="18" charset="0"/>
-              </a:rPr>
-              <a:t>. </a:t>
-            </a:r>
-            <a:r>
               <a:rPr lang="vi-VN" sz="1800" dirty="0">
                 <a:latin typeface="Segoe UI" panose="020B0502040204020203" pitchFamily="34" charset="0"/>
                 <a:ea typeface="Times New Roman" panose="02020603050405020304" pitchFamily="18" charset="0"/>
                 <a:cs typeface="Times New Roman" panose="02020603050405020304" pitchFamily="18" charset="0"/>
               </a:rPr>
-              <a:t>Một tập tin</a:t>
+              <a:t>. Một tập tin</a:t>
             </a:r>
           </a:p>
           <a:p>
@@ -12175,20 +12036,12 @@
               </a:spcAft>
             </a:pPr>
             <a:r>
-              <a:rPr lang="vi-VN" sz="1800" dirty="0" smtClean="0">
-                <a:latin typeface="Segoe UI" panose="020B0502040204020203" pitchFamily="34" charset="0"/>
-                <a:ea typeface="Times New Roman" panose="02020603050405020304" pitchFamily="18" charset="0"/>
-                <a:cs typeface="Times New Roman" panose="02020603050405020304" pitchFamily="18" charset="0"/>
-              </a:rPr>
-              <a:t>2</a:t>
-            </a:r>
-            <a:r>
               <a:rPr lang="vi-VN" sz="1800" dirty="0">
                 <a:latin typeface="Segoe UI" panose="020B0502040204020203" pitchFamily="34" charset="0"/>
                 <a:ea typeface="Times New Roman" panose="02020603050405020304" pitchFamily="18" charset="0"/>
                 <a:cs typeface="Times New Roman" panose="02020603050405020304" pitchFamily="18" charset="0"/>
               </a:rPr>
-              <a:t>. Một đối tượng String</a:t>
+              <a:t>2. Một đối tượng String</a:t>
             </a:r>
           </a:p>
           <a:p>
@@ -12204,20 +12057,12 @@
               </a:spcAft>
             </a:pPr>
             <a:r>
-              <a:rPr lang="vi-VN" sz="1800" dirty="0" smtClean="0">
-                <a:latin typeface="Segoe UI" panose="020B0502040204020203" pitchFamily="34" charset="0"/>
-                <a:ea typeface="Times New Roman" panose="02020603050405020304" pitchFamily="18" charset="0"/>
-                <a:cs typeface="Times New Roman" panose="02020603050405020304" pitchFamily="18" charset="0"/>
-              </a:rPr>
-              <a:t>3</a:t>
-            </a:r>
-            <a:r>
               <a:rPr lang="vi-VN" sz="1800" dirty="0">
                 <a:latin typeface="Segoe UI" panose="020B0502040204020203" pitchFamily="34" charset="0"/>
                 <a:ea typeface="Times New Roman" panose="02020603050405020304" pitchFamily="18" charset="0"/>
                 <a:cs typeface="Times New Roman" panose="02020603050405020304" pitchFamily="18" charset="0"/>
               </a:rPr>
-              <a:t>. Một mảng byte</a:t>
+              <a:t>3. Một mảng byte</a:t>
             </a:r>
           </a:p>
           <a:p>
@@ -12233,20 +12078,12 @@
               </a:spcAft>
             </a:pPr>
             <a:r>
-              <a:rPr lang="vi-VN" sz="1800" dirty="0" smtClean="0">
-                <a:latin typeface="Segoe UI" panose="020B0502040204020203" pitchFamily="34" charset="0"/>
-                <a:ea typeface="Times New Roman" panose="02020603050405020304" pitchFamily="18" charset="0"/>
-                <a:cs typeface="Times New Roman" panose="02020603050405020304" pitchFamily="18" charset="0"/>
-              </a:rPr>
-              <a:t>4</a:t>
-            </a:r>
-            <a:r>
               <a:rPr lang="vi-VN" sz="1800" dirty="0">
                 <a:latin typeface="Segoe UI" panose="020B0502040204020203" pitchFamily="34" charset="0"/>
                 <a:ea typeface="Times New Roman" panose="02020603050405020304" pitchFamily="18" charset="0"/>
                 <a:cs typeface="Times New Roman" panose="02020603050405020304" pitchFamily="18" charset="0"/>
               </a:rPr>
-              <a:t>. Một chuỗi các dòng, có thể được kết hợp thành một dòng duy nhất</a:t>
+              <a:t>4. Một chuỗi các dòng, có thể được kết hợp thành một dòng duy nhất</a:t>
             </a:r>
             <a:endParaRPr lang="en-US" sz="1800" dirty="0">
               <a:latin typeface="Calibri" panose="020F0502020204030204" pitchFamily="34" charset="0"/>
@@ -12266,13 +12103,6 @@
   <p:clrMapOvr>
     <a:masterClrMapping/>
   </p:clrMapOvr>
-  <p:timing>
-    <p:tnLst>
-      <p:par>
-        <p:cTn id="1" dur="indefinite" restart="never" nodeType="tmRoot"/>
-      </p:par>
-    </p:tnLst>
-  </p:timing>
 </p:sld>
 </file>
 
@@ -12315,7 +12145,7 @@
           <a:lstStyle/>
           <a:p>
             <a:r>
-              <a:rPr lang="en-US" sz="2700" dirty="0" smtClean="0">
+              <a:rPr lang="en-US" sz="2700" dirty="0">
                 <a:solidFill>
                   <a:srgbClr val="0361AE"/>
                 </a:solidFill>
@@ -12326,15 +12156,6 @@
               </a:rPr>
               <a:t>LỚP INPUTSTREAM</a:t>
             </a:r>
-            <a:endParaRPr lang="en-US" sz="2700" dirty="0">
-              <a:solidFill>
-                <a:srgbClr val="0361AE"/>
-              </a:solidFill>
-              <a:latin typeface="Alfa Slab One"/>
-              <a:ea typeface="Alfa Slab One"/>
-              <a:cs typeface="Alfa Slab One"/>
-              <a:sym typeface="Alfa Slab One"/>
-            </a:endParaRPr>
           </a:p>
         </p:txBody>
       </p:sp>
@@ -12371,7 +12192,7 @@
               </a:spcAft>
             </a:pPr>
             <a:r>
-              <a:rPr lang="en-US" sz="1800" dirty="0" smtClean="0">
+              <a:rPr lang="en-US" sz="1800" dirty="0">
                 <a:latin typeface="Segoe UI" panose="020B0502040204020203" pitchFamily="34" charset="0"/>
                 <a:ea typeface="Times New Roman" panose="02020603050405020304" pitchFamily="18" charset="0"/>
                 <a:cs typeface="Times New Roman" panose="02020603050405020304" pitchFamily="18" charset="0"/>
@@ -12379,22 +12200,14 @@
               <a:t>- </a:t>
             </a:r>
             <a:r>
-              <a:rPr lang="vi-VN" sz="1800" dirty="0" smtClean="0">
-                <a:latin typeface="Segoe UI" panose="020B0502040204020203" pitchFamily="34" charset="0"/>
-                <a:ea typeface="Times New Roman" panose="02020603050405020304" pitchFamily="18" charset="0"/>
-                <a:cs typeface="Times New Roman" panose="02020603050405020304" pitchFamily="18" charset="0"/>
-              </a:rPr>
-              <a:t>InputStream </a:t>
-            </a:r>
-            <a:r>
               <a:rPr lang="vi-VN" sz="1800" dirty="0">
                 <a:latin typeface="Segoe UI" panose="020B0502040204020203" pitchFamily="34" charset="0"/>
                 <a:ea typeface="Times New Roman" panose="02020603050405020304" pitchFamily="18" charset="0"/>
                 <a:cs typeface="Times New Roman" panose="02020603050405020304" pitchFamily="18" charset="0"/>
               </a:rPr>
-              <a:t>cung cấp một số phương thức cho nhu cầu nhập liệu cơ bản. </a:t>
-            </a:r>
-            <a:endParaRPr lang="en-US" sz="1800" dirty="0" smtClean="0">
+              <a:t>InputStream cung cấp một số phương thức cho nhu cầu nhập liệu cơ bản. </a:t>
+            </a:r>
+            <a:endParaRPr lang="en-US" sz="1800" dirty="0">
               <a:latin typeface="Segoe UI" panose="020B0502040204020203" pitchFamily="34" charset="0"/>
               <a:ea typeface="Times New Roman" panose="02020603050405020304" pitchFamily="18" charset="0"/>
               <a:cs typeface="Times New Roman" panose="02020603050405020304" pitchFamily="18" charset="0"/>
@@ -12413,7 +12226,7 @@
               </a:spcAft>
             </a:pPr>
             <a:r>
-              <a:rPr lang="en-US" sz="1800" dirty="0" smtClean="0">
+              <a:rPr lang="en-US" sz="1800" dirty="0">
                 <a:latin typeface="Segoe UI" panose="020B0502040204020203" pitchFamily="34" charset="0"/>
                 <a:ea typeface="Times New Roman" panose="02020603050405020304" pitchFamily="18" charset="0"/>
                 <a:cs typeface="Times New Roman" panose="02020603050405020304" pitchFamily="18" charset="0"/>
@@ -12421,20 +12234,12 @@
               <a:t>- </a:t>
             </a:r>
             <a:r>
-              <a:rPr lang="vi-VN" sz="1800" dirty="0" smtClean="0">
-                <a:latin typeface="Segoe UI" panose="020B0502040204020203" pitchFamily="34" charset="0"/>
-                <a:ea typeface="Times New Roman" panose="02020603050405020304" pitchFamily="18" charset="0"/>
-                <a:cs typeface="Times New Roman" panose="02020603050405020304" pitchFamily="18" charset="0"/>
-              </a:rPr>
-              <a:t>Đầu </a:t>
-            </a:r>
-            <a:r>
               <a:rPr lang="vi-VN" sz="1800" dirty="0">
                 <a:latin typeface="Segoe UI" panose="020B0502040204020203" pitchFamily="34" charset="0"/>
                 <a:ea typeface="Times New Roman" panose="02020603050405020304" pitchFamily="18" charset="0"/>
                 <a:cs typeface="Times New Roman" panose="02020603050405020304" pitchFamily="18" charset="0"/>
               </a:rPr>
-              <a:t>vào có thể được nhận từ nhiều nguồn khác nhau như:</a:t>
+              <a:t>Đầu vào có thể được nhận từ nhiều nguồn khác nhau như:</a:t>
             </a:r>
           </a:p>
           <a:p>
@@ -12450,7 +12255,7 @@
               </a:spcAft>
             </a:pPr>
             <a:r>
-              <a:rPr lang="en-US" sz="1800" dirty="0" smtClean="0">
+              <a:rPr lang="en-US" sz="1800" dirty="0">
                 <a:latin typeface="Segoe UI" panose="020B0502040204020203" pitchFamily="34" charset="0"/>
                 <a:ea typeface="Times New Roman" panose="02020603050405020304" pitchFamily="18" charset="0"/>
                 <a:cs typeface="Times New Roman" panose="02020603050405020304" pitchFamily="18" charset="0"/>
@@ -12458,20 +12263,12 @@
               <a:t>1</a:t>
             </a:r>
             <a:r>
-              <a:rPr lang="vi-VN" sz="1800" dirty="0" smtClean="0">
-                <a:latin typeface="Segoe UI" panose="020B0502040204020203" pitchFamily="34" charset="0"/>
-                <a:ea typeface="Times New Roman" panose="02020603050405020304" pitchFamily="18" charset="0"/>
-                <a:cs typeface="Times New Roman" panose="02020603050405020304" pitchFamily="18" charset="0"/>
-              </a:rPr>
-              <a:t>. </a:t>
-            </a:r>
-            <a:r>
               <a:rPr lang="vi-VN" sz="1800" dirty="0">
                 <a:latin typeface="Segoe UI" panose="020B0502040204020203" pitchFamily="34" charset="0"/>
                 <a:ea typeface="Times New Roman" panose="02020603050405020304" pitchFamily="18" charset="0"/>
                 <a:cs typeface="Times New Roman" panose="02020603050405020304" pitchFamily="18" charset="0"/>
               </a:rPr>
-              <a:t>Một tập tin</a:t>
+              <a:t>. Một tập tin</a:t>
             </a:r>
           </a:p>
           <a:p>
@@ -12487,20 +12284,12 @@
               </a:spcAft>
             </a:pPr>
             <a:r>
-              <a:rPr lang="vi-VN" sz="1800" dirty="0" smtClean="0">
-                <a:latin typeface="Segoe UI" panose="020B0502040204020203" pitchFamily="34" charset="0"/>
-                <a:ea typeface="Times New Roman" panose="02020603050405020304" pitchFamily="18" charset="0"/>
-                <a:cs typeface="Times New Roman" panose="02020603050405020304" pitchFamily="18" charset="0"/>
-              </a:rPr>
-              <a:t>2</a:t>
-            </a:r>
-            <a:r>
               <a:rPr lang="vi-VN" sz="1800" dirty="0">
                 <a:latin typeface="Segoe UI" panose="020B0502040204020203" pitchFamily="34" charset="0"/>
                 <a:ea typeface="Times New Roman" panose="02020603050405020304" pitchFamily="18" charset="0"/>
                 <a:cs typeface="Times New Roman" panose="02020603050405020304" pitchFamily="18" charset="0"/>
               </a:rPr>
-              <a:t>. Một đối tượng String</a:t>
+              <a:t>2. Một đối tượng String</a:t>
             </a:r>
           </a:p>
           <a:p>
@@ -12516,20 +12305,12 @@
               </a:spcAft>
             </a:pPr>
             <a:r>
-              <a:rPr lang="vi-VN" sz="1800" dirty="0" smtClean="0">
-                <a:latin typeface="Segoe UI" panose="020B0502040204020203" pitchFamily="34" charset="0"/>
-                <a:ea typeface="Times New Roman" panose="02020603050405020304" pitchFamily="18" charset="0"/>
-                <a:cs typeface="Times New Roman" panose="02020603050405020304" pitchFamily="18" charset="0"/>
-              </a:rPr>
-              <a:t>3</a:t>
-            </a:r>
-            <a:r>
               <a:rPr lang="vi-VN" sz="1800" dirty="0">
                 <a:latin typeface="Segoe UI" panose="020B0502040204020203" pitchFamily="34" charset="0"/>
                 <a:ea typeface="Times New Roman" panose="02020603050405020304" pitchFamily="18" charset="0"/>
                 <a:cs typeface="Times New Roman" panose="02020603050405020304" pitchFamily="18" charset="0"/>
               </a:rPr>
-              <a:t>. Một mảng byte</a:t>
+              <a:t>3. Một mảng byte</a:t>
             </a:r>
           </a:p>
           <a:p>
@@ -12545,20 +12326,12 @@
               </a:spcAft>
             </a:pPr>
             <a:r>
-              <a:rPr lang="vi-VN" sz="1800" dirty="0" smtClean="0">
-                <a:latin typeface="Segoe UI" panose="020B0502040204020203" pitchFamily="34" charset="0"/>
-                <a:ea typeface="Times New Roman" panose="02020603050405020304" pitchFamily="18" charset="0"/>
-                <a:cs typeface="Times New Roman" panose="02020603050405020304" pitchFamily="18" charset="0"/>
-              </a:rPr>
-              <a:t>4</a:t>
-            </a:r>
-            <a:r>
               <a:rPr lang="vi-VN" sz="1800" dirty="0">
                 <a:latin typeface="Segoe UI" panose="020B0502040204020203" pitchFamily="34" charset="0"/>
                 <a:ea typeface="Times New Roman" panose="02020603050405020304" pitchFamily="18" charset="0"/>
                 <a:cs typeface="Times New Roman" panose="02020603050405020304" pitchFamily="18" charset="0"/>
               </a:rPr>
-              <a:t>. Một chuỗi các dòng, có thể được kết hợp thành một dòng duy nhất</a:t>
+              <a:t>4. Một chuỗi các dòng, có thể được kết hợp thành một dòng duy nhất</a:t>
             </a:r>
             <a:endParaRPr lang="en-US" sz="1800" dirty="0">
               <a:latin typeface="Calibri" panose="020F0502020204030204" pitchFamily="34" charset="0"/>
@@ -12578,13 +12351,6 @@
   <p:clrMapOvr>
     <a:masterClrMapping/>
   </p:clrMapOvr>
-  <p:timing>
-    <p:tnLst>
-      <p:par>
-        <p:cTn id="1" dur="indefinite" restart="never" nodeType="tmRoot"/>
-      </p:par>
-    </p:tnLst>
-  </p:timing>
 </p:sld>
 </file>
 
@@ -12627,7 +12393,7 @@
           <a:lstStyle/>
           <a:p>
             <a:r>
-              <a:rPr lang="en-US" sz="2700" dirty="0" smtClean="0">
+              <a:rPr lang="en-US" sz="2700" dirty="0">
                 <a:solidFill>
                   <a:srgbClr val="0361AE"/>
                 </a:solidFill>
@@ -12639,7 +12405,7 @@
               <a:t>LỚP </a:t>
             </a:r>
             <a:r>
-              <a:rPr lang="en-US" sz="2700" dirty="0" err="1" smtClean="0">
+              <a:rPr lang="en-US" sz="2700" dirty="0" err="1">
                 <a:solidFill>
                   <a:srgbClr val="0361AE"/>
                 </a:solidFill>
@@ -12705,13 +12471,6 @@
   <p:clrMapOvr>
     <a:masterClrMapping/>
   </p:clrMapOvr>
-  <p:timing>
-    <p:tnLst>
-      <p:par>
-        <p:cTn id="1" dur="indefinite" restart="never" nodeType="tmRoot"/>
-      </p:par>
-    </p:tnLst>
-  </p:timing>
 </p:sld>
 </file>
 
@@ -12749,7 +12508,7 @@
           </a:xfrm>
           <a:extLst>
             <a:ext uri="{FAA26D3D-D897-4be2-8F04-BA451C77F1D7}">
-              <ma14:placeholderFlag xmlns="" xmlns:ma14="http://schemas.microsoft.com/office/mac/drawingml/2011/main" val="1"/>
+              <ma14:placeholderFlag xmlns:ma14="http://schemas.microsoft.com/office/mac/drawingml/2011/main" xmlns="" val="1"/>
             </a:ext>
           </a:extLst>
         </p:spPr>
@@ -12760,10 +12519,9 @@
           <a:lstStyle/>
           <a:p>
             <a:r>
-              <a:rPr lang="en-US" altLang="en-US" sz="2700" dirty="0" smtClean="0"/>
+              <a:rPr lang="en-US" altLang="en-US" sz="2700" dirty="0"/>
               <a:t>LỚP FILEINPUTSTREAM</a:t>
             </a:r>
-            <a:endParaRPr lang="en-US" altLang="en-US" sz="2700" dirty="0"/>
           </a:p>
         </p:txBody>
       </p:sp>
@@ -12841,8 +12599,20 @@
                 <a:tableStyleId>{0660B408-B3CF-4A94-85FC-2B1E0A45F4A2}</a:tableStyleId>
               </a:tblPr>
               <a:tblGrid>
-                <a:gridCol w="2850676"/>
-                <a:gridCol w="5905500"/>
+                <a:gridCol w="2850676">
+                  <a:extLst>
+                    <a:ext uri="{9D8B030D-6E8A-4147-A177-3AD203B41FA5}">
+                      <a16:colId xmlns:a16="http://schemas.microsoft.com/office/drawing/2014/main" val="20000"/>
+                    </a:ext>
+                  </a:extLst>
+                </a:gridCol>
+                <a:gridCol w="5905500">
+                  <a:extLst>
+                    <a:ext uri="{9D8B030D-6E8A-4147-A177-3AD203B41FA5}">
+                      <a16:colId xmlns:a16="http://schemas.microsoft.com/office/drawing/2014/main" val="20001"/>
+                    </a:ext>
+                  </a:extLst>
+                </a:gridCol>
               </a:tblGrid>
               <a:tr h="371697">
                 <a:tc>
@@ -12903,6 +12673,11 @@
                   </a:txBody>
                   <a:tcPr marL="96113" marR="96113" marT="96113" marB="96113"/>
                 </a:tc>
+                <a:extLst>
+                  <a:ext uri="{0D108BD9-81ED-4DB2-BD59-A6C34878D82A}">
+                    <a16:rowId xmlns:a16="http://schemas.microsoft.com/office/drawing/2014/main" val="10000"/>
+                  </a:ext>
+                </a:extLst>
               </a:tr>
               <a:tr h="431271">
                 <a:tc>
@@ -13269,6 +13044,11 @@
                   </a:txBody>
                   <a:tcPr marL="64076" marR="64076" marT="64076" marB="64076"/>
                 </a:tc>
+                <a:extLst>
+                  <a:ext uri="{0D108BD9-81ED-4DB2-BD59-A6C34878D82A}">
+                    <a16:rowId xmlns:a16="http://schemas.microsoft.com/office/drawing/2014/main" val="10001"/>
+                  </a:ext>
+                </a:extLst>
               </a:tr>
               <a:tr h="293693">
                 <a:tc>
@@ -13503,6 +13283,11 @@
                   </a:txBody>
                   <a:tcPr marL="64076" marR="64076" marT="64076" marB="64076"/>
                 </a:tc>
+                <a:extLst>
+                  <a:ext uri="{0D108BD9-81ED-4DB2-BD59-A6C34878D82A}">
+                    <a16:rowId xmlns:a16="http://schemas.microsoft.com/office/drawing/2014/main" val="10002"/>
+                  </a:ext>
+                </a:extLst>
               </a:tr>
               <a:tr h="293693">
                 <a:tc>
@@ -13803,6 +13588,11 @@
                   </a:txBody>
                   <a:tcPr marL="64076" marR="64076" marT="64076" marB="64076"/>
                 </a:tc>
+                <a:extLst>
+                  <a:ext uri="{0D108BD9-81ED-4DB2-BD59-A6C34878D82A}">
+                    <a16:rowId xmlns:a16="http://schemas.microsoft.com/office/drawing/2014/main" val="10003"/>
+                  </a:ext>
+                </a:extLst>
               </a:tr>
               <a:tr h="293693">
                 <a:tc>
@@ -14169,6 +13959,11 @@
                   </a:txBody>
                   <a:tcPr marL="64076" marR="64076" marT="64076" marB="64076"/>
                 </a:tc>
+                <a:extLst>
+                  <a:ext uri="{0D108BD9-81ED-4DB2-BD59-A6C34878D82A}">
+                    <a16:rowId xmlns:a16="http://schemas.microsoft.com/office/drawing/2014/main" val="10004"/>
+                  </a:ext>
+                </a:extLst>
               </a:tr>
               <a:tr h="293693">
                 <a:tc>
@@ -14436,6 +14231,11 @@
                   </a:txBody>
                   <a:tcPr marL="64076" marR="64076" marT="64076" marB="64076"/>
                 </a:tc>
+                <a:extLst>
+                  <a:ext uri="{0D108BD9-81ED-4DB2-BD59-A6C34878D82A}">
+                    <a16:rowId xmlns:a16="http://schemas.microsoft.com/office/drawing/2014/main" val="10005"/>
+                  </a:ext>
+                </a:extLst>
               </a:tr>
               <a:tr h="431271">
                 <a:tc>
@@ -14835,6 +14635,11 @@
                   </a:txBody>
                   <a:tcPr marL="64076" marR="64076" marT="64076" marB="64076"/>
                 </a:tc>
+                <a:extLst>
+                  <a:ext uri="{0D108BD9-81ED-4DB2-BD59-A6C34878D82A}">
+                    <a16:rowId xmlns:a16="http://schemas.microsoft.com/office/drawing/2014/main" val="10006"/>
+                  </a:ext>
+                </a:extLst>
               </a:tr>
               <a:tr h="293693">
                 <a:tc>
@@ -15014,6 +14819,11 @@
                   </a:txBody>
                   <a:tcPr marL="64076" marR="64076" marT="64076" marB="64076"/>
                 </a:tc>
+                <a:extLst>
+                  <a:ext uri="{0D108BD9-81ED-4DB2-BD59-A6C34878D82A}">
+                    <a16:rowId xmlns:a16="http://schemas.microsoft.com/office/drawing/2014/main" val="10007"/>
+                  </a:ext>
+                </a:extLst>
               </a:tr>
               <a:tr h="431271">
                 <a:tc>
@@ -15479,6 +15289,11 @@
                   </a:txBody>
                   <a:tcPr marL="64076" marR="64076" marT="64076" marB="64076"/>
                 </a:tc>
+                <a:extLst>
+                  <a:ext uri="{0D108BD9-81ED-4DB2-BD59-A6C34878D82A}">
+                    <a16:rowId xmlns:a16="http://schemas.microsoft.com/office/drawing/2014/main" val="10008"/>
+                  </a:ext>
+                </a:extLst>
               </a:tr>
               <a:tr h="293693">
                 <a:tc>
@@ -15603,6 +15418,11 @@
                   </a:txBody>
                   <a:tcPr marL="64076" marR="64076" marT="64076" marB="64076"/>
                 </a:tc>
+                <a:extLst>
+                  <a:ext uri="{0D108BD9-81ED-4DB2-BD59-A6C34878D82A}">
+                    <a16:rowId xmlns:a16="http://schemas.microsoft.com/office/drawing/2014/main" val="10009"/>
+                  </a:ext>
+                </a:extLst>
               </a:tr>
             </a:tbl>
           </a:graphicData>
@@ -15618,13 +15438,6 @@
   <p:clrMapOvr>
     <a:masterClrMapping/>
   </p:clrMapOvr>
-  <p:timing>
-    <p:tnLst>
-      <p:par>
-        <p:cTn id="1" dur="indefinite" restart="never" nodeType="tmRoot"/>
-      </p:par>
-    </p:tnLst>
-  </p:timing>
 </p:sld>
 </file>
 
@@ -15679,44 +15492,173 @@
               </a:spcAft>
             </a:pPr>
             <a:r>
-              <a:rPr lang="en-US" dirty="0" err="1" smtClean="0"/>
+              <a:rPr lang="en-US" dirty="0" err="1"/>
               <a:t>Hiểu</a:t>
             </a:r>
             <a:r>
-              <a:rPr lang="en-US" dirty="0" smtClean="0"/>
+              <a:rPr lang="en-US" dirty="0"/>
               <a:t> </a:t>
             </a:r>
             <a:r>
-              <a:rPr lang="en-US" dirty="0" err="1" smtClean="0"/>
+              <a:rPr lang="en-US" dirty="0" err="1"/>
               <a:t>được</a:t>
             </a:r>
             <a:r>
-              <a:rPr lang="en-US" dirty="0" smtClean="0"/>
+              <a:rPr lang="en-US" dirty="0"/>
               <a:t> </a:t>
             </a:r>
             <a:r>
-              <a:rPr lang="en-US" dirty="0" err="1" smtClean="0"/>
+              <a:rPr lang="en-US" dirty="0" err="1"/>
               <a:t>dòng</a:t>
             </a:r>
             <a:r>
-              <a:rPr lang="en-US" dirty="0" smtClean="0"/>
+              <a:rPr lang="en-US" dirty="0"/>
               <a:t> </a:t>
             </a:r>
             <a:r>
-              <a:rPr lang="en-US" dirty="0" err="1" smtClean="0"/>
+              <a:rPr lang="en-US" dirty="0" err="1"/>
               <a:t>vào</a:t>
             </a:r>
             <a:r>
-              <a:rPr lang="en-US" dirty="0" smtClean="0"/>
+              <a:rPr lang="en-US" dirty="0"/>
               <a:t> </a:t>
             </a:r>
             <a:r>
-              <a:rPr lang="en-US" dirty="0" err="1" smtClean="0"/>
+              <a:rPr lang="en-US" dirty="0" err="1"/>
               <a:t>ra</a:t>
             </a:r>
             <a:r>
-              <a:rPr lang="en-US" dirty="0" smtClean="0"/>
+              <a:rPr lang="en-US" dirty="0"/>
               <a:t> </a:t>
+            </a:r>
+          </a:p>
+          <a:p>
+            <a:pPr>
+              <a:spcBef>
+                <a:spcPts val="600"/>
+              </a:spcBef>
+              <a:spcAft>
+                <a:spcPts val="600"/>
+              </a:spcAft>
+            </a:pPr>
+            <a:r>
+              <a:rPr lang="en-US" dirty="0" err="1"/>
+              <a:t>Biết</a:t>
+            </a:r>
+            <a:r>
+              <a:rPr lang="en-US" dirty="0"/>
+              <a:t> </a:t>
+            </a:r>
+            <a:r>
+              <a:rPr lang="en-US" dirty="0" err="1"/>
+              <a:t>cách</a:t>
+            </a:r>
+            <a:r>
+              <a:rPr lang="en-US" dirty="0"/>
+              <a:t> </a:t>
+            </a:r>
+            <a:r>
+              <a:rPr lang="en-US" dirty="0" err="1"/>
+              <a:t>đọc</a:t>
+            </a:r>
+            <a:r>
+              <a:rPr lang="en-US" dirty="0"/>
+              <a:t> file và </a:t>
+            </a:r>
+            <a:r>
+              <a:rPr lang="en-US" dirty="0" err="1"/>
+              <a:t>ghi</a:t>
+            </a:r>
+            <a:r>
+              <a:rPr lang="en-US" dirty="0"/>
+              <a:t> file </a:t>
+            </a:r>
+            <a:r>
+              <a:rPr lang="en-US" dirty="0" err="1"/>
+              <a:t>sử</a:t>
+            </a:r>
+            <a:r>
+              <a:rPr lang="en-US" dirty="0"/>
+              <a:t> dụng </a:t>
+            </a:r>
+            <a:r>
+              <a:rPr lang="en-US" dirty="0" err="1"/>
+              <a:t>FileInputStream</a:t>
+            </a:r>
+            <a:r>
+              <a:rPr lang="en-US" dirty="0"/>
+              <a:t> và </a:t>
+            </a:r>
+            <a:r>
+              <a:rPr lang="en-US" dirty="0" err="1"/>
+              <a:t>FileOutputStream</a:t>
+            </a:r>
+            <a:r>
+              <a:rPr lang="en-US" dirty="0"/>
+              <a:t> </a:t>
+            </a:r>
+            <a:endParaRPr lang="vi-VN" dirty="0"/>
+          </a:p>
+          <a:p>
+            <a:pPr>
+              <a:spcBef>
+                <a:spcPts val="600"/>
+              </a:spcBef>
+              <a:spcAft>
+                <a:spcPts val="600"/>
+              </a:spcAft>
+            </a:pPr>
+            <a:r>
+              <a:rPr lang="en-US" dirty="0" err="1"/>
+              <a:t>Biết</a:t>
+            </a:r>
+            <a:r>
+              <a:rPr lang="en-US" dirty="0"/>
+              <a:t> </a:t>
+            </a:r>
+            <a:r>
+              <a:rPr lang="en-US" dirty="0" err="1"/>
+              <a:t>cách</a:t>
+            </a:r>
+            <a:r>
+              <a:rPr lang="en-US" dirty="0"/>
+              <a:t> </a:t>
+            </a:r>
+            <a:r>
+              <a:rPr lang="en-US" dirty="0" err="1"/>
+              <a:t>đọc</a:t>
+            </a:r>
+            <a:r>
+              <a:rPr lang="en-US" dirty="0"/>
+              <a:t> file và </a:t>
+            </a:r>
+            <a:r>
+              <a:rPr lang="en-US" dirty="0" err="1"/>
+              <a:t>ghi</a:t>
+            </a:r>
+            <a:r>
+              <a:rPr lang="en-US" dirty="0"/>
+              <a:t> file </a:t>
+            </a:r>
+            <a:r>
+              <a:rPr lang="en-US" dirty="0" err="1"/>
+              <a:t>sử</a:t>
+            </a:r>
+            <a:r>
+              <a:rPr lang="en-US" dirty="0"/>
+              <a:t> dụng </a:t>
+            </a:r>
+            <a:r>
+              <a:rPr lang="en-US" dirty="0" err="1"/>
+              <a:t>FileReader</a:t>
+            </a:r>
+            <a:r>
+              <a:rPr lang="en-US" dirty="0"/>
+              <a:t> và </a:t>
+            </a:r>
+            <a:r>
+              <a:rPr lang="en-US" dirty="0" err="1"/>
+              <a:t>FileWriter</a:t>
             </a:r>
             <a:endParaRPr lang="en-US" dirty="0"/>
           </a:p>
@@ -15730,77 +15672,6 @@
               </a:spcAft>
             </a:pPr>
             <a:r>
-              <a:rPr lang="en-US" dirty="0" err="1" smtClean="0"/>
-              <a:t>Biết</a:t>
-            </a:r>
-            <a:r>
-              <a:rPr lang="en-US" dirty="0" smtClean="0"/>
-              <a:t> </a:t>
-            </a:r>
-            <a:r>
-              <a:rPr lang="en-US" dirty="0" err="1" smtClean="0"/>
-              <a:t>cách</a:t>
-            </a:r>
-            <a:r>
-              <a:rPr lang="en-US" dirty="0" smtClean="0"/>
-              <a:t> </a:t>
-            </a:r>
-            <a:r>
-              <a:rPr lang="en-US" dirty="0" err="1" smtClean="0"/>
-              <a:t>đọc</a:t>
-            </a:r>
-            <a:r>
-              <a:rPr lang="en-US" dirty="0" smtClean="0"/>
-              <a:t> file và </a:t>
-            </a:r>
-            <a:r>
-              <a:rPr lang="en-US" dirty="0" err="1" smtClean="0"/>
-              <a:t>ghi</a:t>
-            </a:r>
-            <a:r>
-              <a:rPr lang="en-US" dirty="0" smtClean="0"/>
-              <a:t> file </a:t>
-            </a:r>
-            <a:r>
-              <a:rPr lang="en-US" dirty="0" err="1" smtClean="0"/>
-              <a:t>sử</a:t>
-            </a:r>
-            <a:r>
-              <a:rPr lang="en-US" dirty="0" smtClean="0"/>
-              <a:t> </a:t>
-            </a:r>
-            <a:r>
-              <a:rPr lang="en-US" dirty="0"/>
-              <a:t>dụng </a:t>
-            </a:r>
-            <a:r>
-              <a:rPr lang="en-US" dirty="0" err="1" smtClean="0"/>
-              <a:t>FileInputStream</a:t>
-            </a:r>
-            <a:r>
-              <a:rPr lang="en-US" dirty="0" smtClean="0"/>
-              <a:t> và </a:t>
-            </a:r>
-            <a:r>
-              <a:rPr lang="en-US" dirty="0" err="1" smtClean="0"/>
-              <a:t>FileOutputStream</a:t>
-            </a:r>
-            <a:r>
-              <a:rPr lang="en-US" dirty="0" smtClean="0"/>
-              <a:t> </a:t>
-            </a:r>
-            <a:endParaRPr lang="vi-VN" dirty="0" smtClean="0"/>
-          </a:p>
-          <a:p>
-            <a:pPr>
-              <a:spcBef>
-                <a:spcPts val="600"/>
-              </a:spcBef>
-              <a:spcAft>
-                <a:spcPts val="600"/>
-              </a:spcAft>
-            </a:pPr>
-            <a:r>
               <a:rPr lang="en-US" dirty="0" err="1"/>
               <a:t>Biết</a:t>
             </a:r>
@@ -15833,7 +15704,7 @@
               <a:t> file </a:t>
             </a:r>
             <a:r>
-              <a:rPr lang="en-US" dirty="0" err="1" smtClean="0"/>
+              <a:rPr lang="en-US" dirty="0" err="1"/>
               <a:t>sử</a:t>
             </a:r>
             <a:r>
@@ -15841,8 +15712,8 @@
               <a:t> dụng </a:t>
             </a:r>
             <a:r>
-              <a:rPr lang="en-US" dirty="0" err="1" smtClean="0"/>
-              <a:t>FileReader</a:t>
+              <a:rPr lang="en-US" dirty="0" err="1"/>
+              <a:t>DataInputStream</a:t>
             </a:r>
             <a:r>
               <a:rPr lang="en-US" dirty="0"/>
@@ -15850,73 +15721,6 @@
             </a:r>
             <a:r>
               <a:rPr lang="en-US" dirty="0" err="1"/>
-              <a:t>FileWriter</a:t>
-            </a:r>
-            <a:endParaRPr lang="en-US" dirty="0" smtClean="0"/>
-          </a:p>
-          <a:p>
-            <a:pPr>
-              <a:spcBef>
-                <a:spcPts val="600"/>
-              </a:spcBef>
-              <a:spcAft>
-                <a:spcPts val="600"/>
-              </a:spcAft>
-            </a:pPr>
-            <a:r>
-              <a:rPr lang="en-US" dirty="0" err="1" smtClean="0"/>
-              <a:t>Biết</a:t>
-            </a:r>
-            <a:r>
-              <a:rPr lang="en-US" dirty="0" smtClean="0"/>
-              <a:t> </a:t>
-            </a:r>
-            <a:r>
-              <a:rPr lang="en-US" dirty="0" err="1"/>
-              <a:t>cách</a:t>
-            </a:r>
-            <a:r>
-              <a:rPr lang="en-US" dirty="0"/>
-              <a:t> </a:t>
-            </a:r>
-            <a:r>
-              <a:rPr lang="en-US" dirty="0" err="1"/>
-              <a:t>đọc</a:t>
-            </a:r>
-            <a:r>
-              <a:rPr lang="en-US" dirty="0"/>
-              <a:t> file và </a:t>
-            </a:r>
-            <a:r>
-              <a:rPr lang="en-US" dirty="0" err="1"/>
-              <a:t>ghi</a:t>
-            </a:r>
-            <a:r>
-              <a:rPr lang="en-US" dirty="0"/>
-              <a:t> file </a:t>
-            </a:r>
-            <a:r>
-              <a:rPr lang="en-US" dirty="0" err="1"/>
-              <a:t>sử</a:t>
-            </a:r>
-            <a:r>
-              <a:rPr lang="en-US" dirty="0"/>
-              <a:t> dụng </a:t>
-            </a:r>
-            <a:r>
-              <a:rPr lang="en-US" dirty="0" err="1" smtClean="0"/>
-              <a:t>DataInputStream</a:t>
-            </a:r>
-            <a:r>
-              <a:rPr lang="en-US" dirty="0" smtClean="0"/>
-              <a:t> </a:t>
-            </a:r>
-            <a:r>
-              <a:rPr lang="en-US" dirty="0"/>
-              <a:t>và </a:t>
-            </a:r>
-            <a:r>
-              <a:rPr lang="en-US" dirty="0" err="1" smtClean="0"/>
               <a:t>DataOutputStream</a:t>
             </a:r>
             <a:endParaRPr dirty="0"/>
@@ -16007,7 +15811,7 @@
           </a:xfrm>
           <a:extLst>
             <a:ext uri="{FAA26D3D-D897-4be2-8F04-BA451C77F1D7}">
-              <ma14:placeholderFlag xmlns="" xmlns:ma14="http://schemas.microsoft.com/office/mac/drawingml/2011/main" val="1"/>
+              <ma14:placeholderFlag xmlns:ma14="http://schemas.microsoft.com/office/mac/drawingml/2011/main" xmlns="" val="1"/>
             </a:ext>
           </a:extLst>
         </p:spPr>
@@ -16018,10 +15822,9 @@
           <a:lstStyle/>
           <a:p>
             <a:r>
-              <a:rPr lang="en-US" altLang="en-US" sz="2700" dirty="0" smtClean="0"/>
+              <a:rPr lang="en-US" altLang="en-US" sz="2700" dirty="0"/>
               <a:t>LỚP FILEINPUTSTREAM</a:t>
             </a:r>
-            <a:endParaRPr lang="en-US" altLang="en-US" sz="2700" dirty="0"/>
           </a:p>
         </p:txBody>
       </p:sp>
@@ -16114,7 +15917,7 @@
             <a:lstStyle/>
             <a:p>
               <a:r>
-                <a:rPr lang="en-US" dirty="0" smtClean="0">
+                <a:rPr lang="en-US" dirty="0">
                   <a:solidFill>
                     <a:srgbClr val="343A40"/>
                   </a:solidFill>
@@ -16185,13 +15988,6 @@
   <p:clrMapOvr>
     <a:masterClrMapping/>
   </p:clrMapOvr>
-  <p:timing>
-    <p:tnLst>
-      <p:par>
-        <p:cTn id="1" dur="indefinite" restart="never" nodeType="tmRoot"/>
-      </p:par>
-    </p:tnLst>
-  </p:timing>
 </p:sld>
 </file>
 
@@ -16229,7 +16025,7 @@
           </a:xfrm>
           <a:extLst>
             <a:ext uri="{FAA26D3D-D897-4be2-8F04-BA451C77F1D7}">
-              <ma14:placeholderFlag xmlns="" xmlns:ma14="http://schemas.microsoft.com/office/mac/drawingml/2011/main" val="1"/>
+              <ma14:placeholderFlag xmlns:ma14="http://schemas.microsoft.com/office/mac/drawingml/2011/main" xmlns="" val="1"/>
             </a:ext>
           </a:extLst>
         </p:spPr>
@@ -16240,10 +16036,9 @@
           <a:lstStyle/>
           <a:p>
             <a:r>
-              <a:rPr lang="en-US" altLang="en-US" sz="2700" dirty="0" smtClean="0"/>
+              <a:rPr lang="en-US" altLang="en-US" sz="2700" dirty="0"/>
               <a:t>LỚP FILEOUTPUTSTREAM</a:t>
             </a:r>
-            <a:endParaRPr lang="en-US" altLang="en-US" sz="2700" dirty="0"/>
           </a:p>
         </p:txBody>
       </p:sp>
@@ -16280,7 +16075,7 @@
               </a:spcAft>
             </a:pPr>
             <a:r>
-              <a:rPr lang="en-US" sz="1800" dirty="0" err="1" smtClean="0">
+              <a:rPr lang="en-US" sz="1800" dirty="0" err="1">
                 <a:solidFill>
                   <a:srgbClr val="343A40"/>
                 </a:solidFill>
@@ -16291,7 +16086,7 @@
               <a:t>FileOutputStream</a:t>
             </a:r>
             <a:r>
-              <a:rPr lang="en-US" sz="1800" dirty="0" smtClean="0">
+              <a:rPr lang="en-US" sz="1800" dirty="0">
                 <a:solidFill>
                   <a:srgbClr val="343A40"/>
                 </a:solidFill>
@@ -16628,7 +16423,7 @@
               </a:spcAft>
             </a:pPr>
             <a:r>
-              <a:rPr lang="en-US" sz="1800" dirty="0" err="1" smtClean="0">
+              <a:rPr lang="en-US" sz="1800" dirty="0" err="1">
                 <a:solidFill>
                   <a:srgbClr val="343A40"/>
                 </a:solidFill>
@@ -16639,7 +16434,7 @@
               <a:t>FileOutputStream</a:t>
             </a:r>
             <a:r>
-              <a:rPr lang="en-US" sz="1800" dirty="0" smtClean="0">
+              <a:rPr lang="en-US" sz="1800" dirty="0">
                 <a:solidFill>
                   <a:srgbClr val="343A40"/>
                 </a:solidFill>
@@ -16650,7 +16445,7 @@
               <a:t> </a:t>
             </a:r>
             <a:r>
-              <a:rPr lang="en-US" sz="1800" dirty="0" err="1" smtClean="0">
+              <a:rPr lang="en-US" sz="1800" dirty="0" err="1">
                 <a:solidFill>
                   <a:srgbClr val="343A40"/>
                 </a:solidFill>
@@ -16661,7 +16456,7 @@
               <a:t>cho</a:t>
             </a:r>
             <a:r>
-              <a:rPr lang="en-US" sz="1800" dirty="0" smtClean="0">
+              <a:rPr lang="en-US" sz="1800" dirty="0">
                 <a:solidFill>
                   <a:srgbClr val="343A40"/>
                 </a:solidFill>
@@ -16672,7 +16467,7 @@
               <a:t> </a:t>
             </a:r>
             <a:r>
-              <a:rPr lang="en-US" sz="1800" dirty="0" err="1" smtClean="0">
+              <a:rPr lang="en-US" sz="1800" dirty="0" err="1">
                 <a:solidFill>
                   <a:srgbClr val="343A40"/>
                 </a:solidFill>
@@ -16683,7 +16478,7 @@
               <a:t>phép</a:t>
             </a:r>
             <a:r>
-              <a:rPr lang="en-US" sz="1800" dirty="0" smtClean="0">
+              <a:rPr lang="en-US" sz="1800" dirty="0">
                 <a:solidFill>
                   <a:srgbClr val="343A40"/>
                 </a:solidFill>
@@ -16694,7 +16489,7 @@
               <a:t> </a:t>
             </a:r>
             <a:r>
-              <a:rPr lang="en-US" sz="1800" dirty="0" err="1" smtClean="0">
+              <a:rPr lang="en-US" sz="1800" dirty="0" err="1">
                 <a:solidFill>
                   <a:srgbClr val="343A40"/>
                 </a:solidFill>
@@ -16705,7 +16500,7 @@
               <a:t>ghi</a:t>
             </a:r>
             <a:r>
-              <a:rPr lang="en-US" sz="1800" dirty="0" smtClean="0">
+              <a:rPr lang="en-US" sz="1800" dirty="0">
                 <a:solidFill>
                   <a:srgbClr val="343A40"/>
                 </a:solidFill>
@@ -16881,7 +16676,7 @@
               <a:t>tệp</a:t>
             </a:r>
             <a:r>
-              <a:rPr lang="en-US" sz="1800" dirty="0" smtClean="0">
+              <a:rPr lang="en-US" sz="1800" dirty="0">
                 <a:solidFill>
                   <a:srgbClr val="343A40"/>
                 </a:solidFill>
@@ -16905,7 +16700,7 @@
               </a:spcAft>
             </a:pPr>
             <a:r>
-              <a:rPr lang="en-US" sz="1800" dirty="0" err="1" smtClean="0">
+              <a:rPr lang="en-US" sz="1800" dirty="0" err="1">
                 <a:solidFill>
                   <a:srgbClr val="343A40"/>
                 </a:solidFill>
@@ -16916,7 +16711,7 @@
               <a:t>FileOutputStream</a:t>
             </a:r>
             <a:r>
-              <a:rPr lang="en-US" sz="1800" dirty="0" smtClean="0">
+              <a:rPr lang="en-US" sz="1800" dirty="0">
                 <a:solidFill>
                   <a:srgbClr val="343A40"/>
                 </a:solidFill>
@@ -16927,7 +16722,7 @@
               <a:t> </a:t>
             </a:r>
             <a:r>
-              <a:rPr lang="en-US" sz="1800" dirty="0" err="1" smtClean="0">
+              <a:rPr lang="en-US" sz="1800" dirty="0" err="1">
                 <a:solidFill>
                   <a:srgbClr val="343A40"/>
                 </a:solidFill>
@@ -16938,7 +16733,7 @@
               <a:t>cho</a:t>
             </a:r>
             <a:r>
-              <a:rPr lang="en-US" sz="1800" dirty="0" smtClean="0">
+              <a:rPr lang="en-US" sz="1800" dirty="0">
                 <a:solidFill>
                   <a:srgbClr val="343A40"/>
                 </a:solidFill>
@@ -16949,7 +16744,7 @@
               <a:t> </a:t>
             </a:r>
             <a:r>
-              <a:rPr lang="en-US" sz="1800" dirty="0" err="1" smtClean="0">
+              <a:rPr lang="en-US" sz="1800" dirty="0" err="1">
                 <a:solidFill>
                   <a:srgbClr val="343A40"/>
                 </a:solidFill>
@@ -16960,7 +16755,7 @@
               <a:t>phép</a:t>
             </a:r>
             <a:r>
-              <a:rPr lang="en-US" sz="1800" dirty="0" smtClean="0">
+              <a:rPr lang="en-US" sz="1800" dirty="0">
                 <a:solidFill>
                   <a:srgbClr val="343A40"/>
                 </a:solidFill>
@@ -16971,7 +16766,7 @@
               <a:t> </a:t>
             </a:r>
             <a:r>
-              <a:rPr lang="en-US" sz="1800" dirty="0" err="1" smtClean="0">
+              <a:rPr lang="en-US" sz="1800" dirty="0" err="1">
                 <a:solidFill>
                   <a:srgbClr val="343A40"/>
                 </a:solidFill>
@@ -16982,7 +16777,7 @@
               <a:t>ghi</a:t>
             </a:r>
             <a:r>
-              <a:rPr lang="en-US" sz="1800" dirty="0" smtClean="0">
+              <a:rPr lang="en-US" sz="1800" dirty="0">
                 <a:solidFill>
                   <a:srgbClr val="343A40"/>
                 </a:solidFill>
@@ -17056,21 +16851,10 @@
                 <a:ea typeface="Times New Roman" panose="02020603050405020304" pitchFamily="18" charset="0"/>
                 <a:cs typeface="Times New Roman" panose="02020603050405020304" pitchFamily="18" charset="0"/>
               </a:rPr>
-              <a:t> byte </a:t>
-            </a:r>
-            <a:r>
-              <a:rPr lang="en-US" sz="1800" dirty="0" smtClean="0">
-                <a:solidFill>
-                  <a:srgbClr val="343A40"/>
-                </a:solidFill>
-                <a:latin typeface="Segoe UI" panose="020B0502040204020203" pitchFamily="34" charset="0"/>
-                <a:ea typeface="Times New Roman" panose="02020603050405020304" pitchFamily="18" charset="0"/>
-                <a:cs typeface="Times New Roman" panose="02020603050405020304" pitchFamily="18" charset="0"/>
-              </a:rPr>
-              <a:t>và </a:t>
-            </a:r>
-            <a:r>
-              <a:rPr lang="en-US" sz="1800" dirty="0" err="1" smtClean="0">
+              <a:t> byte và </a:t>
+            </a:r>
+            <a:r>
+              <a:rPr lang="en-US" sz="1800" dirty="0" err="1">
                 <a:solidFill>
                   <a:srgbClr val="343A40"/>
                 </a:solidFill>
@@ -17081,7 +16865,7 @@
               <a:t>theo</a:t>
             </a:r>
             <a:r>
-              <a:rPr lang="en-US" sz="1800" dirty="0" smtClean="0">
+              <a:rPr lang="en-US" sz="1800" dirty="0">
                 <a:solidFill>
                   <a:srgbClr val="343A40"/>
                 </a:solidFill>
@@ -17114,7 +16898,7 @@
               <a:t> </a:t>
             </a:r>
             <a:r>
-              <a:rPr lang="en-US" sz="1800" dirty="0" err="1" smtClean="0">
+              <a:rPr lang="en-US" sz="1800" dirty="0" err="1">
                 <a:solidFill>
                   <a:srgbClr val="343A40"/>
                 </a:solidFill>
@@ -17125,7 +16909,7 @@
               <a:t>tự</a:t>
             </a:r>
             <a:r>
-              <a:rPr lang="en-US" sz="1800" dirty="0" smtClean="0">
+              <a:rPr lang="en-US" sz="1800" dirty="0">
                 <a:solidFill>
                   <a:srgbClr val="343A40"/>
                 </a:solidFill>
@@ -17157,21 +16941,10 @@
                 <a:ea typeface="Times New Roman" panose="02020603050405020304" pitchFamily="18" charset="0"/>
                 <a:cs typeface="Times New Roman" panose="02020603050405020304" pitchFamily="18" charset="0"/>
               </a:rPr>
-              <a:t>Đ</a:t>
-            </a:r>
-            <a:r>
-              <a:rPr lang="en-US" sz="1800" dirty="0" err="1" smtClean="0">
-                <a:solidFill>
-                  <a:srgbClr val="343A40"/>
-                </a:solidFill>
-                <a:latin typeface="Segoe UI" panose="020B0502040204020203" pitchFamily="34" charset="0"/>
-                <a:ea typeface="Times New Roman" panose="02020603050405020304" pitchFamily="18" charset="0"/>
-                <a:cs typeface="Times New Roman" panose="02020603050405020304" pitchFamily="18" charset="0"/>
-              </a:rPr>
-              <a:t>ối</a:t>
-            </a:r>
-            <a:r>
-              <a:rPr lang="en-US" sz="1800" dirty="0" smtClean="0">
+              <a:t>Đối</a:t>
+            </a:r>
+            <a:r>
+              <a:rPr lang="en-US" sz="1800" dirty="0">
                 <a:solidFill>
                   <a:srgbClr val="343A40"/>
                 </a:solidFill>
@@ -17292,7 +17065,7 @@
               <a:t> </a:t>
             </a:r>
             <a:r>
-              <a:rPr lang="en-US" sz="1800" dirty="0" err="1" smtClean="0">
+              <a:rPr lang="en-US" sz="1800" dirty="0" err="1">
                 <a:solidFill>
                   <a:srgbClr val="343A40"/>
                 </a:solidFill>
@@ -17303,7 +17076,7 @@
               <a:t>tự</a:t>
             </a:r>
             <a:r>
-              <a:rPr lang="en-US" sz="1800" dirty="0" smtClean="0">
+              <a:rPr lang="en-US" sz="1800" dirty="0">
                 <a:solidFill>
                   <a:srgbClr val="343A40"/>
                 </a:solidFill>
@@ -17314,7 +17087,7 @@
               <a:t> </a:t>
             </a:r>
             <a:r>
-              <a:rPr lang="en-US" sz="1800" dirty="0" err="1" smtClean="0">
+              <a:rPr lang="en-US" sz="1800" dirty="0" err="1">
                 <a:solidFill>
                   <a:srgbClr val="343A40"/>
                 </a:solidFill>
@@ -17325,7 +17098,7 @@
               <a:t>nên</a:t>
             </a:r>
             <a:r>
-              <a:rPr lang="en-US" sz="1800" dirty="0" smtClean="0">
+              <a:rPr lang="en-US" sz="1800" dirty="0">
                 <a:solidFill>
                   <a:srgbClr val="343A40"/>
                 </a:solidFill>
@@ -17380,7 +17153,7 @@
               <a:t> </a:t>
             </a:r>
             <a:r>
-              <a:rPr lang="en-US" sz="1800" dirty="0" err="1" smtClean="0">
+              <a:rPr lang="en-US" sz="1800" dirty="0" err="1">
                 <a:solidFill>
                   <a:srgbClr val="343A40"/>
                 </a:solidFill>
@@ -17391,7 +17164,7 @@
               <a:t>thay</a:t>
             </a:r>
             <a:r>
-              <a:rPr lang="en-US" sz="1800" dirty="0" smtClean="0">
+              <a:rPr lang="en-US" sz="1800" dirty="0">
                 <a:solidFill>
                   <a:srgbClr val="343A40"/>
                 </a:solidFill>
@@ -17402,7 +17175,7 @@
               <a:t> </a:t>
             </a:r>
             <a:r>
-              <a:rPr lang="en-US" sz="1800" dirty="0" err="1" smtClean="0">
+              <a:rPr lang="en-US" sz="1800" dirty="0" err="1">
                 <a:solidFill>
                   <a:srgbClr val="343A40"/>
                 </a:solidFill>
@@ -17413,7 +17186,7 @@
               <a:t>cho</a:t>
             </a:r>
             <a:r>
-              <a:rPr lang="en-US" sz="1800" dirty="0" smtClean="0">
+              <a:rPr lang="en-US" sz="1800" dirty="0">
                 <a:solidFill>
                   <a:srgbClr val="343A40"/>
                 </a:solidFill>
@@ -17424,7 +17197,7 @@
               <a:t> </a:t>
             </a:r>
             <a:r>
-              <a:rPr lang="en-US" sz="1800" dirty="0" err="1" smtClean="0">
+              <a:rPr lang="en-US" sz="1800" dirty="0" err="1">
                 <a:solidFill>
                   <a:srgbClr val="343A40"/>
                 </a:solidFill>
@@ -17464,13 +17237,6 @@
   <p:clrMapOvr>
     <a:masterClrMapping/>
   </p:clrMapOvr>
-  <p:timing>
-    <p:tnLst>
-      <p:par>
-        <p:cTn id="1" dur="indefinite" restart="never" nodeType="tmRoot"/>
-      </p:par>
-    </p:tnLst>
-  </p:timing>
 </p:sld>
 </file>
 
@@ -17508,7 +17274,7 @@
           </a:xfrm>
           <a:extLst>
             <a:ext uri="{FAA26D3D-D897-4be2-8F04-BA451C77F1D7}">
-              <ma14:placeholderFlag xmlns="" xmlns:ma14="http://schemas.microsoft.com/office/mac/drawingml/2011/main" val="1"/>
+              <ma14:placeholderFlag xmlns:ma14="http://schemas.microsoft.com/office/mac/drawingml/2011/main" xmlns="" val="1"/>
             </a:ext>
           </a:extLst>
         </p:spPr>
@@ -17599,8 +17365,20 @@
                 <a:tableStyleId>{0660B408-B3CF-4A94-85FC-2B1E0A45F4A2}</a:tableStyleId>
               </a:tblPr>
               <a:tblGrid>
-                <a:gridCol w="2850676"/>
-                <a:gridCol w="5905500"/>
+                <a:gridCol w="2850676">
+                  <a:extLst>
+                    <a:ext uri="{9D8B030D-6E8A-4147-A177-3AD203B41FA5}">
+                      <a16:colId xmlns:a16="http://schemas.microsoft.com/office/drawing/2014/main" val="20000"/>
+                    </a:ext>
+                  </a:extLst>
+                </a:gridCol>
+                <a:gridCol w="5905500">
+                  <a:extLst>
+                    <a:ext uri="{9D8B030D-6E8A-4147-A177-3AD203B41FA5}">
+                      <a16:colId xmlns:a16="http://schemas.microsoft.com/office/drawing/2014/main" val="20001"/>
+                    </a:ext>
+                  </a:extLst>
+                </a:gridCol>
               </a:tblGrid>
               <a:tr h="371697">
                 <a:tc>
@@ -17661,6 +17439,11 @@
                   </a:txBody>
                   <a:tcPr marL="96113" marR="96113" marT="96113" marB="96113"/>
                 </a:tc>
+                <a:extLst>
+                  <a:ext uri="{0D108BD9-81ED-4DB2-BD59-A6C34878D82A}">
+                    <a16:rowId xmlns:a16="http://schemas.microsoft.com/office/drawing/2014/main" val="10000"/>
+                  </a:ext>
+                </a:extLst>
               </a:tr>
               <a:tr h="431271">
                 <a:tc>
@@ -17741,6 +17524,11 @@
                   </a:txBody>
                   <a:tcPr marL="76200" marR="76200" marT="76200" marB="76200"/>
                 </a:tc>
+                <a:extLst>
+                  <a:ext uri="{0D108BD9-81ED-4DB2-BD59-A6C34878D82A}">
+                    <a16:rowId xmlns:a16="http://schemas.microsoft.com/office/drawing/2014/main" val="10001"/>
+                  </a:ext>
+                </a:extLst>
               </a:tr>
               <a:tr h="293693">
                 <a:tc>
@@ -18052,6 +17840,11 @@
                   </a:txBody>
                   <a:tcPr marL="76200" marR="76200" marT="76200" marB="76200"/>
                 </a:tc>
+                <a:extLst>
+                  <a:ext uri="{0D108BD9-81ED-4DB2-BD59-A6C34878D82A}">
+                    <a16:rowId xmlns:a16="http://schemas.microsoft.com/office/drawing/2014/main" val="10002"/>
+                  </a:ext>
+                </a:extLst>
               </a:tr>
               <a:tr h="293693">
                 <a:tc>
@@ -18132,6 +17925,11 @@
                   </a:txBody>
                   <a:tcPr marL="76200" marR="76200" marT="76200" marB="76200"/>
                 </a:tc>
+                <a:extLst>
+                  <a:ext uri="{0D108BD9-81ED-4DB2-BD59-A6C34878D82A}">
+                    <a16:rowId xmlns:a16="http://schemas.microsoft.com/office/drawing/2014/main" val="10003"/>
+                  </a:ext>
+                </a:extLst>
               </a:tr>
               <a:tr h="293693">
                 <a:tc>
@@ -18212,6 +18010,11 @@
                   </a:txBody>
                   <a:tcPr marL="76200" marR="76200" marT="76200" marB="76200"/>
                 </a:tc>
+                <a:extLst>
+                  <a:ext uri="{0D108BD9-81ED-4DB2-BD59-A6C34878D82A}">
+                    <a16:rowId xmlns:a16="http://schemas.microsoft.com/office/drawing/2014/main" val="10004"/>
+                  </a:ext>
+                </a:extLst>
               </a:tr>
               <a:tr h="293693">
                 <a:tc>
@@ -18292,6 +18095,11 @@
                   </a:txBody>
                   <a:tcPr marL="76200" marR="76200" marT="76200" marB="76200"/>
                 </a:tc>
+                <a:extLst>
+                  <a:ext uri="{0D108BD9-81ED-4DB2-BD59-A6C34878D82A}">
+                    <a16:rowId xmlns:a16="http://schemas.microsoft.com/office/drawing/2014/main" val="10005"/>
+                  </a:ext>
+                </a:extLst>
               </a:tr>
               <a:tr h="431271">
                 <a:tc>
@@ -18603,6 +18411,11 @@
                   </a:txBody>
                   <a:tcPr marL="76200" marR="76200" marT="76200" marB="76200"/>
                 </a:tc>
+                <a:extLst>
+                  <a:ext uri="{0D108BD9-81ED-4DB2-BD59-A6C34878D82A}">
+                    <a16:rowId xmlns:a16="http://schemas.microsoft.com/office/drawing/2014/main" val="10006"/>
+                  </a:ext>
+                </a:extLst>
               </a:tr>
               <a:tr h="293693">
                 <a:tc>
@@ -18760,6 +18573,11 @@
                   </a:txBody>
                   <a:tcPr marL="76200" marR="76200" marT="76200" marB="76200"/>
                 </a:tc>
+                <a:extLst>
+                  <a:ext uri="{0D108BD9-81ED-4DB2-BD59-A6C34878D82A}">
+                    <a16:rowId xmlns:a16="http://schemas.microsoft.com/office/drawing/2014/main" val="10007"/>
+                  </a:ext>
+                </a:extLst>
               </a:tr>
               <a:tr h="431271">
                 <a:tc>
@@ -19005,6 +18823,11 @@
                   </a:txBody>
                   <a:tcPr marL="76200" marR="76200" marT="76200" marB="76200"/>
                 </a:tc>
+                <a:extLst>
+                  <a:ext uri="{0D108BD9-81ED-4DB2-BD59-A6C34878D82A}">
+                    <a16:rowId xmlns:a16="http://schemas.microsoft.com/office/drawing/2014/main" val="10008"/>
+                  </a:ext>
+                </a:extLst>
               </a:tr>
             </a:tbl>
           </a:graphicData>
@@ -19020,13 +18843,6 @@
   <p:clrMapOvr>
     <a:masterClrMapping/>
   </p:clrMapOvr>
-  <p:timing>
-    <p:tnLst>
-      <p:par>
-        <p:cTn id="1" dur="indefinite" restart="never" nodeType="tmRoot"/>
-      </p:par>
-    </p:tnLst>
-  </p:timing>
 </p:sld>
 </file>
 
@@ -19064,7 +18880,7 @@
           </a:xfrm>
           <a:extLst>
             <a:ext uri="{FAA26D3D-D897-4be2-8F04-BA451C77F1D7}">
-              <ma14:placeholderFlag xmlns="" xmlns:ma14="http://schemas.microsoft.com/office/mac/drawingml/2011/main" val="1"/>
+              <ma14:placeholderFlag xmlns:ma14="http://schemas.microsoft.com/office/mac/drawingml/2011/main" xmlns="" val="1"/>
             </a:ext>
           </a:extLst>
         </p:spPr>
@@ -19075,10 +18891,9 @@
           <a:lstStyle/>
           <a:p>
             <a:r>
-              <a:rPr lang="en-US" altLang="en-US" sz="2700" dirty="0" smtClean="0"/>
+              <a:rPr lang="en-US" altLang="en-US" sz="2700" dirty="0"/>
               <a:t>LỚP FILEOUTPUTSTREAM</a:t>
             </a:r>
-            <a:endParaRPr lang="en-US" altLang="en-US" sz="2700" dirty="0"/>
           </a:p>
         </p:txBody>
       </p:sp>
@@ -19147,7 +18962,7 @@
             <a:lstStyle/>
             <a:p>
               <a:r>
-                <a:rPr lang="en-US" dirty="0" smtClean="0">
+                <a:rPr lang="en-US" dirty="0">
                   <a:solidFill>
                     <a:srgbClr val="343A40"/>
                   </a:solidFill>
@@ -19242,13 +19057,6 @@
   <p:clrMapOvr>
     <a:masterClrMapping/>
   </p:clrMapOvr>
-  <p:timing>
-    <p:tnLst>
-      <p:par>
-        <p:cTn id="1" dur="indefinite" restart="never" nodeType="tmRoot"/>
-      </p:par>
-    </p:tnLst>
-  </p:timing>
 </p:sld>
 </file>
 
@@ -19286,7 +19094,7 @@
           </a:xfrm>
           <a:extLst>
             <a:ext uri="{FAA26D3D-D897-4be2-8F04-BA451C77F1D7}">
-              <ma14:placeholderFlag xmlns="" xmlns:ma14="http://schemas.microsoft.com/office/mac/drawingml/2011/main" val="1"/>
+              <ma14:placeholderFlag xmlns:ma14="http://schemas.microsoft.com/office/mac/drawingml/2011/main" xmlns="" val="1"/>
             </a:ext>
           </a:extLst>
         </p:spPr>
@@ -19297,14 +19105,13 @@
           <a:lstStyle/>
           <a:p>
             <a:r>
-              <a:rPr lang="en-US" altLang="en-US" sz="2700" dirty="0" err="1" smtClean="0"/>
+              <a:rPr lang="en-US" altLang="en-US" sz="2700" dirty="0" err="1"/>
               <a:t>SỬ</a:t>
             </a:r>
             <a:r>
-              <a:rPr lang="en-US" altLang="en-US" sz="2700" dirty="0" smtClean="0"/>
+              <a:rPr lang="en-US" altLang="en-US" sz="2700" dirty="0"/>
               <a:t> DỤNG BYTE STREAMS</a:t>
             </a:r>
-            <a:endParaRPr lang="en-US" altLang="en-US" sz="2700" dirty="0"/>
           </a:p>
         </p:txBody>
       </p:sp>
@@ -19822,7 +19629,7 @@
               <a:t> </a:t>
             </a:r>
             <a:r>
-              <a:rPr lang="en-US" sz="1800" dirty="0" err="1" smtClean="0">
+              <a:rPr lang="en-US" sz="1800" dirty="0" err="1">
                 <a:solidFill>
                   <a:srgbClr val="343A40"/>
                 </a:solidFill>
@@ -19952,13 +19759,6 @@
   <p:clrMapOvr>
     <a:masterClrMapping/>
   </p:clrMapOvr>
-  <p:timing>
-    <p:tnLst>
-      <p:par>
-        <p:cTn id="1" dur="indefinite" restart="never" nodeType="tmRoot"/>
-      </p:par>
-    </p:tnLst>
-  </p:timing>
 </p:sld>
 </file>
 
@@ -19996,7 +19796,7 @@
           </a:xfrm>
           <a:extLst>
             <a:ext uri="{FAA26D3D-D897-4be2-8F04-BA451C77F1D7}">
-              <ma14:placeholderFlag xmlns="" xmlns:ma14="http://schemas.microsoft.com/office/mac/drawingml/2011/main" val="1"/>
+              <ma14:placeholderFlag xmlns:ma14="http://schemas.microsoft.com/office/mac/drawingml/2011/main" xmlns="" val="1"/>
             </a:ext>
           </a:extLst>
         </p:spPr>
@@ -20007,14 +19807,13 @@
           <a:lstStyle/>
           <a:p>
             <a:r>
-              <a:rPr lang="en-US" altLang="en-US" sz="2700" dirty="0" err="1" smtClean="0"/>
+              <a:rPr lang="en-US" altLang="en-US" sz="2700" dirty="0" err="1"/>
               <a:t>SỬ</a:t>
             </a:r>
             <a:r>
-              <a:rPr lang="en-US" altLang="en-US" sz="2700" dirty="0" smtClean="0"/>
+              <a:rPr lang="en-US" altLang="en-US" sz="2700" dirty="0"/>
               <a:t> DỤNG BYTE STREAMS</a:t>
             </a:r>
-            <a:endParaRPr lang="en-US" altLang="en-US" sz="2700" dirty="0"/>
           </a:p>
         </p:txBody>
       </p:sp>
@@ -20081,13 +19880,6 @@
   <p:clrMapOvr>
     <a:masterClrMapping/>
   </p:clrMapOvr>
-  <p:timing>
-    <p:tnLst>
-      <p:par>
-        <p:cTn id="1" dur="indefinite" restart="never" nodeType="tmRoot"/>
-      </p:par>
-    </p:tnLst>
-  </p:timing>
 </p:sld>
 </file>
 
@@ -20155,13 +19947,6 @@
   <p:clrMapOvr>
     <a:masterClrMapping/>
   </p:clrMapOvr>
-  <p:timing>
-    <p:tnLst>
-      <p:par>
-        <p:cTn id="1" dur="indefinite" restart="never" nodeType="tmRoot"/>
-      </p:par>
-    </p:tnLst>
-  </p:timing>
 </p:sld>
 </file>
 
@@ -20195,7 +19980,7 @@
         <p:spPr>
           <a:extLst>
             <a:ext uri="{FAA26D3D-D897-4be2-8F04-BA451C77F1D7}">
-              <ma14:placeholderFlag xmlns="" xmlns:ma14="http://schemas.microsoft.com/office/mac/drawingml/2011/main" val="1"/>
+              <ma14:placeholderFlag xmlns:ma14="http://schemas.microsoft.com/office/mac/drawingml/2011/main" xmlns="" val="1"/>
             </a:ext>
           </a:extLst>
         </p:spPr>
@@ -20206,7 +19991,7 @@
           <a:lstStyle/>
           <a:p>
             <a:r>
-              <a:rPr lang="vi-VN" altLang="en-US" sz="2700" dirty="0" smtClean="0"/>
+              <a:rPr lang="vi-VN" altLang="en-US" sz="2700" dirty="0"/>
               <a:t>GIỚI THIỆU</a:t>
             </a:r>
             <a:endParaRPr lang="en-US" altLang="en-US" sz="2700" dirty="0"/>
@@ -20572,7 +20357,686 @@
               </a:rPr>
               <a:t> Unicode. </a:t>
             </a:r>
-            <a:endParaRPr lang="en-US" sz="1800" dirty="0" smtClean="0">
+          </a:p>
+          <a:p>
+            <a:pPr algn="just">
+              <a:lnSpc>
+                <a:spcPct val="107000"/>
+              </a:lnSpc>
+              <a:spcAft>
+                <a:spcPts val="800"/>
+              </a:spcAft>
+            </a:pPr>
+            <a:r>
+              <a:rPr lang="en-US" sz="1800" dirty="0" err="1">
+                <a:solidFill>
+                  <a:srgbClr val="343A40"/>
+                </a:solidFill>
+                <a:latin typeface="Segoe UI" panose="020B0502040204020203" pitchFamily="34" charset="0"/>
+                <a:ea typeface="Times New Roman" panose="02020603050405020304" pitchFamily="18" charset="0"/>
+                <a:cs typeface="Times New Roman" panose="02020603050405020304" pitchFamily="18" charset="0"/>
+              </a:rPr>
+              <a:t>Dòng</a:t>
+            </a:r>
+            <a:r>
+              <a:rPr lang="en-US" sz="1800" dirty="0">
+                <a:solidFill>
+                  <a:srgbClr val="343A40"/>
+                </a:solidFill>
+                <a:latin typeface="Segoe UI" panose="020B0502040204020203" pitchFamily="34" charset="0"/>
+                <a:ea typeface="Times New Roman" panose="02020603050405020304" pitchFamily="18" charset="0"/>
+                <a:cs typeface="Times New Roman" panose="02020603050405020304" pitchFamily="18" charset="0"/>
+              </a:rPr>
+              <a:t> I/O </a:t>
+            </a:r>
+            <a:r>
+              <a:rPr lang="en-US" sz="1800" dirty="0" err="1">
+                <a:solidFill>
+                  <a:srgbClr val="343A40"/>
+                </a:solidFill>
+                <a:latin typeface="Segoe UI" panose="020B0502040204020203" pitchFamily="34" charset="0"/>
+                <a:ea typeface="Times New Roman" panose="02020603050405020304" pitchFamily="18" charset="0"/>
+                <a:cs typeface="Times New Roman" panose="02020603050405020304" pitchFamily="18" charset="0"/>
+              </a:rPr>
+              <a:t>ký</a:t>
+            </a:r>
+            <a:r>
+              <a:rPr lang="en-US" sz="1800" dirty="0">
+                <a:solidFill>
+                  <a:srgbClr val="343A40"/>
+                </a:solidFill>
+                <a:latin typeface="Segoe UI" panose="020B0502040204020203" pitchFamily="34" charset="0"/>
+                <a:ea typeface="Times New Roman" panose="02020603050405020304" pitchFamily="18" charset="0"/>
+                <a:cs typeface="Times New Roman" panose="02020603050405020304" pitchFamily="18" charset="0"/>
+              </a:rPr>
+              <a:t> </a:t>
+            </a:r>
+            <a:r>
+              <a:rPr lang="en-US" sz="1800" dirty="0" err="1">
+                <a:solidFill>
+                  <a:srgbClr val="343A40"/>
+                </a:solidFill>
+                <a:latin typeface="Segoe UI" panose="020B0502040204020203" pitchFamily="34" charset="0"/>
+                <a:ea typeface="Times New Roman" panose="02020603050405020304" pitchFamily="18" charset="0"/>
+                <a:cs typeface="Times New Roman" panose="02020603050405020304" pitchFamily="18" charset="0"/>
+              </a:rPr>
+              <a:t>tự</a:t>
+            </a:r>
+            <a:r>
+              <a:rPr lang="en-US" sz="1800" dirty="0">
+                <a:solidFill>
+                  <a:srgbClr val="343A40"/>
+                </a:solidFill>
+                <a:latin typeface="Segoe UI" panose="020B0502040204020203" pitchFamily="34" charset="0"/>
+                <a:ea typeface="Times New Roman" panose="02020603050405020304" pitchFamily="18" charset="0"/>
+                <a:cs typeface="Times New Roman" panose="02020603050405020304" pitchFamily="18" charset="0"/>
+              </a:rPr>
+              <a:t> </a:t>
+            </a:r>
+            <a:r>
+              <a:rPr lang="en-US" sz="1800" dirty="0" err="1">
+                <a:solidFill>
+                  <a:srgbClr val="343A40"/>
+                </a:solidFill>
+                <a:latin typeface="Segoe UI" panose="020B0502040204020203" pitchFamily="34" charset="0"/>
+                <a:ea typeface="Times New Roman" panose="02020603050405020304" pitchFamily="18" charset="0"/>
+                <a:cs typeface="Times New Roman" panose="02020603050405020304" pitchFamily="18" charset="0"/>
+              </a:rPr>
+              <a:t>tự</a:t>
+            </a:r>
+            <a:r>
+              <a:rPr lang="en-US" sz="1800" dirty="0">
+                <a:solidFill>
+                  <a:srgbClr val="343A40"/>
+                </a:solidFill>
+                <a:latin typeface="Segoe UI" panose="020B0502040204020203" pitchFamily="34" charset="0"/>
+                <a:ea typeface="Times New Roman" panose="02020603050405020304" pitchFamily="18" charset="0"/>
+                <a:cs typeface="Times New Roman" panose="02020603050405020304" pitchFamily="18" charset="0"/>
+              </a:rPr>
+              <a:t> </a:t>
+            </a:r>
+            <a:r>
+              <a:rPr lang="en-US" sz="1800" dirty="0" err="1">
+                <a:solidFill>
+                  <a:srgbClr val="343A40"/>
+                </a:solidFill>
+                <a:latin typeface="Segoe UI" panose="020B0502040204020203" pitchFamily="34" charset="0"/>
+                <a:ea typeface="Times New Roman" panose="02020603050405020304" pitchFamily="18" charset="0"/>
+                <a:cs typeface="Times New Roman" panose="02020603050405020304" pitchFamily="18" charset="0"/>
+              </a:rPr>
+              <a:t>động</a:t>
+            </a:r>
+            <a:r>
+              <a:rPr lang="en-US" sz="1800" dirty="0">
+                <a:solidFill>
+                  <a:srgbClr val="343A40"/>
+                </a:solidFill>
+                <a:latin typeface="Segoe UI" panose="020B0502040204020203" pitchFamily="34" charset="0"/>
+                <a:ea typeface="Times New Roman" panose="02020603050405020304" pitchFamily="18" charset="0"/>
+                <a:cs typeface="Times New Roman" panose="02020603050405020304" pitchFamily="18" charset="0"/>
+              </a:rPr>
+              <a:t> </a:t>
+            </a:r>
+            <a:r>
+              <a:rPr lang="en-US" sz="1800" dirty="0" err="1">
+                <a:solidFill>
+                  <a:srgbClr val="343A40"/>
+                </a:solidFill>
+                <a:latin typeface="Segoe UI" panose="020B0502040204020203" pitchFamily="34" charset="0"/>
+                <a:ea typeface="Times New Roman" panose="02020603050405020304" pitchFamily="18" charset="0"/>
+                <a:cs typeface="Times New Roman" panose="02020603050405020304" pitchFamily="18" charset="0"/>
+              </a:rPr>
+              <a:t>dịch</a:t>
+            </a:r>
+            <a:r>
+              <a:rPr lang="en-US" sz="1800" dirty="0">
+                <a:solidFill>
+                  <a:srgbClr val="343A40"/>
+                </a:solidFill>
+                <a:latin typeface="Segoe UI" panose="020B0502040204020203" pitchFamily="34" charset="0"/>
+                <a:ea typeface="Times New Roman" panose="02020603050405020304" pitchFamily="18" charset="0"/>
+                <a:cs typeface="Times New Roman" panose="02020603050405020304" pitchFamily="18" charset="0"/>
+              </a:rPr>
+              <a:t> </a:t>
+            </a:r>
+            <a:r>
+              <a:rPr lang="en-US" sz="1800" dirty="0" err="1">
+                <a:solidFill>
+                  <a:srgbClr val="343A40"/>
+                </a:solidFill>
+                <a:latin typeface="Segoe UI" panose="020B0502040204020203" pitchFamily="34" charset="0"/>
+                <a:ea typeface="Times New Roman" panose="02020603050405020304" pitchFamily="18" charset="0"/>
+                <a:cs typeface="Times New Roman" panose="02020603050405020304" pitchFamily="18" charset="0"/>
+              </a:rPr>
+              <a:t>định</a:t>
+            </a:r>
+            <a:r>
+              <a:rPr lang="en-US" sz="1800" dirty="0">
+                <a:solidFill>
+                  <a:srgbClr val="343A40"/>
+                </a:solidFill>
+                <a:latin typeface="Segoe UI" panose="020B0502040204020203" pitchFamily="34" charset="0"/>
+                <a:ea typeface="Times New Roman" panose="02020603050405020304" pitchFamily="18" charset="0"/>
+                <a:cs typeface="Times New Roman" panose="02020603050405020304" pitchFamily="18" charset="0"/>
+              </a:rPr>
+              <a:t> </a:t>
+            </a:r>
+            <a:r>
+              <a:rPr lang="en-US" sz="1800" dirty="0" err="1">
+                <a:solidFill>
+                  <a:srgbClr val="343A40"/>
+                </a:solidFill>
+                <a:latin typeface="Segoe UI" panose="020B0502040204020203" pitchFamily="34" charset="0"/>
+                <a:ea typeface="Times New Roman" panose="02020603050405020304" pitchFamily="18" charset="0"/>
+                <a:cs typeface="Times New Roman" panose="02020603050405020304" pitchFamily="18" charset="0"/>
+              </a:rPr>
+              <a:t>dạng</a:t>
+            </a:r>
+            <a:r>
+              <a:rPr lang="en-US" sz="1800" dirty="0">
+                <a:solidFill>
+                  <a:srgbClr val="343A40"/>
+                </a:solidFill>
+                <a:latin typeface="Segoe UI" panose="020B0502040204020203" pitchFamily="34" charset="0"/>
+                <a:ea typeface="Times New Roman" panose="02020603050405020304" pitchFamily="18" charset="0"/>
+                <a:cs typeface="Times New Roman" panose="02020603050405020304" pitchFamily="18" charset="0"/>
+              </a:rPr>
+              <a:t> </a:t>
+            </a:r>
+            <a:r>
+              <a:rPr lang="en-US" sz="1800" dirty="0" err="1">
+                <a:solidFill>
+                  <a:srgbClr val="343A40"/>
+                </a:solidFill>
+                <a:latin typeface="Segoe UI" panose="020B0502040204020203" pitchFamily="34" charset="0"/>
+                <a:ea typeface="Times New Roman" panose="02020603050405020304" pitchFamily="18" charset="0"/>
+                <a:cs typeface="Times New Roman" panose="02020603050405020304" pitchFamily="18" charset="0"/>
+              </a:rPr>
+              <a:t>bên</a:t>
+            </a:r>
+            <a:r>
+              <a:rPr lang="en-US" sz="1800" dirty="0">
+                <a:solidFill>
+                  <a:srgbClr val="343A40"/>
+                </a:solidFill>
+                <a:latin typeface="Segoe UI" panose="020B0502040204020203" pitchFamily="34" charset="0"/>
+                <a:ea typeface="Times New Roman" panose="02020603050405020304" pitchFamily="18" charset="0"/>
+                <a:cs typeface="Times New Roman" panose="02020603050405020304" pitchFamily="18" charset="0"/>
+              </a:rPr>
+              <a:t> </a:t>
+            </a:r>
+            <a:r>
+              <a:rPr lang="en-US" sz="1800" dirty="0" err="1">
+                <a:solidFill>
+                  <a:srgbClr val="343A40"/>
+                </a:solidFill>
+                <a:latin typeface="Segoe UI" panose="020B0502040204020203" pitchFamily="34" charset="0"/>
+                <a:ea typeface="Times New Roman" panose="02020603050405020304" pitchFamily="18" charset="0"/>
+                <a:cs typeface="Times New Roman" panose="02020603050405020304" pitchFamily="18" charset="0"/>
+              </a:rPr>
+              <a:t>trong</a:t>
+            </a:r>
+            <a:r>
+              <a:rPr lang="en-US" sz="1800" dirty="0">
+                <a:solidFill>
+                  <a:srgbClr val="343A40"/>
+                </a:solidFill>
+                <a:latin typeface="Segoe UI" panose="020B0502040204020203" pitchFamily="34" charset="0"/>
+                <a:ea typeface="Times New Roman" panose="02020603050405020304" pitchFamily="18" charset="0"/>
+                <a:cs typeface="Times New Roman" panose="02020603050405020304" pitchFamily="18" charset="0"/>
+              </a:rPr>
+              <a:t> </a:t>
+            </a:r>
+            <a:r>
+              <a:rPr lang="en-US" sz="1800" dirty="0" err="1">
+                <a:solidFill>
+                  <a:srgbClr val="343A40"/>
+                </a:solidFill>
+                <a:latin typeface="Segoe UI" panose="020B0502040204020203" pitchFamily="34" charset="0"/>
+                <a:ea typeface="Times New Roman" panose="02020603050405020304" pitchFamily="18" charset="0"/>
+                <a:cs typeface="Times New Roman" panose="02020603050405020304" pitchFamily="18" charset="0"/>
+              </a:rPr>
+              <a:t>này</a:t>
+            </a:r>
+            <a:r>
+              <a:rPr lang="en-US" sz="1800" dirty="0">
+                <a:solidFill>
+                  <a:srgbClr val="343A40"/>
+                </a:solidFill>
+                <a:latin typeface="Segoe UI" panose="020B0502040204020203" pitchFamily="34" charset="0"/>
+                <a:ea typeface="Times New Roman" panose="02020603050405020304" pitchFamily="18" charset="0"/>
+                <a:cs typeface="Times New Roman" panose="02020603050405020304" pitchFamily="18" charset="0"/>
+              </a:rPr>
+              <a:t> qua </a:t>
+            </a:r>
+            <a:r>
+              <a:rPr lang="en-US" sz="1800" dirty="0" err="1">
+                <a:solidFill>
+                  <a:srgbClr val="343A40"/>
+                </a:solidFill>
+                <a:latin typeface="Segoe UI" panose="020B0502040204020203" pitchFamily="34" charset="0"/>
+                <a:ea typeface="Times New Roman" panose="02020603050405020304" pitchFamily="18" charset="0"/>
+                <a:cs typeface="Times New Roman" panose="02020603050405020304" pitchFamily="18" charset="0"/>
+              </a:rPr>
+              <a:t>lại</a:t>
+            </a:r>
+            <a:r>
+              <a:rPr lang="en-US" sz="1800" dirty="0">
+                <a:solidFill>
+                  <a:srgbClr val="343A40"/>
+                </a:solidFill>
+                <a:latin typeface="Segoe UI" panose="020B0502040204020203" pitchFamily="34" charset="0"/>
+                <a:ea typeface="Times New Roman" panose="02020603050405020304" pitchFamily="18" charset="0"/>
+                <a:cs typeface="Times New Roman" panose="02020603050405020304" pitchFamily="18" charset="0"/>
+              </a:rPr>
+              <a:t> </a:t>
+            </a:r>
+            <a:r>
+              <a:rPr lang="en-US" sz="1800" dirty="0" err="1">
+                <a:solidFill>
+                  <a:srgbClr val="343A40"/>
+                </a:solidFill>
+                <a:latin typeface="Segoe UI" panose="020B0502040204020203" pitchFamily="34" charset="0"/>
+                <a:ea typeface="Times New Roman" panose="02020603050405020304" pitchFamily="18" charset="0"/>
+                <a:cs typeface="Times New Roman" panose="02020603050405020304" pitchFamily="18" charset="0"/>
+              </a:rPr>
+              <a:t>với</a:t>
+            </a:r>
+            <a:r>
+              <a:rPr lang="en-US" sz="1800" dirty="0">
+                <a:solidFill>
+                  <a:srgbClr val="343A40"/>
+                </a:solidFill>
+                <a:latin typeface="Segoe UI" panose="020B0502040204020203" pitchFamily="34" charset="0"/>
+                <a:ea typeface="Times New Roman" panose="02020603050405020304" pitchFamily="18" charset="0"/>
+                <a:cs typeface="Times New Roman" panose="02020603050405020304" pitchFamily="18" charset="0"/>
+              </a:rPr>
+              <a:t> </a:t>
+            </a:r>
+            <a:r>
+              <a:rPr lang="en-US" sz="1800" dirty="0" err="1">
+                <a:solidFill>
+                  <a:srgbClr val="343A40"/>
+                </a:solidFill>
+                <a:latin typeface="Segoe UI" panose="020B0502040204020203" pitchFamily="34" charset="0"/>
+                <a:ea typeface="Times New Roman" panose="02020603050405020304" pitchFamily="18" charset="0"/>
+                <a:cs typeface="Times New Roman" panose="02020603050405020304" pitchFamily="18" charset="0"/>
+              </a:rPr>
+              <a:t>bộ</a:t>
+            </a:r>
+            <a:r>
+              <a:rPr lang="en-US" sz="1800" dirty="0">
+                <a:solidFill>
+                  <a:srgbClr val="343A40"/>
+                </a:solidFill>
+                <a:latin typeface="Segoe UI" panose="020B0502040204020203" pitchFamily="34" charset="0"/>
+                <a:ea typeface="Times New Roman" panose="02020603050405020304" pitchFamily="18" charset="0"/>
+                <a:cs typeface="Times New Roman" panose="02020603050405020304" pitchFamily="18" charset="0"/>
+              </a:rPr>
+              <a:t> </a:t>
+            </a:r>
+            <a:r>
+              <a:rPr lang="en-US" sz="1800" dirty="0" err="1">
+                <a:solidFill>
+                  <a:srgbClr val="343A40"/>
+                </a:solidFill>
+                <a:latin typeface="Segoe UI" panose="020B0502040204020203" pitchFamily="34" charset="0"/>
+                <a:ea typeface="Times New Roman" panose="02020603050405020304" pitchFamily="18" charset="0"/>
+                <a:cs typeface="Times New Roman" panose="02020603050405020304" pitchFamily="18" charset="0"/>
+              </a:rPr>
+              <a:t>ký</a:t>
+            </a:r>
+            <a:r>
+              <a:rPr lang="en-US" sz="1800" dirty="0">
+                <a:solidFill>
+                  <a:srgbClr val="343A40"/>
+                </a:solidFill>
+                <a:latin typeface="Segoe UI" panose="020B0502040204020203" pitchFamily="34" charset="0"/>
+                <a:ea typeface="Times New Roman" panose="02020603050405020304" pitchFamily="18" charset="0"/>
+                <a:cs typeface="Times New Roman" panose="02020603050405020304" pitchFamily="18" charset="0"/>
+              </a:rPr>
+              <a:t> </a:t>
+            </a:r>
+            <a:r>
+              <a:rPr lang="en-US" sz="1800" dirty="0" err="1">
+                <a:solidFill>
+                  <a:srgbClr val="343A40"/>
+                </a:solidFill>
+                <a:latin typeface="Segoe UI" panose="020B0502040204020203" pitchFamily="34" charset="0"/>
+                <a:ea typeface="Times New Roman" panose="02020603050405020304" pitchFamily="18" charset="0"/>
+                <a:cs typeface="Times New Roman" panose="02020603050405020304" pitchFamily="18" charset="0"/>
+              </a:rPr>
+              <a:t>tự</a:t>
+            </a:r>
+            <a:r>
+              <a:rPr lang="en-US" sz="1800" dirty="0">
+                <a:solidFill>
+                  <a:srgbClr val="343A40"/>
+                </a:solidFill>
+                <a:latin typeface="Segoe UI" panose="020B0502040204020203" pitchFamily="34" charset="0"/>
+                <a:ea typeface="Times New Roman" panose="02020603050405020304" pitchFamily="18" charset="0"/>
+                <a:cs typeface="Times New Roman" panose="02020603050405020304" pitchFamily="18" charset="0"/>
+              </a:rPr>
+              <a:t> </a:t>
+            </a:r>
+            <a:r>
+              <a:rPr lang="en-US" sz="1800" dirty="0" err="1">
+                <a:solidFill>
+                  <a:srgbClr val="343A40"/>
+                </a:solidFill>
+                <a:latin typeface="Segoe UI" panose="020B0502040204020203" pitchFamily="34" charset="0"/>
+                <a:ea typeface="Times New Roman" panose="02020603050405020304" pitchFamily="18" charset="0"/>
+                <a:cs typeface="Times New Roman" panose="02020603050405020304" pitchFamily="18" charset="0"/>
+              </a:rPr>
+              <a:t>cục</a:t>
+            </a:r>
+            <a:r>
+              <a:rPr lang="en-US" sz="1800" dirty="0">
+                <a:solidFill>
+                  <a:srgbClr val="343A40"/>
+                </a:solidFill>
+                <a:latin typeface="Segoe UI" panose="020B0502040204020203" pitchFamily="34" charset="0"/>
+                <a:ea typeface="Times New Roman" panose="02020603050405020304" pitchFamily="18" charset="0"/>
+                <a:cs typeface="Times New Roman" panose="02020603050405020304" pitchFamily="18" charset="0"/>
+              </a:rPr>
+              <a:t> </a:t>
+            </a:r>
+            <a:r>
+              <a:rPr lang="en-US" sz="1800" dirty="0" err="1">
+                <a:solidFill>
+                  <a:srgbClr val="343A40"/>
+                </a:solidFill>
+                <a:latin typeface="Segoe UI" panose="020B0502040204020203" pitchFamily="34" charset="0"/>
+                <a:ea typeface="Times New Roman" panose="02020603050405020304" pitchFamily="18" charset="0"/>
+                <a:cs typeface="Times New Roman" panose="02020603050405020304" pitchFamily="18" charset="0"/>
+              </a:rPr>
+              <a:t>bộ</a:t>
+            </a:r>
+            <a:r>
+              <a:rPr lang="en-US" sz="1800" dirty="0">
+                <a:solidFill>
+                  <a:srgbClr val="343A40"/>
+                </a:solidFill>
+                <a:latin typeface="Segoe UI" panose="020B0502040204020203" pitchFamily="34" charset="0"/>
+                <a:ea typeface="Times New Roman" panose="02020603050405020304" pitchFamily="18" charset="0"/>
+                <a:cs typeface="Times New Roman" panose="02020603050405020304" pitchFamily="18" charset="0"/>
+              </a:rPr>
+              <a:t>. </a:t>
+            </a:r>
+          </a:p>
+          <a:p>
+            <a:pPr algn="just">
+              <a:lnSpc>
+                <a:spcPct val="107000"/>
+              </a:lnSpc>
+              <a:spcAft>
+                <a:spcPts val="800"/>
+              </a:spcAft>
+            </a:pPr>
+            <a:r>
+              <a:rPr lang="en-US" sz="1800" dirty="0" err="1">
+                <a:solidFill>
+                  <a:srgbClr val="343A40"/>
+                </a:solidFill>
+                <a:latin typeface="Segoe UI" panose="020B0502040204020203" pitchFamily="34" charset="0"/>
+                <a:ea typeface="Times New Roman" panose="02020603050405020304" pitchFamily="18" charset="0"/>
+                <a:cs typeface="Times New Roman" panose="02020603050405020304" pitchFamily="18" charset="0"/>
+              </a:rPr>
+              <a:t>Bộ</a:t>
+            </a:r>
+            <a:r>
+              <a:rPr lang="en-US" sz="1800" dirty="0">
+                <a:solidFill>
+                  <a:srgbClr val="343A40"/>
+                </a:solidFill>
+                <a:latin typeface="Segoe UI" panose="020B0502040204020203" pitchFamily="34" charset="0"/>
+                <a:ea typeface="Times New Roman" panose="02020603050405020304" pitchFamily="18" charset="0"/>
+                <a:cs typeface="Times New Roman" panose="02020603050405020304" pitchFamily="18" charset="0"/>
+              </a:rPr>
+              <a:t> </a:t>
+            </a:r>
+            <a:r>
+              <a:rPr lang="en-US" sz="1800" dirty="0" err="1">
+                <a:solidFill>
+                  <a:srgbClr val="343A40"/>
+                </a:solidFill>
+                <a:latin typeface="Segoe UI" panose="020B0502040204020203" pitchFamily="34" charset="0"/>
+                <a:ea typeface="Times New Roman" panose="02020603050405020304" pitchFamily="18" charset="0"/>
+                <a:cs typeface="Times New Roman" panose="02020603050405020304" pitchFamily="18" charset="0"/>
+              </a:rPr>
+              <a:t>ký</a:t>
+            </a:r>
+            <a:r>
+              <a:rPr lang="en-US" sz="1800" dirty="0">
+                <a:solidFill>
+                  <a:srgbClr val="343A40"/>
+                </a:solidFill>
+                <a:latin typeface="Segoe UI" panose="020B0502040204020203" pitchFamily="34" charset="0"/>
+                <a:ea typeface="Times New Roman" panose="02020603050405020304" pitchFamily="18" charset="0"/>
+                <a:cs typeface="Times New Roman" panose="02020603050405020304" pitchFamily="18" charset="0"/>
+              </a:rPr>
+              <a:t> </a:t>
+            </a:r>
+            <a:r>
+              <a:rPr lang="en-US" sz="1800" dirty="0" err="1">
+                <a:solidFill>
+                  <a:srgbClr val="343A40"/>
+                </a:solidFill>
+                <a:latin typeface="Segoe UI" panose="020B0502040204020203" pitchFamily="34" charset="0"/>
+                <a:ea typeface="Times New Roman" panose="02020603050405020304" pitchFamily="18" charset="0"/>
+                <a:cs typeface="Times New Roman" panose="02020603050405020304" pitchFamily="18" charset="0"/>
+              </a:rPr>
+              <a:t>tự</a:t>
+            </a:r>
+            <a:r>
+              <a:rPr lang="en-US" sz="1800" dirty="0">
+                <a:solidFill>
+                  <a:srgbClr val="343A40"/>
+                </a:solidFill>
+                <a:latin typeface="Segoe UI" panose="020B0502040204020203" pitchFamily="34" charset="0"/>
+                <a:ea typeface="Times New Roman" panose="02020603050405020304" pitchFamily="18" charset="0"/>
+                <a:cs typeface="Times New Roman" panose="02020603050405020304" pitchFamily="18" charset="0"/>
+              </a:rPr>
+              <a:t> </a:t>
+            </a:r>
+            <a:r>
+              <a:rPr lang="en-US" sz="1800" dirty="0" err="1">
+                <a:solidFill>
+                  <a:srgbClr val="343A40"/>
+                </a:solidFill>
+                <a:latin typeface="Segoe UI" panose="020B0502040204020203" pitchFamily="34" charset="0"/>
+                <a:ea typeface="Times New Roman" panose="02020603050405020304" pitchFamily="18" charset="0"/>
+                <a:cs typeface="Times New Roman" panose="02020603050405020304" pitchFamily="18" charset="0"/>
+              </a:rPr>
+              <a:t>cục</a:t>
+            </a:r>
+            <a:r>
+              <a:rPr lang="en-US" sz="1800" dirty="0">
+                <a:solidFill>
+                  <a:srgbClr val="343A40"/>
+                </a:solidFill>
+                <a:latin typeface="Segoe UI" panose="020B0502040204020203" pitchFamily="34" charset="0"/>
+                <a:ea typeface="Times New Roman" panose="02020603050405020304" pitchFamily="18" charset="0"/>
+                <a:cs typeface="Times New Roman" panose="02020603050405020304" pitchFamily="18" charset="0"/>
+              </a:rPr>
+              <a:t> </a:t>
+            </a:r>
+            <a:r>
+              <a:rPr lang="en-US" sz="1800" dirty="0" err="1">
+                <a:solidFill>
+                  <a:srgbClr val="343A40"/>
+                </a:solidFill>
+                <a:latin typeface="Segoe UI" panose="020B0502040204020203" pitchFamily="34" charset="0"/>
+                <a:ea typeface="Times New Roman" panose="02020603050405020304" pitchFamily="18" charset="0"/>
+                <a:cs typeface="Times New Roman" panose="02020603050405020304" pitchFamily="18" charset="0"/>
+              </a:rPr>
+              <a:t>bộ</a:t>
+            </a:r>
+            <a:r>
+              <a:rPr lang="en-US" sz="1800" dirty="0">
+                <a:solidFill>
+                  <a:srgbClr val="343A40"/>
+                </a:solidFill>
+                <a:latin typeface="Segoe UI" panose="020B0502040204020203" pitchFamily="34" charset="0"/>
+                <a:ea typeface="Times New Roman" panose="02020603050405020304" pitchFamily="18" charset="0"/>
+                <a:cs typeface="Times New Roman" panose="02020603050405020304" pitchFamily="18" charset="0"/>
+              </a:rPr>
+              <a:t> </a:t>
+            </a:r>
+            <a:r>
+              <a:rPr lang="en-US" sz="1800" dirty="0" err="1">
+                <a:solidFill>
+                  <a:srgbClr val="343A40"/>
+                </a:solidFill>
+                <a:latin typeface="Segoe UI" panose="020B0502040204020203" pitchFamily="34" charset="0"/>
+                <a:ea typeface="Times New Roman" panose="02020603050405020304" pitchFamily="18" charset="0"/>
+                <a:cs typeface="Times New Roman" panose="02020603050405020304" pitchFamily="18" charset="0"/>
+              </a:rPr>
+              <a:t>thường</a:t>
+            </a:r>
+            <a:r>
+              <a:rPr lang="en-US" sz="1800" dirty="0">
+                <a:solidFill>
+                  <a:srgbClr val="343A40"/>
+                </a:solidFill>
+                <a:latin typeface="Segoe UI" panose="020B0502040204020203" pitchFamily="34" charset="0"/>
+                <a:ea typeface="Times New Roman" panose="02020603050405020304" pitchFamily="18" charset="0"/>
+                <a:cs typeface="Times New Roman" panose="02020603050405020304" pitchFamily="18" charset="0"/>
+              </a:rPr>
+              <a:t> </a:t>
+            </a:r>
+            <a:r>
+              <a:rPr lang="en-US" sz="1800" dirty="0" err="1">
+                <a:solidFill>
+                  <a:srgbClr val="343A40"/>
+                </a:solidFill>
+                <a:latin typeface="Segoe UI" panose="020B0502040204020203" pitchFamily="34" charset="0"/>
+                <a:ea typeface="Times New Roman" panose="02020603050405020304" pitchFamily="18" charset="0"/>
+                <a:cs typeface="Times New Roman" panose="02020603050405020304" pitchFamily="18" charset="0"/>
+              </a:rPr>
+              <a:t>là</a:t>
+            </a:r>
+            <a:r>
+              <a:rPr lang="en-US" sz="1800" dirty="0">
+                <a:solidFill>
+                  <a:srgbClr val="343A40"/>
+                </a:solidFill>
+                <a:latin typeface="Segoe UI" panose="020B0502040204020203" pitchFamily="34" charset="0"/>
+                <a:ea typeface="Times New Roman" panose="02020603050405020304" pitchFamily="18" charset="0"/>
+                <a:cs typeface="Times New Roman" panose="02020603050405020304" pitchFamily="18" charset="0"/>
+              </a:rPr>
+              <a:t> </a:t>
+            </a:r>
+            <a:r>
+              <a:rPr lang="en-US" sz="1800" dirty="0" err="1">
+                <a:solidFill>
+                  <a:srgbClr val="343A40"/>
+                </a:solidFill>
+                <a:latin typeface="Segoe UI" panose="020B0502040204020203" pitchFamily="34" charset="0"/>
+                <a:ea typeface="Times New Roman" panose="02020603050405020304" pitchFamily="18" charset="0"/>
+                <a:cs typeface="Times New Roman" panose="02020603050405020304" pitchFamily="18" charset="0"/>
+              </a:rPr>
+              <a:t>bộ</a:t>
+            </a:r>
+            <a:r>
+              <a:rPr lang="en-US" sz="1800" dirty="0">
+                <a:solidFill>
+                  <a:srgbClr val="343A40"/>
+                </a:solidFill>
+                <a:latin typeface="Segoe UI" panose="020B0502040204020203" pitchFamily="34" charset="0"/>
+                <a:ea typeface="Times New Roman" panose="02020603050405020304" pitchFamily="18" charset="0"/>
+                <a:cs typeface="Times New Roman" panose="02020603050405020304" pitchFamily="18" charset="0"/>
+              </a:rPr>
+              <a:t> </a:t>
+            </a:r>
+            <a:r>
+              <a:rPr lang="en-US" sz="1800" dirty="0" err="1">
+                <a:solidFill>
+                  <a:srgbClr val="343A40"/>
+                </a:solidFill>
+                <a:latin typeface="Segoe UI" panose="020B0502040204020203" pitchFamily="34" charset="0"/>
+                <a:ea typeface="Times New Roman" panose="02020603050405020304" pitchFamily="18" charset="0"/>
+                <a:cs typeface="Times New Roman" panose="02020603050405020304" pitchFamily="18" charset="0"/>
+              </a:rPr>
+              <a:t>ký</a:t>
+            </a:r>
+            <a:r>
+              <a:rPr lang="en-US" sz="1800" dirty="0">
+                <a:solidFill>
+                  <a:srgbClr val="343A40"/>
+                </a:solidFill>
+                <a:latin typeface="Segoe UI" panose="020B0502040204020203" pitchFamily="34" charset="0"/>
+                <a:ea typeface="Times New Roman" panose="02020603050405020304" pitchFamily="18" charset="0"/>
+                <a:cs typeface="Times New Roman" panose="02020603050405020304" pitchFamily="18" charset="0"/>
+              </a:rPr>
+              <a:t> </a:t>
+            </a:r>
+            <a:r>
+              <a:rPr lang="en-US" sz="1800" dirty="0" err="1">
+                <a:solidFill>
+                  <a:srgbClr val="343A40"/>
+                </a:solidFill>
+                <a:latin typeface="Segoe UI" panose="020B0502040204020203" pitchFamily="34" charset="0"/>
+                <a:ea typeface="Times New Roman" panose="02020603050405020304" pitchFamily="18" charset="0"/>
+                <a:cs typeface="Times New Roman" panose="02020603050405020304" pitchFamily="18" charset="0"/>
+              </a:rPr>
+              <a:t>tự</a:t>
+            </a:r>
+            <a:r>
+              <a:rPr lang="en-US" sz="1800" dirty="0">
+                <a:solidFill>
+                  <a:srgbClr val="343A40"/>
+                </a:solidFill>
+                <a:latin typeface="Segoe UI" panose="020B0502040204020203" pitchFamily="34" charset="0"/>
+                <a:ea typeface="Times New Roman" panose="02020603050405020304" pitchFamily="18" charset="0"/>
+                <a:cs typeface="Times New Roman" panose="02020603050405020304" pitchFamily="18" charset="0"/>
+              </a:rPr>
+              <a:t> 8 bit </a:t>
+            </a:r>
+            <a:r>
+              <a:rPr lang="en-US" sz="1800" dirty="0" err="1">
+                <a:solidFill>
+                  <a:srgbClr val="343A40"/>
+                </a:solidFill>
+                <a:latin typeface="Segoe UI" panose="020B0502040204020203" pitchFamily="34" charset="0"/>
+                <a:ea typeface="Times New Roman" panose="02020603050405020304" pitchFamily="18" charset="0"/>
+                <a:cs typeface="Times New Roman" panose="02020603050405020304" pitchFamily="18" charset="0"/>
+              </a:rPr>
+              <a:t>của</a:t>
+            </a:r>
+            <a:r>
+              <a:rPr lang="en-US" sz="1800" dirty="0">
+                <a:solidFill>
+                  <a:srgbClr val="343A40"/>
+                </a:solidFill>
+                <a:latin typeface="Segoe UI" panose="020B0502040204020203" pitchFamily="34" charset="0"/>
+                <a:ea typeface="Times New Roman" panose="02020603050405020304" pitchFamily="18" charset="0"/>
+                <a:cs typeface="Times New Roman" panose="02020603050405020304" pitchFamily="18" charset="0"/>
+              </a:rPr>
+              <a:t> ASCII.</a:t>
+            </a:r>
+          </a:p>
+          <a:p>
+            <a:pPr algn="just">
+              <a:lnSpc>
+                <a:spcPct val="107000"/>
+              </a:lnSpc>
+              <a:spcAft>
+                <a:spcPts val="800"/>
+              </a:spcAft>
+            </a:pPr>
+            <a:r>
+              <a:rPr lang="vi-VN" sz="1800" dirty="0">
+                <a:solidFill>
+                  <a:srgbClr val="343A40"/>
+                </a:solidFill>
+                <a:latin typeface="Segoe UI" panose="020B0502040204020203" pitchFamily="34" charset="0"/>
+                <a:ea typeface="Times New Roman" panose="02020603050405020304" pitchFamily="18" charset="0"/>
+                <a:cs typeface="Times New Roman" panose="02020603050405020304" pitchFamily="18" charset="0"/>
+              </a:rPr>
+              <a:t>I/O với dòng ký tự không phức tạp hơn I/O với dòng byte. </a:t>
+            </a:r>
+            <a:endParaRPr lang="en-US" sz="1800" dirty="0">
               <a:solidFill>
                 <a:srgbClr val="343A40"/>
               </a:solidFill>
@@ -20591,413 +21055,17 @@
               </a:spcAft>
             </a:pPr>
             <a:r>
-              <a:rPr lang="en-US" sz="1800" dirty="0" err="1" smtClean="0">
-                <a:solidFill>
-                  <a:srgbClr val="343A40"/>
-                </a:solidFill>
-                <a:latin typeface="Segoe UI" panose="020B0502040204020203" pitchFamily="34" charset="0"/>
-                <a:ea typeface="Times New Roman" panose="02020603050405020304" pitchFamily="18" charset="0"/>
-                <a:cs typeface="Times New Roman" panose="02020603050405020304" pitchFamily="18" charset="0"/>
-              </a:rPr>
-              <a:t>Dòng</a:t>
-            </a:r>
-            <a:r>
-              <a:rPr lang="en-US" sz="1800" dirty="0" smtClean="0">
-                <a:solidFill>
-                  <a:srgbClr val="343A40"/>
-                </a:solidFill>
-                <a:latin typeface="Segoe UI" panose="020B0502040204020203" pitchFamily="34" charset="0"/>
-                <a:ea typeface="Times New Roman" panose="02020603050405020304" pitchFamily="18" charset="0"/>
-                <a:cs typeface="Times New Roman" panose="02020603050405020304" pitchFamily="18" charset="0"/>
-              </a:rPr>
-              <a:t> </a:t>
-            </a:r>
-            <a:r>
-              <a:rPr lang="en-US" sz="1800" dirty="0">
-                <a:solidFill>
-                  <a:srgbClr val="343A40"/>
-                </a:solidFill>
-                <a:latin typeface="Segoe UI" panose="020B0502040204020203" pitchFamily="34" charset="0"/>
-                <a:ea typeface="Times New Roman" panose="02020603050405020304" pitchFamily="18" charset="0"/>
-                <a:cs typeface="Times New Roman" panose="02020603050405020304" pitchFamily="18" charset="0"/>
-              </a:rPr>
-              <a:t>I/O </a:t>
-            </a:r>
-            <a:r>
-              <a:rPr lang="en-US" sz="1800" dirty="0" err="1">
-                <a:solidFill>
-                  <a:srgbClr val="343A40"/>
-                </a:solidFill>
-                <a:latin typeface="Segoe UI" panose="020B0502040204020203" pitchFamily="34" charset="0"/>
-                <a:ea typeface="Times New Roman" panose="02020603050405020304" pitchFamily="18" charset="0"/>
-                <a:cs typeface="Times New Roman" panose="02020603050405020304" pitchFamily="18" charset="0"/>
-              </a:rPr>
-              <a:t>ký</a:t>
-            </a:r>
-            <a:r>
-              <a:rPr lang="en-US" sz="1800" dirty="0">
-                <a:solidFill>
-                  <a:srgbClr val="343A40"/>
-                </a:solidFill>
-                <a:latin typeface="Segoe UI" panose="020B0502040204020203" pitchFamily="34" charset="0"/>
-                <a:ea typeface="Times New Roman" panose="02020603050405020304" pitchFamily="18" charset="0"/>
-                <a:cs typeface="Times New Roman" panose="02020603050405020304" pitchFamily="18" charset="0"/>
-              </a:rPr>
-              <a:t> </a:t>
-            </a:r>
-            <a:r>
-              <a:rPr lang="en-US" sz="1800" dirty="0" err="1">
-                <a:solidFill>
-                  <a:srgbClr val="343A40"/>
-                </a:solidFill>
-                <a:latin typeface="Segoe UI" panose="020B0502040204020203" pitchFamily="34" charset="0"/>
-                <a:ea typeface="Times New Roman" panose="02020603050405020304" pitchFamily="18" charset="0"/>
-                <a:cs typeface="Times New Roman" panose="02020603050405020304" pitchFamily="18" charset="0"/>
-              </a:rPr>
-              <a:t>tự</a:t>
-            </a:r>
-            <a:r>
-              <a:rPr lang="en-US" sz="1800" dirty="0">
-                <a:solidFill>
-                  <a:srgbClr val="343A40"/>
-                </a:solidFill>
-                <a:latin typeface="Segoe UI" panose="020B0502040204020203" pitchFamily="34" charset="0"/>
-                <a:ea typeface="Times New Roman" panose="02020603050405020304" pitchFamily="18" charset="0"/>
-                <a:cs typeface="Times New Roman" panose="02020603050405020304" pitchFamily="18" charset="0"/>
-              </a:rPr>
-              <a:t> </a:t>
-            </a:r>
-            <a:r>
-              <a:rPr lang="en-US" sz="1800" dirty="0" err="1">
-                <a:solidFill>
-                  <a:srgbClr val="343A40"/>
-                </a:solidFill>
-                <a:latin typeface="Segoe UI" panose="020B0502040204020203" pitchFamily="34" charset="0"/>
-                <a:ea typeface="Times New Roman" panose="02020603050405020304" pitchFamily="18" charset="0"/>
-                <a:cs typeface="Times New Roman" panose="02020603050405020304" pitchFamily="18" charset="0"/>
-              </a:rPr>
-              <a:t>tự</a:t>
-            </a:r>
-            <a:r>
-              <a:rPr lang="en-US" sz="1800" dirty="0">
-                <a:solidFill>
-                  <a:srgbClr val="343A40"/>
-                </a:solidFill>
-                <a:latin typeface="Segoe UI" panose="020B0502040204020203" pitchFamily="34" charset="0"/>
-                <a:ea typeface="Times New Roman" panose="02020603050405020304" pitchFamily="18" charset="0"/>
-                <a:cs typeface="Times New Roman" panose="02020603050405020304" pitchFamily="18" charset="0"/>
-              </a:rPr>
-              <a:t> </a:t>
-            </a:r>
-            <a:r>
-              <a:rPr lang="en-US" sz="1800" dirty="0" err="1">
-                <a:solidFill>
-                  <a:srgbClr val="343A40"/>
-                </a:solidFill>
-                <a:latin typeface="Segoe UI" panose="020B0502040204020203" pitchFamily="34" charset="0"/>
-                <a:ea typeface="Times New Roman" panose="02020603050405020304" pitchFamily="18" charset="0"/>
-                <a:cs typeface="Times New Roman" panose="02020603050405020304" pitchFamily="18" charset="0"/>
-              </a:rPr>
-              <a:t>động</a:t>
-            </a:r>
-            <a:r>
-              <a:rPr lang="en-US" sz="1800" dirty="0">
-                <a:solidFill>
-                  <a:srgbClr val="343A40"/>
-                </a:solidFill>
-                <a:latin typeface="Segoe UI" panose="020B0502040204020203" pitchFamily="34" charset="0"/>
-                <a:ea typeface="Times New Roman" panose="02020603050405020304" pitchFamily="18" charset="0"/>
-                <a:cs typeface="Times New Roman" panose="02020603050405020304" pitchFamily="18" charset="0"/>
-              </a:rPr>
-              <a:t> </a:t>
-            </a:r>
-            <a:r>
-              <a:rPr lang="en-US" sz="1800" dirty="0" err="1">
-                <a:solidFill>
-                  <a:srgbClr val="343A40"/>
-                </a:solidFill>
-                <a:latin typeface="Segoe UI" panose="020B0502040204020203" pitchFamily="34" charset="0"/>
-                <a:ea typeface="Times New Roman" panose="02020603050405020304" pitchFamily="18" charset="0"/>
-                <a:cs typeface="Times New Roman" panose="02020603050405020304" pitchFamily="18" charset="0"/>
-              </a:rPr>
-              <a:t>dịch</a:t>
-            </a:r>
-            <a:r>
-              <a:rPr lang="en-US" sz="1800" dirty="0">
-                <a:solidFill>
-                  <a:srgbClr val="343A40"/>
-                </a:solidFill>
-                <a:latin typeface="Segoe UI" panose="020B0502040204020203" pitchFamily="34" charset="0"/>
-                <a:ea typeface="Times New Roman" panose="02020603050405020304" pitchFamily="18" charset="0"/>
-                <a:cs typeface="Times New Roman" panose="02020603050405020304" pitchFamily="18" charset="0"/>
-              </a:rPr>
-              <a:t> </a:t>
-            </a:r>
-            <a:r>
-              <a:rPr lang="en-US" sz="1800" dirty="0" err="1">
-                <a:solidFill>
-                  <a:srgbClr val="343A40"/>
-                </a:solidFill>
-                <a:latin typeface="Segoe UI" panose="020B0502040204020203" pitchFamily="34" charset="0"/>
-                <a:ea typeface="Times New Roman" panose="02020603050405020304" pitchFamily="18" charset="0"/>
-                <a:cs typeface="Times New Roman" panose="02020603050405020304" pitchFamily="18" charset="0"/>
-              </a:rPr>
-              <a:t>định</a:t>
-            </a:r>
-            <a:r>
-              <a:rPr lang="en-US" sz="1800" dirty="0">
-                <a:solidFill>
-                  <a:srgbClr val="343A40"/>
-                </a:solidFill>
-                <a:latin typeface="Segoe UI" panose="020B0502040204020203" pitchFamily="34" charset="0"/>
-                <a:ea typeface="Times New Roman" panose="02020603050405020304" pitchFamily="18" charset="0"/>
-                <a:cs typeface="Times New Roman" panose="02020603050405020304" pitchFamily="18" charset="0"/>
-              </a:rPr>
-              <a:t> </a:t>
-            </a:r>
-            <a:r>
-              <a:rPr lang="en-US" sz="1800" dirty="0" err="1">
-                <a:solidFill>
-                  <a:srgbClr val="343A40"/>
-                </a:solidFill>
-                <a:latin typeface="Segoe UI" panose="020B0502040204020203" pitchFamily="34" charset="0"/>
-                <a:ea typeface="Times New Roman" panose="02020603050405020304" pitchFamily="18" charset="0"/>
-                <a:cs typeface="Times New Roman" panose="02020603050405020304" pitchFamily="18" charset="0"/>
-              </a:rPr>
-              <a:t>dạng</a:t>
-            </a:r>
-            <a:r>
-              <a:rPr lang="en-US" sz="1800" dirty="0">
-                <a:solidFill>
-                  <a:srgbClr val="343A40"/>
-                </a:solidFill>
-                <a:latin typeface="Segoe UI" panose="020B0502040204020203" pitchFamily="34" charset="0"/>
-                <a:ea typeface="Times New Roman" panose="02020603050405020304" pitchFamily="18" charset="0"/>
-                <a:cs typeface="Times New Roman" panose="02020603050405020304" pitchFamily="18" charset="0"/>
-              </a:rPr>
-              <a:t> </a:t>
-            </a:r>
-            <a:r>
-              <a:rPr lang="en-US" sz="1800" dirty="0" err="1">
-                <a:solidFill>
-                  <a:srgbClr val="343A40"/>
-                </a:solidFill>
-                <a:latin typeface="Segoe UI" panose="020B0502040204020203" pitchFamily="34" charset="0"/>
-                <a:ea typeface="Times New Roman" panose="02020603050405020304" pitchFamily="18" charset="0"/>
-                <a:cs typeface="Times New Roman" panose="02020603050405020304" pitchFamily="18" charset="0"/>
-              </a:rPr>
-              <a:t>bên</a:t>
-            </a:r>
-            <a:r>
-              <a:rPr lang="en-US" sz="1800" dirty="0">
-                <a:solidFill>
-                  <a:srgbClr val="343A40"/>
-                </a:solidFill>
-                <a:latin typeface="Segoe UI" panose="020B0502040204020203" pitchFamily="34" charset="0"/>
-                <a:ea typeface="Times New Roman" panose="02020603050405020304" pitchFamily="18" charset="0"/>
-                <a:cs typeface="Times New Roman" panose="02020603050405020304" pitchFamily="18" charset="0"/>
-              </a:rPr>
-              <a:t> </a:t>
-            </a:r>
-            <a:r>
-              <a:rPr lang="en-US" sz="1800" dirty="0" err="1">
-                <a:solidFill>
-                  <a:srgbClr val="343A40"/>
-                </a:solidFill>
-                <a:latin typeface="Segoe UI" panose="020B0502040204020203" pitchFamily="34" charset="0"/>
-                <a:ea typeface="Times New Roman" panose="02020603050405020304" pitchFamily="18" charset="0"/>
-                <a:cs typeface="Times New Roman" panose="02020603050405020304" pitchFamily="18" charset="0"/>
-              </a:rPr>
-              <a:t>trong</a:t>
-            </a:r>
-            <a:r>
-              <a:rPr lang="en-US" sz="1800" dirty="0">
-                <a:solidFill>
-                  <a:srgbClr val="343A40"/>
-                </a:solidFill>
-                <a:latin typeface="Segoe UI" panose="020B0502040204020203" pitchFamily="34" charset="0"/>
-                <a:ea typeface="Times New Roman" panose="02020603050405020304" pitchFamily="18" charset="0"/>
-                <a:cs typeface="Times New Roman" panose="02020603050405020304" pitchFamily="18" charset="0"/>
-              </a:rPr>
-              <a:t> </a:t>
-            </a:r>
-            <a:r>
-              <a:rPr lang="en-US" sz="1800" dirty="0" err="1">
-                <a:solidFill>
-                  <a:srgbClr val="343A40"/>
-                </a:solidFill>
-                <a:latin typeface="Segoe UI" panose="020B0502040204020203" pitchFamily="34" charset="0"/>
-                <a:ea typeface="Times New Roman" panose="02020603050405020304" pitchFamily="18" charset="0"/>
-                <a:cs typeface="Times New Roman" panose="02020603050405020304" pitchFamily="18" charset="0"/>
-              </a:rPr>
-              <a:t>này</a:t>
-            </a:r>
-            <a:r>
-              <a:rPr lang="en-US" sz="1800" dirty="0">
-                <a:solidFill>
-                  <a:srgbClr val="343A40"/>
-                </a:solidFill>
-                <a:latin typeface="Segoe UI" panose="020B0502040204020203" pitchFamily="34" charset="0"/>
-                <a:ea typeface="Times New Roman" panose="02020603050405020304" pitchFamily="18" charset="0"/>
-                <a:cs typeface="Times New Roman" panose="02020603050405020304" pitchFamily="18" charset="0"/>
-              </a:rPr>
-              <a:t> qua </a:t>
-            </a:r>
-            <a:r>
-              <a:rPr lang="en-US" sz="1800" dirty="0" err="1">
-                <a:solidFill>
-                  <a:srgbClr val="343A40"/>
-                </a:solidFill>
-                <a:latin typeface="Segoe UI" panose="020B0502040204020203" pitchFamily="34" charset="0"/>
-                <a:ea typeface="Times New Roman" panose="02020603050405020304" pitchFamily="18" charset="0"/>
-                <a:cs typeface="Times New Roman" panose="02020603050405020304" pitchFamily="18" charset="0"/>
-              </a:rPr>
-              <a:t>lại</a:t>
-            </a:r>
-            <a:r>
-              <a:rPr lang="en-US" sz="1800" dirty="0">
-                <a:solidFill>
-                  <a:srgbClr val="343A40"/>
-                </a:solidFill>
-                <a:latin typeface="Segoe UI" panose="020B0502040204020203" pitchFamily="34" charset="0"/>
-                <a:ea typeface="Times New Roman" panose="02020603050405020304" pitchFamily="18" charset="0"/>
-                <a:cs typeface="Times New Roman" panose="02020603050405020304" pitchFamily="18" charset="0"/>
-              </a:rPr>
-              <a:t> </a:t>
-            </a:r>
-            <a:r>
-              <a:rPr lang="en-US" sz="1800" dirty="0" err="1">
-                <a:solidFill>
-                  <a:srgbClr val="343A40"/>
-                </a:solidFill>
-                <a:latin typeface="Segoe UI" panose="020B0502040204020203" pitchFamily="34" charset="0"/>
-                <a:ea typeface="Times New Roman" panose="02020603050405020304" pitchFamily="18" charset="0"/>
-                <a:cs typeface="Times New Roman" panose="02020603050405020304" pitchFamily="18" charset="0"/>
-              </a:rPr>
-              <a:t>với</a:t>
-            </a:r>
-            <a:r>
-              <a:rPr lang="en-US" sz="1800" dirty="0">
-                <a:solidFill>
-                  <a:srgbClr val="343A40"/>
-                </a:solidFill>
-                <a:latin typeface="Segoe UI" panose="020B0502040204020203" pitchFamily="34" charset="0"/>
-                <a:ea typeface="Times New Roman" panose="02020603050405020304" pitchFamily="18" charset="0"/>
-                <a:cs typeface="Times New Roman" panose="02020603050405020304" pitchFamily="18" charset="0"/>
-              </a:rPr>
-              <a:t> </a:t>
-            </a:r>
-            <a:r>
-              <a:rPr lang="en-US" sz="1800" dirty="0" err="1">
-                <a:solidFill>
-                  <a:srgbClr val="343A40"/>
-                </a:solidFill>
-                <a:latin typeface="Segoe UI" panose="020B0502040204020203" pitchFamily="34" charset="0"/>
-                <a:ea typeface="Times New Roman" panose="02020603050405020304" pitchFamily="18" charset="0"/>
-                <a:cs typeface="Times New Roman" panose="02020603050405020304" pitchFamily="18" charset="0"/>
-              </a:rPr>
-              <a:t>bộ</a:t>
-            </a:r>
-            <a:r>
-              <a:rPr lang="en-US" sz="1800" dirty="0">
-                <a:solidFill>
-                  <a:srgbClr val="343A40"/>
-                </a:solidFill>
-                <a:latin typeface="Segoe UI" panose="020B0502040204020203" pitchFamily="34" charset="0"/>
-                <a:ea typeface="Times New Roman" panose="02020603050405020304" pitchFamily="18" charset="0"/>
-                <a:cs typeface="Times New Roman" panose="02020603050405020304" pitchFamily="18" charset="0"/>
-              </a:rPr>
-              <a:t> </a:t>
-            </a:r>
-            <a:r>
-              <a:rPr lang="en-US" sz="1800" dirty="0" err="1">
-                <a:solidFill>
-                  <a:srgbClr val="343A40"/>
-                </a:solidFill>
-                <a:latin typeface="Segoe UI" panose="020B0502040204020203" pitchFamily="34" charset="0"/>
-                <a:ea typeface="Times New Roman" panose="02020603050405020304" pitchFamily="18" charset="0"/>
-                <a:cs typeface="Times New Roman" panose="02020603050405020304" pitchFamily="18" charset="0"/>
-              </a:rPr>
-              <a:t>ký</a:t>
-            </a:r>
-            <a:r>
-              <a:rPr lang="en-US" sz="1800" dirty="0">
-                <a:solidFill>
-                  <a:srgbClr val="343A40"/>
-                </a:solidFill>
-                <a:latin typeface="Segoe UI" panose="020B0502040204020203" pitchFamily="34" charset="0"/>
-                <a:ea typeface="Times New Roman" panose="02020603050405020304" pitchFamily="18" charset="0"/>
-                <a:cs typeface="Times New Roman" panose="02020603050405020304" pitchFamily="18" charset="0"/>
-              </a:rPr>
-              <a:t> </a:t>
-            </a:r>
-            <a:r>
-              <a:rPr lang="en-US" sz="1800" dirty="0" err="1">
-                <a:solidFill>
-                  <a:srgbClr val="343A40"/>
-                </a:solidFill>
-                <a:latin typeface="Segoe UI" panose="020B0502040204020203" pitchFamily="34" charset="0"/>
-                <a:ea typeface="Times New Roman" panose="02020603050405020304" pitchFamily="18" charset="0"/>
-                <a:cs typeface="Times New Roman" panose="02020603050405020304" pitchFamily="18" charset="0"/>
-              </a:rPr>
-              <a:t>tự</a:t>
-            </a:r>
-            <a:r>
-              <a:rPr lang="en-US" sz="1800" dirty="0">
-                <a:solidFill>
-                  <a:srgbClr val="343A40"/>
-                </a:solidFill>
-                <a:latin typeface="Segoe UI" panose="020B0502040204020203" pitchFamily="34" charset="0"/>
-                <a:ea typeface="Times New Roman" panose="02020603050405020304" pitchFamily="18" charset="0"/>
-                <a:cs typeface="Times New Roman" panose="02020603050405020304" pitchFamily="18" charset="0"/>
-              </a:rPr>
-              <a:t> </a:t>
-            </a:r>
-            <a:r>
-              <a:rPr lang="en-US" sz="1800" dirty="0" err="1">
-                <a:solidFill>
-                  <a:srgbClr val="343A40"/>
-                </a:solidFill>
-                <a:latin typeface="Segoe UI" panose="020B0502040204020203" pitchFamily="34" charset="0"/>
-                <a:ea typeface="Times New Roman" panose="02020603050405020304" pitchFamily="18" charset="0"/>
-                <a:cs typeface="Times New Roman" panose="02020603050405020304" pitchFamily="18" charset="0"/>
-              </a:rPr>
-              <a:t>cục</a:t>
-            </a:r>
-            <a:r>
-              <a:rPr lang="en-US" sz="1800" dirty="0">
-                <a:solidFill>
-                  <a:srgbClr val="343A40"/>
-                </a:solidFill>
-                <a:latin typeface="Segoe UI" panose="020B0502040204020203" pitchFamily="34" charset="0"/>
-                <a:ea typeface="Times New Roman" panose="02020603050405020304" pitchFamily="18" charset="0"/>
-                <a:cs typeface="Times New Roman" panose="02020603050405020304" pitchFamily="18" charset="0"/>
-              </a:rPr>
-              <a:t> </a:t>
-            </a:r>
-            <a:r>
-              <a:rPr lang="en-US" sz="1800" dirty="0" err="1">
-                <a:solidFill>
-                  <a:srgbClr val="343A40"/>
-                </a:solidFill>
-                <a:latin typeface="Segoe UI" panose="020B0502040204020203" pitchFamily="34" charset="0"/>
-                <a:ea typeface="Times New Roman" panose="02020603050405020304" pitchFamily="18" charset="0"/>
-                <a:cs typeface="Times New Roman" panose="02020603050405020304" pitchFamily="18" charset="0"/>
-              </a:rPr>
-              <a:t>bộ</a:t>
-            </a:r>
-            <a:r>
-              <a:rPr lang="en-US" sz="1800" dirty="0">
-                <a:solidFill>
-                  <a:srgbClr val="343A40"/>
-                </a:solidFill>
-                <a:latin typeface="Segoe UI" panose="020B0502040204020203" pitchFamily="34" charset="0"/>
-                <a:ea typeface="Times New Roman" panose="02020603050405020304" pitchFamily="18" charset="0"/>
-                <a:cs typeface="Times New Roman" panose="02020603050405020304" pitchFamily="18" charset="0"/>
-              </a:rPr>
-              <a:t>. </a:t>
-            </a:r>
-            <a:endParaRPr lang="en-US" sz="1800" dirty="0" smtClean="0">
+              <a:rPr lang="vi-VN" sz="1800" dirty="0">
+                <a:solidFill>
+                  <a:srgbClr val="343A40"/>
+                </a:solidFill>
+                <a:latin typeface="Segoe UI" panose="020B0502040204020203" pitchFamily="34" charset="0"/>
+                <a:ea typeface="Times New Roman" panose="02020603050405020304" pitchFamily="18" charset="0"/>
+                <a:cs typeface="Times New Roman" panose="02020603050405020304" pitchFamily="18" charset="0"/>
+              </a:rPr>
+              <a:t>Đầu vào và đầu ra được thực hiện với các lớp dòng ký tự sẽ tự động dịch qua lại với bộ ký tự cục bộ. </a:t>
+            </a:r>
+            <a:endParaRPr lang="en-US" sz="1800" dirty="0">
               <a:solidFill>
                 <a:srgbClr val="343A40"/>
               </a:solidFill>
@@ -21016,383 +21084,18 @@
               </a:spcAft>
             </a:pPr>
             <a:r>
-              <a:rPr lang="en-US" sz="1800" dirty="0" err="1" smtClean="0">
-                <a:solidFill>
-                  <a:srgbClr val="343A40"/>
-                </a:solidFill>
-                <a:latin typeface="Segoe UI" panose="020B0502040204020203" pitchFamily="34" charset="0"/>
-                <a:ea typeface="Times New Roman" panose="02020603050405020304" pitchFamily="18" charset="0"/>
-                <a:cs typeface="Times New Roman" panose="02020603050405020304" pitchFamily="18" charset="0"/>
-              </a:rPr>
-              <a:t>Bộ</a:t>
-            </a:r>
-            <a:r>
-              <a:rPr lang="en-US" sz="1800" dirty="0" smtClean="0">
-                <a:solidFill>
-                  <a:srgbClr val="343A40"/>
-                </a:solidFill>
-                <a:latin typeface="Segoe UI" panose="020B0502040204020203" pitchFamily="34" charset="0"/>
-                <a:ea typeface="Times New Roman" panose="02020603050405020304" pitchFamily="18" charset="0"/>
-                <a:cs typeface="Times New Roman" panose="02020603050405020304" pitchFamily="18" charset="0"/>
-              </a:rPr>
-              <a:t> </a:t>
-            </a:r>
-            <a:r>
-              <a:rPr lang="en-US" sz="1800" dirty="0" err="1">
-                <a:solidFill>
-                  <a:srgbClr val="343A40"/>
-                </a:solidFill>
-                <a:latin typeface="Segoe UI" panose="020B0502040204020203" pitchFamily="34" charset="0"/>
-                <a:ea typeface="Times New Roman" panose="02020603050405020304" pitchFamily="18" charset="0"/>
-                <a:cs typeface="Times New Roman" panose="02020603050405020304" pitchFamily="18" charset="0"/>
-              </a:rPr>
-              <a:t>ký</a:t>
+              <a:rPr lang="vi-VN" sz="1800" dirty="0">
+                <a:solidFill>
+                  <a:srgbClr val="343A40"/>
+                </a:solidFill>
+                <a:latin typeface="Segoe UI" panose="020B0502040204020203" pitchFamily="34" charset="0"/>
+                <a:ea typeface="Times New Roman" panose="02020603050405020304" pitchFamily="18" charset="0"/>
+                <a:cs typeface="Times New Roman" panose="02020603050405020304" pitchFamily="18" charset="0"/>
+              </a:rPr>
+              <a:t>Một chương trình sử dụng các dòng ký tự thay cho các dòng byte sẽ tự động thích ứng với bộ ký tự cục bộ</a:t>
             </a:r>
             <a:r>
               <a:rPr lang="en-US" sz="1800" dirty="0">
-                <a:solidFill>
-                  <a:srgbClr val="343A40"/>
-                </a:solidFill>
-                <a:latin typeface="Segoe UI" panose="020B0502040204020203" pitchFamily="34" charset="0"/>
-                <a:ea typeface="Times New Roman" panose="02020603050405020304" pitchFamily="18" charset="0"/>
-                <a:cs typeface="Times New Roman" panose="02020603050405020304" pitchFamily="18" charset="0"/>
-              </a:rPr>
-              <a:t> </a:t>
-            </a:r>
-            <a:r>
-              <a:rPr lang="en-US" sz="1800" dirty="0" err="1">
-                <a:solidFill>
-                  <a:srgbClr val="343A40"/>
-                </a:solidFill>
-                <a:latin typeface="Segoe UI" panose="020B0502040204020203" pitchFamily="34" charset="0"/>
-                <a:ea typeface="Times New Roman" panose="02020603050405020304" pitchFamily="18" charset="0"/>
-                <a:cs typeface="Times New Roman" panose="02020603050405020304" pitchFamily="18" charset="0"/>
-              </a:rPr>
-              <a:t>tự</a:t>
-            </a:r>
-            <a:r>
-              <a:rPr lang="en-US" sz="1800" dirty="0">
-                <a:solidFill>
-                  <a:srgbClr val="343A40"/>
-                </a:solidFill>
-                <a:latin typeface="Segoe UI" panose="020B0502040204020203" pitchFamily="34" charset="0"/>
-                <a:ea typeface="Times New Roman" panose="02020603050405020304" pitchFamily="18" charset="0"/>
-                <a:cs typeface="Times New Roman" panose="02020603050405020304" pitchFamily="18" charset="0"/>
-              </a:rPr>
-              <a:t> </a:t>
-            </a:r>
-            <a:r>
-              <a:rPr lang="en-US" sz="1800" dirty="0" err="1">
-                <a:solidFill>
-                  <a:srgbClr val="343A40"/>
-                </a:solidFill>
-                <a:latin typeface="Segoe UI" panose="020B0502040204020203" pitchFamily="34" charset="0"/>
-                <a:ea typeface="Times New Roman" panose="02020603050405020304" pitchFamily="18" charset="0"/>
-                <a:cs typeface="Times New Roman" panose="02020603050405020304" pitchFamily="18" charset="0"/>
-              </a:rPr>
-              <a:t>cục</a:t>
-            </a:r>
-            <a:r>
-              <a:rPr lang="en-US" sz="1800" dirty="0">
-                <a:solidFill>
-                  <a:srgbClr val="343A40"/>
-                </a:solidFill>
-                <a:latin typeface="Segoe UI" panose="020B0502040204020203" pitchFamily="34" charset="0"/>
-                <a:ea typeface="Times New Roman" panose="02020603050405020304" pitchFamily="18" charset="0"/>
-                <a:cs typeface="Times New Roman" panose="02020603050405020304" pitchFamily="18" charset="0"/>
-              </a:rPr>
-              <a:t> </a:t>
-            </a:r>
-            <a:r>
-              <a:rPr lang="en-US" sz="1800" dirty="0" err="1">
-                <a:solidFill>
-                  <a:srgbClr val="343A40"/>
-                </a:solidFill>
-                <a:latin typeface="Segoe UI" panose="020B0502040204020203" pitchFamily="34" charset="0"/>
-                <a:ea typeface="Times New Roman" panose="02020603050405020304" pitchFamily="18" charset="0"/>
-                <a:cs typeface="Times New Roman" panose="02020603050405020304" pitchFamily="18" charset="0"/>
-              </a:rPr>
-              <a:t>bộ</a:t>
-            </a:r>
-            <a:r>
-              <a:rPr lang="en-US" sz="1800" dirty="0">
-                <a:solidFill>
-                  <a:srgbClr val="343A40"/>
-                </a:solidFill>
-                <a:latin typeface="Segoe UI" panose="020B0502040204020203" pitchFamily="34" charset="0"/>
-                <a:ea typeface="Times New Roman" panose="02020603050405020304" pitchFamily="18" charset="0"/>
-                <a:cs typeface="Times New Roman" panose="02020603050405020304" pitchFamily="18" charset="0"/>
-              </a:rPr>
-              <a:t> </a:t>
-            </a:r>
-            <a:r>
-              <a:rPr lang="en-US" sz="1800" dirty="0" err="1">
-                <a:solidFill>
-                  <a:srgbClr val="343A40"/>
-                </a:solidFill>
-                <a:latin typeface="Segoe UI" panose="020B0502040204020203" pitchFamily="34" charset="0"/>
-                <a:ea typeface="Times New Roman" panose="02020603050405020304" pitchFamily="18" charset="0"/>
-                <a:cs typeface="Times New Roman" panose="02020603050405020304" pitchFamily="18" charset="0"/>
-              </a:rPr>
-              <a:t>thường</a:t>
-            </a:r>
-            <a:r>
-              <a:rPr lang="en-US" sz="1800" dirty="0">
-                <a:solidFill>
-                  <a:srgbClr val="343A40"/>
-                </a:solidFill>
-                <a:latin typeface="Segoe UI" panose="020B0502040204020203" pitchFamily="34" charset="0"/>
-                <a:ea typeface="Times New Roman" panose="02020603050405020304" pitchFamily="18" charset="0"/>
-                <a:cs typeface="Times New Roman" panose="02020603050405020304" pitchFamily="18" charset="0"/>
-              </a:rPr>
-              <a:t> </a:t>
-            </a:r>
-            <a:r>
-              <a:rPr lang="en-US" sz="1800" dirty="0" err="1">
-                <a:solidFill>
-                  <a:srgbClr val="343A40"/>
-                </a:solidFill>
-                <a:latin typeface="Segoe UI" panose="020B0502040204020203" pitchFamily="34" charset="0"/>
-                <a:ea typeface="Times New Roman" panose="02020603050405020304" pitchFamily="18" charset="0"/>
-                <a:cs typeface="Times New Roman" panose="02020603050405020304" pitchFamily="18" charset="0"/>
-              </a:rPr>
-              <a:t>là</a:t>
-            </a:r>
-            <a:r>
-              <a:rPr lang="en-US" sz="1800" dirty="0">
-                <a:solidFill>
-                  <a:srgbClr val="343A40"/>
-                </a:solidFill>
-                <a:latin typeface="Segoe UI" panose="020B0502040204020203" pitchFamily="34" charset="0"/>
-                <a:ea typeface="Times New Roman" panose="02020603050405020304" pitchFamily="18" charset="0"/>
-                <a:cs typeface="Times New Roman" panose="02020603050405020304" pitchFamily="18" charset="0"/>
-              </a:rPr>
-              <a:t> </a:t>
-            </a:r>
-            <a:r>
-              <a:rPr lang="en-US" sz="1800" dirty="0" err="1">
-                <a:solidFill>
-                  <a:srgbClr val="343A40"/>
-                </a:solidFill>
-                <a:latin typeface="Segoe UI" panose="020B0502040204020203" pitchFamily="34" charset="0"/>
-                <a:ea typeface="Times New Roman" panose="02020603050405020304" pitchFamily="18" charset="0"/>
-                <a:cs typeface="Times New Roman" panose="02020603050405020304" pitchFamily="18" charset="0"/>
-              </a:rPr>
-              <a:t>bộ</a:t>
-            </a:r>
-            <a:r>
-              <a:rPr lang="en-US" sz="1800" dirty="0">
-                <a:solidFill>
-                  <a:srgbClr val="343A40"/>
-                </a:solidFill>
-                <a:latin typeface="Segoe UI" panose="020B0502040204020203" pitchFamily="34" charset="0"/>
-                <a:ea typeface="Times New Roman" panose="02020603050405020304" pitchFamily="18" charset="0"/>
-                <a:cs typeface="Times New Roman" panose="02020603050405020304" pitchFamily="18" charset="0"/>
-              </a:rPr>
-              <a:t> </a:t>
-            </a:r>
-            <a:r>
-              <a:rPr lang="en-US" sz="1800" dirty="0" err="1">
-                <a:solidFill>
-                  <a:srgbClr val="343A40"/>
-                </a:solidFill>
-                <a:latin typeface="Segoe UI" panose="020B0502040204020203" pitchFamily="34" charset="0"/>
-                <a:ea typeface="Times New Roman" panose="02020603050405020304" pitchFamily="18" charset="0"/>
-                <a:cs typeface="Times New Roman" panose="02020603050405020304" pitchFamily="18" charset="0"/>
-              </a:rPr>
-              <a:t>ký</a:t>
-            </a:r>
-            <a:r>
-              <a:rPr lang="en-US" sz="1800" dirty="0">
-                <a:solidFill>
-                  <a:srgbClr val="343A40"/>
-                </a:solidFill>
-                <a:latin typeface="Segoe UI" panose="020B0502040204020203" pitchFamily="34" charset="0"/>
-                <a:ea typeface="Times New Roman" panose="02020603050405020304" pitchFamily="18" charset="0"/>
-                <a:cs typeface="Times New Roman" panose="02020603050405020304" pitchFamily="18" charset="0"/>
-              </a:rPr>
-              <a:t> </a:t>
-            </a:r>
-            <a:r>
-              <a:rPr lang="en-US" sz="1800" dirty="0" err="1">
-                <a:solidFill>
-                  <a:srgbClr val="343A40"/>
-                </a:solidFill>
-                <a:latin typeface="Segoe UI" panose="020B0502040204020203" pitchFamily="34" charset="0"/>
-                <a:ea typeface="Times New Roman" panose="02020603050405020304" pitchFamily="18" charset="0"/>
-                <a:cs typeface="Times New Roman" panose="02020603050405020304" pitchFamily="18" charset="0"/>
-              </a:rPr>
-              <a:t>tự</a:t>
-            </a:r>
-            <a:r>
-              <a:rPr lang="en-US" sz="1800" dirty="0">
-                <a:solidFill>
-                  <a:srgbClr val="343A40"/>
-                </a:solidFill>
-                <a:latin typeface="Segoe UI" panose="020B0502040204020203" pitchFamily="34" charset="0"/>
-                <a:ea typeface="Times New Roman" panose="02020603050405020304" pitchFamily="18" charset="0"/>
-                <a:cs typeface="Times New Roman" panose="02020603050405020304" pitchFamily="18" charset="0"/>
-              </a:rPr>
-              <a:t> 8 bit </a:t>
-            </a:r>
-            <a:r>
-              <a:rPr lang="en-US" sz="1800" dirty="0" err="1">
-                <a:solidFill>
-                  <a:srgbClr val="343A40"/>
-                </a:solidFill>
-                <a:latin typeface="Segoe UI" panose="020B0502040204020203" pitchFamily="34" charset="0"/>
-                <a:ea typeface="Times New Roman" panose="02020603050405020304" pitchFamily="18" charset="0"/>
-                <a:cs typeface="Times New Roman" panose="02020603050405020304" pitchFamily="18" charset="0"/>
-              </a:rPr>
-              <a:t>của</a:t>
-            </a:r>
-            <a:r>
-              <a:rPr lang="en-US" sz="1800" dirty="0">
-                <a:solidFill>
-                  <a:srgbClr val="343A40"/>
-                </a:solidFill>
-                <a:latin typeface="Segoe UI" panose="020B0502040204020203" pitchFamily="34" charset="0"/>
-                <a:ea typeface="Times New Roman" panose="02020603050405020304" pitchFamily="18" charset="0"/>
-                <a:cs typeface="Times New Roman" panose="02020603050405020304" pitchFamily="18" charset="0"/>
-              </a:rPr>
-              <a:t> ASCII</a:t>
-            </a:r>
-            <a:r>
-              <a:rPr lang="en-US" sz="1800" dirty="0" smtClean="0">
-                <a:solidFill>
-                  <a:srgbClr val="343A40"/>
-                </a:solidFill>
-                <a:latin typeface="Segoe UI" panose="020B0502040204020203" pitchFamily="34" charset="0"/>
-                <a:ea typeface="Times New Roman" panose="02020603050405020304" pitchFamily="18" charset="0"/>
-                <a:cs typeface="Times New Roman" panose="02020603050405020304" pitchFamily="18" charset="0"/>
-              </a:rPr>
-              <a:t>.</a:t>
-            </a:r>
-          </a:p>
-          <a:p>
-            <a:pPr algn="just">
-              <a:lnSpc>
-                <a:spcPct val="107000"/>
-              </a:lnSpc>
-              <a:spcAft>
-                <a:spcPts val="800"/>
-              </a:spcAft>
-            </a:pPr>
-            <a:r>
-              <a:rPr lang="vi-VN" sz="1800" dirty="0" smtClean="0">
-                <a:solidFill>
-                  <a:srgbClr val="343A40"/>
-                </a:solidFill>
-                <a:latin typeface="Segoe UI" panose="020B0502040204020203" pitchFamily="34" charset="0"/>
-                <a:ea typeface="Times New Roman" panose="02020603050405020304" pitchFamily="18" charset="0"/>
-                <a:cs typeface="Times New Roman" panose="02020603050405020304" pitchFamily="18" charset="0"/>
-              </a:rPr>
-              <a:t>I/O </a:t>
-            </a:r>
-            <a:r>
-              <a:rPr lang="vi-VN" sz="1800" dirty="0">
-                <a:solidFill>
-                  <a:srgbClr val="343A40"/>
-                </a:solidFill>
-                <a:latin typeface="Segoe UI" panose="020B0502040204020203" pitchFamily="34" charset="0"/>
-                <a:ea typeface="Times New Roman" panose="02020603050405020304" pitchFamily="18" charset="0"/>
-                <a:cs typeface="Times New Roman" panose="02020603050405020304" pitchFamily="18" charset="0"/>
-              </a:rPr>
-              <a:t>với dòng ký tự không phức tạp hơn I/O với dòng byte. </a:t>
-            </a:r>
-            <a:endParaRPr lang="en-US" sz="1800" dirty="0" smtClean="0">
-              <a:solidFill>
-                <a:srgbClr val="343A40"/>
-              </a:solidFill>
-              <a:latin typeface="Segoe UI" panose="020B0502040204020203" pitchFamily="34" charset="0"/>
-              <a:ea typeface="Times New Roman" panose="02020603050405020304" pitchFamily="18" charset="0"/>
-              <a:cs typeface="Times New Roman" panose="02020603050405020304" pitchFamily="18" charset="0"/>
-            </a:endParaRPr>
-          </a:p>
-          <a:p>
-            <a:pPr algn="just">
-              <a:lnSpc>
-                <a:spcPct val="107000"/>
-              </a:lnSpc>
-              <a:spcAft>
-                <a:spcPts val="800"/>
-              </a:spcAft>
-            </a:pPr>
-            <a:r>
-              <a:rPr lang="vi-VN" sz="1800" dirty="0" smtClean="0">
-                <a:solidFill>
-                  <a:srgbClr val="343A40"/>
-                </a:solidFill>
-                <a:latin typeface="Segoe UI" panose="020B0502040204020203" pitchFamily="34" charset="0"/>
-                <a:ea typeface="Times New Roman" panose="02020603050405020304" pitchFamily="18" charset="0"/>
-                <a:cs typeface="Times New Roman" panose="02020603050405020304" pitchFamily="18" charset="0"/>
-              </a:rPr>
-              <a:t>Đầu </a:t>
-            </a:r>
-            <a:r>
-              <a:rPr lang="vi-VN" sz="1800" dirty="0">
-                <a:solidFill>
-                  <a:srgbClr val="343A40"/>
-                </a:solidFill>
-                <a:latin typeface="Segoe UI" panose="020B0502040204020203" pitchFamily="34" charset="0"/>
-                <a:ea typeface="Times New Roman" panose="02020603050405020304" pitchFamily="18" charset="0"/>
-                <a:cs typeface="Times New Roman" panose="02020603050405020304" pitchFamily="18" charset="0"/>
-              </a:rPr>
-              <a:t>vào và đầu ra được thực hiện với các lớp dòng ký tự sẽ tự động dịch qua lại với bộ ký tự cục bộ. </a:t>
-            </a:r>
-            <a:endParaRPr lang="en-US" sz="1800" dirty="0" smtClean="0">
-              <a:solidFill>
-                <a:srgbClr val="343A40"/>
-              </a:solidFill>
-              <a:latin typeface="Segoe UI" panose="020B0502040204020203" pitchFamily="34" charset="0"/>
-              <a:ea typeface="Times New Roman" panose="02020603050405020304" pitchFamily="18" charset="0"/>
-              <a:cs typeface="Times New Roman" panose="02020603050405020304" pitchFamily="18" charset="0"/>
-            </a:endParaRPr>
-          </a:p>
-          <a:p>
-            <a:pPr algn="just">
-              <a:lnSpc>
-                <a:spcPct val="107000"/>
-              </a:lnSpc>
-              <a:spcAft>
-                <a:spcPts val="800"/>
-              </a:spcAft>
-            </a:pPr>
-            <a:r>
-              <a:rPr lang="vi-VN" sz="1800" dirty="0" smtClean="0">
-                <a:solidFill>
-                  <a:srgbClr val="343A40"/>
-                </a:solidFill>
-                <a:latin typeface="Segoe UI" panose="020B0502040204020203" pitchFamily="34" charset="0"/>
-                <a:ea typeface="Times New Roman" panose="02020603050405020304" pitchFamily="18" charset="0"/>
-                <a:cs typeface="Times New Roman" panose="02020603050405020304" pitchFamily="18" charset="0"/>
-              </a:rPr>
-              <a:t>Một </a:t>
-            </a:r>
-            <a:r>
-              <a:rPr lang="vi-VN" sz="1800" dirty="0">
-                <a:solidFill>
-                  <a:srgbClr val="343A40"/>
-                </a:solidFill>
-                <a:latin typeface="Segoe UI" panose="020B0502040204020203" pitchFamily="34" charset="0"/>
-                <a:ea typeface="Times New Roman" panose="02020603050405020304" pitchFamily="18" charset="0"/>
-                <a:cs typeface="Times New Roman" panose="02020603050405020304" pitchFamily="18" charset="0"/>
-              </a:rPr>
-              <a:t>chương trình sử dụng các dòng ký tự thay cho các dòng byte sẽ tự động thích ứng với bộ ký tự cục </a:t>
-            </a:r>
-            <a:r>
-              <a:rPr lang="vi-VN" sz="1800" dirty="0" smtClean="0">
-                <a:solidFill>
-                  <a:srgbClr val="343A40"/>
-                </a:solidFill>
-                <a:latin typeface="Segoe UI" panose="020B0502040204020203" pitchFamily="34" charset="0"/>
-                <a:ea typeface="Times New Roman" panose="02020603050405020304" pitchFamily="18" charset="0"/>
-                <a:cs typeface="Times New Roman" panose="02020603050405020304" pitchFamily="18" charset="0"/>
-              </a:rPr>
-              <a:t>bộ</a:t>
-            </a:r>
-            <a:r>
-              <a:rPr lang="en-US" sz="1800" dirty="0" smtClean="0">
                 <a:solidFill>
                   <a:srgbClr val="343A40"/>
                 </a:solidFill>
@@ -21421,13 +21124,6 @@
   <p:clrMapOvr>
     <a:masterClrMapping/>
   </p:clrMapOvr>
-  <p:timing>
-    <p:tnLst>
-      <p:par>
-        <p:cTn id="1" dur="indefinite" restart="never" nodeType="tmRoot"/>
-      </p:par>
-    </p:tnLst>
-  </p:timing>
 </p:sld>
 </file>
 
@@ -21465,7 +21161,7 @@
           </a:xfrm>
           <a:extLst>
             <a:ext uri="{FAA26D3D-D897-4be2-8F04-BA451C77F1D7}">
-              <ma14:placeholderFlag xmlns="" xmlns:ma14="http://schemas.microsoft.com/office/mac/drawingml/2011/main" val="1"/>
+              <ma14:placeholderFlag xmlns:ma14="http://schemas.microsoft.com/office/mac/drawingml/2011/main" xmlns="" val="1"/>
             </a:ext>
           </a:extLst>
         </p:spPr>
@@ -21476,26 +21172,25 @@
           <a:lstStyle/>
           <a:p>
             <a:r>
-              <a:rPr lang="en-US" altLang="en-US" sz="2700" dirty="0" smtClean="0"/>
+              <a:rPr lang="en-US" altLang="en-US" sz="2700" dirty="0"/>
               <a:t>CÁC LỚP </a:t>
             </a:r>
             <a:r>
-              <a:rPr lang="en-US" altLang="en-US" sz="2700" dirty="0" err="1" smtClean="0"/>
+              <a:rPr lang="en-US" altLang="en-US" sz="2700" dirty="0" err="1"/>
               <a:t>HỖ</a:t>
             </a:r>
             <a:r>
-              <a:rPr lang="en-US" altLang="en-US" sz="2700" dirty="0" smtClean="0"/>
+              <a:rPr lang="en-US" altLang="en-US" sz="2700" dirty="0"/>
               <a:t> </a:t>
             </a:r>
             <a:r>
-              <a:rPr lang="en-US" altLang="en-US" sz="2700" dirty="0" err="1" smtClean="0"/>
+              <a:rPr lang="en-US" altLang="en-US" sz="2700" dirty="0" err="1"/>
               <a:t>TRỢ</a:t>
             </a:r>
             <a:r>
-              <a:rPr lang="en-US" altLang="en-US" sz="2700" dirty="0" smtClean="0"/>
+              <a:rPr lang="en-US" altLang="en-US" sz="2700" dirty="0"/>
               <a:t> CHARACTER STREAMS</a:t>
             </a:r>
-            <a:endParaRPr lang="en-US" altLang="en-US" sz="2700" dirty="0"/>
           </a:p>
         </p:txBody>
       </p:sp>
@@ -21542,13 +21237,6 @@
   <p:clrMapOvr>
     <a:masterClrMapping/>
   </p:clrMapOvr>
-  <p:timing>
-    <p:tnLst>
-      <p:par>
-        <p:cTn id="1" dur="indefinite" restart="never" nodeType="tmRoot"/>
-      </p:par>
-    </p:tnLst>
-  </p:timing>
 </p:sld>
 </file>
 
@@ -21586,7 +21274,7 @@
           </a:xfrm>
           <a:extLst>
             <a:ext uri="{FAA26D3D-D897-4be2-8F04-BA451C77F1D7}">
-              <ma14:placeholderFlag xmlns="" xmlns:ma14="http://schemas.microsoft.com/office/mac/drawingml/2011/main" val="1"/>
+              <ma14:placeholderFlag xmlns:ma14="http://schemas.microsoft.com/office/mac/drawingml/2011/main" xmlns="" val="1"/>
             </a:ext>
           </a:extLst>
         </p:spPr>
@@ -21597,31 +21285,31 @@
           <a:lstStyle/>
           <a:p>
             <a:r>
-              <a:rPr lang="en-US" altLang="en-US" sz="2700" dirty="0" err="1" smtClean="0"/>
+              <a:rPr lang="en-US" altLang="en-US" sz="2700" dirty="0" err="1"/>
               <a:t>ĐỌC</a:t>
             </a:r>
             <a:r>
-              <a:rPr lang="en-US" altLang="en-US" sz="2700" dirty="0" smtClean="0"/>
+              <a:rPr lang="en-US" altLang="en-US" sz="2700" dirty="0"/>
               <a:t> </a:t>
             </a:r>
             <a:r>
-              <a:rPr lang="en-US" altLang="en-US" sz="2700" dirty="0" err="1" smtClean="0"/>
+              <a:rPr lang="en-US" altLang="en-US" sz="2700" dirty="0" err="1"/>
               <a:t>DÒNG</a:t>
             </a:r>
             <a:r>
-              <a:rPr lang="en-US" altLang="en-US" sz="2700" dirty="0" smtClean="0"/>
+              <a:rPr lang="en-US" altLang="en-US" sz="2700" dirty="0"/>
               <a:t> </a:t>
             </a:r>
             <a:r>
-              <a:rPr lang="en-US" altLang="en-US" sz="2700" dirty="0" err="1" smtClean="0"/>
+              <a:rPr lang="en-US" altLang="en-US" sz="2700" dirty="0" err="1"/>
               <a:t>KÝ</a:t>
             </a:r>
             <a:r>
-              <a:rPr lang="en-US" altLang="en-US" sz="2700" dirty="0" smtClean="0"/>
+              <a:rPr lang="en-US" altLang="en-US" sz="2700" dirty="0"/>
               <a:t> </a:t>
             </a:r>
             <a:r>
-              <a:rPr lang="en-US" altLang="en-US" sz="2700" dirty="0" err="1" smtClean="0"/>
+              <a:rPr lang="en-US" altLang="en-US" sz="2700" dirty="0" err="1"/>
               <a:t>TỰ</a:t>
             </a:r>
             <a:endParaRPr lang="en-US" altLang="en-US" sz="2700" dirty="0"/>
@@ -21954,14 +21642,6 @@
               </a:rPr>
               <a:t>. </a:t>
             </a:r>
-            <a:endParaRPr lang="en-US" sz="1800" dirty="0" smtClean="0">
-              <a:solidFill>
-                <a:srgbClr val="343A40"/>
-              </a:solidFill>
-              <a:latin typeface="Segoe UI" panose="020B0502040204020203" pitchFamily="34" charset="0"/>
-              <a:ea typeface="Times New Roman" panose="02020603050405020304" pitchFamily="18" charset="0"/>
-              <a:cs typeface="Times New Roman" panose="02020603050405020304" pitchFamily="18" charset="0"/>
-            </a:endParaRPr>
           </a:p>
         </p:txBody>
       </p:sp>
@@ -22006,13 +21686,6 @@
   <p:clrMapOvr>
     <a:masterClrMapping/>
   </p:clrMapOvr>
-  <p:timing>
-    <p:tnLst>
-      <p:par>
-        <p:cTn id="1" dur="indefinite" restart="never" nodeType="tmRoot"/>
-      </p:par>
-    </p:tnLst>
-  </p:timing>
 </p:sld>
 </file>
 
@@ -22065,13 +21738,8 @@
             </a:pPr>
             <a:r>
               <a:rPr lang="vi-VN" dirty="0"/>
-              <a:t>Giới thiệu về dòng vào ra (IO Streams</a:t>
-            </a:r>
-            <a:r>
-              <a:rPr lang="vi-VN" dirty="0" smtClean="0"/>
-              <a:t>)</a:t>
-            </a:r>
-            <a:endParaRPr lang="vi-VN" dirty="0"/>
+              <a:t>Giới thiệu về dòng vào ra (IO Streams)</a:t>
+            </a:r>
           </a:p>
         </p:txBody>
       </p:sp>
@@ -22085,13 +21753,6 @@
   <p:clrMapOvr>
     <a:masterClrMapping/>
   </p:clrMapOvr>
-  <p:timing>
-    <p:tnLst>
-      <p:par>
-        <p:cTn id="1" dur="indefinite" restart="never" nodeType="tmRoot"/>
-      </p:par>
-    </p:tnLst>
-  </p:timing>
 </p:sld>
 </file>
 
@@ -22129,7 +21790,7 @@
           </a:xfrm>
           <a:extLst>
             <a:ext uri="{FAA26D3D-D897-4be2-8F04-BA451C77F1D7}">
-              <ma14:placeholderFlag xmlns="" xmlns:ma14="http://schemas.microsoft.com/office/mac/drawingml/2011/main" val="1"/>
+              <ma14:placeholderFlag xmlns:ma14="http://schemas.microsoft.com/office/mac/drawingml/2011/main" xmlns="" val="1"/>
             </a:ext>
           </a:extLst>
         </p:spPr>
@@ -22140,31 +21801,31 @@
           <a:lstStyle/>
           <a:p>
             <a:r>
-              <a:rPr lang="en-US" altLang="en-US" sz="2700" dirty="0" err="1" smtClean="0"/>
+              <a:rPr lang="en-US" altLang="en-US" sz="2700" dirty="0" err="1"/>
               <a:t>ĐỌC</a:t>
             </a:r>
             <a:r>
-              <a:rPr lang="en-US" altLang="en-US" sz="2700" dirty="0" smtClean="0"/>
+              <a:rPr lang="en-US" altLang="en-US" sz="2700" dirty="0"/>
               <a:t> </a:t>
             </a:r>
             <a:r>
-              <a:rPr lang="en-US" altLang="en-US" sz="2700" dirty="0" err="1" smtClean="0"/>
+              <a:rPr lang="en-US" altLang="en-US" sz="2700" dirty="0" err="1"/>
               <a:t>DÒNG</a:t>
             </a:r>
             <a:r>
-              <a:rPr lang="en-US" altLang="en-US" sz="2700" dirty="0" smtClean="0"/>
+              <a:rPr lang="en-US" altLang="en-US" sz="2700" dirty="0"/>
               <a:t> </a:t>
             </a:r>
             <a:r>
-              <a:rPr lang="en-US" altLang="en-US" sz="2700" dirty="0" err="1" smtClean="0"/>
+              <a:rPr lang="en-US" altLang="en-US" sz="2700" dirty="0" err="1"/>
               <a:t>KÝ</a:t>
             </a:r>
             <a:r>
-              <a:rPr lang="en-US" altLang="en-US" sz="2700" dirty="0" smtClean="0"/>
+              <a:rPr lang="en-US" altLang="en-US" sz="2700" dirty="0"/>
               <a:t> </a:t>
             </a:r>
             <a:r>
-              <a:rPr lang="en-US" altLang="en-US" sz="2700" dirty="0" err="1" smtClean="0"/>
+              <a:rPr lang="en-US" altLang="en-US" sz="2700" dirty="0" err="1"/>
               <a:t>TỰ</a:t>
             </a:r>
             <a:endParaRPr lang="en-US" altLang="en-US" sz="2700" dirty="0"/>
@@ -22549,13 +22210,6 @@
   <p:clrMapOvr>
     <a:masterClrMapping/>
   </p:clrMapOvr>
-  <p:timing>
-    <p:tnLst>
-      <p:par>
-        <p:cTn id="1" dur="indefinite" restart="never" nodeType="tmRoot"/>
-      </p:par>
-    </p:tnLst>
-  </p:timing>
 </p:sld>
 </file>
 
@@ -22589,7 +22243,7 @@
         <p:spPr>
           <a:extLst>
             <a:ext uri="{FAA26D3D-D897-4be2-8F04-BA451C77F1D7}">
-              <ma14:placeholderFlag xmlns="" xmlns:ma14="http://schemas.microsoft.com/office/mac/drawingml/2011/main" val="1"/>
+              <ma14:placeholderFlag xmlns:ma14="http://schemas.microsoft.com/office/mac/drawingml/2011/main" xmlns="" val="1"/>
             </a:ext>
           </a:extLst>
         </p:spPr>
@@ -22600,7 +22254,7 @@
           <a:lstStyle/>
           <a:p>
             <a:r>
-              <a:rPr lang="vi-VN" altLang="en-US" sz="2700" dirty="0" smtClean="0"/>
+              <a:rPr lang="vi-VN" altLang="en-US" sz="2700" dirty="0"/>
               <a:t>LỚP FILEREADER</a:t>
             </a:r>
             <a:endParaRPr lang="en-US" altLang="en-US" sz="2700" dirty="0"/>
@@ -22637,7 +22291,7 @@
               </a:spcAft>
             </a:pPr>
             <a:r>
-              <a:rPr lang="en-US" sz="1800" dirty="0" err="1" smtClean="0">
+              <a:rPr lang="en-US" sz="1800" dirty="0" err="1">
                 <a:solidFill>
                   <a:srgbClr val="343A40"/>
                 </a:solidFill>
@@ -22648,7 +22302,29 @@
               <a:t>Sử</a:t>
             </a:r>
             <a:r>
-              <a:rPr lang="en-US" sz="1800" dirty="0" smtClean="0">
+              <a:rPr lang="en-US" sz="1800" dirty="0">
+                <a:solidFill>
+                  <a:srgbClr val="343A40"/>
+                </a:solidFill>
+                <a:latin typeface="Segoe UI" panose="020B0502040204020203" pitchFamily="34" charset="0"/>
+                <a:ea typeface="Times New Roman" panose="02020603050405020304" pitchFamily="18" charset="0"/>
+                <a:cs typeface="Times New Roman" panose="02020603050405020304" pitchFamily="18" charset="0"/>
+              </a:rPr>
+              <a:t> dụng </a:t>
+            </a:r>
+            <a:r>
+              <a:rPr lang="en-US" sz="1800" dirty="0" err="1">
+                <a:solidFill>
+                  <a:srgbClr val="343A40"/>
+                </a:solidFill>
+                <a:latin typeface="Segoe UI" panose="020B0502040204020203" pitchFamily="34" charset="0"/>
+                <a:ea typeface="Times New Roman" panose="02020603050405020304" pitchFamily="18" charset="0"/>
+                <a:cs typeface="Times New Roman" panose="02020603050405020304" pitchFamily="18" charset="0"/>
+              </a:rPr>
+              <a:t>để</a:t>
+            </a:r>
+            <a:r>
+              <a:rPr lang="en-US" sz="1800" dirty="0">
                 <a:solidFill>
                   <a:srgbClr val="343A40"/>
                 </a:solidFill>
@@ -22659,6 +22335,17 @@
               <a:t> </a:t>
             </a:r>
             <a:r>
+              <a:rPr lang="en-US" sz="1800" dirty="0" err="1">
+                <a:solidFill>
+                  <a:srgbClr val="343A40"/>
+                </a:solidFill>
+                <a:latin typeface="Segoe UI" panose="020B0502040204020203" pitchFamily="34" charset="0"/>
+                <a:ea typeface="Times New Roman" panose="02020603050405020304" pitchFamily="18" charset="0"/>
+                <a:cs typeface="Times New Roman" panose="02020603050405020304" pitchFamily="18" charset="0"/>
+              </a:rPr>
+              <a:t>đọc</a:t>
+            </a:r>
+            <a:r>
               <a:rPr lang="en-US" sz="1800" dirty="0">
                 <a:solidFill>
                   <a:srgbClr val="343A40"/>
@@ -22667,7 +22354,7 @@
                 <a:ea typeface="Times New Roman" panose="02020603050405020304" pitchFamily="18" charset="0"/>
                 <a:cs typeface="Times New Roman" panose="02020603050405020304" pitchFamily="18" charset="0"/>
               </a:rPr>
-              <a:t>dụng </a:t>
+              <a:t> </a:t>
             </a:r>
             <a:r>
               <a:rPr lang="en-US" sz="1800" dirty="0" err="1">
@@ -22678,7 +22365,7 @@
                 <a:ea typeface="Times New Roman" panose="02020603050405020304" pitchFamily="18" charset="0"/>
                 <a:cs typeface="Times New Roman" panose="02020603050405020304" pitchFamily="18" charset="0"/>
               </a:rPr>
-              <a:t>để</a:t>
+              <a:t>dữ</a:t>
             </a:r>
             <a:r>
               <a:rPr lang="en-US" sz="1800" dirty="0">
@@ -22700,7 +22387,7 @@
                 <a:ea typeface="Times New Roman" panose="02020603050405020304" pitchFamily="18" charset="0"/>
                 <a:cs typeface="Times New Roman" panose="02020603050405020304" pitchFamily="18" charset="0"/>
               </a:rPr>
-              <a:t>đọc</a:t>
+              <a:t>liệu</a:t>
             </a:r>
             <a:r>
               <a:rPr lang="en-US" sz="1800" dirty="0">
@@ -22722,7 +22409,7 @@
                 <a:ea typeface="Times New Roman" panose="02020603050405020304" pitchFamily="18" charset="0"/>
                 <a:cs typeface="Times New Roman" panose="02020603050405020304" pitchFamily="18" charset="0"/>
               </a:rPr>
-              <a:t>dữ</a:t>
+              <a:t>từ</a:t>
             </a:r>
             <a:r>
               <a:rPr lang="en-US" sz="1800" dirty="0">
@@ -22744,7 +22431,7 @@
                 <a:ea typeface="Times New Roman" panose="02020603050405020304" pitchFamily="18" charset="0"/>
                 <a:cs typeface="Times New Roman" panose="02020603050405020304" pitchFamily="18" charset="0"/>
               </a:rPr>
-              <a:t>liệu</a:t>
+              <a:t>tệp</a:t>
             </a:r>
             <a:r>
               <a:rPr lang="en-US" sz="1800" dirty="0">
@@ -22755,60 +22442,8 @@
                 <a:ea typeface="Times New Roman" panose="02020603050405020304" pitchFamily="18" charset="0"/>
                 <a:cs typeface="Times New Roman" panose="02020603050405020304" pitchFamily="18" charset="0"/>
               </a:rPr>
-              <a:t> </a:t>
-            </a:r>
-            <a:r>
-              <a:rPr lang="en-US" sz="1800" dirty="0" err="1">
-                <a:solidFill>
-                  <a:srgbClr val="343A40"/>
-                </a:solidFill>
-                <a:latin typeface="Segoe UI" panose="020B0502040204020203" pitchFamily="34" charset="0"/>
-                <a:ea typeface="Times New Roman" panose="02020603050405020304" pitchFamily="18" charset="0"/>
-                <a:cs typeface="Times New Roman" panose="02020603050405020304" pitchFamily="18" charset="0"/>
-              </a:rPr>
-              <a:t>từ</a:t>
-            </a:r>
-            <a:r>
-              <a:rPr lang="en-US" sz="1800" dirty="0">
-                <a:solidFill>
-                  <a:srgbClr val="343A40"/>
-                </a:solidFill>
-                <a:latin typeface="Segoe UI" panose="020B0502040204020203" pitchFamily="34" charset="0"/>
-                <a:ea typeface="Times New Roman" panose="02020603050405020304" pitchFamily="18" charset="0"/>
-                <a:cs typeface="Times New Roman" panose="02020603050405020304" pitchFamily="18" charset="0"/>
-              </a:rPr>
-              <a:t> </a:t>
-            </a:r>
-            <a:r>
-              <a:rPr lang="en-US" sz="1800" dirty="0" err="1">
-                <a:solidFill>
-                  <a:srgbClr val="343A40"/>
-                </a:solidFill>
-                <a:latin typeface="Segoe UI" panose="020B0502040204020203" pitchFamily="34" charset="0"/>
-                <a:ea typeface="Times New Roman" panose="02020603050405020304" pitchFamily="18" charset="0"/>
-                <a:cs typeface="Times New Roman" panose="02020603050405020304" pitchFamily="18" charset="0"/>
-              </a:rPr>
-              <a:t>tệp</a:t>
-            </a:r>
-            <a:r>
-              <a:rPr lang="en-US" sz="1800" dirty="0">
-                <a:solidFill>
-                  <a:srgbClr val="343A40"/>
-                </a:solidFill>
-                <a:latin typeface="Segoe UI" panose="020B0502040204020203" pitchFamily="34" charset="0"/>
-                <a:ea typeface="Times New Roman" panose="02020603050405020304" pitchFamily="18" charset="0"/>
-                <a:cs typeface="Times New Roman" panose="02020603050405020304" pitchFamily="18" charset="0"/>
-              </a:rPr>
               <a:t>. </a:t>
             </a:r>
-            <a:endParaRPr lang="en-US" sz="1800" dirty="0" smtClean="0">
-              <a:solidFill>
-                <a:srgbClr val="343A40"/>
-              </a:solidFill>
-              <a:latin typeface="Segoe UI" panose="020B0502040204020203" pitchFamily="34" charset="0"/>
-              <a:ea typeface="Times New Roman" panose="02020603050405020304" pitchFamily="18" charset="0"/>
-              <a:cs typeface="Times New Roman" panose="02020603050405020304" pitchFamily="18" charset="0"/>
-            </a:endParaRPr>
           </a:p>
           <a:p>
             <a:pPr algn="just">
@@ -22820,7 +22455,7 @@
               </a:spcAft>
             </a:pPr>
             <a:r>
-              <a:rPr lang="en-US" sz="1800" dirty="0" err="1" smtClean="0">
+              <a:rPr lang="en-US" sz="1800" dirty="0" err="1">
                 <a:solidFill>
                   <a:srgbClr val="343A40"/>
                 </a:solidFill>
@@ -22831,7 +22466,7 @@
               <a:t>Trả</a:t>
             </a:r>
             <a:r>
-              <a:rPr lang="en-US" sz="1800" dirty="0" smtClean="0">
+              <a:rPr lang="en-US" sz="1800" dirty="0">
                 <a:solidFill>
                   <a:srgbClr val="343A40"/>
                 </a:solidFill>
@@ -23091,8 +22726,20 @@
                 <a:tableStyleId>{0660B408-B3CF-4A94-85FC-2B1E0A45F4A2}</a:tableStyleId>
               </a:tblPr>
               <a:tblGrid>
-                <a:gridCol w="2850676"/>
-                <a:gridCol w="5905500"/>
+                <a:gridCol w="2850676">
+                  <a:extLst>
+                    <a:ext uri="{9D8B030D-6E8A-4147-A177-3AD203B41FA5}">
+                      <a16:colId xmlns:a16="http://schemas.microsoft.com/office/drawing/2014/main" val="20000"/>
+                    </a:ext>
+                  </a:extLst>
+                </a:gridCol>
+                <a:gridCol w="5905500">
+                  <a:extLst>
+                    <a:ext uri="{9D8B030D-6E8A-4147-A177-3AD203B41FA5}">
+                      <a16:colId xmlns:a16="http://schemas.microsoft.com/office/drawing/2014/main" val="20001"/>
+                    </a:ext>
+                  </a:extLst>
+                </a:gridCol>
               </a:tblGrid>
               <a:tr h="317098">
                 <a:tc>
@@ -23109,7 +22756,7 @@
                         </a:spcAft>
                       </a:pPr>
                       <a:r>
-                        <a:rPr lang="en-US" sz="1200" dirty="0" smtClean="0">
+                        <a:rPr lang="en-US" sz="1200" dirty="0">
                           <a:effectLst/>
                         </a:rPr>
                         <a:t>Method</a:t>
@@ -23153,6 +22800,11 @@
                   </a:txBody>
                   <a:tcPr marL="96113" marR="96113" marT="96113" marB="96113"/>
                 </a:tc>
+                <a:extLst>
+                  <a:ext uri="{0D108BD9-81ED-4DB2-BD59-A6C34878D82A}">
+                    <a16:rowId xmlns:a16="http://schemas.microsoft.com/office/drawing/2014/main" val="10000"/>
+                  </a:ext>
+                </a:extLst>
               </a:tr>
               <a:tr h="431271">
                 <a:tc>
@@ -23808,6 +23460,11 @@
                   </a:txBody>
                   <a:tcPr marL="76200" marR="76200" marT="76200" marB="76200"/>
                 </a:tc>
+                <a:extLst>
+                  <a:ext uri="{0D108BD9-81ED-4DB2-BD59-A6C34878D82A}">
+                    <a16:rowId xmlns:a16="http://schemas.microsoft.com/office/drawing/2014/main" val="10001"/>
+                  </a:ext>
+                </a:extLst>
               </a:tr>
               <a:tr h="293693">
                 <a:tc>
@@ -24516,6 +24173,11 @@
                   </a:txBody>
                   <a:tcPr marL="76200" marR="76200" marT="76200" marB="76200"/>
                 </a:tc>
+                <a:extLst>
+                  <a:ext uri="{0D108BD9-81ED-4DB2-BD59-A6C34878D82A}">
+                    <a16:rowId xmlns:a16="http://schemas.microsoft.com/office/drawing/2014/main" val="10002"/>
+                  </a:ext>
+                </a:extLst>
               </a:tr>
             </a:tbl>
           </a:graphicData>
@@ -24531,13 +24193,6 @@
   <p:clrMapOvr>
     <a:masterClrMapping/>
   </p:clrMapOvr>
-  <p:timing>
-    <p:tnLst>
-      <p:par>
-        <p:cTn id="1" dur="indefinite" restart="never" nodeType="tmRoot"/>
-      </p:par>
-    </p:tnLst>
-  </p:timing>
 </p:sld>
 </file>
 
@@ -24571,7 +24226,7 @@
         <p:spPr>
           <a:extLst>
             <a:ext uri="{FAA26D3D-D897-4be2-8F04-BA451C77F1D7}">
-              <ma14:placeholderFlag xmlns="" xmlns:ma14="http://schemas.microsoft.com/office/mac/drawingml/2011/main" val="1"/>
+              <ma14:placeholderFlag xmlns:ma14="http://schemas.microsoft.com/office/mac/drawingml/2011/main" xmlns="" val="1"/>
             </a:ext>
           </a:extLst>
         </p:spPr>
@@ -24582,7 +24237,7 @@
           <a:lstStyle/>
           <a:p>
             <a:r>
-              <a:rPr lang="vi-VN" altLang="en-US" sz="2700" dirty="0" smtClean="0"/>
+              <a:rPr lang="vi-VN" altLang="en-US" sz="2700" dirty="0"/>
               <a:t>LỚP FILEREADER</a:t>
             </a:r>
             <a:endParaRPr lang="en-US" altLang="en-US" sz="2700" dirty="0"/>
@@ -24619,7 +24274,7 @@
               </a:spcAft>
             </a:pPr>
             <a:r>
-              <a:rPr lang="en-US" sz="1800" dirty="0" err="1" smtClean="0">
+              <a:rPr lang="en-US" sz="1800" dirty="0" err="1">
                 <a:solidFill>
                   <a:srgbClr val="343A40"/>
                 </a:solidFill>
@@ -24630,7 +24285,7 @@
               <a:t>Phương</a:t>
             </a:r>
             <a:r>
-              <a:rPr lang="en-US" sz="1800" dirty="0" smtClean="0">
+              <a:rPr lang="en-US" sz="1800" dirty="0">
                 <a:solidFill>
                   <a:srgbClr val="343A40"/>
                 </a:solidFill>
@@ -24641,7 +24296,7 @@
               <a:t> </a:t>
             </a:r>
             <a:r>
-              <a:rPr lang="en-US" sz="1800" dirty="0" err="1" smtClean="0">
+              <a:rPr lang="en-US" sz="1800" dirty="0" err="1">
                 <a:solidFill>
                   <a:srgbClr val="343A40"/>
                 </a:solidFill>
@@ -24687,8 +24342,20 @@
                 <a:tableStyleId>{0660B408-B3CF-4A94-85FC-2B1E0A45F4A2}</a:tableStyleId>
               </a:tblPr>
               <a:tblGrid>
-                <a:gridCol w="2850676"/>
-                <a:gridCol w="5905500"/>
+                <a:gridCol w="2850676">
+                  <a:extLst>
+                    <a:ext uri="{9D8B030D-6E8A-4147-A177-3AD203B41FA5}">
+                      <a16:colId xmlns:a16="http://schemas.microsoft.com/office/drawing/2014/main" val="20000"/>
+                    </a:ext>
+                  </a:extLst>
+                </a:gridCol>
+                <a:gridCol w="5905500">
+                  <a:extLst>
+                    <a:ext uri="{9D8B030D-6E8A-4147-A177-3AD203B41FA5}">
+                      <a16:colId xmlns:a16="http://schemas.microsoft.com/office/drawing/2014/main" val="20001"/>
+                    </a:ext>
+                  </a:extLst>
+                </a:gridCol>
               </a:tblGrid>
               <a:tr h="317098">
                 <a:tc>
@@ -24705,7 +24372,7 @@
                         </a:spcAft>
                       </a:pPr>
                       <a:r>
-                        <a:rPr lang="en-US" sz="1200" dirty="0" smtClean="0">
+                        <a:rPr lang="en-US" sz="1200" dirty="0">
                           <a:effectLst/>
                         </a:rPr>
                         <a:t>Method</a:t>
@@ -24749,6 +24416,11 @@
                   </a:txBody>
                   <a:tcPr marL="96113" marR="96113" marT="96113" marB="96113"/>
                 </a:tc>
+                <a:extLst>
+                  <a:ext uri="{0D108BD9-81ED-4DB2-BD59-A6C34878D82A}">
+                    <a16:rowId xmlns:a16="http://schemas.microsoft.com/office/drawing/2014/main" val="10000"/>
+                  </a:ext>
+                </a:extLst>
               </a:tr>
               <a:tr h="431271">
                 <a:tc>
@@ -24974,17 +24646,6 @@
                         </a:rPr>
                         <a:t> ASCII. </a:t>
                       </a:r>
-                      <a:endParaRPr lang="en-US" sz="1800" b="0" dirty="0" smtClean="0">
-                        <a:solidFill>
-                          <a:schemeClr val="tx2">
-                            <a:lumMod val="10000"/>
-                          </a:schemeClr>
-                        </a:solidFill>
-                        <a:effectLst/>
-                        <a:latin typeface="Calibri" panose="020F0502020204030204" pitchFamily="34" charset="0"/>
-                        <a:ea typeface="Calibri" panose="020F0502020204030204" pitchFamily="34" charset="0"/>
-                        <a:cs typeface="Times New Roman" panose="02020603050405020304" pitchFamily="18" charset="0"/>
-                      </a:endParaRPr>
                     </a:p>
                     <a:p>
                       <a:pPr>
@@ -24996,7 +24657,7 @@
                         </a:spcAft>
                       </a:pPr>
                       <a:r>
-                        <a:rPr lang="en-US" sz="1800" b="0" dirty="0" err="1" smtClean="0">
+                        <a:rPr lang="en-US" sz="1800" b="0" dirty="0" err="1">
                           <a:solidFill>
                             <a:schemeClr val="tx2">
                               <a:lumMod val="10000"/>
@@ -25010,7 +24671,7 @@
                         <a:t>Trả</a:t>
                       </a:r>
                       <a:r>
-                        <a:rPr lang="en-US" sz="1800" b="0" dirty="0" smtClean="0">
+                        <a:rPr lang="en-US" sz="1800" b="0" dirty="0">
                           <a:solidFill>
                             <a:schemeClr val="tx2">
                               <a:lumMod val="10000"/>
@@ -25111,6 +24772,11 @@
                   </a:txBody>
                   <a:tcPr marL="76200" marR="76200" marT="76200" marB="76200"/>
                 </a:tc>
+                <a:extLst>
+                  <a:ext uri="{0D108BD9-81ED-4DB2-BD59-A6C34878D82A}">
+                    <a16:rowId xmlns:a16="http://schemas.microsoft.com/office/drawing/2014/main" val="10001"/>
+                  </a:ext>
+                </a:extLst>
               </a:tr>
               <a:tr h="293693">
                 <a:tc>
@@ -25256,6 +24922,11 @@
                   </a:txBody>
                   <a:tcPr marL="76200" marR="76200" marT="76200" marB="76200"/>
                 </a:tc>
+                <a:extLst>
+                  <a:ext uri="{0D108BD9-81ED-4DB2-BD59-A6C34878D82A}">
+                    <a16:rowId xmlns:a16="http://schemas.microsoft.com/office/drawing/2014/main" val="10002"/>
+                  </a:ext>
+                </a:extLst>
               </a:tr>
             </a:tbl>
           </a:graphicData>
@@ -25271,13 +24942,6 @@
   <p:clrMapOvr>
     <a:masterClrMapping/>
   </p:clrMapOvr>
-  <p:timing>
-    <p:tnLst>
-      <p:par>
-        <p:cTn id="1" dur="indefinite" restart="never" nodeType="tmRoot"/>
-      </p:par>
-    </p:tnLst>
-  </p:timing>
 </p:sld>
 </file>
 
@@ -25311,7 +24975,7 @@
         <p:spPr>
           <a:extLst>
             <a:ext uri="{FAA26D3D-D897-4be2-8F04-BA451C77F1D7}">
-              <ma14:placeholderFlag xmlns="" xmlns:ma14="http://schemas.microsoft.com/office/mac/drawingml/2011/main" val="1"/>
+              <ma14:placeholderFlag xmlns:ma14="http://schemas.microsoft.com/office/mac/drawingml/2011/main" xmlns="" val="1"/>
             </a:ext>
           </a:extLst>
         </p:spPr>
@@ -25322,7 +24986,7 @@
           <a:lstStyle/>
           <a:p>
             <a:r>
-              <a:rPr lang="vi-VN" altLang="en-US" sz="2700" dirty="0" smtClean="0"/>
+              <a:rPr lang="vi-VN" altLang="en-US" sz="2700" dirty="0"/>
               <a:t>LỚP FILEREADER</a:t>
             </a:r>
             <a:endParaRPr lang="en-US" altLang="en-US" sz="2700" dirty="0"/>
@@ -25368,13 +25032,6 @@
   <p:clrMapOvr>
     <a:masterClrMapping/>
   </p:clrMapOvr>
-  <p:timing>
-    <p:tnLst>
-      <p:par>
-        <p:cTn id="1" dur="indefinite" restart="never" nodeType="tmRoot"/>
-      </p:par>
-    </p:tnLst>
-  </p:timing>
 </p:sld>
 </file>
 
@@ -25408,7 +25065,7 @@
         <p:spPr>
           <a:extLst>
             <a:ext uri="{FAA26D3D-D897-4be2-8F04-BA451C77F1D7}">
-              <ma14:placeholderFlag xmlns="" xmlns:ma14="http://schemas.microsoft.com/office/mac/drawingml/2011/main" val="1"/>
+              <ma14:placeholderFlag xmlns:ma14="http://schemas.microsoft.com/office/mac/drawingml/2011/main" xmlns="" val="1"/>
             </a:ext>
           </a:extLst>
         </p:spPr>
@@ -25419,7 +25076,7 @@
           <a:lstStyle/>
           <a:p>
             <a:r>
-              <a:rPr lang="vi-VN" altLang="en-US" sz="2700" dirty="0" smtClean="0"/>
+              <a:rPr lang="vi-VN" altLang="en-US" sz="2700" dirty="0"/>
               <a:t>LỚP FILEREADER</a:t>
             </a:r>
             <a:endParaRPr lang="en-US" altLang="en-US" sz="2700" dirty="0"/>
@@ -25515,7 +25172,7 @@
             <a:lstStyle/>
             <a:p>
               <a:r>
-                <a:rPr lang="en-US" dirty="0" smtClean="0">
+                <a:rPr lang="en-US" dirty="0">
                   <a:solidFill>
                     <a:srgbClr val="343A40"/>
                   </a:solidFill>
@@ -25586,13 +25243,6 @@
   <p:clrMapOvr>
     <a:masterClrMapping/>
   </p:clrMapOvr>
-  <p:timing>
-    <p:tnLst>
-      <p:par>
-        <p:cTn id="1" dur="indefinite" restart="never" nodeType="tmRoot"/>
-      </p:par>
-    </p:tnLst>
-  </p:timing>
 </p:sld>
 </file>
 
@@ -25626,7 +25276,7 @@
         <p:spPr>
           <a:extLst>
             <a:ext uri="{FAA26D3D-D897-4be2-8F04-BA451C77F1D7}">
-              <ma14:placeholderFlag xmlns="" xmlns:ma14="http://schemas.microsoft.com/office/mac/drawingml/2011/main" val="1"/>
+              <ma14:placeholderFlag xmlns:ma14="http://schemas.microsoft.com/office/mac/drawingml/2011/main" xmlns="" val="1"/>
             </a:ext>
           </a:extLst>
         </p:spPr>
@@ -25637,7 +25287,7 @@
           <a:lstStyle/>
           <a:p>
             <a:r>
-              <a:rPr lang="vi-VN" altLang="en-US" sz="2700" dirty="0" smtClean="0"/>
+              <a:rPr lang="vi-VN" altLang="en-US" sz="2700" dirty="0"/>
               <a:t>LỚP FILEWRITER</a:t>
             </a:r>
             <a:endParaRPr lang="en-US" altLang="en-US" sz="2700" dirty="0"/>
@@ -25674,7 +25324,7 @@
               </a:spcAft>
             </a:pPr>
             <a:r>
-              <a:rPr lang="en-US" sz="1800" dirty="0" err="1" smtClean="0">
+              <a:rPr lang="en-US" sz="1800" dirty="0" err="1">
                 <a:solidFill>
                   <a:srgbClr val="343A40"/>
                 </a:solidFill>
@@ -25685,7 +25335,7 @@
               <a:t>Dùng</a:t>
             </a:r>
             <a:r>
-              <a:rPr lang="en-US" sz="1800" dirty="0" smtClean="0">
+              <a:rPr lang="en-US" sz="1800" dirty="0">
                 <a:solidFill>
                   <a:srgbClr val="343A40"/>
                 </a:solidFill>
@@ -25696,7 +25346,7 @@
               <a:t> </a:t>
             </a:r>
             <a:r>
-              <a:rPr lang="en-US" sz="1800" dirty="0" err="1" smtClean="0">
+              <a:rPr lang="en-US" sz="1800" dirty="0" err="1">
                 <a:solidFill>
                   <a:srgbClr val="343A40"/>
                 </a:solidFill>
@@ -25707,7 +25357,7 @@
               <a:t>để</a:t>
             </a:r>
             <a:r>
-              <a:rPr lang="en-US" sz="1800" dirty="0" smtClean="0">
+              <a:rPr lang="en-US" sz="1800" dirty="0">
                 <a:solidFill>
                   <a:srgbClr val="343A40"/>
                 </a:solidFill>
@@ -25718,7 +25368,7 @@
               <a:t> </a:t>
             </a:r>
             <a:r>
-              <a:rPr lang="en-US" sz="1800" dirty="0" err="1" smtClean="0">
+              <a:rPr lang="en-US" sz="1800" dirty="0" err="1">
                 <a:solidFill>
                   <a:srgbClr val="343A40"/>
                 </a:solidFill>
@@ -25729,7 +25379,7 @@
               <a:t>ghi</a:t>
             </a:r>
             <a:r>
-              <a:rPr lang="en-US" sz="1800" dirty="0" smtClean="0">
+              <a:rPr lang="en-US" sz="1800" dirty="0">
                 <a:solidFill>
                   <a:srgbClr val="343A40"/>
                 </a:solidFill>
@@ -25916,7 +25566,7 @@
               <a:t> </a:t>
             </a:r>
             <a:r>
-              <a:rPr lang="en-US" sz="1800" dirty="0" err="1" smtClean="0">
+              <a:rPr lang="en-US" sz="1800" dirty="0" err="1">
                 <a:solidFill>
                   <a:srgbClr val="343A40"/>
                 </a:solidFill>
@@ -25942,7 +25592,7 @@
               </a:spcAft>
             </a:pPr>
             <a:r>
-              <a:rPr lang="en-US" sz="1800" dirty="0" err="1" smtClean="0">
+              <a:rPr lang="en-US" sz="1800" dirty="0" err="1">
                 <a:solidFill>
                   <a:srgbClr val="343A40"/>
                 </a:solidFill>
@@ -25953,7 +25603,7 @@
               <a:t>Không</a:t>
             </a:r>
             <a:r>
-              <a:rPr lang="en-US" sz="1800" dirty="0" smtClean="0">
+              <a:rPr lang="en-US" sz="1800" dirty="0">
                 <a:solidFill>
                   <a:srgbClr val="343A40"/>
                 </a:solidFill>
@@ -26052,7 +25702,7 @@
               <a:t> </a:t>
             </a:r>
             <a:r>
-              <a:rPr lang="en-US" sz="1800" dirty="0" err="1" smtClean="0">
+              <a:rPr lang="en-US" sz="1800" dirty="0" err="1">
                 <a:solidFill>
                   <a:srgbClr val="343A40"/>
                 </a:solidFill>
@@ -26063,7 +25713,7 @@
               <a:t>kí</a:t>
             </a:r>
             <a:r>
-              <a:rPr lang="en-US" sz="1800" dirty="0" smtClean="0">
+              <a:rPr lang="en-US" sz="1800" dirty="0">
                 <a:solidFill>
                   <a:srgbClr val="343A40"/>
                 </a:solidFill>
@@ -26074,7 +25724,7 @@
               <a:t> </a:t>
             </a:r>
             <a:r>
-              <a:rPr lang="en-US" sz="1800" dirty="0" err="1" smtClean="0">
+              <a:rPr lang="en-US" sz="1800" dirty="0" err="1">
                 <a:solidFill>
                   <a:srgbClr val="343A40"/>
                 </a:solidFill>
@@ -26085,7 +25735,7 @@
               <a:t>tự</a:t>
             </a:r>
             <a:r>
-              <a:rPr lang="en-US" sz="1800" dirty="0" smtClean="0">
+              <a:rPr lang="en-US" sz="1800" dirty="0">
                 <a:solidFill>
                   <a:srgbClr val="343A40"/>
                 </a:solidFill>
@@ -26096,7 +25746,7 @@
               <a:t> </a:t>
             </a:r>
             <a:r>
-              <a:rPr lang="en-US" sz="1800" dirty="0" err="1" smtClean="0">
+              <a:rPr lang="en-US" sz="1800" dirty="0" err="1">
                 <a:solidFill>
                   <a:srgbClr val="343A40"/>
                 </a:solidFill>
@@ -26107,7 +25757,7 @@
               <a:t>thành</a:t>
             </a:r>
             <a:r>
-              <a:rPr lang="en-US" sz="1800" dirty="0" smtClean="0">
+              <a:rPr lang="en-US" sz="1800" dirty="0">
                 <a:solidFill>
                   <a:srgbClr val="343A40"/>
                 </a:solidFill>
@@ -26162,7 +25812,7 @@
               <a:t> </a:t>
             </a:r>
             <a:r>
-              <a:rPr lang="en-US" sz="1800" dirty="0" err="1" smtClean="0">
+              <a:rPr lang="en-US" sz="1800" dirty="0" err="1">
                 <a:solidFill>
                   <a:srgbClr val="343A40"/>
                 </a:solidFill>
@@ -26173,7 +25823,7 @@
               <a:t>có</a:t>
             </a:r>
             <a:r>
-              <a:rPr lang="en-US" sz="1800" dirty="0" smtClean="0">
+              <a:rPr lang="en-US" sz="1800" dirty="0">
                 <a:solidFill>
                   <a:srgbClr val="343A40"/>
                 </a:solidFill>
@@ -26184,7 +25834,7 @@
               <a:t> </a:t>
             </a:r>
             <a:r>
-              <a:rPr lang="en-US" sz="1800" dirty="0" err="1" smtClean="0">
+              <a:rPr lang="en-US" sz="1800" dirty="0" err="1">
                 <a:solidFill>
                   <a:srgbClr val="343A40"/>
                 </a:solidFill>
@@ -26195,7 +25845,7 @@
               <a:t>phương</a:t>
             </a:r>
             <a:r>
-              <a:rPr lang="en-US" sz="1800" dirty="0" smtClean="0">
+              <a:rPr lang="en-US" sz="1800" dirty="0">
                 <a:solidFill>
                   <a:srgbClr val="343A40"/>
                 </a:solidFill>
@@ -26371,8 +26021,20 @@
                 <a:tableStyleId>{0660B408-B3CF-4A94-85FC-2B1E0A45F4A2}</a:tableStyleId>
               </a:tblPr>
               <a:tblGrid>
-                <a:gridCol w="2850676"/>
-                <a:gridCol w="5905500"/>
+                <a:gridCol w="2850676">
+                  <a:extLst>
+                    <a:ext uri="{9D8B030D-6E8A-4147-A177-3AD203B41FA5}">
+                      <a16:colId xmlns:a16="http://schemas.microsoft.com/office/drawing/2014/main" val="20000"/>
+                    </a:ext>
+                  </a:extLst>
+                </a:gridCol>
+                <a:gridCol w="5905500">
+                  <a:extLst>
+                    <a:ext uri="{9D8B030D-6E8A-4147-A177-3AD203B41FA5}">
+                      <a16:colId xmlns:a16="http://schemas.microsoft.com/office/drawing/2014/main" val="20001"/>
+                    </a:ext>
+                  </a:extLst>
+                </a:gridCol>
               </a:tblGrid>
               <a:tr h="317098">
                 <a:tc>
@@ -26445,6 +26107,11 @@
                   </a:txBody>
                   <a:tcPr marL="114300" marR="114300" marT="114300" marB="114300"/>
                 </a:tc>
+                <a:extLst>
+                  <a:ext uri="{0D108BD9-81ED-4DB2-BD59-A6C34878D82A}">
+                    <a16:rowId xmlns:a16="http://schemas.microsoft.com/office/drawing/2014/main" val="10000"/>
+                  </a:ext>
+                </a:extLst>
               </a:tr>
               <a:tr h="431271">
                 <a:tc>
@@ -26772,6 +26439,11 @@
                   </a:txBody>
                   <a:tcPr marL="76200" marR="76200" marT="76200" marB="76200"/>
                 </a:tc>
+                <a:extLst>
+                  <a:ext uri="{0D108BD9-81ED-4DB2-BD59-A6C34878D82A}">
+                    <a16:rowId xmlns:a16="http://schemas.microsoft.com/office/drawing/2014/main" val="10001"/>
+                  </a:ext>
+                </a:extLst>
               </a:tr>
               <a:tr h="293693">
                 <a:tc>
@@ -27141,6 +26813,11 @@
                   </a:txBody>
                   <a:tcPr marL="76200" marR="76200" marT="76200" marB="76200"/>
                 </a:tc>
+                <a:extLst>
+                  <a:ext uri="{0D108BD9-81ED-4DB2-BD59-A6C34878D82A}">
+                    <a16:rowId xmlns:a16="http://schemas.microsoft.com/office/drawing/2014/main" val="10002"/>
+                  </a:ext>
+                </a:extLst>
               </a:tr>
             </a:tbl>
           </a:graphicData>
@@ -27168,11 +26845,11 @@
           <a:lstStyle/>
           <a:p>
             <a:r>
-              <a:rPr lang="en-US" sz="1800" dirty="0" smtClean="0"/>
+              <a:rPr lang="en-US" sz="1800" dirty="0"/>
               <a:t>Hàm </a:t>
             </a:r>
             <a:r>
-              <a:rPr lang="en-US" sz="1800" dirty="0" err="1" smtClean="0"/>
+              <a:rPr lang="en-US" sz="1800" dirty="0" err="1"/>
               <a:t>tạo</a:t>
             </a:r>
             <a:endParaRPr lang="en-US" sz="1800" dirty="0"/>
@@ -27189,13 +26866,6 @@
   <p:clrMapOvr>
     <a:masterClrMapping/>
   </p:clrMapOvr>
-  <p:timing>
-    <p:tnLst>
-      <p:par>
-        <p:cTn id="1" dur="indefinite" restart="never" nodeType="tmRoot"/>
-      </p:par>
-    </p:tnLst>
-  </p:timing>
 </p:sld>
 </file>
 
@@ -27229,7 +26899,7 @@
         <p:spPr>
           <a:extLst>
             <a:ext uri="{FAA26D3D-D897-4be2-8F04-BA451C77F1D7}">
-              <ma14:placeholderFlag xmlns="" xmlns:ma14="http://schemas.microsoft.com/office/mac/drawingml/2011/main" val="1"/>
+              <ma14:placeholderFlag xmlns:ma14="http://schemas.microsoft.com/office/mac/drawingml/2011/main" xmlns="" val="1"/>
             </a:ext>
           </a:extLst>
         </p:spPr>
@@ -27240,7 +26910,7 @@
           <a:lstStyle/>
           <a:p>
             <a:r>
-              <a:rPr lang="vi-VN" altLang="en-US" sz="2700" dirty="0" smtClean="0"/>
+              <a:rPr lang="vi-VN" altLang="en-US" sz="2700" dirty="0"/>
               <a:t>LỚP FILEWRITER</a:t>
             </a:r>
             <a:endParaRPr lang="en-US" altLang="en-US" sz="2700" dirty="0"/>
@@ -27272,8 +26942,20 @@
                 <a:tableStyleId>{0660B408-B3CF-4A94-85FC-2B1E0A45F4A2}</a:tableStyleId>
               </a:tblPr>
               <a:tblGrid>
-                <a:gridCol w="2850676"/>
-                <a:gridCol w="5905500"/>
+                <a:gridCol w="2850676">
+                  <a:extLst>
+                    <a:ext uri="{9D8B030D-6E8A-4147-A177-3AD203B41FA5}">
+                      <a16:colId xmlns:a16="http://schemas.microsoft.com/office/drawing/2014/main" val="20000"/>
+                    </a:ext>
+                  </a:extLst>
+                </a:gridCol>
+                <a:gridCol w="5905500">
+                  <a:extLst>
+                    <a:ext uri="{9D8B030D-6E8A-4147-A177-3AD203B41FA5}">
+                      <a16:colId xmlns:a16="http://schemas.microsoft.com/office/drawing/2014/main" val="20001"/>
+                    </a:ext>
+                  </a:extLst>
+                </a:gridCol>
               </a:tblGrid>
               <a:tr h="317098">
                 <a:tc>
@@ -27352,6 +27034,11 @@
                   </a:txBody>
                   <a:tcPr marL="114300" marR="114300" marT="114300" marB="114300"/>
                 </a:tc>
+                <a:extLst>
+                  <a:ext uri="{0D108BD9-81ED-4DB2-BD59-A6C34878D82A}">
+                    <a16:rowId xmlns:a16="http://schemas.microsoft.com/office/drawing/2014/main" val="10000"/>
+                  </a:ext>
+                </a:extLst>
               </a:tr>
               <a:tr h="431271">
                 <a:tc>
@@ -27427,6 +27114,11 @@
                   </a:txBody>
                   <a:tcPr marL="76200" marR="76200" marT="76200" marB="76200"/>
                 </a:tc>
+                <a:extLst>
+                  <a:ext uri="{0D108BD9-81ED-4DB2-BD59-A6C34878D82A}">
+                    <a16:rowId xmlns:a16="http://schemas.microsoft.com/office/drawing/2014/main" val="10001"/>
+                  </a:ext>
+                </a:extLst>
               </a:tr>
               <a:tr h="293693">
                 <a:tc>
@@ -27502,6 +27194,11 @@
                   </a:txBody>
                   <a:tcPr marL="76200" marR="76200" marT="76200" marB="76200"/>
                 </a:tc>
+                <a:extLst>
+                  <a:ext uri="{0D108BD9-81ED-4DB2-BD59-A6C34878D82A}">
+                    <a16:rowId xmlns:a16="http://schemas.microsoft.com/office/drawing/2014/main" val="10002"/>
+                  </a:ext>
+                </a:extLst>
               </a:tr>
               <a:tr h="293693">
                 <a:tc>
@@ -27577,6 +27274,11 @@
                   </a:txBody>
                   <a:tcPr marL="76200" marR="76200" marT="76200" marB="76200"/>
                 </a:tc>
+                <a:extLst>
+                  <a:ext uri="{0D108BD9-81ED-4DB2-BD59-A6C34878D82A}">
+                    <a16:rowId xmlns:a16="http://schemas.microsoft.com/office/drawing/2014/main" val="10003"/>
+                  </a:ext>
+                </a:extLst>
               </a:tr>
               <a:tr h="293693">
                 <a:tc>
@@ -27652,6 +27354,11 @@
                   </a:txBody>
                   <a:tcPr marL="76200" marR="76200" marT="76200" marB="76200"/>
                 </a:tc>
+                <a:extLst>
+                  <a:ext uri="{0D108BD9-81ED-4DB2-BD59-A6C34878D82A}">
+                    <a16:rowId xmlns:a16="http://schemas.microsoft.com/office/drawing/2014/main" val="10004"/>
+                  </a:ext>
+                </a:extLst>
               </a:tr>
               <a:tr h="293693">
                 <a:tc>
@@ -27769,6 +27476,11 @@
                   </a:txBody>
                   <a:tcPr marL="76200" marR="76200" marT="76200" marB="76200"/>
                 </a:tc>
+                <a:extLst>
+                  <a:ext uri="{0D108BD9-81ED-4DB2-BD59-A6C34878D82A}">
+                    <a16:rowId xmlns:a16="http://schemas.microsoft.com/office/drawing/2014/main" val="10005"/>
+                  </a:ext>
+                </a:extLst>
               </a:tr>
             </a:tbl>
           </a:graphicData>
@@ -27813,13 +27525,6 @@
   <p:clrMapOvr>
     <a:masterClrMapping/>
   </p:clrMapOvr>
-  <p:timing>
-    <p:tnLst>
-      <p:par>
-        <p:cTn id="1" dur="indefinite" restart="never" nodeType="tmRoot"/>
-      </p:par>
-    </p:tnLst>
-  </p:timing>
 </p:sld>
 </file>
 
@@ -27853,7 +27558,7 @@
         <p:spPr>
           <a:extLst>
             <a:ext uri="{FAA26D3D-D897-4be2-8F04-BA451C77F1D7}">
-              <ma14:placeholderFlag xmlns="" xmlns:ma14="http://schemas.microsoft.com/office/mac/drawingml/2011/main" val="1"/>
+              <ma14:placeholderFlag xmlns:ma14="http://schemas.microsoft.com/office/mac/drawingml/2011/main" xmlns="" val="1"/>
             </a:ext>
           </a:extLst>
         </p:spPr>
@@ -27864,7 +27569,7 @@
           <a:lstStyle/>
           <a:p>
             <a:r>
-              <a:rPr lang="vi-VN" altLang="en-US" sz="2700" dirty="0" smtClean="0"/>
+              <a:rPr lang="vi-VN" altLang="en-US" sz="2700" dirty="0"/>
               <a:t>LỚP FILEWRITER</a:t>
             </a:r>
             <a:endParaRPr lang="en-US" altLang="en-US" sz="2700" dirty="0"/>
@@ -27938,13 +27643,6 @@
   <p:clrMapOvr>
     <a:masterClrMapping/>
   </p:clrMapOvr>
-  <p:timing>
-    <p:tnLst>
-      <p:par>
-        <p:cTn id="1" dur="indefinite" restart="never" nodeType="tmRoot"/>
-      </p:par>
-    </p:tnLst>
-  </p:timing>
 </p:sld>
 </file>
 
@@ -27982,7 +27680,7 @@
           </a:xfrm>
           <a:extLst>
             <a:ext uri="{FAA26D3D-D897-4be2-8F04-BA451C77F1D7}">
-              <ma14:placeholderFlag xmlns="" xmlns:ma14="http://schemas.microsoft.com/office/mac/drawingml/2011/main" val="1"/>
+              <ma14:placeholderFlag xmlns:ma14="http://schemas.microsoft.com/office/mac/drawingml/2011/main" xmlns="" val="1"/>
             </a:ext>
           </a:extLst>
         </p:spPr>
@@ -27993,7 +27691,7 @@
           <a:lstStyle/>
           <a:p>
             <a:r>
-              <a:rPr lang="vi-VN" altLang="en-US" sz="2700" dirty="0" smtClean="0"/>
+              <a:rPr lang="vi-VN" altLang="en-US" sz="2700" dirty="0"/>
               <a:t>SỬ DỤNG DÒNG KÍ TỰ</a:t>
             </a:r>
             <a:endParaRPr lang="en-US" altLang="en-US" sz="2700" dirty="0"/>
@@ -28304,7 +28002,7 @@
               </a:spcAft>
             </a:pPr>
             <a:r>
-              <a:rPr lang="en-US" sz="1800" dirty="0" err="1" smtClean="0">
+              <a:rPr lang="en-US" sz="1800" dirty="0" err="1">
                 <a:solidFill>
                   <a:srgbClr val="343A40"/>
                 </a:solidFill>
@@ -28315,7 +28013,7 @@
               <a:t>Các</a:t>
             </a:r>
             <a:r>
-              <a:rPr lang="en-US" sz="1800" dirty="0" smtClean="0">
+              <a:rPr lang="en-US" sz="1800" dirty="0">
                 <a:solidFill>
                   <a:srgbClr val="343A40"/>
                 </a:solidFill>
@@ -28414,7 +28112,7 @@
               <a:t> </a:t>
             </a:r>
             <a:r>
-              <a:rPr lang="en-US" sz="1800" dirty="0" err="1" smtClean="0">
+              <a:rPr lang="en-US" sz="1800" dirty="0" err="1">
                 <a:solidFill>
                   <a:srgbClr val="343A40"/>
                 </a:solidFill>
@@ -28425,7 +28123,7 @@
               <a:t>thuộc</a:t>
             </a:r>
             <a:r>
-              <a:rPr lang="en-US" sz="1800" dirty="0" smtClean="0">
+              <a:rPr lang="en-US" sz="1800" dirty="0">
                 <a:solidFill>
                   <a:srgbClr val="343A40"/>
                 </a:solidFill>
@@ -28436,7 +28134,7 @@
               <a:t> </a:t>
             </a:r>
             <a:r>
-              <a:rPr lang="en-US" sz="1800" dirty="0" err="1" smtClean="0">
+              <a:rPr lang="en-US" sz="1800" dirty="0" err="1">
                 <a:solidFill>
                   <a:srgbClr val="343A40"/>
                 </a:solidFill>
@@ -28447,7 +28145,7 @@
               <a:t>về</a:t>
             </a:r>
             <a:r>
-              <a:rPr lang="en-US" sz="1800" dirty="0" smtClean="0">
+              <a:rPr lang="en-US" sz="1800" dirty="0">
                 <a:solidFill>
                   <a:srgbClr val="343A40"/>
                 </a:solidFill>
@@ -28502,7 +28200,7 @@
               <a:t> và </a:t>
             </a:r>
             <a:r>
-              <a:rPr lang="en-US" sz="1800" dirty="0" err="1" smtClean="0">
+              <a:rPr lang="en-US" sz="1800" dirty="0" err="1">
                 <a:solidFill>
                   <a:srgbClr val="343A40"/>
                 </a:solidFill>
@@ -28578,13 +28276,6 @@
   <p:clrMapOvr>
     <a:masterClrMapping/>
   </p:clrMapOvr>
-  <p:timing>
-    <p:tnLst>
-      <p:par>
-        <p:cTn id="1" dur="indefinite" restart="never" nodeType="tmRoot"/>
-      </p:par>
-    </p:tnLst>
-  </p:timing>
 </p:sld>
 </file>
 
@@ -28622,7 +28313,7 @@
           </a:xfrm>
           <a:extLst>
             <a:ext uri="{FAA26D3D-D897-4be2-8F04-BA451C77F1D7}">
-              <ma14:placeholderFlag xmlns="" xmlns:ma14="http://schemas.microsoft.com/office/mac/drawingml/2011/main" val="1"/>
+              <ma14:placeholderFlag xmlns:ma14="http://schemas.microsoft.com/office/mac/drawingml/2011/main" xmlns="" val="1"/>
             </a:ext>
           </a:extLst>
         </p:spPr>
@@ -28633,7 +28324,7 @@
           <a:lstStyle/>
           <a:p>
             <a:r>
-              <a:rPr lang="vi-VN" altLang="en-US" sz="2700" dirty="0" smtClean="0"/>
+              <a:rPr lang="vi-VN" altLang="en-US" sz="2700" dirty="0"/>
               <a:t>SỬ DỤNG DÒNG KÍ TỰ</a:t>
             </a:r>
             <a:endParaRPr lang="en-US" altLang="en-US" sz="2700" dirty="0"/>
@@ -28679,13 +28370,6 @@
   <p:clrMapOvr>
     <a:masterClrMapping/>
   </p:clrMapOvr>
-  <p:timing>
-    <p:tnLst>
-      <p:par>
-        <p:cTn id="1" dur="indefinite" restart="never" nodeType="tmRoot"/>
-      </p:par>
-    </p:tnLst>
-  </p:timing>
 </p:sld>
 </file>
 
@@ -28719,7 +28403,7 @@
         <p:spPr>
           <a:extLst>
             <a:ext uri="{FAA26D3D-D897-4be2-8F04-BA451C77F1D7}">
-              <ma14:placeholderFlag xmlns="" xmlns:ma14="http://schemas.microsoft.com/office/mac/drawingml/2011/main" val="1"/>
+              <ma14:placeholderFlag xmlns:ma14="http://schemas.microsoft.com/office/mac/drawingml/2011/main" xmlns="" val="1"/>
             </a:ext>
           </a:extLst>
         </p:spPr>
@@ -28730,11 +28414,11 @@
           <a:lstStyle/>
           <a:p>
             <a:r>
-              <a:rPr lang="en-US" altLang="en-US" sz="2700" dirty="0" smtClean="0"/>
+              <a:rPr lang="en-US" altLang="en-US" sz="2700" dirty="0"/>
               <a:t>GIỚI </a:t>
             </a:r>
             <a:r>
-              <a:rPr lang="en-US" altLang="en-US" sz="2700" dirty="0" err="1" smtClean="0"/>
+              <a:rPr lang="en-US" altLang="en-US" sz="2700" dirty="0" err="1"/>
               <a:t>THIỆU</a:t>
             </a:r>
             <a:endParaRPr lang="en-US" altLang="en-US" sz="2700" dirty="0"/>
@@ -28784,7 +28468,7 @@
               </a:rPr>
               <a:t>Ý tưởng cơ bản của luồng là dữ liệu đi vào một đầu của kênh dữ liệu theo một trình tự cụ thể và xuất hiện ở đầu kia theo cùng một trình tự. </a:t>
             </a:r>
-            <a:endParaRPr lang="en-US" sz="1800" dirty="0" smtClean="0">
+            <a:endParaRPr lang="en-US" sz="1800" dirty="0">
               <a:solidFill>
                 <a:srgbClr val="343A40"/>
               </a:solidFill>
@@ -28806,7 +28490,7 @@
               </a:spcAft>
             </a:pPr>
             <a:r>
-              <a:rPr lang="en-US" sz="1800" dirty="0" smtClean="0">
+              <a:rPr lang="en-US" sz="1800" dirty="0">
                 <a:solidFill>
                   <a:srgbClr val="343A40"/>
                 </a:solidFill>
@@ -28817,17 +28501,6 @@
               <a:t>C</a:t>
             </a:r>
             <a:r>
-              <a:rPr lang="vi-VN" sz="1800" dirty="0" smtClean="0">
-                <a:solidFill>
-                  <a:srgbClr val="343A40"/>
-                </a:solidFill>
-                <a:latin typeface="Segoe UI" panose="020B0502040204020203" pitchFamily="34" charset="0"/>
-                <a:ea typeface="Times New Roman" panose="02020603050405020304" pitchFamily="18" charset="0"/>
-                <a:cs typeface="Times New Roman" panose="02020603050405020304" pitchFamily="18" charset="0"/>
-              </a:rPr>
-              <a:t>ác </a:t>
-            </a:r>
-            <a:r>
               <a:rPr lang="vi-VN" sz="1800" dirty="0">
                 <a:solidFill>
                   <a:srgbClr val="343A40"/>
@@ -28836,10 +28509,10 @@
                 <a:ea typeface="Times New Roman" panose="02020603050405020304" pitchFamily="18" charset="0"/>
                 <a:cs typeface="Times New Roman" panose="02020603050405020304" pitchFamily="18" charset="0"/>
               </a:rPr>
-              <a:t>luồng là các chuỗi dữ liệu được sắp xếp theo thứ tự, </a:t>
-            </a:r>
-            <a:r>
-              <a:rPr lang="en-US" sz="1800" dirty="0" err="1" smtClean="0">
+              <a:t>ác luồng là các chuỗi dữ liệu được sắp xếp theo thứ tự, </a:t>
+            </a:r>
+            <a:r>
+              <a:rPr lang="en-US" sz="1800" dirty="0" err="1">
                 <a:solidFill>
                   <a:srgbClr val="343A40"/>
                 </a:solidFill>
@@ -28850,7 +28523,7 @@
               <a:t>gồm</a:t>
             </a:r>
             <a:r>
-              <a:rPr lang="vi-VN" sz="1800" dirty="0" smtClean="0">
+              <a:rPr lang="vi-VN" sz="1800" dirty="0">
                 <a:solidFill>
                   <a:srgbClr val="343A40"/>
                 </a:solidFill>
@@ -28860,14 +28533,6 @@
               </a:rPr>
               <a:t>:</a:t>
             </a:r>
-            <a:endParaRPr lang="vi-VN" sz="1800" dirty="0">
-              <a:solidFill>
-                <a:srgbClr val="343A40"/>
-              </a:solidFill>
-              <a:latin typeface="Segoe UI" panose="020B0502040204020203" pitchFamily="34" charset="0"/>
-              <a:ea typeface="Times New Roman" panose="02020603050405020304" pitchFamily="18" charset="0"/>
-              <a:cs typeface="Times New Roman" panose="02020603050405020304" pitchFamily="18" charset="0"/>
-            </a:endParaRPr>
           </a:p>
           <a:p>
             <a:pPr algn="just">
@@ -28890,29 +28555,7 @@
                 <a:ea typeface="Times New Roman" panose="02020603050405020304" pitchFamily="18" charset="0"/>
                 <a:cs typeface="Times New Roman" panose="02020603050405020304" pitchFamily="18" charset="0"/>
               </a:rPr>
-              <a:t> </a:t>
-            </a:r>
-            <a:r>
-              <a:rPr lang="vi-VN" sz="1800" dirty="0" smtClean="0">
-                <a:solidFill>
-                  <a:srgbClr val="343A40"/>
-                </a:solidFill>
-                <a:latin typeface="Segoe UI" panose="020B0502040204020203" pitchFamily="34" charset="0"/>
-                <a:ea typeface="Times New Roman" panose="02020603050405020304" pitchFamily="18" charset="0"/>
-                <a:cs typeface="Times New Roman" panose="02020603050405020304" pitchFamily="18" charset="0"/>
-              </a:rPr>
-              <a:t>- </a:t>
-            </a:r>
-            <a:r>
-              <a:rPr lang="vi-VN" sz="1800" dirty="0">
-                <a:solidFill>
-                  <a:srgbClr val="343A40"/>
-                </a:solidFill>
-                <a:latin typeface="Segoe UI" panose="020B0502040204020203" pitchFamily="34" charset="0"/>
-                <a:ea typeface="Times New Roman" panose="02020603050405020304" pitchFamily="18" charset="0"/>
-                <a:cs typeface="Times New Roman" panose="02020603050405020304" pitchFamily="18" charset="0"/>
-              </a:rPr>
-              <a:t>Một nguồn (luồng đầu vào- input stream) và</a:t>
+              <a:t> - Một nguồn (luồng đầu vào- input stream) và</a:t>
             </a:r>
           </a:p>
           <a:p>
@@ -28952,7 +28595,7 @@
               </a:spcAft>
             </a:pPr>
             <a:r>
-              <a:rPr lang="vi-VN" sz="1800" dirty="0" smtClean="0">
+              <a:rPr lang="vi-VN" sz="1800" dirty="0">
                 <a:solidFill>
                   <a:srgbClr val="343A40"/>
                 </a:solidFill>
@@ -28962,14 +28605,6 @@
               </a:rPr>
               <a:t>. </a:t>
             </a:r>
-            <a:endParaRPr lang="vi-VN" sz="1800" dirty="0">
-              <a:solidFill>
-                <a:srgbClr val="343A40"/>
-              </a:solidFill>
-              <a:latin typeface="Segoe UI" panose="020B0502040204020203" pitchFamily="34" charset="0"/>
-              <a:ea typeface="Times New Roman" panose="02020603050405020304" pitchFamily="18" charset="0"/>
-              <a:cs typeface="Times New Roman" panose="02020603050405020304" pitchFamily="18" charset="0"/>
-            </a:endParaRPr>
           </a:p>
         </p:txBody>
       </p:sp>
@@ -28983,13 +28618,6 @@
   <p:clrMapOvr>
     <a:masterClrMapping/>
   </p:clrMapOvr>
-  <p:timing>
-    <p:tnLst>
-      <p:par>
-        <p:cTn id="1" dur="indefinite" restart="never" nodeType="tmRoot"/>
-      </p:par>
-    </p:tnLst>
-  </p:timing>
 </p:sld>
 </file>
 
@@ -29027,7 +28655,7 @@
           </a:xfrm>
           <a:extLst>
             <a:ext uri="{FAA26D3D-D897-4be2-8F04-BA451C77F1D7}">
-              <ma14:placeholderFlag xmlns="" xmlns:ma14="http://schemas.microsoft.com/office/mac/drawingml/2011/main" val="1"/>
+              <ma14:placeholderFlag xmlns:ma14="http://schemas.microsoft.com/office/mac/drawingml/2011/main" xmlns="" val="1"/>
             </a:ext>
           </a:extLst>
         </p:spPr>
@@ -29038,7 +28666,7 @@
           <a:lstStyle/>
           <a:p>
             <a:r>
-              <a:rPr lang="vi-VN" altLang="en-US" sz="2700" dirty="0" smtClean="0"/>
+              <a:rPr lang="vi-VN" altLang="en-US" sz="2700" dirty="0"/>
               <a:t>SỬ DỤNG DÒNG KÍ TỰ</a:t>
             </a:r>
             <a:endParaRPr lang="en-US" altLang="en-US" sz="2700" dirty="0"/>
@@ -29113,13 +28741,6 @@
   <p:clrMapOvr>
     <a:masterClrMapping/>
   </p:clrMapOvr>
-  <p:timing>
-    <p:tnLst>
-      <p:par>
-        <p:cTn id="1" dur="indefinite" restart="never" nodeType="tmRoot"/>
-      </p:par>
-    </p:tnLst>
-  </p:timing>
 </p:sld>
 </file>
 
@@ -29153,7 +28774,7 @@
         <p:spPr>
           <a:extLst>
             <a:ext uri="{FAA26D3D-D897-4be2-8F04-BA451C77F1D7}">
-              <ma14:placeholderFlag xmlns="" xmlns:ma14="http://schemas.microsoft.com/office/mac/drawingml/2011/main" val="1"/>
+              <ma14:placeholderFlag xmlns:ma14="http://schemas.microsoft.com/office/mac/drawingml/2011/main" xmlns="" val="1"/>
             </a:ext>
           </a:extLst>
         </p:spPr>
@@ -29164,7 +28785,7 @@
           <a:lstStyle/>
           <a:p>
             <a:r>
-              <a:rPr lang="vi-VN" altLang="en-US" sz="2700" dirty="0" smtClean="0"/>
+              <a:rPr lang="vi-VN" altLang="en-US" sz="2700" dirty="0"/>
               <a:t>I/O HƯỚNG DÒNG </a:t>
             </a:r>
             <a:endParaRPr lang="en-US" altLang="en-US" sz="2700" dirty="0"/>
@@ -29209,25 +28830,9 @@
                 <a:ea typeface="Times New Roman" panose="02020603050405020304" pitchFamily="18" charset="0"/>
                 <a:cs typeface="Times New Roman" panose="02020603050405020304" pitchFamily="18" charset="0"/>
               </a:rPr>
-              <a:t>Dòng I/O ký tự </a:t>
-            </a:r>
-            <a:r>
-              <a:rPr lang="vi-VN" sz="1800" dirty="0" smtClean="0">
-                <a:latin typeface="Segoe UI" panose="020B0502040204020203" pitchFamily="34" charset="0"/>
-                <a:ea typeface="Times New Roman" panose="02020603050405020304" pitchFamily="18" charset="0"/>
-                <a:cs typeface="Times New Roman" panose="02020603050405020304" pitchFamily="18" charset="0"/>
-              </a:rPr>
-              <a:t>xảy </a:t>
-            </a:r>
-            <a:r>
-              <a:rPr lang="vi-VN" sz="1800" dirty="0">
-                <a:latin typeface="Segoe UI" panose="020B0502040204020203" pitchFamily="34" charset="0"/>
-                <a:ea typeface="Times New Roman" panose="02020603050405020304" pitchFamily="18" charset="0"/>
-                <a:cs typeface="Times New Roman" panose="02020603050405020304" pitchFamily="18" charset="0"/>
-              </a:rPr>
-              <a:t>ra trong các đơn vị lớn hơn so với các ký tự đơn lẻ. </a:t>
-            </a:r>
-            <a:endParaRPr lang="en-US" sz="1800" dirty="0" smtClean="0">
+              <a:t>Dòng I/O ký tự xảy ra trong các đơn vị lớn hơn so với các ký tự đơn lẻ. </a:t>
+            </a:r>
+            <a:endParaRPr lang="en-US" sz="1800" dirty="0">
               <a:latin typeface="Segoe UI" panose="020B0502040204020203" pitchFamily="34" charset="0"/>
               <a:ea typeface="Times New Roman" panose="02020603050405020304" pitchFamily="18" charset="0"/>
               <a:cs typeface="Times New Roman" panose="02020603050405020304" pitchFamily="18" charset="0"/>
@@ -29246,22 +28851,14 @@
               </a:spcAft>
             </a:pPr>
             <a:r>
-              <a:rPr lang="vi-VN" sz="1800" dirty="0" smtClean="0">
-                <a:latin typeface="Segoe UI" panose="020B0502040204020203" pitchFamily="34" charset="0"/>
-                <a:ea typeface="Times New Roman" panose="02020603050405020304" pitchFamily="18" charset="0"/>
-                <a:cs typeface="Times New Roman" panose="02020603050405020304" pitchFamily="18" charset="0"/>
-              </a:rPr>
-              <a:t>Một </a:t>
-            </a:r>
-            <a:r>
               <a:rPr lang="vi-VN" sz="1800" dirty="0">
                 <a:latin typeface="Segoe UI" panose="020B0502040204020203" pitchFamily="34" charset="0"/>
                 <a:ea typeface="Times New Roman" panose="02020603050405020304" pitchFamily="18" charset="0"/>
                 <a:cs typeface="Times New Roman" panose="02020603050405020304" pitchFamily="18" charset="0"/>
               </a:rPr>
-              <a:t>đơn vị phổ biến là dòng: một chuỗi ký tự có dấu kết thúc dòng ở cuối. </a:t>
-            </a:r>
-            <a:endParaRPr lang="en-US" sz="1800" dirty="0" smtClean="0">
+              <a:t>Một đơn vị phổ biến là dòng: một chuỗi ký tự có dấu kết thúc dòng ở cuối. </a:t>
+            </a:r>
+            <a:endParaRPr lang="en-US" sz="1800" dirty="0">
               <a:latin typeface="Segoe UI" panose="020B0502040204020203" pitchFamily="34" charset="0"/>
               <a:ea typeface="Times New Roman" panose="02020603050405020304" pitchFamily="18" charset="0"/>
               <a:cs typeface="Times New Roman" panose="02020603050405020304" pitchFamily="18" charset="0"/>
@@ -29280,22 +28877,14 @@
               </a:spcAft>
             </a:pPr>
             <a:r>
-              <a:rPr lang="vi-VN" sz="1800" dirty="0" smtClean="0">
-                <a:latin typeface="Segoe UI" panose="020B0502040204020203" pitchFamily="34" charset="0"/>
-                <a:ea typeface="Times New Roman" panose="02020603050405020304" pitchFamily="18" charset="0"/>
-                <a:cs typeface="Times New Roman" panose="02020603050405020304" pitchFamily="18" charset="0"/>
-              </a:rPr>
-              <a:t>Dấu </a:t>
-            </a:r>
-            <a:r>
               <a:rPr lang="vi-VN" sz="1800" dirty="0">
                 <a:latin typeface="Segoe UI" panose="020B0502040204020203" pitchFamily="34" charset="0"/>
                 <a:ea typeface="Times New Roman" panose="02020603050405020304" pitchFamily="18" charset="0"/>
                 <a:cs typeface="Times New Roman" panose="02020603050405020304" pitchFamily="18" charset="0"/>
               </a:rPr>
-              <a:t>kết thúc dòng có thể là một trình tự về đầu dòng/xuống dòng ("\r\n"), về đầu dòng đơn (a single carriage-return) ("\r") hoặc xuống dòng đơn ("\n"). </a:t>
-            </a:r>
-            <a:endParaRPr lang="en-US" sz="1800" dirty="0" smtClean="0">
+              <a:t>Dấu kết thúc dòng có thể là một trình tự về đầu dòng/xuống dòng ("\r\n"), về đầu dòng đơn (a single carriage-return) ("\r") hoặc xuống dòng đơn ("\n"). </a:t>
+            </a:r>
+            <a:endParaRPr lang="en-US" sz="1800" dirty="0">
               <a:latin typeface="Segoe UI" panose="020B0502040204020203" pitchFamily="34" charset="0"/>
               <a:ea typeface="Times New Roman" panose="02020603050405020304" pitchFamily="18" charset="0"/>
               <a:cs typeface="Times New Roman" panose="02020603050405020304" pitchFamily="18" charset="0"/>
@@ -29314,20 +28903,12 @@
               </a:spcAft>
             </a:pPr>
             <a:r>
-              <a:rPr lang="vi-VN" sz="1800" dirty="0" smtClean="0">
-                <a:latin typeface="Segoe UI" panose="020B0502040204020203" pitchFamily="34" charset="0"/>
-                <a:ea typeface="Times New Roman" panose="02020603050405020304" pitchFamily="18" charset="0"/>
-                <a:cs typeface="Times New Roman" panose="02020603050405020304" pitchFamily="18" charset="0"/>
-              </a:rPr>
-              <a:t>Việc </a:t>
-            </a:r>
-            <a:r>
               <a:rPr lang="vi-VN" sz="1800" dirty="0">
                 <a:latin typeface="Segoe UI" panose="020B0502040204020203" pitchFamily="34" charset="0"/>
                 <a:ea typeface="Times New Roman" panose="02020603050405020304" pitchFamily="18" charset="0"/>
                 <a:cs typeface="Times New Roman" panose="02020603050405020304" pitchFamily="18" charset="0"/>
               </a:rPr>
-              <a:t>hỗ trợ đọc kí tự đầu và cuối dòng cho phép các chương trình đọc các tệp văn bản được tạo trên bất kỳ hệ điều hành.</a:t>
+              <a:t>Việc hỗ trợ đọc kí tự đầu và cuối dòng cho phép các chương trình đọc các tệp văn bản được tạo trên bất kỳ hệ điều hành.</a:t>
             </a:r>
             <a:endParaRPr lang="en-US" sz="1800" dirty="0">
               <a:latin typeface="Calibri" panose="020F0502020204030204" pitchFamily="34" charset="0"/>
@@ -29347,13 +28928,6 @@
   <p:clrMapOvr>
     <a:masterClrMapping/>
   </p:clrMapOvr>
-  <p:timing>
-    <p:tnLst>
-      <p:par>
-        <p:cTn id="1" dur="indefinite" restart="never" nodeType="tmRoot"/>
-      </p:par>
-    </p:tnLst>
-  </p:timing>
 </p:sld>
 </file>
 
@@ -29387,7 +28961,7 @@
         <p:spPr>
           <a:extLst>
             <a:ext uri="{FAA26D3D-D897-4be2-8F04-BA451C77F1D7}">
-              <ma14:placeholderFlag xmlns="" xmlns:ma14="http://schemas.microsoft.com/office/mac/drawingml/2011/main" val="1"/>
+              <ma14:placeholderFlag xmlns:ma14="http://schemas.microsoft.com/office/mac/drawingml/2011/main" xmlns="" val="1"/>
             </a:ext>
           </a:extLst>
         </p:spPr>
@@ -29398,7 +28972,7 @@
           <a:lstStyle/>
           <a:p>
             <a:r>
-              <a:rPr lang="vi-VN" altLang="en-US" sz="2700" dirty="0" smtClean="0"/>
+              <a:rPr lang="vi-VN" altLang="en-US" sz="2700" dirty="0"/>
               <a:t>I/O HƯỚNG DÒNG </a:t>
             </a:r>
             <a:endParaRPr lang="en-US" altLang="en-US" sz="2700" dirty="0"/>
@@ -29444,13 +29018,6 @@
   <p:clrMapOvr>
     <a:masterClrMapping/>
   </p:clrMapOvr>
-  <p:timing>
-    <p:tnLst>
-      <p:par>
-        <p:cTn id="1" dur="indefinite" restart="never" nodeType="tmRoot"/>
-      </p:par>
-    </p:tnLst>
-  </p:timing>
 </p:sld>
 </file>
 
@@ -29518,13 +29085,6 @@
   <p:clrMapOvr>
     <a:masterClrMapping/>
   </p:clrMapOvr>
-  <p:timing>
-    <p:tnLst>
-      <p:par>
-        <p:cTn id="1" dur="indefinite" restart="never" nodeType="tmRoot"/>
-      </p:par>
-    </p:tnLst>
-  </p:timing>
 </p:sld>
 </file>
 
@@ -29558,7 +29118,7 @@
         <p:spPr>
           <a:extLst>
             <a:ext uri="{FAA26D3D-D897-4be2-8F04-BA451C77F1D7}">
-              <ma14:placeholderFlag xmlns="" xmlns:ma14="http://schemas.microsoft.com/office/mac/drawingml/2011/main" val="1"/>
+              <ma14:placeholderFlag xmlns:ma14="http://schemas.microsoft.com/office/mac/drawingml/2011/main" xmlns="" val="1"/>
             </a:ext>
           </a:extLst>
         </p:spPr>
@@ -29569,7 +29129,7 @@
           <a:lstStyle/>
           <a:p>
             <a:r>
-              <a:rPr lang="vi-VN" altLang="en-US" sz="2700" dirty="0" smtClean="0"/>
+              <a:rPr lang="vi-VN" altLang="en-US" sz="2700" dirty="0"/>
               <a:t>GIỚI THIỆU</a:t>
             </a:r>
             <a:endParaRPr lang="en-US" altLang="en-US" sz="2700" dirty="0"/>
@@ -29620,7 +29180,7 @@
               <a:t>Lớp </a:t>
             </a:r>
             <a:r>
-              <a:rPr lang="en-US" sz="1800" dirty="0" err="1" smtClean="0">
+              <a:rPr lang="en-US" sz="1800" dirty="0" err="1">
                 <a:solidFill>
                   <a:srgbClr val="343A40"/>
                 </a:solidFill>
@@ -29631,7 +29191,7 @@
               <a:t>DataInputStream</a:t>
             </a:r>
             <a:r>
-              <a:rPr lang="en-US" sz="1800" dirty="0" smtClean="0">
+              <a:rPr lang="en-US" sz="1800" dirty="0">
                 <a:solidFill>
                   <a:srgbClr val="343A40"/>
                 </a:solidFill>
@@ -30137,8 +29697,20 @@
                 <a:tableStyleId>{0660B408-B3CF-4A94-85FC-2B1E0A45F4A2}</a:tableStyleId>
               </a:tblPr>
               <a:tblGrid>
-                <a:gridCol w="3254536"/>
-                <a:gridCol w="5501640"/>
+                <a:gridCol w="3254536">
+                  <a:extLst>
+                    <a:ext uri="{9D8B030D-6E8A-4147-A177-3AD203B41FA5}">
+                      <a16:colId xmlns:a16="http://schemas.microsoft.com/office/drawing/2014/main" val="20000"/>
+                    </a:ext>
+                  </a:extLst>
+                </a:gridCol>
+                <a:gridCol w="5501640">
+                  <a:extLst>
+                    <a:ext uri="{9D8B030D-6E8A-4147-A177-3AD203B41FA5}">
+                      <a16:colId xmlns:a16="http://schemas.microsoft.com/office/drawing/2014/main" val="20001"/>
+                    </a:ext>
+                  </a:extLst>
+                </a:gridCol>
               </a:tblGrid>
               <a:tr h="317098">
                 <a:tc>
@@ -30211,6 +29783,11 @@
                   </a:txBody>
                   <a:tcPr marL="114300" marR="114300" marT="114300" marB="114300"/>
                 </a:tc>
+                <a:extLst>
+                  <a:ext uri="{0D108BD9-81ED-4DB2-BD59-A6C34878D82A}">
+                    <a16:rowId xmlns:a16="http://schemas.microsoft.com/office/drawing/2014/main" val="10000"/>
+                  </a:ext>
+                </a:extLst>
               </a:tr>
               <a:tr h="431271">
                 <a:tc>
@@ -30547,6 +30124,11 @@
                   </a:txBody>
                   <a:tcPr marL="95250" marR="95250" marT="133350" marB="133350" anchor="ctr"/>
                 </a:tc>
+                <a:extLst>
+                  <a:ext uri="{0D108BD9-81ED-4DB2-BD59-A6C34878D82A}">
+                    <a16:rowId xmlns:a16="http://schemas.microsoft.com/office/drawing/2014/main" val="10001"/>
+                  </a:ext>
+                </a:extLst>
               </a:tr>
             </a:tbl>
           </a:graphicData>
@@ -30574,11 +30156,11 @@
           <a:lstStyle/>
           <a:p>
             <a:r>
-              <a:rPr lang="en-US" sz="1800" dirty="0" smtClean="0"/>
+              <a:rPr lang="en-US" sz="1800" dirty="0"/>
               <a:t>Hàm </a:t>
             </a:r>
             <a:r>
-              <a:rPr lang="en-US" sz="1800" dirty="0" err="1" smtClean="0"/>
+              <a:rPr lang="en-US" sz="1800" dirty="0" err="1"/>
               <a:t>tạo</a:t>
             </a:r>
             <a:endParaRPr lang="en-US" sz="1800" dirty="0"/>
@@ -30595,13 +30177,6 @@
   <p:clrMapOvr>
     <a:masterClrMapping/>
   </p:clrMapOvr>
-  <p:timing>
-    <p:tnLst>
-      <p:par>
-        <p:cTn id="1" dur="indefinite" restart="never" nodeType="tmRoot"/>
-      </p:par>
-    </p:tnLst>
-  </p:timing>
 </p:sld>
 </file>
 
@@ -30635,7 +30210,7 @@
         <p:spPr>
           <a:extLst>
             <a:ext uri="{FAA26D3D-D897-4be2-8F04-BA451C77F1D7}">
-              <ma14:placeholderFlag xmlns="" xmlns:ma14="http://schemas.microsoft.com/office/mac/drawingml/2011/main" val="1"/>
+              <ma14:placeholderFlag xmlns:ma14="http://schemas.microsoft.com/office/mac/drawingml/2011/main" xmlns="" val="1"/>
             </a:ext>
           </a:extLst>
         </p:spPr>
@@ -30646,10 +30221,9 @@
           <a:lstStyle/>
           <a:p>
             <a:r>
-              <a:rPr lang="vi-VN" altLang="en-US" sz="2700" dirty="0" smtClean="0"/>
+              <a:rPr lang="vi-VN" altLang="en-US" sz="2700" dirty="0"/>
               <a:t>CÁC PHƯƠNG THỨC</a:t>
             </a:r>
-            <a:endParaRPr lang="vi-VN" altLang="en-US" sz="2700" dirty="0"/>
           </a:p>
         </p:txBody>
       </p:sp>
@@ -30678,8 +30252,20 @@
                 <a:tableStyleId>{0660B408-B3CF-4A94-85FC-2B1E0A45F4A2}</a:tableStyleId>
               </a:tblPr>
               <a:tblGrid>
-                <a:gridCol w="3365710"/>
-                <a:gridCol w="5390466"/>
+                <a:gridCol w="3365710">
+                  <a:extLst>
+                    <a:ext uri="{9D8B030D-6E8A-4147-A177-3AD203B41FA5}">
+                      <a16:colId xmlns:a16="http://schemas.microsoft.com/office/drawing/2014/main" val="20000"/>
+                    </a:ext>
+                  </a:extLst>
+                </a:gridCol>
+                <a:gridCol w="5390466">
+                  <a:extLst>
+                    <a:ext uri="{9D8B030D-6E8A-4147-A177-3AD203B41FA5}">
+                      <a16:colId xmlns:a16="http://schemas.microsoft.com/office/drawing/2014/main" val="20001"/>
+                    </a:ext>
+                  </a:extLst>
+                </a:gridCol>
               </a:tblGrid>
               <a:tr h="317098">
                 <a:tc>
@@ -30758,6 +30344,11 @@
                   </a:txBody>
                   <a:tcPr marL="114300" marR="114300" marT="114300" marB="114300"/>
                 </a:tc>
+                <a:extLst>
+                  <a:ext uri="{0D108BD9-81ED-4DB2-BD59-A6C34878D82A}">
+                    <a16:rowId xmlns:a16="http://schemas.microsoft.com/office/drawing/2014/main" val="10000"/>
+                  </a:ext>
+                </a:extLst>
               </a:tr>
               <a:tr h="477686">
                 <a:tc>
@@ -30833,6 +30424,11 @@
                   </a:txBody>
                   <a:tcPr marL="76200" marR="76200" marT="76200" marB="76200"/>
                 </a:tc>
+                <a:extLst>
+                  <a:ext uri="{0D108BD9-81ED-4DB2-BD59-A6C34878D82A}">
+                    <a16:rowId xmlns:a16="http://schemas.microsoft.com/office/drawing/2014/main" val="10001"/>
+                  </a:ext>
+                </a:extLst>
               </a:tr>
               <a:tr h="293693">
                 <a:tc>
@@ -31146,6 +30742,11 @@
                   </a:txBody>
                   <a:tcPr marL="76200" marR="76200" marT="76200" marB="76200"/>
                 </a:tc>
+                <a:extLst>
+                  <a:ext uri="{0D108BD9-81ED-4DB2-BD59-A6C34878D82A}">
+                    <a16:rowId xmlns:a16="http://schemas.microsoft.com/office/drawing/2014/main" val="10002"/>
+                  </a:ext>
+                </a:extLst>
               </a:tr>
               <a:tr h="293693">
                 <a:tc>
@@ -31459,6 +31060,11 @@
                   </a:txBody>
                   <a:tcPr marL="76200" marR="76200" marT="76200" marB="76200"/>
                 </a:tc>
+                <a:extLst>
+                  <a:ext uri="{0D108BD9-81ED-4DB2-BD59-A6C34878D82A}">
+                    <a16:rowId xmlns:a16="http://schemas.microsoft.com/office/drawing/2014/main" val="10003"/>
+                  </a:ext>
+                </a:extLst>
               </a:tr>
               <a:tr h="293693">
                 <a:tc>
@@ -31688,6 +31294,11 @@
                   </a:txBody>
                   <a:tcPr marL="76200" marR="76200" marT="76200" marB="76200"/>
                 </a:tc>
+                <a:extLst>
+                  <a:ext uri="{0D108BD9-81ED-4DB2-BD59-A6C34878D82A}">
+                    <a16:rowId xmlns:a16="http://schemas.microsoft.com/office/drawing/2014/main" val="10004"/>
+                  </a:ext>
+                </a:extLst>
               </a:tr>
               <a:tr h="293693">
                 <a:tc>
@@ -32001,6 +31612,11 @@
                   </a:txBody>
                   <a:tcPr marL="76200" marR="76200" marT="76200" marB="76200"/>
                 </a:tc>
+                <a:extLst>
+                  <a:ext uri="{0D108BD9-81ED-4DB2-BD59-A6C34878D82A}">
+                    <a16:rowId xmlns:a16="http://schemas.microsoft.com/office/drawing/2014/main" val="10005"/>
+                  </a:ext>
+                </a:extLst>
               </a:tr>
             </a:tbl>
           </a:graphicData>
@@ -32016,13 +31632,6 @@
   <p:clrMapOvr>
     <a:masterClrMapping/>
   </p:clrMapOvr>
-  <p:timing>
-    <p:tnLst>
-      <p:par>
-        <p:cTn id="1" dur="indefinite" restart="never" nodeType="tmRoot"/>
-      </p:par>
-    </p:tnLst>
-  </p:timing>
 </p:sld>
 </file>
 
@@ -32056,7 +31665,7 @@
         <p:spPr>
           <a:extLst>
             <a:ext uri="{FAA26D3D-D897-4be2-8F04-BA451C77F1D7}">
-              <ma14:placeholderFlag xmlns="" xmlns:ma14="http://schemas.microsoft.com/office/mac/drawingml/2011/main" val="1"/>
+              <ma14:placeholderFlag xmlns:ma14="http://schemas.microsoft.com/office/mac/drawingml/2011/main" xmlns="" val="1"/>
             </a:ext>
           </a:extLst>
         </p:spPr>
@@ -32067,10 +31676,9 @@
           <a:lstStyle/>
           <a:p>
             <a:r>
-              <a:rPr lang="vi-VN" altLang="en-US" sz="2700" dirty="0" smtClean="0"/>
+              <a:rPr lang="vi-VN" altLang="en-US" sz="2700" dirty="0"/>
               <a:t>CÁC PHƯƠNG THỨC</a:t>
             </a:r>
-            <a:endParaRPr lang="vi-VN" altLang="en-US" sz="2700" dirty="0"/>
           </a:p>
         </p:txBody>
       </p:sp>
@@ -32099,8 +31707,20 @@
                 <a:tableStyleId>{0660B408-B3CF-4A94-85FC-2B1E0A45F4A2}</a:tableStyleId>
               </a:tblPr>
               <a:tblGrid>
-                <a:gridCol w="3803371"/>
-                <a:gridCol w="5119077"/>
+                <a:gridCol w="3803371">
+                  <a:extLst>
+                    <a:ext uri="{9D8B030D-6E8A-4147-A177-3AD203B41FA5}">
+                      <a16:colId xmlns:a16="http://schemas.microsoft.com/office/drawing/2014/main" val="20000"/>
+                    </a:ext>
+                  </a:extLst>
+                </a:gridCol>
+                <a:gridCol w="5119077">
+                  <a:extLst>
+                    <a:ext uri="{9D8B030D-6E8A-4147-A177-3AD203B41FA5}">
+                      <a16:colId xmlns:a16="http://schemas.microsoft.com/office/drawing/2014/main" val="20001"/>
+                    </a:ext>
+                  </a:extLst>
+                </a:gridCol>
               </a:tblGrid>
               <a:tr h="518923">
                 <a:tc>
@@ -32179,6 +31799,11 @@
                   </a:txBody>
                   <a:tcPr marL="114300" marR="114300" marT="114300" marB="114300"/>
                 </a:tc>
+                <a:extLst>
+                  <a:ext uri="{0D108BD9-81ED-4DB2-BD59-A6C34878D82A}">
+                    <a16:rowId xmlns:a16="http://schemas.microsoft.com/office/drawing/2014/main" val="10000"/>
+                  </a:ext>
+                </a:extLst>
               </a:tr>
               <a:tr h="474782">
                 <a:tc>
@@ -32290,21 +31915,7 @@
                           <a:ea typeface="Calibri" panose="020F0502020204030204" pitchFamily="34" charset="0"/>
                           <a:cs typeface="Times New Roman" panose="02020603050405020304" pitchFamily="18" charset="0"/>
                         </a:rPr>
-                        <a:t> </a:t>
-                      </a:r>
-                      <a:r>
-                        <a:rPr lang="en-US" sz="1600" b="0" dirty="0" smtClean="0">
-                          <a:solidFill>
-                            <a:schemeClr val="bg2">
-                              <a:lumMod val="50000"/>
-                            </a:schemeClr>
-                          </a:solidFill>
-                          <a:effectLst/>
-                          <a:latin typeface="Calibri" panose="020F0502020204030204" pitchFamily="34" charset="0"/>
-                          <a:ea typeface="Calibri" panose="020F0502020204030204" pitchFamily="34" charset="0"/>
-                          <a:cs typeface="Times New Roman" panose="02020603050405020304" pitchFamily="18" charset="0"/>
-                        </a:rPr>
-                        <a:t>8 byte </a:t>
+                        <a:t> 8 byte </a:t>
                       </a:r>
                       <a:r>
                         <a:rPr lang="en-US" sz="1600" b="0" dirty="0" err="1">
@@ -32534,6 +32145,11 @@
                   </a:txBody>
                   <a:tcPr marL="76200" marR="76200" marT="76200" marB="76200"/>
                 </a:tc>
+                <a:extLst>
+                  <a:ext uri="{0D108BD9-81ED-4DB2-BD59-A6C34878D82A}">
+                    <a16:rowId xmlns:a16="http://schemas.microsoft.com/office/drawing/2014/main" val="10001"/>
+                  </a:ext>
+                </a:extLst>
               </a:tr>
               <a:tr h="658595">
                 <a:tc>
@@ -32945,6 +32561,11 @@
                   </a:txBody>
                   <a:tcPr marL="76200" marR="76200" marT="76200" marB="76200"/>
                 </a:tc>
+                <a:extLst>
+                  <a:ext uri="{0D108BD9-81ED-4DB2-BD59-A6C34878D82A}">
+                    <a16:rowId xmlns:a16="http://schemas.microsoft.com/office/drawing/2014/main" val="10002"/>
+                  </a:ext>
+                </a:extLst>
               </a:tr>
               <a:tr h="399259">
                 <a:tc>
@@ -33202,6 +32823,11 @@
                   </a:txBody>
                   <a:tcPr marL="76200" marR="76200" marT="76200" marB="76200"/>
                 </a:tc>
+                <a:extLst>
+                  <a:ext uri="{0D108BD9-81ED-4DB2-BD59-A6C34878D82A}">
+                    <a16:rowId xmlns:a16="http://schemas.microsoft.com/office/drawing/2014/main" val="10003"/>
+                  </a:ext>
+                </a:extLst>
               </a:tr>
               <a:tr h="399259">
                 <a:tc>
@@ -33571,6 +33197,11 @@
                   </a:txBody>
                   <a:tcPr marL="76200" marR="76200" marT="76200" marB="76200"/>
                 </a:tc>
+                <a:extLst>
+                  <a:ext uri="{0D108BD9-81ED-4DB2-BD59-A6C34878D82A}">
+                    <a16:rowId xmlns:a16="http://schemas.microsoft.com/office/drawing/2014/main" val="10004"/>
+                  </a:ext>
+                </a:extLst>
               </a:tr>
               <a:tr h="658595">
                 <a:tc>
@@ -33996,6 +33627,11 @@
                   </a:txBody>
                   <a:tcPr marL="76200" marR="76200" marT="76200" marB="76200"/>
                 </a:tc>
+                <a:extLst>
+                  <a:ext uri="{0D108BD9-81ED-4DB2-BD59-A6C34878D82A}">
+                    <a16:rowId xmlns:a16="http://schemas.microsoft.com/office/drawing/2014/main" val="10005"/>
+                  </a:ext>
+                </a:extLst>
               </a:tr>
               <a:tr h="657016">
                 <a:tc>
@@ -34225,6 +33861,11 @@
                   </a:txBody>
                   <a:tcPr marL="76200" marR="76200" marT="76200" marB="76200"/>
                 </a:tc>
+                <a:extLst>
+                  <a:ext uri="{0D108BD9-81ED-4DB2-BD59-A6C34878D82A}">
+                    <a16:rowId xmlns:a16="http://schemas.microsoft.com/office/drawing/2014/main" val="10006"/>
+                  </a:ext>
+                </a:extLst>
               </a:tr>
             </a:tbl>
           </a:graphicData>
@@ -34240,13 +33881,6 @@
   <p:clrMapOvr>
     <a:masterClrMapping/>
   </p:clrMapOvr>
-  <p:timing>
-    <p:tnLst>
-      <p:par>
-        <p:cTn id="1" dur="indefinite" restart="never" nodeType="tmRoot"/>
-      </p:par>
-    </p:tnLst>
-  </p:timing>
 </p:sld>
 </file>
 
@@ -34280,7 +33914,7 @@
         <p:spPr>
           <a:extLst>
             <a:ext uri="{FAA26D3D-D897-4be2-8F04-BA451C77F1D7}">
-              <ma14:placeholderFlag xmlns="" xmlns:ma14="http://schemas.microsoft.com/office/mac/drawingml/2011/main" val="1"/>
+              <ma14:placeholderFlag xmlns:ma14="http://schemas.microsoft.com/office/mac/drawingml/2011/main" xmlns="" val="1"/>
             </a:ext>
           </a:extLst>
         </p:spPr>
@@ -34291,15 +33925,15 @@
           <a:lstStyle/>
           <a:p>
             <a:r>
-              <a:rPr lang="en-US" altLang="en-US" sz="2700" dirty="0" err="1" smtClean="0"/>
+              <a:rPr lang="en-US" altLang="en-US" sz="2700" dirty="0" err="1"/>
               <a:t>VÍ</a:t>
             </a:r>
             <a:r>
-              <a:rPr lang="en-US" altLang="en-US" sz="2700" dirty="0" smtClean="0"/>
+              <a:rPr lang="en-US" altLang="en-US" sz="2700" dirty="0"/>
               <a:t> </a:t>
             </a:r>
             <a:r>
-              <a:rPr lang="en-US" altLang="en-US" sz="2700" dirty="0" err="1" smtClean="0"/>
+              <a:rPr lang="en-US" altLang="en-US" sz="2700" dirty="0" err="1"/>
               <a:t>DỤ</a:t>
             </a:r>
             <a:endParaRPr lang="en-US" altLang="en-US" sz="2700" dirty="0"/>
@@ -34345,13 +33979,6 @@
   <p:clrMapOvr>
     <a:masterClrMapping/>
   </p:clrMapOvr>
-  <p:timing>
-    <p:tnLst>
-      <p:par>
-        <p:cTn id="1" dur="indefinite" restart="never" nodeType="tmRoot"/>
-      </p:par>
-    </p:tnLst>
-  </p:timing>
 </p:sld>
 </file>
 
@@ -34419,13 +34046,6 @@
   <p:clrMapOvr>
     <a:masterClrMapping/>
   </p:clrMapOvr>
-  <p:timing>
-    <p:tnLst>
-      <p:par>
-        <p:cTn id="1" dur="indefinite" restart="never" nodeType="tmRoot"/>
-      </p:par>
-    </p:tnLst>
-  </p:timing>
 </p:sld>
 </file>
 
@@ -34459,7 +34079,7 @@
         <p:spPr>
           <a:extLst>
             <a:ext uri="{FAA26D3D-D897-4be2-8F04-BA451C77F1D7}">
-              <ma14:placeholderFlag xmlns="" xmlns:ma14="http://schemas.microsoft.com/office/mac/drawingml/2011/main" val="1"/>
+              <ma14:placeholderFlag xmlns:ma14="http://schemas.microsoft.com/office/mac/drawingml/2011/main" xmlns="" val="1"/>
             </a:ext>
           </a:extLst>
         </p:spPr>
@@ -34470,7 +34090,7 @@
           <a:lstStyle/>
           <a:p>
             <a:r>
-              <a:rPr lang="vi-VN" altLang="en-US" sz="2700" dirty="0" smtClean="0"/>
+              <a:rPr lang="vi-VN" altLang="en-US" sz="2700" dirty="0"/>
               <a:t>GIỚI THIỆU</a:t>
             </a:r>
             <a:endParaRPr lang="en-US" altLang="en-US" sz="2700" dirty="0"/>
@@ -34544,14 +34164,6 @@
               </a:rPr>
               <a:t>Ứng dụng Java thường sử dụng dòng đầu ra dữ liệu để ghi dữ liệu mà sau này dòng đầu vào dữ liệu có thể đọc được.</a:t>
             </a:r>
-            <a:endParaRPr lang="vi-VN" sz="1800" dirty="0">
-              <a:solidFill>
-                <a:srgbClr val="343A40"/>
-              </a:solidFill>
-              <a:latin typeface="Segoe UI" panose="020B0502040204020203" pitchFamily="34" charset="0"/>
-              <a:ea typeface="Times New Roman" panose="02020603050405020304" pitchFamily="18" charset="0"/>
-              <a:cs typeface="Times New Roman" panose="02020603050405020304" pitchFamily="18" charset="0"/>
-            </a:endParaRPr>
           </a:p>
         </p:txBody>
       </p:sp>
@@ -34580,8 +34192,20 @@
                 <a:tableStyleId>{0660B408-B3CF-4A94-85FC-2B1E0A45F4A2}</a:tableStyleId>
               </a:tblPr>
               <a:tblGrid>
-                <a:gridCol w="4008134"/>
-                <a:gridCol w="4748042"/>
+                <a:gridCol w="4008134">
+                  <a:extLst>
+                    <a:ext uri="{9D8B030D-6E8A-4147-A177-3AD203B41FA5}">
+                      <a16:colId xmlns:a16="http://schemas.microsoft.com/office/drawing/2014/main" val="20000"/>
+                    </a:ext>
+                  </a:extLst>
+                </a:gridCol>
+                <a:gridCol w="4748042">
+                  <a:extLst>
+                    <a:ext uri="{9D8B030D-6E8A-4147-A177-3AD203B41FA5}">
+                      <a16:colId xmlns:a16="http://schemas.microsoft.com/office/drawing/2014/main" val="20001"/>
+                    </a:ext>
+                  </a:extLst>
+                </a:gridCol>
               </a:tblGrid>
               <a:tr h="317098">
                 <a:tc>
@@ -34654,6 +34278,11 @@
                   </a:txBody>
                   <a:tcPr marL="114300" marR="114300" marT="114300" marB="114300"/>
                 </a:tc>
+                <a:extLst>
+                  <a:ext uri="{0D108BD9-81ED-4DB2-BD59-A6C34878D82A}">
+                    <a16:rowId xmlns:a16="http://schemas.microsoft.com/office/drawing/2014/main" val="10000"/>
+                  </a:ext>
+                </a:extLst>
               </a:tr>
               <a:tr h="431271">
                 <a:tc>
@@ -35328,6 +34957,11 @@
                   </a:txBody>
                   <a:tcPr marL="95250" marR="95250" marT="133350" marB="133350" anchor="ctr"/>
                 </a:tc>
+                <a:extLst>
+                  <a:ext uri="{0D108BD9-81ED-4DB2-BD59-A6C34878D82A}">
+                    <a16:rowId xmlns:a16="http://schemas.microsoft.com/office/drawing/2014/main" val="10001"/>
+                  </a:ext>
+                </a:extLst>
               </a:tr>
             </a:tbl>
           </a:graphicData>
@@ -35355,11 +34989,11 @@
           <a:lstStyle/>
           <a:p>
             <a:r>
-              <a:rPr lang="en-US" sz="1800" dirty="0" smtClean="0"/>
+              <a:rPr lang="en-US" sz="1800" dirty="0"/>
               <a:t>Hàm </a:t>
             </a:r>
             <a:r>
-              <a:rPr lang="en-US" sz="1800" dirty="0" err="1" smtClean="0"/>
+              <a:rPr lang="en-US" sz="1800" dirty="0" err="1"/>
               <a:t>tạo</a:t>
             </a:r>
             <a:endParaRPr lang="en-US" sz="1800" dirty="0"/>
@@ -35376,13 +35010,6 @@
   <p:clrMapOvr>
     <a:masterClrMapping/>
   </p:clrMapOvr>
-  <p:timing>
-    <p:tnLst>
-      <p:par>
-        <p:cTn id="1" dur="indefinite" restart="never" nodeType="tmRoot"/>
-      </p:par>
-    </p:tnLst>
-  </p:timing>
 </p:sld>
 </file>
 
@@ -35416,7 +35043,7 @@
         <p:spPr>
           <a:extLst>
             <a:ext uri="{FAA26D3D-D897-4be2-8F04-BA451C77F1D7}">
-              <ma14:placeholderFlag xmlns="" xmlns:ma14="http://schemas.microsoft.com/office/mac/drawingml/2011/main" val="1"/>
+              <ma14:placeholderFlag xmlns:ma14="http://schemas.microsoft.com/office/mac/drawingml/2011/main" xmlns="" val="1"/>
             </a:ext>
           </a:extLst>
         </p:spPr>
@@ -35427,11 +35054,11 @@
           <a:lstStyle/>
           <a:p>
             <a:r>
-              <a:rPr lang="en-US" altLang="en-US" sz="2700" dirty="0" smtClean="0"/>
+              <a:rPr lang="en-US" altLang="en-US" sz="2700" dirty="0"/>
               <a:t>GIỚI </a:t>
             </a:r>
             <a:r>
-              <a:rPr lang="en-US" altLang="en-US" sz="2700" dirty="0" err="1" smtClean="0"/>
+              <a:rPr lang="en-US" altLang="en-US" sz="2700" dirty="0" err="1"/>
               <a:t>THIỆU</a:t>
             </a:r>
             <a:endParaRPr lang="en-US" altLang="en-US" sz="2700" dirty="0"/>
@@ -35479,27 +35106,8 @@
                 <a:ea typeface="Times New Roman" panose="02020603050405020304" pitchFamily="18" charset="0"/>
                 <a:cs typeface="Times New Roman" panose="02020603050405020304" pitchFamily="18" charset="0"/>
               </a:rPr>
-              <a:t>Một chương trình sử dụng dòng vào (input stream) để đọc dữ liệu từ một nguồn, mỗi lần một mục</a:t>
-            </a:r>
-            <a:r>
-              <a:rPr lang="vi-VN" sz="1800" dirty="0" smtClean="0">
-                <a:solidFill>
-                  <a:srgbClr val="343A40"/>
-                </a:solidFill>
-                <a:latin typeface="Segoe UI" panose="020B0502040204020203" pitchFamily="34" charset="0"/>
-                <a:ea typeface="Times New Roman" panose="02020603050405020304" pitchFamily="18" charset="0"/>
-                <a:cs typeface="Times New Roman" panose="02020603050405020304" pitchFamily="18" charset="0"/>
-              </a:rPr>
-              <a:t>: </a:t>
-            </a:r>
-            <a:endParaRPr lang="vi-VN" sz="1800" dirty="0">
-              <a:solidFill>
-                <a:srgbClr val="343A40"/>
-              </a:solidFill>
-              <a:latin typeface="Segoe UI" panose="020B0502040204020203" pitchFamily="34" charset="0"/>
-              <a:ea typeface="Times New Roman" panose="02020603050405020304" pitchFamily="18" charset="0"/>
-              <a:cs typeface="Times New Roman" panose="02020603050405020304" pitchFamily="18" charset="0"/>
-            </a:endParaRPr>
+              <a:t>Một chương trình sử dụng dòng vào (input stream) để đọc dữ liệu từ một nguồn, mỗi lần một mục: </a:t>
+            </a:r>
           </a:p>
         </p:txBody>
       </p:sp>
@@ -35546,13 +35154,6 @@
   <p:clrMapOvr>
     <a:masterClrMapping/>
   </p:clrMapOvr>
-  <p:timing>
-    <p:tnLst>
-      <p:par>
-        <p:cTn id="1" dur="indefinite" restart="never" nodeType="tmRoot"/>
-      </p:par>
-    </p:tnLst>
-  </p:timing>
 </p:sld>
 </file>
 
@@ -35586,7 +35187,7 @@
         <p:spPr>
           <a:extLst>
             <a:ext uri="{FAA26D3D-D897-4be2-8F04-BA451C77F1D7}">
-              <ma14:placeholderFlag xmlns="" xmlns:ma14="http://schemas.microsoft.com/office/mac/drawingml/2011/main" val="1"/>
+              <ma14:placeholderFlag xmlns:ma14="http://schemas.microsoft.com/office/mac/drawingml/2011/main" xmlns="" val="1"/>
             </a:ext>
           </a:extLst>
         </p:spPr>
@@ -35597,10 +35198,9 @@
           <a:lstStyle/>
           <a:p>
             <a:r>
-              <a:rPr lang="vi-VN" altLang="en-US" sz="2700" dirty="0" smtClean="0"/>
+              <a:rPr lang="vi-VN" altLang="en-US" sz="2700" dirty="0"/>
               <a:t>CÁC PHƯƠNG THỨC</a:t>
             </a:r>
-            <a:endParaRPr lang="vi-VN" altLang="en-US" sz="2700" dirty="0"/>
           </a:p>
         </p:txBody>
       </p:sp>
@@ -35629,8 +35229,20 @@
                 <a:tableStyleId>{0660B408-B3CF-4A94-85FC-2B1E0A45F4A2}</a:tableStyleId>
               </a:tblPr>
               <a:tblGrid>
-                <a:gridCol w="3185956"/>
-                <a:gridCol w="5736492"/>
+                <a:gridCol w="3185956">
+                  <a:extLst>
+                    <a:ext uri="{9D8B030D-6E8A-4147-A177-3AD203B41FA5}">
+                      <a16:colId xmlns:a16="http://schemas.microsoft.com/office/drawing/2014/main" val="20000"/>
+                    </a:ext>
+                  </a:extLst>
+                </a:gridCol>
+                <a:gridCol w="5736492">
+                  <a:extLst>
+                    <a:ext uri="{9D8B030D-6E8A-4147-A177-3AD203B41FA5}">
+                      <a16:colId xmlns:a16="http://schemas.microsoft.com/office/drawing/2014/main" val="20001"/>
+                    </a:ext>
+                  </a:extLst>
+                </a:gridCol>
               </a:tblGrid>
               <a:tr h="490089">
                 <a:tc>
@@ -35709,6 +35321,11 @@
                   </a:txBody>
                   <a:tcPr marL="114300" marR="114300" marT="114300" marB="114300"/>
                 </a:tc>
+                <a:extLst>
+                  <a:ext uri="{0D108BD9-81ED-4DB2-BD59-A6C34878D82A}">
+                    <a16:rowId xmlns:a16="http://schemas.microsoft.com/office/drawing/2014/main" val="10000"/>
+                  </a:ext>
+                </a:extLst>
               </a:tr>
               <a:tr h="435184">
                 <a:tc>
@@ -36089,6 +35706,11 @@
                   </a:txBody>
                   <a:tcPr marL="76200" marR="76200" marT="76200" marB="76200"/>
                 </a:tc>
+                <a:extLst>
+                  <a:ext uri="{0D108BD9-81ED-4DB2-BD59-A6C34878D82A}">
+                    <a16:rowId xmlns:a16="http://schemas.microsoft.com/office/drawing/2014/main" val="10001"/>
+                  </a:ext>
+                </a:extLst>
               </a:tr>
               <a:tr h="399048">
                 <a:tc>
@@ -36458,6 +36080,11 @@
                   </a:txBody>
                   <a:tcPr marL="76200" marR="76200" marT="76200" marB="76200"/>
                 </a:tc>
+                <a:extLst>
+                  <a:ext uri="{0D108BD9-81ED-4DB2-BD59-A6C34878D82A}">
+                    <a16:rowId xmlns:a16="http://schemas.microsoft.com/office/drawing/2014/main" val="10002"/>
+                  </a:ext>
+                </a:extLst>
               </a:tr>
               <a:tr h="399048">
                 <a:tc>
@@ -36824,6 +36451,11 @@
                   </a:txBody>
                   <a:tcPr marL="76200" marR="76200" marT="76200" marB="76200"/>
                 </a:tc>
+                <a:extLst>
+                  <a:ext uri="{0D108BD9-81ED-4DB2-BD59-A6C34878D82A}">
+                    <a16:rowId xmlns:a16="http://schemas.microsoft.com/office/drawing/2014/main" val="10003"/>
+                  </a:ext>
+                </a:extLst>
               </a:tr>
               <a:tr h="399048">
                 <a:tc>
@@ -37249,6 +36881,11 @@
                   </a:txBody>
                   <a:tcPr marL="76200" marR="76200" marT="76200" marB="76200"/>
                 </a:tc>
+                <a:extLst>
+                  <a:ext uri="{0D108BD9-81ED-4DB2-BD59-A6C34878D82A}">
+                    <a16:rowId xmlns:a16="http://schemas.microsoft.com/office/drawing/2014/main" val="10004"/>
+                  </a:ext>
+                </a:extLst>
               </a:tr>
               <a:tr h="497321">
                 <a:tc>
@@ -37674,6 +37311,11 @@
                   </a:txBody>
                   <a:tcPr marL="76200" marR="76200" marT="76200" marB="76200"/>
                 </a:tc>
+                <a:extLst>
+                  <a:ext uri="{0D108BD9-81ED-4DB2-BD59-A6C34878D82A}">
+                    <a16:rowId xmlns:a16="http://schemas.microsoft.com/office/drawing/2014/main" val="10005"/>
+                  </a:ext>
+                </a:extLst>
               </a:tr>
               <a:tr h="399048">
                 <a:tc>
@@ -38183,6 +37825,11 @@
                   </a:txBody>
                   <a:tcPr marL="76200" marR="76200" marT="76200" marB="76200"/>
                 </a:tc>
+                <a:extLst>
+                  <a:ext uri="{0D108BD9-81ED-4DB2-BD59-A6C34878D82A}">
+                    <a16:rowId xmlns:a16="http://schemas.microsoft.com/office/drawing/2014/main" val="10006"/>
+                  </a:ext>
+                </a:extLst>
               </a:tr>
               <a:tr h="602220">
                 <a:tc>
@@ -38524,6 +38171,11 @@
                   </a:txBody>
                   <a:tcPr marL="76200" marR="76200" marT="76200" marB="76200"/>
                 </a:tc>
+                <a:extLst>
+                  <a:ext uri="{0D108BD9-81ED-4DB2-BD59-A6C34878D82A}">
+                    <a16:rowId xmlns:a16="http://schemas.microsoft.com/office/drawing/2014/main" val="10007"/>
+                  </a:ext>
+                </a:extLst>
               </a:tr>
             </a:tbl>
           </a:graphicData>
@@ -38539,13 +38191,6 @@
   <p:clrMapOvr>
     <a:masterClrMapping/>
   </p:clrMapOvr>
-  <p:timing>
-    <p:tnLst>
-      <p:par>
-        <p:cTn id="1" dur="indefinite" restart="never" nodeType="tmRoot"/>
-      </p:par>
-    </p:tnLst>
-  </p:timing>
 </p:sld>
 </file>
 
@@ -38579,7 +38224,7 @@
         <p:spPr>
           <a:extLst>
             <a:ext uri="{FAA26D3D-D897-4be2-8F04-BA451C77F1D7}">
-              <ma14:placeholderFlag xmlns="" xmlns:ma14="http://schemas.microsoft.com/office/mac/drawingml/2011/main" val="1"/>
+              <ma14:placeholderFlag xmlns:ma14="http://schemas.microsoft.com/office/mac/drawingml/2011/main" xmlns="" val="1"/>
             </a:ext>
           </a:extLst>
         </p:spPr>
@@ -38590,10 +38235,9 @@
           <a:lstStyle/>
           <a:p>
             <a:r>
-              <a:rPr lang="vi-VN" altLang="en-US" sz="2700" dirty="0" smtClean="0"/>
+              <a:rPr lang="vi-VN" altLang="en-US" sz="2700" dirty="0"/>
               <a:t>CÁC PHƯƠNG THỨC</a:t>
             </a:r>
-            <a:endParaRPr lang="vi-VN" altLang="en-US" sz="2700" dirty="0"/>
           </a:p>
         </p:txBody>
       </p:sp>
@@ -38622,8 +38266,20 @@
                 <a:tableStyleId>{0660B408-B3CF-4A94-85FC-2B1E0A45F4A2}</a:tableStyleId>
               </a:tblPr>
               <a:tblGrid>
-                <a:gridCol w="2912418"/>
-                <a:gridCol w="6010030"/>
+                <a:gridCol w="2912418">
+                  <a:extLst>
+                    <a:ext uri="{9D8B030D-6E8A-4147-A177-3AD203B41FA5}">
+                      <a16:colId xmlns:a16="http://schemas.microsoft.com/office/drawing/2014/main" val="20000"/>
+                    </a:ext>
+                  </a:extLst>
+                </a:gridCol>
+                <a:gridCol w="6010030">
+                  <a:extLst>
+                    <a:ext uri="{9D8B030D-6E8A-4147-A177-3AD203B41FA5}">
+                      <a16:colId xmlns:a16="http://schemas.microsoft.com/office/drawing/2014/main" val="20001"/>
+                    </a:ext>
+                  </a:extLst>
+                </a:gridCol>
               </a:tblGrid>
               <a:tr h="492233">
                 <a:tc>
@@ -38702,6 +38358,11 @@
                   </a:txBody>
                   <a:tcPr marL="114300" marR="114300" marT="114300" marB="114300"/>
                 </a:tc>
+                <a:extLst>
+                  <a:ext uri="{0D108BD9-81ED-4DB2-BD59-A6C34878D82A}">
+                    <a16:rowId xmlns:a16="http://schemas.microsoft.com/office/drawing/2014/main" val="10000"/>
+                  </a:ext>
+                </a:extLst>
               </a:tr>
               <a:tr h="389680">
                 <a:tc>
@@ -38805,6 +38466,11 @@
                   </a:txBody>
                   <a:tcPr marL="76200" marR="76200" marT="76200" marB="76200" anchor="ctr"/>
                 </a:tc>
+                <a:extLst>
+                  <a:ext uri="{0D108BD9-81ED-4DB2-BD59-A6C34878D82A}">
+                    <a16:rowId xmlns:a16="http://schemas.microsoft.com/office/drawing/2014/main" val="10001"/>
+                  </a:ext>
+                </a:extLst>
               </a:tr>
               <a:tr h="344565">
                 <a:tc>
@@ -38936,6 +38602,11 @@
                   </a:txBody>
                   <a:tcPr marL="76200" marR="76200" marT="76200" marB="76200" anchor="ctr"/>
                 </a:tc>
+                <a:extLst>
+                  <a:ext uri="{0D108BD9-81ED-4DB2-BD59-A6C34878D82A}">
+                    <a16:rowId xmlns:a16="http://schemas.microsoft.com/office/drawing/2014/main" val="10002"/>
+                  </a:ext>
+                </a:extLst>
               </a:tr>
               <a:tr h="389680">
                 <a:tc>
@@ -39067,6 +38738,11 @@
                   </a:txBody>
                   <a:tcPr marL="76200" marR="76200" marT="76200" marB="76200" anchor="ctr"/>
                 </a:tc>
+                <a:extLst>
+                  <a:ext uri="{0D108BD9-81ED-4DB2-BD59-A6C34878D82A}">
+                    <a16:rowId xmlns:a16="http://schemas.microsoft.com/office/drawing/2014/main" val="10003"/>
+                  </a:ext>
+                </a:extLst>
               </a:tr>
               <a:tr h="389680">
                 <a:tc>
@@ -39405,6 +39081,11 @@
                   </a:txBody>
                   <a:tcPr marL="76200" marR="76200" marT="76200" marB="76200" anchor="ctr"/>
                 </a:tc>
+                <a:extLst>
+                  <a:ext uri="{0D108BD9-81ED-4DB2-BD59-A6C34878D82A}">
+                    <a16:rowId xmlns:a16="http://schemas.microsoft.com/office/drawing/2014/main" val="10004"/>
+                  </a:ext>
+                </a:extLst>
               </a:tr>
               <a:tr h="389680">
                 <a:tc>
@@ -39687,6 +39368,11 @@
                   </a:txBody>
                   <a:tcPr marL="76200" marR="76200" marT="76200" marB="76200" anchor="ctr"/>
                 </a:tc>
+                <a:extLst>
+                  <a:ext uri="{0D108BD9-81ED-4DB2-BD59-A6C34878D82A}">
+                    <a16:rowId xmlns:a16="http://schemas.microsoft.com/office/drawing/2014/main" val="10005"/>
+                  </a:ext>
+                </a:extLst>
               </a:tr>
               <a:tr h="389680">
                 <a:tc>
@@ -40224,6 +39910,11 @@
                   </a:txBody>
                   <a:tcPr marL="76200" marR="76200" marT="76200" marB="76200" anchor="ctr"/>
                 </a:tc>
+                <a:extLst>
+                  <a:ext uri="{0D108BD9-81ED-4DB2-BD59-A6C34878D82A}">
+                    <a16:rowId xmlns:a16="http://schemas.microsoft.com/office/drawing/2014/main" val="10006"/>
+                  </a:ext>
+                </a:extLst>
               </a:tr>
               <a:tr h="529400">
                 <a:tc>
@@ -40453,6 +40144,11 @@
                   </a:txBody>
                   <a:tcPr marL="76200" marR="76200" marT="76200" marB="76200" anchor="ctr"/>
                 </a:tc>
+                <a:extLst>
+                  <a:ext uri="{0D108BD9-81ED-4DB2-BD59-A6C34878D82A}">
+                    <a16:rowId xmlns:a16="http://schemas.microsoft.com/office/drawing/2014/main" val="10007"/>
+                  </a:ext>
+                </a:extLst>
               </a:tr>
             </a:tbl>
           </a:graphicData>
@@ -40468,13 +40164,6 @@
   <p:clrMapOvr>
     <a:masterClrMapping/>
   </p:clrMapOvr>
-  <p:timing>
-    <p:tnLst>
-      <p:par>
-        <p:cTn id="1" dur="indefinite" restart="never" nodeType="tmRoot"/>
-      </p:par>
-    </p:tnLst>
-  </p:timing>
 </p:sld>
 </file>
 
@@ -40508,7 +40197,7 @@
         <p:spPr>
           <a:extLst>
             <a:ext uri="{FAA26D3D-D897-4be2-8F04-BA451C77F1D7}">
-              <ma14:placeholderFlag xmlns="" xmlns:ma14="http://schemas.microsoft.com/office/mac/drawingml/2011/main" val="1"/>
+              <ma14:placeholderFlag xmlns:ma14="http://schemas.microsoft.com/office/mac/drawingml/2011/main" xmlns="" val="1"/>
             </a:ext>
           </a:extLst>
         </p:spPr>
@@ -40519,15 +40208,15 @@
           <a:lstStyle/>
           <a:p>
             <a:r>
-              <a:rPr lang="en-US" altLang="en-US" sz="2700" dirty="0" err="1" smtClean="0"/>
+              <a:rPr lang="en-US" altLang="en-US" sz="2700" dirty="0" err="1"/>
               <a:t>VÍ</a:t>
             </a:r>
             <a:r>
-              <a:rPr lang="en-US" altLang="en-US" sz="2700" dirty="0" smtClean="0"/>
+              <a:rPr lang="en-US" altLang="en-US" sz="2700" dirty="0"/>
               <a:t> </a:t>
             </a:r>
             <a:r>
-              <a:rPr lang="en-US" altLang="en-US" sz="2700" dirty="0" err="1" smtClean="0"/>
+              <a:rPr lang="en-US" altLang="en-US" sz="2700" dirty="0" err="1"/>
               <a:t>DỤ</a:t>
             </a:r>
             <a:endParaRPr lang="vi-VN" altLang="en-US" sz="2700" dirty="0"/>
@@ -40573,13 +40262,6 @@
   <p:clrMapOvr>
     <a:masterClrMapping/>
   </p:clrMapOvr>
-  <p:timing>
-    <p:tnLst>
-      <p:par>
-        <p:cTn id="1" dur="indefinite" restart="never" nodeType="tmRoot"/>
-      </p:par>
-    </p:tnLst>
-  </p:timing>
 </p:sld>
 </file>
 
@@ -40678,11 +40360,7 @@
             </a:pPr>
             <a:r>
               <a:rPr lang="en" dirty="0"/>
-              <a:t>Bài học đề cập tới</a:t>
-            </a:r>
-            <a:r>
-              <a:rPr lang="en" dirty="0" smtClean="0"/>
-              <a:t>:</a:t>
+              <a:t>Bài học đề cập tới:</a:t>
             </a:r>
           </a:p>
           <a:p>
@@ -40700,31 +40378,31 @@
           <a:p>
             <a:pPr lvl="0"/>
             <a:r>
-              <a:rPr lang="en-US" dirty="0" err="1" smtClean="0"/>
+              <a:rPr lang="en-US" dirty="0" err="1"/>
               <a:t>Dòng</a:t>
             </a:r>
             <a:r>
-              <a:rPr lang="en-US" dirty="0" smtClean="0"/>
+              <a:rPr lang="en-US" dirty="0"/>
               <a:t> </a:t>
             </a:r>
             <a:r>
-              <a:rPr lang="en-US" dirty="0" err="1" smtClean="0"/>
+              <a:rPr lang="en-US" dirty="0" err="1"/>
               <a:t>vào</a:t>
             </a:r>
             <a:r>
-              <a:rPr lang="en-US" dirty="0" smtClean="0"/>
+              <a:rPr lang="en-US" dirty="0"/>
               <a:t> </a:t>
             </a:r>
             <a:r>
-              <a:rPr lang="en-US" dirty="0" err="1" smtClean="0"/>
+              <a:rPr lang="en-US" dirty="0" err="1"/>
               <a:t>ra</a:t>
             </a:r>
             <a:r>
-              <a:rPr lang="en-US" dirty="0" smtClean="0"/>
+              <a:rPr lang="en-US" dirty="0"/>
               <a:t> </a:t>
             </a:r>
             <a:r>
-              <a:rPr lang="en-US" dirty="0" err="1" smtClean="0"/>
+              <a:rPr lang="en-US" dirty="0" err="1"/>
               <a:t>ByStream</a:t>
             </a:r>
             <a:endParaRPr lang="vi-VN" dirty="0"/>
@@ -40733,24 +40411,20 @@
             <a:pPr lvl="0"/>
             <a:r>
               <a:rPr lang="en-US" dirty="0"/>
-              <a:t>Character Streams</a:t>
-            </a:r>
-            <a:r>
-              <a:rPr lang="en-US" dirty="0" smtClean="0"/>
-              <a:t>.</a:t>
+              <a:t>Character Streams.</a:t>
             </a:r>
           </a:p>
           <a:p>
             <a:pPr lvl="0"/>
             <a:r>
-              <a:rPr lang="en-US" dirty="0" smtClean="0"/>
+              <a:rPr lang="en-US" dirty="0"/>
               <a:t>Lớp </a:t>
             </a:r>
             <a:r>
-              <a:rPr lang="en-US" dirty="0" err="1" smtClean="0"/>
+              <a:rPr lang="en-US" dirty="0" err="1"/>
               <a:t>DataInputStream</a:t>
             </a:r>
-            <a:endParaRPr lang="en-US" dirty="0" smtClean="0"/>
+            <a:endParaRPr lang="en-US" dirty="0"/>
           </a:p>
           <a:p>
             <a:pPr lvl="0"/>
@@ -40759,7 +40433,7 @@
               <a:t>Lớp </a:t>
             </a:r>
             <a:r>
-              <a:rPr lang="en-US" dirty="0" err="1" smtClean="0"/>
+              <a:rPr lang="en-US" dirty="0" err="1"/>
               <a:t>DataOutputStream</a:t>
             </a:r>
             <a:endParaRPr lang="en-US" dirty="0"/>
@@ -40771,13 +40445,110 @@
   <p:clrMapOvr>
     <a:masterClrMapping/>
   </p:clrMapOvr>
-  <p:timing>
-    <p:tnLst>
-      <p:par>
-        <p:cTn id="1" dur="indefinite" restart="never" nodeType="tmRoot"/>
-      </p:par>
-    </p:tnLst>
-  </p:timing>
+</p:sld>
+</file>
+
+<file path=ppt/slides/slide54.xml><?xml version="1.0" encoding="utf-8"?>
+<p:sld xmlns:a="http://schemas.openxmlformats.org/drawingml/2006/main" xmlns:r="http://schemas.openxmlformats.org/officeDocument/2006/relationships" xmlns:p="http://schemas.openxmlformats.org/presentationml/2006/main">
+  <p:cSld>
+    <p:spTree>
+      <p:nvGrpSpPr>
+        <p:cNvPr id="1" name=""/>
+        <p:cNvGrpSpPr/>
+        <p:nvPr/>
+      </p:nvGrpSpPr>
+      <p:grpSpPr>
+        <a:xfrm>
+          <a:off x="0" y="0"/>
+          <a:ext cx="0" cy="0"/>
+          <a:chOff x="0" y="0"/>
+          <a:chExt cx="0" cy="0"/>
+        </a:xfrm>
+      </p:grpSpPr>
+      <p:sp>
+        <p:nvSpPr>
+          <p:cNvPr id="2" name="Title 1">
+            <a:extLst>
+              <a:ext uri="{FF2B5EF4-FFF2-40B4-BE49-F238E27FC236}">
+                <a16:creationId xmlns:a16="http://schemas.microsoft.com/office/drawing/2014/main" id="{CF6D12E1-FBF4-CDF1-B80D-910C581441FA}"/>
+              </a:ext>
+            </a:extLst>
+          </p:cNvPr>
+          <p:cNvSpPr>
+            <a:spLocks noGrp="1"/>
+          </p:cNvSpPr>
+          <p:nvPr>
+            <p:ph type="title"/>
+          </p:nvPr>
+        </p:nvSpPr>
+        <p:spPr/>
+        <p:txBody>
+          <a:bodyPr>
+            <a:normAutofit fontScale="90000"/>
+          </a:bodyPr>
+          <a:lstStyle/>
+          <a:p>
+            <a:endParaRPr lang="en-US"/>
+          </a:p>
+        </p:txBody>
+      </p:sp>
+      <p:pic>
+        <p:nvPicPr>
+          <p:cNvPr id="2050" name="Picture 2">
+            <a:extLst>
+              <a:ext uri="{FF2B5EF4-FFF2-40B4-BE49-F238E27FC236}">
+                <a16:creationId xmlns:a16="http://schemas.microsoft.com/office/drawing/2014/main" id="{DEF02AC6-78FC-B7BC-B1CC-891990A6FE59}"/>
+              </a:ext>
+            </a:extLst>
+          </p:cNvPr>
+          <p:cNvPicPr>
+            <a:picLocks noChangeAspect="1" noChangeArrowheads="1"/>
+          </p:cNvPicPr>
+          <p:nvPr/>
+        </p:nvPicPr>
+        <p:blipFill>
+          <a:blip r:embed="rId2">
+            <a:extLst>
+              <a:ext uri="{28A0092B-C50C-407E-A947-70E740481C1C}">
+                <a14:useLocalDpi xmlns:a14="http://schemas.microsoft.com/office/drawing/2010/main" val="0"/>
+              </a:ext>
+            </a:extLst>
+          </a:blip>
+          <a:srcRect/>
+          <a:stretch>
+            <a:fillRect/>
+          </a:stretch>
+        </p:blipFill>
+        <p:spPr bwMode="auto">
+          <a:xfrm>
+            <a:off x="0" y="0"/>
+            <a:ext cx="9144000" cy="5143500"/>
+          </a:xfrm>
+          <a:prstGeom prst="rect">
+            <a:avLst/>
+          </a:prstGeom>
+          <a:noFill/>
+          <a:extLst>
+            <a:ext uri="{909E8E84-426E-40DD-AFC4-6F175D3DCCD1}">
+              <a14:hiddenFill xmlns:a14="http://schemas.microsoft.com/office/drawing/2010/main">
+                <a:solidFill>
+                  <a:srgbClr val="FFFFFF"/>
+                </a:solidFill>
+              </a14:hiddenFill>
+            </a:ext>
+          </a:extLst>
+        </p:spPr>
+      </p:pic>
+    </p:spTree>
+    <p:extLst>
+      <p:ext uri="{BB962C8B-B14F-4D97-AF65-F5344CB8AC3E}">
+        <p14:creationId xmlns:p14="http://schemas.microsoft.com/office/powerpoint/2010/main" val="1171021255"/>
+      </p:ext>
+    </p:extLst>
+  </p:cSld>
+  <p:clrMapOvr>
+    <a:masterClrMapping/>
+  </p:clrMapOvr>
 </p:sld>
 </file>
 
@@ -40811,7 +40582,7 @@
         <p:spPr>
           <a:extLst>
             <a:ext uri="{FAA26D3D-D897-4be2-8F04-BA451C77F1D7}">
-              <ma14:placeholderFlag xmlns="" xmlns:ma14="http://schemas.microsoft.com/office/mac/drawingml/2011/main" val="1"/>
+              <ma14:placeholderFlag xmlns:ma14="http://schemas.microsoft.com/office/mac/drawingml/2011/main" xmlns="" val="1"/>
             </a:ext>
           </a:extLst>
         </p:spPr>
@@ -40822,11 +40593,11 @@
           <a:lstStyle/>
           <a:p>
             <a:r>
-              <a:rPr lang="en-US" altLang="en-US" sz="2700" dirty="0" smtClean="0"/>
+              <a:rPr lang="en-US" altLang="en-US" sz="2700" dirty="0"/>
               <a:t>GIỚI </a:t>
             </a:r>
             <a:r>
-              <a:rPr lang="en-US" altLang="en-US" sz="2700" dirty="0" err="1" smtClean="0"/>
+              <a:rPr lang="en-US" altLang="en-US" sz="2700" dirty="0" err="1"/>
               <a:t>THIỆU</a:t>
             </a:r>
             <a:endParaRPr lang="en-US" altLang="en-US" sz="2700" dirty="0"/>
@@ -40922,13 +40693,6 @@
   <p:clrMapOvr>
     <a:masterClrMapping/>
   </p:clrMapOvr>
-  <p:timing>
-    <p:tnLst>
-      <p:par>
-        <p:cTn id="1" dur="indefinite" restart="never" nodeType="tmRoot"/>
-      </p:par>
-    </p:tnLst>
-  </p:timing>
 </p:sld>
 </file>
 
@@ -40962,7 +40726,7 @@
         <p:spPr>
           <a:extLst>
             <a:ext uri="{FAA26D3D-D897-4be2-8F04-BA451C77F1D7}">
-              <ma14:placeholderFlag xmlns="" xmlns:ma14="http://schemas.microsoft.com/office/mac/drawingml/2011/main" val="1"/>
+              <ma14:placeholderFlag xmlns:ma14="http://schemas.microsoft.com/office/mac/drawingml/2011/main" xmlns="" val="1"/>
             </a:ext>
           </a:extLst>
         </p:spPr>
@@ -40973,7 +40737,7 @@
           <a:lstStyle/>
           <a:p>
             <a:r>
-              <a:rPr lang="vi-VN" altLang="en-US" sz="2700" dirty="0" smtClean="0"/>
+              <a:rPr lang="vi-VN" altLang="en-US" sz="2700" dirty="0"/>
               <a:t>FILE I/O</a:t>
             </a:r>
             <a:endParaRPr lang="en-US" altLang="en-US" sz="2700" dirty="0"/>
@@ -41013,14 +40777,14 @@
               </a:spcAft>
             </a:pPr>
             <a:r>
-              <a:rPr lang="vi-VN" sz="1800" dirty="0" smtClean="0">
+              <a:rPr lang="vi-VN" sz="1800" dirty="0">
                 <a:latin typeface="Segoe UI" panose="020B0502040204020203" pitchFamily="34" charset="0"/>
                 <a:ea typeface="Times New Roman" panose="02020603050405020304" pitchFamily="18" charset="0"/>
                 <a:cs typeface="Times New Roman" panose="02020603050405020304" pitchFamily="18" charset="0"/>
               </a:rPr>
               <a:t>Bên cạnh I/O tiêu chuẩn, Java bao gồm một tập hợp các lớp luồng và giao diện được thiết kế tốt tạo nên hầu hết gói java.io. </a:t>
             </a:r>
-            <a:endParaRPr lang="en-US" sz="1800" dirty="0" smtClean="0">
+            <a:endParaRPr lang="en-US" sz="1800" dirty="0">
               <a:latin typeface="Segoe UI" panose="020B0502040204020203" pitchFamily="34" charset="0"/>
               <a:ea typeface="Times New Roman" panose="02020603050405020304" pitchFamily="18" charset="0"/>
               <a:cs typeface="Times New Roman" panose="02020603050405020304" pitchFamily="18" charset="0"/>
@@ -41039,30 +40803,14 @@
               </a:spcAft>
             </a:pPr>
             <a:r>
-              <a:rPr lang="vi-VN" sz="1800" dirty="0" smtClean="0">
-                <a:latin typeface="Segoe UI" panose="020B0502040204020203" pitchFamily="34" charset="0"/>
-                <a:ea typeface="Times New Roman" panose="02020603050405020304" pitchFamily="18" charset="0"/>
-                <a:cs typeface="Times New Roman" panose="02020603050405020304" pitchFamily="18" charset="0"/>
-              </a:rPr>
-              <a:t>Gói </a:t>
-            </a:r>
-            <a:r>
               <a:rPr lang="vi-VN" sz="1800" dirty="0">
                 <a:latin typeface="Segoe UI" panose="020B0502040204020203" pitchFamily="34" charset="0"/>
                 <a:ea typeface="Times New Roman" panose="02020603050405020304" pitchFamily="18" charset="0"/>
                 <a:cs typeface="Times New Roman" panose="02020603050405020304" pitchFamily="18" charset="0"/>
               </a:rPr>
-              <a:t>java.io có thể được chia nhỏ hơn nữa thành các lớp dựa trên dữ liệu mà chúng hoạt động</a:t>
-            </a:r>
-            <a:r>
-              <a:rPr lang="vi-VN" sz="1800" dirty="0" smtClean="0">
-                <a:latin typeface="Segoe UI" panose="020B0502040204020203" pitchFamily="34" charset="0"/>
-                <a:ea typeface="Times New Roman" panose="02020603050405020304" pitchFamily="18" charset="0"/>
-                <a:cs typeface="Times New Roman" panose="02020603050405020304" pitchFamily="18" charset="0"/>
-              </a:rPr>
-              <a:t>.</a:t>
-            </a:r>
-            <a:endParaRPr lang="en-US" sz="1800" dirty="0" smtClean="0">
+              <a:t>Gói java.io có thể được chia nhỏ hơn nữa thành các lớp dựa trên dữ liệu mà chúng hoạt động.</a:t>
+            </a:r>
+            <a:endParaRPr lang="en-US" sz="1800" dirty="0">
               <a:latin typeface="Segoe UI" panose="020B0502040204020203" pitchFamily="34" charset="0"/>
               <a:ea typeface="Times New Roman" panose="02020603050405020304" pitchFamily="18" charset="0"/>
               <a:cs typeface="Times New Roman" panose="02020603050405020304" pitchFamily="18" charset="0"/>
@@ -41081,20 +40829,12 @@
               </a:spcAft>
             </a:pPr>
             <a:r>
-              <a:rPr lang="vi-VN" sz="1800" dirty="0" smtClean="0">
-                <a:latin typeface="Segoe UI" panose="020B0502040204020203" pitchFamily="34" charset="0"/>
-                <a:ea typeface="Times New Roman" panose="02020603050405020304" pitchFamily="18" charset="0"/>
-                <a:cs typeface="Times New Roman" panose="02020603050405020304" pitchFamily="18" charset="0"/>
-              </a:rPr>
-              <a:t> </a:t>
-            </a:r>
-            <a:r>
               <a:rPr lang="vi-VN" sz="1800" dirty="0">
                 <a:latin typeface="Segoe UI" panose="020B0502040204020203" pitchFamily="34" charset="0"/>
                 <a:ea typeface="Times New Roman" panose="02020603050405020304" pitchFamily="18" charset="0"/>
                 <a:cs typeface="Times New Roman" panose="02020603050405020304" pitchFamily="18" charset="0"/>
               </a:rPr>
-              <a:t>Dựa trên loại dữ liệu, các lớp có thể hoạt động trên dữ liệu ký tự hoặc dữ liệu byte.</a:t>
+              <a:t> Dựa trên loại dữ liệu, các lớp có thể hoạt động trên dữ liệu ký tự hoặc dữ liệu byte.</a:t>
             </a:r>
           </a:p>
           <a:p>
@@ -41110,7 +40850,7 @@
               </a:spcAft>
             </a:pPr>
             <a:r>
-              <a:rPr lang="en-US" sz="1800" dirty="0" smtClean="0">
+              <a:rPr lang="en-US" sz="1800" dirty="0">
                 <a:latin typeface="Segoe UI" panose="020B0502040204020203" pitchFamily="34" charset="0"/>
                 <a:ea typeface="Times New Roman" panose="02020603050405020304" pitchFamily="18" charset="0"/>
                 <a:cs typeface="Times New Roman" panose="02020603050405020304" pitchFamily="18" charset="0"/>
@@ -41118,20 +40858,12 @@
               <a:t>-</a:t>
             </a:r>
             <a:r>
-              <a:rPr lang="vi-VN" sz="1800" dirty="0" smtClean="0">
-                <a:latin typeface="Segoe UI" panose="020B0502040204020203" pitchFamily="34" charset="0"/>
-                <a:ea typeface="Times New Roman" panose="02020603050405020304" pitchFamily="18" charset="0"/>
-                <a:cs typeface="Times New Roman" panose="02020603050405020304" pitchFamily="18" charset="0"/>
-              </a:rPr>
-              <a:t> </a:t>
-            </a:r>
-            <a:r>
               <a:rPr lang="vi-VN" sz="1800" dirty="0">
                 <a:latin typeface="Segoe UI" panose="020B0502040204020203" pitchFamily="34" charset="0"/>
                 <a:ea typeface="Times New Roman" panose="02020603050405020304" pitchFamily="18" charset="0"/>
                 <a:cs typeface="Times New Roman" panose="02020603050405020304" pitchFamily="18" charset="0"/>
               </a:rPr>
-              <a:t>Luồng ký tự quản lý các ký tự Unicode 16-bit.</a:t>
+              <a:t> Luồng ký tự quản lý các ký tự Unicode 16-bit.</a:t>
             </a:r>
           </a:p>
           <a:p>
@@ -41147,7 +40879,7 @@
               </a:spcAft>
             </a:pPr>
             <a:r>
-              <a:rPr lang="en-US" sz="1800" dirty="0" smtClean="0">
+              <a:rPr lang="en-US" sz="1800" dirty="0">
                 <a:latin typeface="Segoe UI" panose="020B0502040204020203" pitchFamily="34" charset="0"/>
                 <a:ea typeface="Times New Roman" panose="02020603050405020304" pitchFamily="18" charset="0"/>
                 <a:cs typeface="Times New Roman" panose="02020603050405020304" pitchFamily="18" charset="0"/>
@@ -41155,20 +40887,12 @@
               <a:t>- </a:t>
             </a:r>
             <a:r>
-              <a:rPr lang="vi-VN" sz="1800" dirty="0" smtClean="0">
-                <a:latin typeface="Segoe UI" panose="020B0502040204020203" pitchFamily="34" charset="0"/>
-                <a:ea typeface="Times New Roman" panose="02020603050405020304" pitchFamily="18" charset="0"/>
-                <a:cs typeface="Times New Roman" panose="02020603050405020304" pitchFamily="18" charset="0"/>
-              </a:rPr>
-              <a:t>Luồng </a:t>
-            </a:r>
-            <a:r>
               <a:rPr lang="vi-VN" sz="1800" dirty="0">
                 <a:latin typeface="Segoe UI" panose="020B0502040204020203" pitchFamily="34" charset="0"/>
                 <a:ea typeface="Times New Roman" panose="02020603050405020304" pitchFamily="18" charset="0"/>
                 <a:cs typeface="Times New Roman" panose="02020603050405020304" pitchFamily="18" charset="0"/>
               </a:rPr>
-              <a:t>byte quản lý các byte dữ liệu nhị phân thô 8 bit. </a:t>
+              <a:t>Luồng byte quản lý các byte dữ liệu nhị phân thô 8 bit. </a:t>
             </a:r>
             <a:endParaRPr lang="en-US" sz="1800" dirty="0">
               <a:latin typeface="Segoe UI" panose="020B0502040204020203" pitchFamily="34" charset="0"/>
@@ -41188,13 +40912,6 @@
   <p:clrMapOvr>
     <a:masterClrMapping/>
   </p:clrMapOvr>
-  <p:timing>
-    <p:tnLst>
-      <p:par>
-        <p:cTn id="1" dur="indefinite" restart="never" nodeType="tmRoot"/>
-      </p:par>
-    </p:tnLst>
-  </p:timing>
 </p:sld>
 </file>
 
@@ -41228,7 +40945,7 @@
         <p:spPr>
           <a:extLst>
             <a:ext uri="{FAA26D3D-D897-4be2-8F04-BA451C77F1D7}">
-              <ma14:placeholderFlag xmlns="" xmlns:ma14="http://schemas.microsoft.com/office/mac/drawingml/2011/main" val="1"/>
+              <ma14:placeholderFlag xmlns:ma14="http://schemas.microsoft.com/office/mac/drawingml/2011/main" xmlns="" val="1"/>
             </a:ext>
           </a:extLst>
         </p:spPr>
@@ -41239,7 +40956,7 @@
           <a:lstStyle/>
           <a:p>
             <a:r>
-              <a:rPr lang="vi-VN" altLang="en-US" sz="2700" dirty="0" smtClean="0"/>
+              <a:rPr lang="vi-VN" altLang="en-US" sz="2700" dirty="0"/>
               <a:t>FILE I/O</a:t>
             </a:r>
             <a:endParaRPr lang="en-US" altLang="en-US" sz="2700" dirty="0"/>
@@ -41279,7 +40996,7 @@
               </a:spcAft>
             </a:pPr>
             <a:r>
-              <a:rPr lang="en-US" sz="1800" dirty="0" smtClean="0">
+              <a:rPr lang="en-US" sz="1800" dirty="0">
                 <a:latin typeface="Segoe UI" panose="020B0502040204020203" pitchFamily="34" charset="0"/>
                 <a:ea typeface="Times New Roman" panose="02020603050405020304" pitchFamily="18" charset="0"/>
                 <a:cs typeface="Times New Roman" panose="02020603050405020304" pitchFamily="18" charset="0"/>
@@ -41287,20 +41004,12 @@
               <a:t>- </a:t>
             </a:r>
             <a:r>
-              <a:rPr lang="vi-VN" sz="1800" dirty="0" smtClean="0">
-                <a:latin typeface="Segoe UI" panose="020B0502040204020203" pitchFamily="34" charset="0"/>
-                <a:ea typeface="Times New Roman" panose="02020603050405020304" pitchFamily="18" charset="0"/>
-                <a:cs typeface="Times New Roman" panose="02020603050405020304" pitchFamily="18" charset="0"/>
-              </a:rPr>
-              <a:t>Các </a:t>
-            </a:r>
-            <a:r>
               <a:rPr lang="vi-VN" sz="1800" dirty="0">
                 <a:latin typeface="Segoe UI" panose="020B0502040204020203" pitchFamily="34" charset="0"/>
                 <a:ea typeface="Times New Roman" panose="02020603050405020304" pitchFamily="18" charset="0"/>
                 <a:cs typeface="Times New Roman" panose="02020603050405020304" pitchFamily="18" charset="0"/>
               </a:rPr>
-              <a:t>lớp InputStream và OutputStream và tất cả các lớp con của chúng biểu diễn cho các luồng byte</a:t>
+              <a:t>Các lớp InputStream và OutputStream và tất cả các lớp con của chúng biểu diễn cho các luồng byte</a:t>
             </a:r>
           </a:p>
           <a:p>
@@ -41316,7 +41025,7 @@
               </a:spcAft>
             </a:pPr>
             <a:r>
-              <a:rPr lang="en-US" sz="1800" dirty="0" smtClean="0">
+              <a:rPr lang="en-US" sz="1800" dirty="0">
                 <a:latin typeface="Segoe UI" panose="020B0502040204020203" pitchFamily="34" charset="0"/>
                 <a:ea typeface="Times New Roman" panose="02020603050405020304" pitchFamily="18" charset="0"/>
                 <a:cs typeface="Times New Roman" panose="02020603050405020304" pitchFamily="18" charset="0"/>
@@ -41324,20 +41033,12 @@
               <a:t>- </a:t>
             </a:r>
             <a:r>
-              <a:rPr lang="vi-VN" sz="1800" dirty="0" smtClean="0">
-                <a:latin typeface="Segoe UI" panose="020B0502040204020203" pitchFamily="34" charset="0"/>
-                <a:ea typeface="Times New Roman" panose="02020603050405020304" pitchFamily="18" charset="0"/>
-                <a:cs typeface="Times New Roman" panose="02020603050405020304" pitchFamily="18" charset="0"/>
-              </a:rPr>
-              <a:t>Các </a:t>
-            </a:r>
-            <a:r>
               <a:rPr lang="vi-VN" sz="1800" dirty="0">
                 <a:latin typeface="Segoe UI" panose="020B0502040204020203" pitchFamily="34" charset="0"/>
                 <a:ea typeface="Times New Roman" panose="02020603050405020304" pitchFamily="18" charset="0"/>
                 <a:cs typeface="Times New Roman" panose="02020603050405020304" pitchFamily="18" charset="0"/>
               </a:rPr>
-              <a:t>lớp Reader và Writer và tất cả các lớp con của chúng biểu diễn cho các luồng ký tự.</a:t>
+              <a:t>Các lớp Reader và Writer và tất cả các lớp con của chúng biểu diễn cho các luồng ký tự.</a:t>
             </a:r>
           </a:p>
         </p:txBody>
@@ -41385,13 +41086,6 @@
   <p:clrMapOvr>
     <a:masterClrMapping/>
   </p:clrMapOvr>
-  <p:timing>
-    <p:tnLst>
-      <p:par>
-        <p:cTn id="1" dur="indefinite" restart="never" nodeType="tmRoot"/>
-      </p:par>
-    </p:tnLst>
-  </p:timing>
 </p:sld>
 </file>
 
@@ -41425,7 +41119,7 @@
         <p:spPr>
           <a:extLst>
             <a:ext uri="{FAA26D3D-D897-4be2-8F04-BA451C77F1D7}">
-              <ma14:placeholderFlag xmlns="" xmlns:ma14="http://schemas.microsoft.com/office/mac/drawingml/2011/main" val="1"/>
+              <ma14:placeholderFlag xmlns:ma14="http://schemas.microsoft.com/office/mac/drawingml/2011/main" xmlns="" val="1"/>
             </a:ext>
           </a:extLst>
         </p:spPr>
@@ -41436,7 +41130,7 @@
           <a:lstStyle/>
           <a:p>
             <a:r>
-              <a:rPr lang="vi-VN" altLang="en-US" sz="2700" dirty="0" smtClean="0"/>
+              <a:rPr lang="vi-VN" altLang="en-US" sz="2700" dirty="0"/>
               <a:t>FILE I/O</a:t>
             </a:r>
             <a:endParaRPr lang="en-US" altLang="en-US" sz="2700" dirty="0"/>
@@ -41476,7 +41170,7 @@
               </a:spcAft>
             </a:pPr>
             <a:r>
-              <a:rPr lang="en-US" sz="1800" dirty="0" err="1" smtClean="0">
+              <a:rPr lang="en-US" sz="1800" dirty="0" err="1">
                 <a:latin typeface="Segoe UI" panose="020B0502040204020203" pitchFamily="34" charset="0"/>
                 <a:ea typeface="Times New Roman" panose="02020603050405020304" pitchFamily="18" charset="0"/>
                 <a:cs typeface="Times New Roman" panose="02020603050405020304" pitchFamily="18" charset="0"/>
@@ -41484,7 +41178,7 @@
               <a:t>Để</a:t>
             </a:r>
             <a:r>
-              <a:rPr lang="en-US" sz="1800" dirty="0" smtClean="0">
+              <a:rPr lang="en-US" sz="1800" dirty="0">
                 <a:latin typeface="Segoe UI" panose="020B0502040204020203" pitchFamily="34" charset="0"/>
                 <a:ea typeface="Times New Roman" panose="02020603050405020304" pitchFamily="18" charset="0"/>
                 <a:cs typeface="Times New Roman" panose="02020603050405020304" pitchFamily="18" charset="0"/>
@@ -41492,20 +41186,12 @@
               <a:t> </a:t>
             </a:r>
             <a:r>
-              <a:rPr lang="vi-VN" sz="1800" dirty="0" smtClean="0">
-                <a:latin typeface="Segoe UI" panose="020B0502040204020203" pitchFamily="34" charset="0"/>
-                <a:ea typeface="Times New Roman" panose="02020603050405020304" pitchFamily="18" charset="0"/>
-                <a:cs typeface="Times New Roman" panose="02020603050405020304" pitchFamily="18" charset="0"/>
-              </a:rPr>
-              <a:t>minh </a:t>
-            </a:r>
-            <a:r>
               <a:rPr lang="vi-VN" sz="1800" dirty="0">
                 <a:latin typeface="Segoe UI" panose="020B0502040204020203" pitchFamily="34" charset="0"/>
                 <a:ea typeface="Times New Roman" panose="02020603050405020304" pitchFamily="18" charset="0"/>
                 <a:cs typeface="Times New Roman" panose="02020603050405020304" pitchFamily="18" charset="0"/>
               </a:rPr>
-              <a:t>họa các hoạt động phổ biến của dòng vào ra I/O, loại vào ra cơ bản nhất (byte streams) sẽ được sử dụng trên tệp đầu vào xanadu.txt có nội dung sau:</a:t>
+              <a:t>minh họa các hoạt động phổ biến của dòng vào ra I/O, loại vào ra cơ bản nhất (byte streams) sẽ được sử dụng trên tệp đầu vào xanadu.txt có nội dung sau:</a:t>
             </a:r>
           </a:p>
         </p:txBody>
@@ -41543,13 +41229,6 @@
   <p:clrMapOvr>
     <a:masterClrMapping/>
   </p:clrMapOvr>
-  <p:timing>
-    <p:tnLst>
-      <p:par>
-        <p:cTn id="1" dur="indefinite" restart="never" nodeType="tmRoot"/>
-      </p:par>
-    </p:tnLst>
-  </p:timing>
 </p:sld>
 </file>
 
